--- a/SCRUM/Hoja de ruta del producto.pptx
+++ b/SCRUM/Hoja de ruta del producto.pptx
@@ -10,16 +10,17 @@
   <p:sldIdLst>
     <p:sldId id="256" r:id="rId6"/>
     <p:sldId id="257" r:id="rId7"/>
+    <p:sldId id="258" r:id="rId8"/>
   </p:sldIdLst>
   <p:sldSz cy="6858000" cx="12192000"/>
   <p:notesSz cx="6858000" cy="9144000"/>
   <p:embeddedFontLst>
     <p:embeddedFont>
       <p:font typeface="Corbel"/>
-      <p:regular r:id="rId8"/>
-      <p:bold r:id="rId9"/>
-      <p:italic r:id="rId10"/>
-      <p:boldItalic r:id="rId11"/>
+      <p:regular r:id="rId9"/>
+      <p:bold r:id="rId10"/>
+      <p:italic r:id="rId11"/>
+      <p:boldItalic r:id="rId12"/>
     </p:embeddedFont>
   </p:embeddedFontLst>
   <p:defaultTextStyle>
@@ -253,7 +254,7 @@
   </p:defaultTextStyle>
   <p:extLst>
     <p:ext uri="http://customooxmlschemas.google.com/">
-      <go:slidesCustomData xmlns:go="http://customooxmlschemas.google.com/" r:id="rId12" roundtripDataSignature="AMtx7mjhRBfNPPZYeJ24QSUj+hbgYsghHQ=="/>
+      <go:slidesCustomData xmlns:go="http://customooxmlschemas.google.com/" r:id="rId13" roundtripDataSignature="AMtx7mihuBIjRk5dcoziY9S7FjSTYnMylw=="/>
     </p:ext>
   </p:extLst>
 </p:presentation>
@@ -1871,6 +1872,123 @@
       <p:sp>
         <p:nvSpPr>
           <p:cNvPr id="110" name="Google Shape;110;p2:notes"/>
+          <p:cNvSpPr/>
+          <p:nvPr>
+            <p:ph idx="2" type="sldImg"/>
+          </p:nvPr>
+        </p:nvSpPr>
+        <p:spPr>
+          <a:xfrm>
+            <a:off x="685800" y="1143000"/>
+            <a:ext cx="5486400" cy="3086100"/>
+          </a:xfrm>
+          <a:custGeom>
+            <a:rect b="b" l="l" r="r" t="t"/>
+            <a:pathLst>
+              <a:path extrusionOk="0" h="120000" w="120000">
+                <a:moveTo>
+                  <a:pt x="0" y="0"/>
+                </a:moveTo>
+                <a:lnTo>
+                  <a:pt x="120000" y="0"/>
+                </a:lnTo>
+                <a:lnTo>
+                  <a:pt x="120000" y="120000"/>
+                </a:lnTo>
+                <a:lnTo>
+                  <a:pt x="0" y="120000"/>
+                </a:lnTo>
+                <a:close/>
+              </a:path>
+            </a:pathLst>
+          </a:custGeom>
+          <a:noFill/>
+          <a:ln cap="flat" cmpd="sng" w="12700">
+            <a:solidFill>
+              <a:srgbClr val="000000"/>
+            </a:solidFill>
+            <a:prstDash val="solid"/>
+            <a:round/>
+            <a:headEnd len="sm" w="sm" type="none"/>
+            <a:tailEnd len="sm" w="sm" type="none"/>
+          </a:ln>
+        </p:spPr>
+      </p:sp>
+    </p:spTree>
+  </p:cSld>
+  <p:clrMapOvr>
+    <a:masterClrMapping/>
+  </p:clrMapOvr>
+</p:notes>
+</file>
+
+<file path=ppt/notesSlides/notesSlide3.xml><?xml version="1.0" encoding="utf-8"?>
+<p:notes xmlns:a="http://schemas.openxmlformats.org/drawingml/2006/main" xmlns:r="http://schemas.openxmlformats.org/officeDocument/2006/relationships" xmlns:mc="http://schemas.openxmlformats.org/markup-compatibility/2006" xmlns:mv="urn:schemas-microsoft-com:mac:vml" xmlns:p="http://schemas.openxmlformats.org/presentationml/2006/main" xmlns:c="http://schemas.openxmlformats.org/drawingml/2006/chart" xmlns:dgm="http://schemas.openxmlformats.org/drawingml/2006/diagram" xmlns:o="urn:schemas-microsoft-com:office:office" xmlns:v="urn:schemas-microsoft-com:vml" xmlns:pvml="urn:schemas-microsoft-com:office:powerpoint" xmlns:com="http://schemas.openxmlformats.org/drawingml/2006/compatibility" xmlns:p14="http://schemas.microsoft.com/office/powerpoint/2010/main" xmlns:p15="http://schemas.microsoft.com/office/powerpoint/2012/main" showMasterPhAnim="0" showMasterSp="0">
+  <p:cSld>
+    <p:spTree>
+      <p:nvGrpSpPr>
+        <p:cNvPr id="140" name="Shape 140"/>
+        <p:cNvGrpSpPr/>
+        <p:nvPr/>
+      </p:nvGrpSpPr>
+      <p:grpSpPr>
+        <a:xfrm>
+          <a:off x="0" y="0"/>
+          <a:ext cx="0" cy="0"/>
+          <a:chOff x="0" y="0"/>
+          <a:chExt cx="0" cy="0"/>
+        </a:xfrm>
+      </p:grpSpPr>
+      <p:sp>
+        <p:nvSpPr>
+          <p:cNvPr id="141" name="Google Shape;141;g8801683ef4_0_0:notes"/>
+          <p:cNvSpPr txBox="1"/>
+          <p:nvPr>
+            <p:ph idx="1" type="body"/>
+          </p:nvPr>
+        </p:nvSpPr>
+        <p:spPr>
+          <a:xfrm>
+            <a:off x="685800" y="4400550"/>
+            <a:ext cx="5486400" cy="3600600"/>
+          </a:xfrm>
+          <a:prstGeom prst="rect">
+            <a:avLst/>
+          </a:prstGeom>
+          <a:noFill/>
+          <a:ln>
+            <a:noFill/>
+          </a:ln>
+        </p:spPr>
+        <p:txBody>
+          <a:bodyPr anchorCtr="0" anchor="t" bIns="45700" lIns="91425" spcFirstLastPara="1" rIns="91425" wrap="square" tIns="45700">
+            <a:noAutofit/>
+          </a:bodyPr>
+          <a:lstStyle/>
+          <a:p>
+            <a:pPr indent="0" lvl="0" marL="0" rtl="0" algn="l">
+              <a:lnSpc>
+                <a:spcPct val="100000"/>
+              </a:lnSpc>
+              <a:spcBef>
+                <a:spcPts val="0"/>
+              </a:spcBef>
+              <a:spcAft>
+                <a:spcPts val="0"/>
+              </a:spcAft>
+              <a:buSzPts val="1400"/>
+              <a:buNone/>
+            </a:pPr>
+            <a:r>
+              <a:t/>
+            </a:r>
+            <a:endParaRPr/>
+          </a:p>
+        </p:txBody>
+      </p:sp>
+      <p:sp>
+        <p:nvSpPr>
+          <p:cNvPr id="142" name="Google Shape;142;g8801683ef4_0_0:notes"/>
           <p:cNvSpPr/>
           <p:nvPr>
             <p:ph idx="2" type="sldImg"/>
@@ -17611,7 +17729,7 @@
             <a:tbl>
               <a:tblPr bandRow="1" firstRow="1">
                 <a:noFill/>
-                <a:tableStyleId>{ADB98819-DBEB-47A8-8453-F4A9DBF0C762}</a:tableStyleId>
+                <a:tableStyleId>{05418A6B-839D-4CCF-AACE-2B3B945521EE}</a:tableStyleId>
               </a:tblPr>
               <a:tblGrid>
                 <a:gridCol w="1296150"/>
@@ -17708,80 +17826,19 @@
                         <a:spcAft>
                           <a:spcPts val="0"/>
                         </a:spcAft>
+                        <a:buClr>
+                          <a:srgbClr val="000000"/>
+                        </a:buClr>
+                        <a:buSzPts val="1800"/>
+                        <a:buFont typeface="Arial"/>
                         <a:buNone/>
                       </a:pPr>
                       <a:r>
-                        <a:rPr lang="es-VE" sz="1800"/>
+                        <a:rPr lang="es-VE" sz="1800" u="none" cap="none" strike="noStrike"/>
                         <a:t>1er.</a:t>
                       </a:r>
-                      <a:endParaRPr sz="1800"/>
+                      <a:endParaRPr sz="1800" u="none" cap="none" strike="noStrike"/>
                     </a:p>
-                    <a:p>
-                      <a:pPr indent="0" lvl="0" marL="0" marR="0" rtl="0" algn="ctr">
-                        <a:lnSpc>
-                          <a:spcPct val="100000"/>
-                        </a:lnSpc>
-                        <a:spcBef>
-                          <a:spcPts val="0"/>
-                        </a:spcBef>
-                        <a:spcAft>
-                          <a:spcPts val="0"/>
-                        </a:spcAft>
-                        <a:buNone/>
-                      </a:pPr>
-                      <a:r>
-                        <a:rPr lang="es-VE" sz="1800"/>
-                        <a:t>Día</a:t>
-                      </a:r>
-                      <a:endParaRPr sz="1800"/>
-                    </a:p>
-                  </a:txBody>
-                  <a:tcPr marT="45725" marB="45725" marR="91450" marL="91450" anchor="ctr">
-                    <a:lnL cap="flat" cmpd="sng" w="12700">
-                      <a:solidFill>
-                        <a:schemeClr val="dk1"/>
-                      </a:solidFill>
-                      <a:prstDash val="solid"/>
-                      <a:round/>
-                      <a:headEnd len="sm" w="sm" type="none"/>
-                      <a:tailEnd len="sm" w="sm" type="none"/>
-                    </a:lnL>
-                    <a:lnR cap="flat" cmpd="sng" w="12700">
-                      <a:solidFill>
-                        <a:schemeClr val="dk1"/>
-                      </a:solidFill>
-                      <a:prstDash val="solid"/>
-                      <a:round/>
-                      <a:headEnd len="sm" w="sm" type="none"/>
-                      <a:tailEnd len="sm" w="sm" type="none"/>
-                    </a:lnR>
-                    <a:lnT cap="flat" cmpd="sng" w="12700">
-                      <a:solidFill>
-                        <a:schemeClr val="dk1"/>
-                      </a:solidFill>
-                      <a:prstDash val="solid"/>
-                      <a:round/>
-                      <a:headEnd len="sm" w="sm" type="none"/>
-                      <a:tailEnd len="sm" w="sm" type="none"/>
-                    </a:lnT>
-                    <a:lnB cap="flat" cmpd="sng" w="12700">
-                      <a:solidFill>
-                        <a:schemeClr val="dk1"/>
-                      </a:solidFill>
-                      <a:prstDash val="solid"/>
-                      <a:round/>
-                      <a:headEnd len="sm" w="sm" type="none"/>
-                      <a:tailEnd len="sm" w="sm" type="none"/>
-                    </a:lnB>
-                    <a:solidFill>
-                      <a:srgbClr val="003760"/>
-                    </a:solidFill>
-                  </a:tcPr>
-                </a:tc>
-                <a:tc>
-                  <a:txBody>
-                    <a:bodyPr/>
-                    <a:lstStyle/>
                     <a:p>
                       <a:pPr indent="0" lvl="0" marL="0" marR="0" rtl="0" algn="ctr">
                         <a:lnSpc>
@@ -17801,12 +17858,8 @@
                         <a:buNone/>
                       </a:pPr>
                       <a:r>
-                        <a:rPr lang="es-VE" sz="1800"/>
-                        <a:t>2º</a:t>
-                      </a:r>
-                      <a:r>
                         <a:rPr lang="es-VE" sz="1800" u="none" cap="none" strike="noStrike"/>
-                        <a:t>. Día</a:t>
+                        <a:t>Día</a:t>
                       </a:r>
                       <a:endParaRPr sz="1800" u="none" cap="none" strike="noStrike"/>
                     </a:p>
@@ -17876,12 +17929,8 @@
                         <a:buNone/>
                       </a:pPr>
                       <a:r>
-                        <a:rPr lang="es-VE" sz="1800"/>
-                        <a:t>3er</a:t>
-                      </a:r>
-                      <a:r>
                         <a:rPr lang="es-VE" sz="1800" u="none" cap="none" strike="noStrike"/>
-                        <a:t>. Día</a:t>
+                        <a:t>2º. Día</a:t>
                       </a:r>
                       <a:endParaRPr sz="1800" u="none" cap="none" strike="noStrike"/>
                     </a:p>
@@ -17951,12 +18000,8 @@
                         <a:buNone/>
                       </a:pPr>
                       <a:r>
-                        <a:rPr lang="es-VE" sz="1800"/>
-                        <a:t>4º</a:t>
-                      </a:r>
-                      <a:r>
                         <a:rPr lang="es-VE" sz="1800" u="none" cap="none" strike="noStrike"/>
-                        <a:t>. Día</a:t>
+                        <a:t>3er. Día</a:t>
                       </a:r>
                       <a:endParaRPr sz="1800" u="none" cap="none" strike="noStrike"/>
                     </a:p>
@@ -18026,12 +18071,79 @@
                         <a:buNone/>
                       </a:pPr>
                       <a:r>
-                        <a:rPr lang="es-VE" sz="1800"/>
-                        <a:t>5º</a:t>
+                        <a:rPr lang="es-VE" sz="1800" u="none" cap="none" strike="noStrike"/>
+                        <a:t>4º. Día</a:t>
                       </a:r>
+                      <a:endParaRPr sz="1800" u="none" cap="none" strike="noStrike"/>
+                    </a:p>
+                  </a:txBody>
+                  <a:tcPr marT="45725" marB="45725" marR="91450" marL="91450" anchor="ctr">
+                    <a:lnL cap="flat" cmpd="sng" w="12700">
+                      <a:solidFill>
+                        <a:schemeClr val="dk1"/>
+                      </a:solidFill>
+                      <a:prstDash val="solid"/>
+                      <a:round/>
+                      <a:headEnd len="sm" w="sm" type="none"/>
+                      <a:tailEnd len="sm" w="sm" type="none"/>
+                    </a:lnL>
+                    <a:lnR cap="flat" cmpd="sng" w="12700">
+                      <a:solidFill>
+                        <a:schemeClr val="dk1"/>
+                      </a:solidFill>
+                      <a:prstDash val="solid"/>
+                      <a:round/>
+                      <a:headEnd len="sm" w="sm" type="none"/>
+                      <a:tailEnd len="sm" w="sm" type="none"/>
+                    </a:lnR>
+                    <a:lnT cap="flat" cmpd="sng" w="12700">
+                      <a:solidFill>
+                        <a:schemeClr val="dk1"/>
+                      </a:solidFill>
+                      <a:prstDash val="solid"/>
+                      <a:round/>
+                      <a:headEnd len="sm" w="sm" type="none"/>
+                      <a:tailEnd len="sm" w="sm" type="none"/>
+                    </a:lnT>
+                    <a:lnB cap="flat" cmpd="sng" w="12700">
+                      <a:solidFill>
+                        <a:schemeClr val="dk1"/>
+                      </a:solidFill>
+                      <a:prstDash val="solid"/>
+                      <a:round/>
+                      <a:headEnd len="sm" w="sm" type="none"/>
+                      <a:tailEnd len="sm" w="sm" type="none"/>
+                    </a:lnB>
+                    <a:solidFill>
+                      <a:srgbClr val="003760"/>
+                    </a:solidFill>
+                  </a:tcPr>
+                </a:tc>
+                <a:tc>
+                  <a:txBody>
+                    <a:bodyPr/>
+                    <a:lstStyle/>
+                    <a:p>
+                      <a:pPr indent="0" lvl="0" marL="0" marR="0" rtl="0" algn="ctr">
+                        <a:lnSpc>
+                          <a:spcPct val="100000"/>
+                        </a:lnSpc>
+                        <a:spcBef>
+                          <a:spcPts val="0"/>
+                        </a:spcBef>
+                        <a:spcAft>
+                          <a:spcPts val="0"/>
+                        </a:spcAft>
+                        <a:buClr>
+                          <a:srgbClr val="000000"/>
+                        </a:buClr>
+                        <a:buSzPts val="1800"/>
+                        <a:buFont typeface="Arial"/>
+                        <a:buNone/>
+                      </a:pPr>
                       <a:r>
                         <a:rPr lang="es-VE" sz="1800" u="none" cap="none" strike="noStrike"/>
-                        <a:t>. Día</a:t>
+                        <a:t>5º. Día</a:t>
                       </a:r>
                       <a:endParaRPr sz="1800" u="none" cap="none" strike="noStrike"/>
                     </a:p>
@@ -18163,6 +18275,11 @@
                         <a:spcAft>
                           <a:spcPts val="0"/>
                         </a:spcAft>
+                        <a:buClr>
+                          <a:srgbClr val="000000"/>
+                        </a:buClr>
+                        <a:buSzPts val="1800"/>
+                        <a:buFont typeface="Arial"/>
                         <a:buNone/>
                       </a:pPr>
                       <a:r>
@@ -18509,10 +18626,15 @@
                         <a:spcAft>
                           <a:spcPts val="0"/>
                         </a:spcAft>
+                        <a:buClr>
+                          <a:srgbClr val="000000"/>
+                        </a:buClr>
+                        <a:buSzPts val="1800"/>
+                        <a:buFont typeface="Arial"/>
                         <a:buNone/>
                       </a:pPr>
                       <a:r>
-                        <a:rPr lang="es-VE" sz="1800"/>
+                        <a:rPr lang="es-VE" sz="1800" u="none" cap="none" strike="noStrike"/>
                         <a:t>Corregir errores 1er Sprint</a:t>
                       </a:r>
                       <a:endParaRPr sz="1800" u="none" cap="none" strike="noStrike">
@@ -18896,6 +19018,11 @@
                         <a:spcAft>
                           <a:spcPts val="0"/>
                         </a:spcAft>
+                        <a:buClr>
+                          <a:srgbClr val="000000"/>
+                        </a:buClr>
+                        <a:buSzPts val="1800"/>
+                        <a:buFont typeface="Arial"/>
                         <a:buNone/>
                       </a:pPr>
                       <a:r>
@@ -19242,13 +19369,18 @@
                         <a:spcAft>
                           <a:spcPts val="0"/>
                         </a:spcAft>
+                        <a:buClr>
+                          <a:srgbClr val="000000"/>
+                        </a:buClr>
+                        <a:buSzPts val="1800"/>
+                        <a:buFont typeface="Arial"/>
                         <a:buNone/>
                       </a:pPr>
                       <a:r>
-                        <a:rPr lang="es-VE" sz="1800"/>
+                        <a:rPr lang="es-VE" sz="1800" u="none" cap="none" strike="noStrike"/>
                         <a:t>Corregir errores 3er Sprint</a:t>
                       </a:r>
-                      <a:endParaRPr sz="1800"/>
+                      <a:endParaRPr sz="1800" u="none" cap="none" strike="noStrike"/>
                     </a:p>
                   </a:txBody>
                   <a:tcPr marT="45725" marB="45725" marR="91450" marL="91450" anchor="ctr">
@@ -19315,7 +19447,7 @@
                       <a:r>
                         <a:t/>
                       </a:r>
-                      <a:endParaRPr sz="1800"/>
+                      <a:endParaRPr sz="1800" u="none" cap="none" strike="noStrike"/>
                     </a:p>
                     <a:p>
                       <a:pPr indent="0" lvl="0" marL="0" marR="0" rtl="0" algn="l">
@@ -19338,7 +19470,7 @@
                       <a:r>
                         <a:t/>
                       </a:r>
-                      <a:endParaRPr sz="1800"/>
+                      <a:endParaRPr sz="1800" u="none" cap="none" strike="noStrike"/>
                     </a:p>
                     <a:p>
                       <a:pPr indent="0" lvl="0" marL="0" marR="0" rtl="0" algn="l">
@@ -19361,7 +19493,7 @@
                       <a:r>
                         <a:t/>
                       </a:r>
-                      <a:endParaRPr sz="1800"/>
+                      <a:endParaRPr sz="1800" u="none" cap="none" strike="noStrike"/>
                     </a:p>
                     <a:p>
                       <a:pPr indent="0" lvl="0" marL="0" marR="0" rtl="0" algn="l">
@@ -19384,7 +19516,7 @@
                       <a:r>
                         <a:t/>
                       </a:r>
-                      <a:endParaRPr sz="1800"/>
+                      <a:endParaRPr sz="1800" u="none" cap="none" strike="noStrike"/>
                     </a:p>
                     <a:p>
                       <a:pPr indent="0" lvl="0" marL="0" marR="0" rtl="0" algn="l">
@@ -19407,7 +19539,7 @@
                       <a:r>
                         <a:t/>
                       </a:r>
-                      <a:endParaRPr sz="1800"/>
+                      <a:endParaRPr sz="1800" u="none" cap="none" strike="noStrike"/>
                     </a:p>
                     <a:p>
                       <a:pPr indent="0" lvl="0" marL="0" marR="0" rtl="0" algn="l">
@@ -19430,7 +19562,7 @@
                       <a:r>
                         <a:t/>
                       </a:r>
-                      <a:endParaRPr sz="1800"/>
+                      <a:endParaRPr sz="1800" u="none" cap="none" strike="noStrike"/>
                     </a:p>
                     <a:p>
                       <a:pPr indent="0" lvl="0" marL="0" marR="0" rtl="0" algn="l">
@@ -19453,7 +19585,7 @@
                       <a:r>
                         <a:t/>
                       </a:r>
-                      <a:endParaRPr sz="1800"/>
+                      <a:endParaRPr sz="1800" u="none" cap="none" strike="noStrike"/>
                     </a:p>
                     <a:p>
                       <a:pPr indent="0" lvl="0" marL="0" marR="0" rtl="0" algn="l">
@@ -19476,7 +19608,7 @@
                       <a:r>
                         <a:t/>
                       </a:r>
-                      <a:endParaRPr sz="1800"/>
+                      <a:endParaRPr sz="1800" u="none" cap="none" strike="noStrike"/>
                     </a:p>
                     <a:p>
                       <a:pPr indent="0" lvl="0" marL="0" marR="0" rtl="0" algn="l">
@@ -19499,7 +19631,7 @@
                       <a:r>
                         <a:t/>
                       </a:r>
-                      <a:endParaRPr sz="1800"/>
+                      <a:endParaRPr sz="1800" u="none" cap="none" strike="noStrike"/>
                     </a:p>
                     <a:p>
                       <a:pPr indent="0" lvl="0" marL="0" marR="0" rtl="0" algn="l">
@@ -19522,7 +19654,7 @@
                       <a:r>
                         <a:t/>
                       </a:r>
-                      <a:endParaRPr sz="1800"/>
+                      <a:endParaRPr sz="1800" u="none" cap="none" strike="noStrike"/>
                     </a:p>
                     <a:p>
                       <a:pPr indent="0" lvl="0" marL="0" marR="0" rtl="0" algn="l">
@@ -19545,7 +19677,7 @@
                       <a:r>
                         <a:t/>
                       </a:r>
-                      <a:endParaRPr sz="1800"/>
+                      <a:endParaRPr sz="1800" u="none" cap="none" strike="noStrike"/>
                     </a:p>
                     <a:p>
                       <a:pPr indent="0" lvl="0" marL="0" marR="0" rtl="0" algn="l">
@@ -19568,7 +19700,7 @@
                       <a:r>
                         <a:t/>
                       </a:r>
-                      <a:endParaRPr sz="1800"/>
+                      <a:endParaRPr sz="1800" u="none" cap="none" strike="noStrike"/>
                     </a:p>
                     <a:p>
                       <a:pPr indent="0" lvl="0" marL="0" marR="0" rtl="0" algn="l">
@@ -19591,7 +19723,7 @@
                       <a:r>
                         <a:t/>
                       </a:r>
-                      <a:endParaRPr sz="1800"/>
+                      <a:endParaRPr sz="1800" u="none" cap="none" strike="noStrike"/>
                     </a:p>
                     <a:p>
                       <a:pPr indent="0" lvl="0" marL="0" marR="0" rtl="0" algn="l">
@@ -19614,7 +19746,7 @@
                       <a:r>
                         <a:t/>
                       </a:r>
-                      <a:endParaRPr sz="1800"/>
+                      <a:endParaRPr sz="1800" u="none" cap="none" strike="noStrike"/>
                     </a:p>
                     <a:p>
                       <a:pPr indent="0" lvl="0" marL="0" marR="0" rtl="0" algn="l">
@@ -19637,7 +19769,7 @@
                       <a:r>
                         <a:t/>
                       </a:r>
-                      <a:endParaRPr sz="1800"/>
+                      <a:endParaRPr sz="1800" u="none" cap="none" strike="noStrike"/>
                     </a:p>
                     <a:p>
                       <a:pPr indent="0" lvl="0" marL="0" marR="0" rtl="0" algn="l">
@@ -19660,7 +19792,7 @@
                       <a:r>
                         <a:t/>
                       </a:r>
-                      <a:endParaRPr sz="1800"/>
+                      <a:endParaRPr sz="1800" u="none" cap="none" strike="noStrike"/>
                     </a:p>
                     <a:p>
                       <a:pPr indent="0" lvl="0" marL="0" marR="0" rtl="0" algn="l">
@@ -19683,7 +19815,7 @@
                       <a:r>
                         <a:t/>
                       </a:r>
-                      <a:endParaRPr sz="1800"/>
+                      <a:endParaRPr sz="1800" u="none" cap="none" strike="noStrike"/>
                     </a:p>
                     <a:p>
                       <a:pPr indent="0" lvl="0" marL="0" marR="0" rtl="0" algn="l">
@@ -19706,7 +19838,7 @@
                       <a:r>
                         <a:t/>
                       </a:r>
-                      <a:endParaRPr sz="1800"/>
+                      <a:endParaRPr sz="1800" u="none" cap="none" strike="noStrike"/>
                     </a:p>
                   </a:txBody>
                   <a:tcPr marT="45725" marB="45725" marR="91450" marL="91450">
@@ -19764,7 +19896,7 @@
                       <a:r>
                         <a:t/>
                       </a:r>
-                      <a:endParaRPr sz="1800"/>
+                      <a:endParaRPr sz="1800" u="none" cap="none" strike="noStrike"/>
                     </a:p>
                     <a:p>
                       <a:pPr indent="0" lvl="0" marL="0" marR="0" rtl="0" algn="l">
@@ -19787,7 +19919,7 @@
                       <a:r>
                         <a:t/>
                       </a:r>
-                      <a:endParaRPr sz="1800"/>
+                      <a:endParaRPr sz="1800" u="none" cap="none" strike="noStrike"/>
                     </a:p>
                     <a:p>
                       <a:pPr indent="0" lvl="0" marL="0" marR="0" rtl="0" algn="l">
@@ -19810,7 +19942,7 @@
                       <a:r>
                         <a:t/>
                       </a:r>
-                      <a:endParaRPr sz="1800"/>
+                      <a:endParaRPr sz="1800" u="none" cap="none" strike="noStrike"/>
                     </a:p>
                     <a:p>
                       <a:pPr indent="0" lvl="0" marL="0" marR="0" rtl="0" algn="l">
@@ -19833,7 +19965,7 @@
                       <a:r>
                         <a:t/>
                       </a:r>
-                      <a:endParaRPr sz="1800"/>
+                      <a:endParaRPr sz="1800" u="none" cap="none" strike="noStrike"/>
                     </a:p>
                     <a:p>
                       <a:pPr indent="0" lvl="0" marL="0" marR="0" rtl="0" algn="l">
@@ -19856,7 +19988,7 @@
                       <a:r>
                         <a:t/>
                       </a:r>
-                      <a:endParaRPr sz="1800"/>
+                      <a:endParaRPr sz="1800" u="none" cap="none" strike="noStrike"/>
                     </a:p>
                     <a:p>
                       <a:pPr indent="0" lvl="0" marL="0" marR="0" rtl="0" algn="l">
@@ -19879,7 +20011,7 @@
                       <a:r>
                         <a:t/>
                       </a:r>
-                      <a:endParaRPr sz="1800"/>
+                      <a:endParaRPr sz="1800" u="none" cap="none" strike="noStrike"/>
                     </a:p>
                     <a:p>
                       <a:pPr indent="0" lvl="0" marL="0" marR="0" rtl="0" algn="l">
@@ -19902,7 +20034,7 @@
                       <a:r>
                         <a:t/>
                       </a:r>
-                      <a:endParaRPr sz="1800"/>
+                      <a:endParaRPr sz="1800" u="none" cap="none" strike="noStrike"/>
                     </a:p>
                     <a:p>
                       <a:pPr indent="0" lvl="0" marL="0" marR="0" rtl="0" algn="l">
@@ -19925,7 +20057,7 @@
                       <a:r>
                         <a:t/>
                       </a:r>
-                      <a:endParaRPr sz="1800"/>
+                      <a:endParaRPr sz="1800" u="none" cap="none" strike="noStrike"/>
                     </a:p>
                     <a:p>
                       <a:pPr indent="0" lvl="0" marL="0" marR="0" rtl="0" algn="l">
@@ -19948,7 +20080,7 @@
                       <a:r>
                         <a:t/>
                       </a:r>
-                      <a:endParaRPr sz="1800"/>
+                      <a:endParaRPr sz="1800" u="none" cap="none" strike="noStrike"/>
                     </a:p>
                     <a:p>
                       <a:pPr indent="0" lvl="0" marL="0" marR="0" rtl="0" algn="l">
@@ -19971,7 +20103,7 @@
                       <a:r>
                         <a:t/>
                       </a:r>
-                      <a:endParaRPr sz="1800"/>
+                      <a:endParaRPr sz="1800" u="none" cap="none" strike="noStrike"/>
                     </a:p>
                     <a:p>
                       <a:pPr indent="0" lvl="0" marL="0" marR="0" rtl="0" algn="l">
@@ -19994,7 +20126,7 @@
                       <a:r>
                         <a:t/>
                       </a:r>
-                      <a:endParaRPr sz="1800"/>
+                      <a:endParaRPr sz="1800" u="none" cap="none" strike="noStrike"/>
                     </a:p>
                     <a:p>
                       <a:pPr indent="0" lvl="0" marL="0" marR="0" rtl="0" algn="l">
@@ -20017,7 +20149,7 @@
                       <a:r>
                         <a:t/>
                       </a:r>
-                      <a:endParaRPr sz="1800"/>
+                      <a:endParaRPr sz="1800" u="none" cap="none" strike="noStrike"/>
                     </a:p>
                     <a:p>
                       <a:pPr indent="0" lvl="0" marL="0" marR="0" rtl="0" algn="l">
@@ -20040,7 +20172,7 @@
                       <a:r>
                         <a:t/>
                       </a:r>
-                      <a:endParaRPr sz="1800"/>
+                      <a:endParaRPr sz="1800" u="none" cap="none" strike="noStrike"/>
                     </a:p>
                     <a:p>
                       <a:pPr indent="0" lvl="0" marL="0" marR="0" rtl="0" algn="l">
@@ -20063,7 +20195,7 @@
                       <a:r>
                         <a:t/>
                       </a:r>
-                      <a:endParaRPr sz="1800"/>
+                      <a:endParaRPr sz="1800" u="none" cap="none" strike="noStrike"/>
                     </a:p>
                     <a:p>
                       <a:pPr indent="0" lvl="0" marL="0" marR="0" rtl="0" algn="l">
@@ -20086,7 +20218,7 @@
                       <a:r>
                         <a:t/>
                       </a:r>
-                      <a:endParaRPr sz="1800"/>
+                      <a:endParaRPr sz="1800" u="none" cap="none" strike="noStrike"/>
                     </a:p>
                     <a:p>
                       <a:pPr indent="0" lvl="0" marL="0" marR="0" rtl="0" algn="l">
@@ -20109,7 +20241,7 @@
                       <a:r>
                         <a:t/>
                       </a:r>
-                      <a:endParaRPr sz="1800"/>
+                      <a:endParaRPr sz="1800" u="none" cap="none" strike="noStrike"/>
                     </a:p>
                     <a:p>
                       <a:pPr indent="0" lvl="0" marL="0" marR="0" rtl="0" algn="l">
@@ -20132,7 +20264,7 @@
                       <a:r>
                         <a:t/>
                       </a:r>
-                      <a:endParaRPr sz="1800"/>
+                      <a:endParaRPr sz="1800" u="none" cap="none" strike="noStrike"/>
                     </a:p>
                     <a:p>
                       <a:pPr indent="0" lvl="0" marL="0" marR="0" rtl="0" algn="l">
@@ -20155,7 +20287,7 @@
                       <a:r>
                         <a:t/>
                       </a:r>
-                      <a:endParaRPr sz="1800"/>
+                      <a:endParaRPr sz="1800" u="none" cap="none" strike="noStrike"/>
                     </a:p>
                     <a:p>
                       <a:pPr indent="0" lvl="0" marL="0" marR="0" rtl="0" algn="l">
@@ -20178,7 +20310,7 @@
                       <a:r>
                         <a:t/>
                       </a:r>
-                      <a:endParaRPr sz="1800"/>
+                      <a:endParaRPr sz="1800" u="none" cap="none" strike="noStrike"/>
                     </a:p>
                     <a:p>
                       <a:pPr indent="0" lvl="0" marL="0" marR="0" rtl="0" algn="l">
@@ -20201,7 +20333,7 @@
                       <a:r>
                         <a:t/>
                       </a:r>
-                      <a:endParaRPr sz="1800"/>
+                      <a:endParaRPr sz="1800" u="none" cap="none" strike="noStrike"/>
                     </a:p>
                     <a:p>
                       <a:pPr indent="0" lvl="0" marL="0" marR="0" rtl="0" algn="l">
@@ -20224,7 +20356,7 @@
                       <a:r>
                         <a:t/>
                       </a:r>
-                      <a:endParaRPr sz="1800"/>
+                      <a:endParaRPr sz="1800" u="none" cap="none" strike="noStrike"/>
                     </a:p>
                   </a:txBody>
                   <a:tcPr marT="45725" marB="45725" marR="91450" marL="91450">
@@ -20273,7 +20405,7 @@
                       <a:r>
                         <a:t/>
                       </a:r>
-                      <a:endParaRPr sz="1800"/>
+                      <a:endParaRPr sz="1800" u="none" cap="none" strike="noStrike"/>
                     </a:p>
                     <a:p>
                       <a:pPr indent="0" lvl="0" marL="0" marR="0" rtl="0" algn="l">
@@ -20296,7 +20428,7 @@
                       <a:r>
                         <a:t/>
                       </a:r>
-                      <a:endParaRPr sz="1800"/>
+                      <a:endParaRPr sz="1800" u="none" cap="none" strike="noStrike"/>
                     </a:p>
                     <a:p>
                       <a:pPr indent="0" lvl="0" marL="0" marR="0" rtl="0" algn="l">
@@ -20319,7 +20451,7 @@
                       <a:r>
                         <a:t/>
                       </a:r>
-                      <a:endParaRPr sz="1800"/>
+                      <a:endParaRPr sz="1800" u="none" cap="none" strike="noStrike"/>
                     </a:p>
                     <a:p>
                       <a:pPr indent="0" lvl="0" marL="0" marR="0" rtl="0" algn="l">
@@ -20342,7 +20474,7 @@
                       <a:r>
                         <a:t/>
                       </a:r>
-                      <a:endParaRPr sz="1800"/>
+                      <a:endParaRPr sz="1800" u="none" cap="none" strike="noStrike"/>
                     </a:p>
                     <a:p>
                       <a:pPr indent="0" lvl="0" marL="0" marR="0" rtl="0" algn="l">
@@ -20365,7 +20497,7 @@
                       <a:r>
                         <a:t/>
                       </a:r>
-                      <a:endParaRPr sz="1800"/>
+                      <a:endParaRPr sz="1800" u="none" cap="none" strike="noStrike"/>
                     </a:p>
                     <a:p>
                       <a:pPr indent="0" lvl="0" marL="0" marR="0" rtl="0" algn="l">
@@ -20388,7 +20520,7 @@
                       <a:r>
                         <a:t/>
                       </a:r>
-                      <a:endParaRPr sz="1800"/>
+                      <a:endParaRPr sz="1800" u="none" cap="none" strike="noStrike"/>
                     </a:p>
                     <a:p>
                       <a:pPr indent="0" lvl="0" marL="0" marR="0" rtl="0" algn="l">
@@ -20411,7 +20543,7 @@
                       <a:r>
                         <a:t/>
                       </a:r>
-                      <a:endParaRPr sz="1800"/>
+                      <a:endParaRPr sz="1800" u="none" cap="none" strike="noStrike"/>
                     </a:p>
                     <a:p>
                       <a:pPr indent="0" lvl="0" marL="0" marR="0" rtl="0" algn="l">
@@ -20434,7 +20566,7 @@
                       <a:r>
                         <a:t/>
                       </a:r>
-                      <a:endParaRPr sz="1800"/>
+                      <a:endParaRPr sz="1800" u="none" cap="none" strike="noStrike"/>
                     </a:p>
                     <a:p>
                       <a:pPr indent="0" lvl="0" marL="0" marR="0" rtl="0" algn="l">
@@ -20457,7 +20589,7 @@
                       <a:r>
                         <a:t/>
                       </a:r>
-                      <a:endParaRPr sz="1800"/>
+                      <a:endParaRPr sz="1800" u="none" cap="none" strike="noStrike"/>
                     </a:p>
                     <a:p>
                       <a:pPr indent="0" lvl="0" marL="0" marR="0" rtl="0" algn="l">
@@ -20480,7 +20612,7 @@
                       <a:r>
                         <a:t/>
                       </a:r>
-                      <a:endParaRPr sz="1800"/>
+                      <a:endParaRPr sz="1800" u="none" cap="none" strike="noStrike"/>
                     </a:p>
                     <a:p>
                       <a:pPr indent="0" lvl="0" marL="0" marR="0" rtl="0" algn="l">
@@ -20503,7 +20635,7 @@
                       <a:r>
                         <a:t/>
                       </a:r>
-                      <a:endParaRPr sz="1800"/>
+                      <a:endParaRPr sz="1800" u="none" cap="none" strike="noStrike"/>
                     </a:p>
                     <a:p>
                       <a:pPr indent="0" lvl="0" marL="0" marR="0" rtl="0" algn="l">
@@ -20526,7 +20658,7 @@
                       <a:r>
                         <a:t/>
                       </a:r>
-                      <a:endParaRPr sz="1800"/>
+                      <a:endParaRPr sz="1800" u="none" cap="none" strike="noStrike"/>
                     </a:p>
                     <a:p>
                       <a:pPr indent="0" lvl="0" marL="0" marR="0" rtl="0" algn="l">
@@ -20549,7 +20681,7 @@
                       <a:r>
                         <a:t/>
                       </a:r>
-                      <a:endParaRPr sz="1800"/>
+                      <a:endParaRPr sz="1800" u="none" cap="none" strike="noStrike"/>
                     </a:p>
                     <a:p>
                       <a:pPr indent="0" lvl="0" marL="0" marR="0" rtl="0" algn="l">
@@ -20572,7 +20704,7 @@
                       <a:r>
                         <a:t/>
                       </a:r>
-                      <a:endParaRPr sz="1800"/>
+                      <a:endParaRPr sz="1800" u="none" cap="none" strike="noStrike"/>
                     </a:p>
                     <a:p>
                       <a:pPr indent="0" lvl="0" marL="0" marR="0" rtl="0" algn="l">
@@ -20595,7 +20727,7 @@
                       <a:r>
                         <a:t/>
                       </a:r>
-                      <a:endParaRPr sz="1800"/>
+                      <a:endParaRPr sz="1800" u="none" cap="none" strike="noStrike"/>
                     </a:p>
                     <a:p>
                       <a:pPr indent="0" lvl="0" marL="0" marR="0" rtl="0" algn="l">
@@ -20618,7 +20750,7 @@
                       <a:r>
                         <a:t/>
                       </a:r>
-                      <a:endParaRPr sz="1800"/>
+                      <a:endParaRPr sz="1800" u="none" cap="none" strike="noStrike"/>
                     </a:p>
                     <a:p>
                       <a:pPr indent="0" lvl="0" marL="0" marR="0" rtl="0" algn="l">
@@ -20641,7 +20773,7 @@
                       <a:r>
                         <a:t/>
                       </a:r>
-                      <a:endParaRPr sz="1800"/>
+                      <a:endParaRPr sz="1800" u="none" cap="none" strike="noStrike"/>
                     </a:p>
                     <a:p>
                       <a:pPr indent="0" lvl="0" marL="0" marR="0" rtl="0" algn="l">
@@ -20664,7 +20796,7 @@
                       <a:r>
                         <a:t/>
                       </a:r>
-                      <a:endParaRPr sz="1800"/>
+                      <a:endParaRPr sz="1800" u="none" cap="none" strike="noStrike"/>
                     </a:p>
                     <a:p>
                       <a:pPr indent="0" lvl="0" marL="0" marR="0" rtl="0" algn="l">
@@ -20687,7 +20819,7 @@
                       <a:r>
                         <a:t/>
                       </a:r>
-                      <a:endParaRPr sz="1800"/>
+                      <a:endParaRPr sz="1800" u="none" cap="none" strike="noStrike"/>
                     </a:p>
                     <a:p>
                       <a:pPr indent="0" lvl="0" marL="0" marR="0" rtl="0" algn="l">
@@ -20710,7 +20842,7 @@
                       <a:r>
                         <a:t/>
                       </a:r>
-                      <a:endParaRPr sz="1800"/>
+                      <a:endParaRPr sz="1800" u="none" cap="none" strike="noStrike"/>
                     </a:p>
                     <a:p>
                       <a:pPr indent="0" lvl="0" marL="0" marR="0" rtl="0" algn="l">
@@ -20733,7 +20865,7 @@
                       <a:r>
                         <a:t/>
                       </a:r>
-                      <a:endParaRPr sz="1800"/>
+                      <a:endParaRPr sz="1800" u="none" cap="none" strike="noStrike"/>
                     </a:p>
                     <a:p>
                       <a:pPr indent="0" lvl="0" marL="0" marR="0" rtl="0" algn="l">
@@ -20756,7 +20888,7 @@
                       <a:r>
                         <a:t/>
                       </a:r>
-                      <a:endParaRPr sz="1800"/>
+                      <a:endParaRPr sz="1800" u="none" cap="none" strike="noStrike"/>
                     </a:p>
                     <a:p>
                       <a:pPr indent="0" lvl="0" marL="0" marR="0" rtl="0" algn="l">
@@ -20779,7 +20911,7 @@
                       <a:r>
                         <a:t/>
                       </a:r>
-                      <a:endParaRPr sz="1800"/>
+                      <a:endParaRPr sz="1800" u="none" cap="none" strike="noStrike"/>
                     </a:p>
                     <a:p>
                       <a:pPr indent="0" lvl="0" marL="0" marR="0" rtl="0" algn="l">
@@ -20802,7 +20934,7 @@
                       <a:r>
                         <a:t/>
                       </a:r>
-                      <a:endParaRPr sz="1800"/>
+                      <a:endParaRPr sz="1800" u="none" cap="none" strike="noStrike"/>
                     </a:p>
                     <a:p>
                       <a:pPr indent="0" lvl="0" marL="0" marR="0" rtl="0" algn="l">
@@ -20825,7 +20957,7 @@
                       <a:r>
                         <a:t/>
                       </a:r>
-                      <a:endParaRPr sz="1800"/>
+                      <a:endParaRPr sz="1800" u="none" cap="none" strike="noStrike"/>
                     </a:p>
                     <a:p>
                       <a:pPr indent="0" lvl="0" marL="0" marR="0" rtl="0" algn="l">
@@ -20848,7 +20980,7 @@
                       <a:r>
                         <a:t/>
                       </a:r>
-                      <a:endParaRPr sz="1800"/>
+                      <a:endParaRPr sz="1800" u="none" cap="none" strike="noStrike"/>
                     </a:p>
                   </a:txBody>
                   <a:tcPr marT="45725" marB="45725" marR="91450" marL="91450">
@@ -21596,7 +21728,7 @@
               <a:buNone/>
             </a:pPr>
             <a:r>
-              <a:rPr lang="es-VE" sz="1600">
+              <a:rPr b="0" i="0" lang="es-VE" sz="1600" u="none" cap="none" strike="noStrike">
                 <a:solidFill>
                   <a:schemeClr val="dk1"/>
                 </a:solidFill>
@@ -21672,7 +21804,7 @@
               <a:buNone/>
             </a:pPr>
             <a:r>
-              <a:rPr lang="es-VE" sz="1600">
+              <a:rPr b="0" i="0" lang="es-VE" sz="1600" u="none" cap="none" strike="noStrike">
                 <a:solidFill>
                   <a:schemeClr val="dk1"/>
                 </a:solidFill>
@@ -22387,7 +22519,7 @@
               <a:buNone/>
             </a:pPr>
             <a:r>
-              <a:rPr lang="es-VE" sz="1600">
+              <a:rPr b="0" i="0" lang="es-VE" sz="1600" u="none" cap="none" strike="noStrike">
                 <a:solidFill>
                   <a:schemeClr val="dk1"/>
                 </a:solidFill>
@@ -22463,7 +22595,7 @@
               <a:buNone/>
             </a:pPr>
             <a:r>
-              <a:rPr lang="es-VE" sz="1600">
+              <a:rPr b="0" i="0" lang="es-VE" sz="1600" u="none" cap="none" strike="noStrike">
                 <a:solidFill>
                   <a:schemeClr val="dk1"/>
                 </a:solidFill>
@@ -22539,7 +22671,7 @@
               <a:buNone/>
             </a:pPr>
             <a:r>
-              <a:rPr lang="es-VE" sz="1600">
+              <a:rPr b="0" i="0" lang="es-VE" sz="1600" u="none" cap="none" strike="noStrike">
                 <a:solidFill>
                   <a:schemeClr val="dk1"/>
                 </a:solidFill>
@@ -22597,7 +22729,10 @@
           </a:bodyPr>
           <a:lstStyle/>
           <a:p>
-            <a:pPr indent="0" lvl="0" marL="0" rtl="0" algn="ctr">
+            <a:pPr indent="0" lvl="0" marL="0" marR="0" rtl="0" algn="ctr">
+              <a:lnSpc>
+                <a:spcPct val="100000"/>
+              </a:lnSpc>
               <a:spcBef>
                 <a:spcPts val="0"/>
               </a:spcBef>
@@ -22612,7 +22747,7 @@
               <a:buNone/>
             </a:pPr>
             <a:r>
-              <a:rPr lang="es-VE" sz="1600">
+              <a:rPr b="0" i="0" lang="es-VE" sz="1600" u="none" cap="none" strike="noStrike">
                 <a:solidFill>
                   <a:schemeClr val="dk1"/>
                 </a:solidFill>
@@ -22623,7 +22758,7 @@
               </a:rPr>
               <a:t>Crear menú para indicar si se quiere eliminar o editar usuario</a:t>
             </a:r>
-            <a:endParaRPr sz="1600">
+            <a:endParaRPr b="0" i="0" sz="1600" u="none" cap="none" strike="noStrike">
               <a:solidFill>
                 <a:schemeClr val="dk1"/>
               </a:solidFill>
@@ -22688,7 +22823,7 @@
               <a:buNone/>
             </a:pPr>
             <a:r>
-              <a:rPr lang="es-VE" sz="1600">
+              <a:rPr b="0" i="0" lang="es-VE" sz="1600" u="none" cap="none" strike="noStrike">
                 <a:solidFill>
                   <a:schemeClr val="dk1"/>
                 </a:solidFill>
@@ -22764,7 +22899,7 @@
               <a:buNone/>
             </a:pPr>
             <a:r>
-              <a:rPr lang="es-VE" sz="1600">
+              <a:rPr b="0" i="0" lang="es-VE" sz="1600" u="none" cap="none" strike="noStrike">
                 <a:solidFill>
                   <a:schemeClr val="dk1"/>
                 </a:solidFill>
@@ -22822,7 +22957,10 @@
           </a:bodyPr>
           <a:lstStyle/>
           <a:p>
-            <a:pPr indent="0" lvl="0" marL="0" rtl="0" algn="ctr">
+            <a:pPr indent="0" lvl="0" marL="0" marR="0" rtl="0" algn="ctr">
+              <a:lnSpc>
+                <a:spcPct val="100000"/>
+              </a:lnSpc>
               <a:spcBef>
                 <a:spcPts val="0"/>
               </a:spcBef>
@@ -22837,7 +22975,7 @@
               <a:buNone/>
             </a:pPr>
             <a:r>
-              <a:rPr lang="es-VE" sz="1600">
+              <a:rPr b="0" i="0" lang="es-VE" sz="1600" u="none" cap="none" strike="noStrike">
                 <a:solidFill>
                   <a:schemeClr val="dk1"/>
                 </a:solidFill>
@@ -22848,7 +22986,7 @@
               </a:rPr>
               <a:t>Crear Activity añadir, cargando los datos</a:t>
             </a:r>
-            <a:endParaRPr sz="1600">
+            <a:endParaRPr b="0" i="0" sz="1600" u="none" cap="none" strike="noStrike">
               <a:solidFill>
                 <a:schemeClr val="dk1"/>
               </a:solidFill>
@@ -22895,7 +23033,10 @@
           </a:bodyPr>
           <a:lstStyle/>
           <a:p>
-            <a:pPr indent="0" lvl="0" marL="0" rtl="0" algn="ctr">
+            <a:pPr indent="0" lvl="0" marL="0" marR="0" rtl="0" algn="ctr">
+              <a:lnSpc>
+                <a:spcPct val="100000"/>
+              </a:lnSpc>
               <a:spcBef>
                 <a:spcPts val="0"/>
               </a:spcBef>
@@ -22910,7 +23051,7 @@
               <a:buNone/>
             </a:pPr>
             <a:r>
-              <a:rPr lang="es-VE" sz="1600">
+              <a:rPr b="0" i="0" lang="es-VE" sz="1600" u="none" cap="none" strike="noStrike">
                 <a:solidFill>
                   <a:schemeClr val="dk1"/>
                 </a:solidFill>
@@ -22919,19 +23060,7 @@
                 <a:cs typeface="Corbel"/>
                 <a:sym typeface="Corbel"/>
               </a:rPr>
-              <a:t>Im</a:t>
-            </a:r>
-            <a:r>
-              <a:rPr lang="es-VE" sz="1600">
-                <a:solidFill>
-                  <a:schemeClr val="dk1"/>
-                </a:solidFill>
-                <a:latin typeface="Corbel"/>
-                <a:ea typeface="Corbel"/>
-                <a:cs typeface="Corbel"/>
-                <a:sym typeface="Corbel"/>
-              </a:rPr>
-              <a:t>plementar en cada lista un buscador en el toolbar</a:t>
+              <a:t>Implementar en cada lista un buscador en el toolbar</a:t>
             </a:r>
             <a:endParaRPr b="0" i="0" sz="1600" u="none" cap="none" strike="noStrike">
               <a:solidFill>
@@ -22980,7 +23109,10 @@
           </a:bodyPr>
           <a:lstStyle/>
           <a:p>
-            <a:pPr indent="0" lvl="0" marL="0" rtl="0" algn="ctr">
+            <a:pPr indent="0" lvl="0" marL="0" marR="0" rtl="0" algn="ctr">
+              <a:lnSpc>
+                <a:spcPct val="100000"/>
+              </a:lnSpc>
               <a:spcBef>
                 <a:spcPts val="0"/>
               </a:spcBef>
@@ -22995,7 +23127,7 @@
               <a:buNone/>
             </a:pPr>
             <a:r>
-              <a:rPr lang="es-VE" sz="1600">
+              <a:rPr b="0" i="0" lang="es-VE" sz="1600" u="none" cap="none" strike="noStrike">
                 <a:solidFill>
                   <a:schemeClr val="dk1"/>
                 </a:solidFill>
@@ -23010,6 +23142,2093 @@
               <a:solidFill>
                 <a:schemeClr val="dk1"/>
               </a:solidFill>
+              <a:latin typeface="Corbel"/>
+              <a:ea typeface="Corbel"/>
+              <a:cs typeface="Corbel"/>
+              <a:sym typeface="Corbel"/>
+            </a:endParaRPr>
+          </a:p>
+        </p:txBody>
+      </p:sp>
+    </p:spTree>
+  </p:cSld>
+  <p:clrMapOvr>
+    <a:masterClrMapping/>
+  </p:clrMapOvr>
+  <mc:AlternateContent>
+    <mc:Choice Requires="p14">
+      <p:transition spd="slow" p14:dur="700">
+        <p:fade/>
+      </p:transition>
+    </mc:Choice>
+    <mc:Fallback>
+      <p:transition spd="slow">
+        <p:fade/>
+      </p:transition>
+    </mc:Fallback>
+  </mc:AlternateContent>
+</p:sld>
+</file>
+
+<file path=ppt/slides/slide3.xml><?xml version="1.0" encoding="utf-8"?>
+<p:sld xmlns:a="http://schemas.openxmlformats.org/drawingml/2006/main" xmlns:r="http://schemas.openxmlformats.org/officeDocument/2006/relationships" xmlns:mc="http://schemas.openxmlformats.org/markup-compatibility/2006" xmlns:mv="urn:schemas-microsoft-com:mac:vml" xmlns:p="http://schemas.openxmlformats.org/presentationml/2006/main" xmlns:c="http://schemas.openxmlformats.org/drawingml/2006/chart" xmlns:dgm="http://schemas.openxmlformats.org/drawingml/2006/diagram" xmlns:o="urn:schemas-microsoft-com:office:office" xmlns:v="urn:schemas-microsoft-com:vml" xmlns:pvml="urn:schemas-microsoft-com:office:powerpoint" xmlns:com="http://schemas.openxmlformats.org/drawingml/2006/compatibility" xmlns:p14="http://schemas.microsoft.com/office/powerpoint/2010/main" xmlns:p15="http://schemas.microsoft.com/office/powerpoint/2012/main">
+  <p:cSld>
+    <p:spTree>
+      <p:nvGrpSpPr>
+        <p:cNvPr id="143" name="Shape 143"/>
+        <p:cNvGrpSpPr/>
+        <p:nvPr/>
+      </p:nvGrpSpPr>
+      <p:grpSpPr>
+        <a:xfrm>
+          <a:off x="0" y="0"/>
+          <a:ext cx="0" cy="0"/>
+          <a:chOff x="0" y="0"/>
+          <a:chExt cx="0" cy="0"/>
+        </a:xfrm>
+      </p:grpSpPr>
+      <p:graphicFrame>
+        <p:nvGraphicFramePr>
+          <p:cNvPr id="144" name="Google Shape;144;g8801683ef4_0_0"/>
+          <p:cNvGraphicFramePr/>
+          <p:nvPr/>
+        </p:nvGraphicFramePr>
+        <p:xfrm>
+          <a:off x="0" y="0"/>
+          <a:ext cx="3000000" cy="3000000"/>
+        </p:xfrm>
+        <a:graphic>
+          <a:graphicData uri="http://schemas.openxmlformats.org/drawingml/2006/table">
+            <a:tbl>
+              <a:tblPr bandRow="1" firstRow="1">
+                <a:noFill/>
+                <a:tableStyleId>{05418A6B-839D-4CCF-AACE-2B3B945521EE}</a:tableStyleId>
+              </a:tblPr>
+              <a:tblGrid>
+                <a:gridCol w="1230050"/>
+                <a:gridCol w="1097150"/>
+                <a:gridCol w="2503000"/>
+                <a:gridCol w="2546825"/>
+                <a:gridCol w="2585300"/>
+                <a:gridCol w="2229700"/>
+              </a:tblGrid>
+              <a:tr h="511700">
+                <a:tc>
+                  <a:txBody>
+                    <a:bodyPr/>
+                    <a:lstStyle/>
+                    <a:p>
+                      <a:pPr indent="0" lvl="0" marL="0" marR="0" rtl="0" algn="ctr">
+                        <a:lnSpc>
+                          <a:spcPct val="100000"/>
+                        </a:lnSpc>
+                        <a:spcBef>
+                          <a:spcPts val="0"/>
+                        </a:spcBef>
+                        <a:spcAft>
+                          <a:spcPts val="0"/>
+                        </a:spcAft>
+                        <a:buClr>
+                          <a:srgbClr val="000000"/>
+                        </a:buClr>
+                        <a:buSzPts val="1800"/>
+                        <a:buFont typeface="Arial"/>
+                        <a:buNone/>
+                      </a:pPr>
+                      <a:r>
+                        <a:rPr lang="es-VE" sz="1800" u="none" cap="none" strike="noStrike"/>
+                        <a:t>&lt;IFP&gt;</a:t>
+                      </a:r>
+                      <a:endParaRPr sz="1800" u="none" cap="none" strike="noStrike"/>
+                    </a:p>
+                  </a:txBody>
+                  <a:tcPr marT="45725" marB="45725" marR="91450" marL="91450" anchor="ctr">
+                    <a:lnL cap="flat" cmpd="sng" w="12700">
+                      <a:solidFill>
+                        <a:schemeClr val="dk1"/>
+                      </a:solidFill>
+                      <a:prstDash val="solid"/>
+                      <a:round/>
+                      <a:headEnd len="sm" w="sm" type="none"/>
+                      <a:tailEnd len="sm" w="sm" type="none"/>
+                    </a:lnL>
+                    <a:lnR cap="flat" cmpd="sng" w="12700">
+                      <a:solidFill>
+                        <a:schemeClr val="dk1"/>
+                      </a:solidFill>
+                      <a:prstDash val="solid"/>
+                      <a:round/>
+                      <a:headEnd len="sm" w="sm" type="none"/>
+                      <a:tailEnd len="sm" w="sm" type="none"/>
+                    </a:lnR>
+                    <a:lnT cap="flat" cmpd="sng" w="12700">
+                      <a:solidFill>
+                        <a:schemeClr val="dk1"/>
+                      </a:solidFill>
+                      <a:prstDash val="solid"/>
+                      <a:round/>
+                      <a:headEnd len="sm" w="sm" type="none"/>
+                      <a:tailEnd len="sm" w="sm" type="none"/>
+                    </a:lnT>
+                    <a:lnB cap="flat" cmpd="sng" w="12700">
+                      <a:solidFill>
+                        <a:schemeClr val="dk1"/>
+                      </a:solidFill>
+                      <a:prstDash val="solid"/>
+                      <a:round/>
+                      <a:headEnd len="sm" w="sm" type="none"/>
+                      <a:tailEnd len="sm" w="sm" type="none"/>
+                    </a:lnB>
+                    <a:solidFill>
+                      <a:srgbClr val="003760"/>
+                    </a:solidFill>
+                  </a:tcPr>
+                </a:tc>
+                <a:tc>
+                  <a:txBody>
+                    <a:bodyPr/>
+                    <a:lstStyle/>
+                    <a:p>
+                      <a:pPr indent="0" lvl="0" marL="0" marR="0" rtl="0" algn="ctr">
+                        <a:lnSpc>
+                          <a:spcPct val="100000"/>
+                        </a:lnSpc>
+                        <a:spcBef>
+                          <a:spcPts val="0"/>
+                        </a:spcBef>
+                        <a:spcAft>
+                          <a:spcPts val="0"/>
+                        </a:spcAft>
+                        <a:buClr>
+                          <a:srgbClr val="000000"/>
+                        </a:buClr>
+                        <a:buSzPts val="1800"/>
+                        <a:buFont typeface="Arial"/>
+                        <a:buNone/>
+                      </a:pPr>
+                      <a:r>
+                        <a:rPr lang="es-VE" sz="1800" u="none" cap="none" strike="noStrike"/>
+                        <a:t>1er.</a:t>
+                      </a:r>
+                      <a:endParaRPr sz="1800" u="none" cap="none" strike="noStrike"/>
+                    </a:p>
+                    <a:p>
+                      <a:pPr indent="0" lvl="0" marL="0" marR="0" rtl="0" algn="ctr">
+                        <a:lnSpc>
+                          <a:spcPct val="100000"/>
+                        </a:lnSpc>
+                        <a:spcBef>
+                          <a:spcPts val="0"/>
+                        </a:spcBef>
+                        <a:spcAft>
+                          <a:spcPts val="0"/>
+                        </a:spcAft>
+                        <a:buClr>
+                          <a:srgbClr val="000000"/>
+                        </a:buClr>
+                        <a:buSzPts val="1800"/>
+                        <a:buFont typeface="Arial"/>
+                        <a:buNone/>
+                      </a:pPr>
+                      <a:r>
+                        <a:rPr lang="es-VE" sz="1800" u="none" cap="none" strike="noStrike"/>
+                        <a:t>Día</a:t>
+                      </a:r>
+                      <a:endParaRPr sz="1800" u="none" cap="none" strike="noStrike"/>
+                    </a:p>
+                  </a:txBody>
+                  <a:tcPr marT="45725" marB="45725" marR="91450" marL="91450" anchor="ctr">
+                    <a:lnL cap="flat" cmpd="sng" w="12700">
+                      <a:solidFill>
+                        <a:schemeClr val="dk1"/>
+                      </a:solidFill>
+                      <a:prstDash val="solid"/>
+                      <a:round/>
+                      <a:headEnd len="sm" w="sm" type="none"/>
+                      <a:tailEnd len="sm" w="sm" type="none"/>
+                    </a:lnL>
+                    <a:lnR cap="flat" cmpd="sng" w="12700">
+                      <a:solidFill>
+                        <a:schemeClr val="dk1"/>
+                      </a:solidFill>
+                      <a:prstDash val="solid"/>
+                      <a:round/>
+                      <a:headEnd len="sm" w="sm" type="none"/>
+                      <a:tailEnd len="sm" w="sm" type="none"/>
+                    </a:lnR>
+                    <a:lnT cap="flat" cmpd="sng" w="12700">
+                      <a:solidFill>
+                        <a:schemeClr val="dk1"/>
+                      </a:solidFill>
+                      <a:prstDash val="solid"/>
+                      <a:round/>
+                      <a:headEnd len="sm" w="sm" type="none"/>
+                      <a:tailEnd len="sm" w="sm" type="none"/>
+                    </a:lnT>
+                    <a:lnB cap="flat" cmpd="sng" w="12700">
+                      <a:solidFill>
+                        <a:schemeClr val="dk1"/>
+                      </a:solidFill>
+                      <a:prstDash val="solid"/>
+                      <a:round/>
+                      <a:headEnd len="sm" w="sm" type="none"/>
+                      <a:tailEnd len="sm" w="sm" type="none"/>
+                    </a:lnB>
+                    <a:solidFill>
+                      <a:srgbClr val="003760"/>
+                    </a:solidFill>
+                  </a:tcPr>
+                </a:tc>
+                <a:tc>
+                  <a:txBody>
+                    <a:bodyPr/>
+                    <a:lstStyle/>
+                    <a:p>
+                      <a:pPr indent="0" lvl="0" marL="0" marR="0" rtl="0" algn="ctr">
+                        <a:lnSpc>
+                          <a:spcPct val="100000"/>
+                        </a:lnSpc>
+                        <a:spcBef>
+                          <a:spcPts val="0"/>
+                        </a:spcBef>
+                        <a:spcAft>
+                          <a:spcPts val="0"/>
+                        </a:spcAft>
+                        <a:buClr>
+                          <a:srgbClr val="000000"/>
+                        </a:buClr>
+                        <a:buSzPts val="1800"/>
+                        <a:buFont typeface="Arial"/>
+                        <a:buNone/>
+                      </a:pPr>
+                      <a:r>
+                        <a:rPr lang="es-VE" sz="1800" u="none" cap="none" strike="noStrike"/>
+                        <a:t>2º. Día</a:t>
+                      </a:r>
+                      <a:endParaRPr sz="1800" u="none" cap="none" strike="noStrike"/>
+                    </a:p>
+                  </a:txBody>
+                  <a:tcPr marT="45725" marB="45725" marR="91450" marL="91450" anchor="ctr">
+                    <a:lnL cap="flat" cmpd="sng" w="12700">
+                      <a:solidFill>
+                        <a:schemeClr val="dk1"/>
+                      </a:solidFill>
+                      <a:prstDash val="solid"/>
+                      <a:round/>
+                      <a:headEnd len="sm" w="sm" type="none"/>
+                      <a:tailEnd len="sm" w="sm" type="none"/>
+                    </a:lnL>
+                    <a:lnR cap="flat" cmpd="sng" w="12700">
+                      <a:solidFill>
+                        <a:schemeClr val="dk1"/>
+                      </a:solidFill>
+                      <a:prstDash val="solid"/>
+                      <a:round/>
+                      <a:headEnd len="sm" w="sm" type="none"/>
+                      <a:tailEnd len="sm" w="sm" type="none"/>
+                    </a:lnR>
+                    <a:lnT cap="flat" cmpd="sng" w="12700">
+                      <a:solidFill>
+                        <a:schemeClr val="dk1"/>
+                      </a:solidFill>
+                      <a:prstDash val="solid"/>
+                      <a:round/>
+                      <a:headEnd len="sm" w="sm" type="none"/>
+                      <a:tailEnd len="sm" w="sm" type="none"/>
+                    </a:lnT>
+                    <a:lnB cap="flat" cmpd="sng" w="12700">
+                      <a:solidFill>
+                        <a:schemeClr val="dk1"/>
+                      </a:solidFill>
+                      <a:prstDash val="solid"/>
+                      <a:round/>
+                      <a:headEnd len="sm" w="sm" type="none"/>
+                      <a:tailEnd len="sm" w="sm" type="none"/>
+                    </a:lnB>
+                    <a:solidFill>
+                      <a:srgbClr val="003760"/>
+                    </a:solidFill>
+                  </a:tcPr>
+                </a:tc>
+                <a:tc>
+                  <a:txBody>
+                    <a:bodyPr/>
+                    <a:lstStyle/>
+                    <a:p>
+                      <a:pPr indent="0" lvl="0" marL="0" marR="0" rtl="0" algn="ctr">
+                        <a:lnSpc>
+                          <a:spcPct val="100000"/>
+                        </a:lnSpc>
+                        <a:spcBef>
+                          <a:spcPts val="0"/>
+                        </a:spcBef>
+                        <a:spcAft>
+                          <a:spcPts val="0"/>
+                        </a:spcAft>
+                        <a:buClr>
+                          <a:srgbClr val="000000"/>
+                        </a:buClr>
+                        <a:buSzPts val="1800"/>
+                        <a:buFont typeface="Arial"/>
+                        <a:buNone/>
+                      </a:pPr>
+                      <a:r>
+                        <a:rPr lang="es-VE" sz="1800" u="none" cap="none" strike="noStrike"/>
+                        <a:t>3er. Día</a:t>
+                      </a:r>
+                      <a:endParaRPr sz="1800" u="none" cap="none" strike="noStrike"/>
+                    </a:p>
+                  </a:txBody>
+                  <a:tcPr marT="45725" marB="45725" marR="91450" marL="91450" anchor="ctr">
+                    <a:lnL cap="flat" cmpd="sng" w="12700">
+                      <a:solidFill>
+                        <a:schemeClr val="dk1"/>
+                      </a:solidFill>
+                      <a:prstDash val="solid"/>
+                      <a:round/>
+                      <a:headEnd len="sm" w="sm" type="none"/>
+                      <a:tailEnd len="sm" w="sm" type="none"/>
+                    </a:lnL>
+                    <a:lnR cap="flat" cmpd="sng" w="12700">
+                      <a:solidFill>
+                        <a:schemeClr val="dk1"/>
+                      </a:solidFill>
+                      <a:prstDash val="solid"/>
+                      <a:round/>
+                      <a:headEnd len="sm" w="sm" type="none"/>
+                      <a:tailEnd len="sm" w="sm" type="none"/>
+                    </a:lnR>
+                    <a:lnT cap="flat" cmpd="sng" w="12700">
+                      <a:solidFill>
+                        <a:schemeClr val="dk1"/>
+                      </a:solidFill>
+                      <a:prstDash val="solid"/>
+                      <a:round/>
+                      <a:headEnd len="sm" w="sm" type="none"/>
+                      <a:tailEnd len="sm" w="sm" type="none"/>
+                    </a:lnT>
+                    <a:lnB cap="flat" cmpd="sng" w="12700">
+                      <a:solidFill>
+                        <a:schemeClr val="dk1"/>
+                      </a:solidFill>
+                      <a:prstDash val="solid"/>
+                      <a:round/>
+                      <a:headEnd len="sm" w="sm" type="none"/>
+                      <a:tailEnd len="sm" w="sm" type="none"/>
+                    </a:lnB>
+                    <a:solidFill>
+                      <a:srgbClr val="003760"/>
+                    </a:solidFill>
+                  </a:tcPr>
+                </a:tc>
+                <a:tc>
+                  <a:txBody>
+                    <a:bodyPr/>
+                    <a:lstStyle/>
+                    <a:p>
+                      <a:pPr indent="0" lvl="0" marL="0" marR="0" rtl="0" algn="ctr">
+                        <a:lnSpc>
+                          <a:spcPct val="100000"/>
+                        </a:lnSpc>
+                        <a:spcBef>
+                          <a:spcPts val="0"/>
+                        </a:spcBef>
+                        <a:spcAft>
+                          <a:spcPts val="0"/>
+                        </a:spcAft>
+                        <a:buClr>
+                          <a:srgbClr val="000000"/>
+                        </a:buClr>
+                        <a:buSzPts val="1800"/>
+                        <a:buFont typeface="Arial"/>
+                        <a:buNone/>
+                      </a:pPr>
+                      <a:r>
+                        <a:rPr lang="es-VE" sz="1800" u="none" cap="none" strike="noStrike"/>
+                        <a:t>4º. Día</a:t>
+                      </a:r>
+                      <a:endParaRPr sz="1800" u="none" cap="none" strike="noStrike"/>
+                    </a:p>
+                  </a:txBody>
+                  <a:tcPr marT="45725" marB="45725" marR="91450" marL="91450" anchor="ctr">
+                    <a:lnL cap="flat" cmpd="sng" w="12700">
+                      <a:solidFill>
+                        <a:schemeClr val="dk1"/>
+                      </a:solidFill>
+                      <a:prstDash val="solid"/>
+                      <a:round/>
+                      <a:headEnd len="sm" w="sm" type="none"/>
+                      <a:tailEnd len="sm" w="sm" type="none"/>
+                    </a:lnL>
+                    <a:lnR cap="flat" cmpd="sng" w="12700">
+                      <a:solidFill>
+                        <a:schemeClr val="dk1"/>
+                      </a:solidFill>
+                      <a:prstDash val="solid"/>
+                      <a:round/>
+                      <a:headEnd len="sm" w="sm" type="none"/>
+                      <a:tailEnd len="sm" w="sm" type="none"/>
+                    </a:lnR>
+                    <a:lnT cap="flat" cmpd="sng" w="12700">
+                      <a:solidFill>
+                        <a:schemeClr val="dk1"/>
+                      </a:solidFill>
+                      <a:prstDash val="solid"/>
+                      <a:round/>
+                      <a:headEnd len="sm" w="sm" type="none"/>
+                      <a:tailEnd len="sm" w="sm" type="none"/>
+                    </a:lnT>
+                    <a:lnB cap="flat" cmpd="sng" w="12700">
+                      <a:solidFill>
+                        <a:schemeClr val="dk1"/>
+                      </a:solidFill>
+                      <a:prstDash val="solid"/>
+                      <a:round/>
+                      <a:headEnd len="sm" w="sm" type="none"/>
+                      <a:tailEnd len="sm" w="sm" type="none"/>
+                    </a:lnB>
+                    <a:solidFill>
+                      <a:srgbClr val="003760"/>
+                    </a:solidFill>
+                  </a:tcPr>
+                </a:tc>
+                <a:tc>
+                  <a:txBody>
+                    <a:bodyPr/>
+                    <a:lstStyle/>
+                    <a:p>
+                      <a:pPr indent="0" lvl="0" marL="0" marR="0" rtl="0" algn="ctr">
+                        <a:lnSpc>
+                          <a:spcPct val="100000"/>
+                        </a:lnSpc>
+                        <a:spcBef>
+                          <a:spcPts val="0"/>
+                        </a:spcBef>
+                        <a:spcAft>
+                          <a:spcPts val="0"/>
+                        </a:spcAft>
+                        <a:buClr>
+                          <a:srgbClr val="000000"/>
+                        </a:buClr>
+                        <a:buSzPts val="1800"/>
+                        <a:buFont typeface="Arial"/>
+                        <a:buNone/>
+                      </a:pPr>
+                      <a:r>
+                        <a:rPr lang="es-VE" sz="1800" u="none" cap="none" strike="noStrike"/>
+                        <a:t>5º. Día</a:t>
+                      </a:r>
+                      <a:endParaRPr sz="1800" u="none" cap="none" strike="noStrike"/>
+                    </a:p>
+                  </a:txBody>
+                  <a:tcPr marT="45725" marB="45725" marR="91450" marL="91450" anchor="ctr">
+                    <a:lnL cap="flat" cmpd="sng" w="12700">
+                      <a:solidFill>
+                        <a:schemeClr val="dk1"/>
+                      </a:solidFill>
+                      <a:prstDash val="solid"/>
+                      <a:round/>
+                      <a:headEnd len="sm" w="sm" type="none"/>
+                      <a:tailEnd len="sm" w="sm" type="none"/>
+                    </a:lnL>
+                    <a:lnR cap="flat" cmpd="sng" w="12700">
+                      <a:solidFill>
+                        <a:schemeClr val="dk1"/>
+                      </a:solidFill>
+                      <a:prstDash val="solid"/>
+                      <a:round/>
+                      <a:headEnd len="sm" w="sm" type="none"/>
+                      <a:tailEnd len="sm" w="sm" type="none"/>
+                    </a:lnR>
+                    <a:lnT cap="flat" cmpd="sng" w="12700">
+                      <a:solidFill>
+                        <a:schemeClr val="dk1"/>
+                      </a:solidFill>
+                      <a:prstDash val="solid"/>
+                      <a:round/>
+                      <a:headEnd len="sm" w="sm" type="none"/>
+                      <a:tailEnd len="sm" w="sm" type="none"/>
+                    </a:lnT>
+                    <a:lnB cap="flat" cmpd="sng" w="12700">
+                      <a:solidFill>
+                        <a:schemeClr val="dk1"/>
+                      </a:solidFill>
+                      <a:prstDash val="solid"/>
+                      <a:round/>
+                      <a:headEnd len="sm" w="sm" type="none"/>
+                      <a:tailEnd len="sm" w="sm" type="none"/>
+                    </a:lnB>
+                    <a:solidFill>
+                      <a:srgbClr val="003760"/>
+                    </a:solidFill>
+                  </a:tcPr>
+                </a:tc>
+              </a:tr>
+              <a:tr h="5470475">
+                <a:tc>
+                  <a:txBody>
+                    <a:bodyPr/>
+                    <a:lstStyle/>
+                    <a:p>
+                      <a:pPr indent="0" lvl="0" marL="0" marR="0" rtl="0" algn="ctr">
+                        <a:lnSpc>
+                          <a:spcPct val="100000"/>
+                        </a:lnSpc>
+                        <a:spcBef>
+                          <a:spcPts val="0"/>
+                        </a:spcBef>
+                        <a:spcAft>
+                          <a:spcPts val="0"/>
+                        </a:spcAft>
+                        <a:buClr>
+                          <a:srgbClr val="000000"/>
+                        </a:buClr>
+                        <a:buSzPts val="1800"/>
+                        <a:buFont typeface="Arial"/>
+                        <a:buNone/>
+                      </a:pPr>
+                      <a:r>
+                        <a:rPr lang="es-VE" sz="1800" u="none" cap="none" strike="noStrike"/>
+                        <a:t>&lt;Sprint 5&gt;</a:t>
+                      </a:r>
+                      <a:endParaRPr sz="1800" u="none" cap="none" strike="noStrike"/>
+                    </a:p>
+                  </a:txBody>
+                  <a:tcPr marT="45725" marB="45725" marR="91450" marL="91450" anchor="ctr">
+                    <a:lnL cap="flat" cmpd="sng" w="12700">
+                      <a:solidFill>
+                        <a:schemeClr val="dk1"/>
+                      </a:solidFill>
+                      <a:prstDash val="solid"/>
+                      <a:round/>
+                      <a:headEnd len="sm" w="sm" type="none"/>
+                      <a:tailEnd len="sm" w="sm" type="none"/>
+                    </a:lnL>
+                    <a:lnR cap="flat" cmpd="sng" w="12700">
+                      <a:solidFill>
+                        <a:schemeClr val="dk1"/>
+                      </a:solidFill>
+                      <a:prstDash val="solid"/>
+                      <a:round/>
+                      <a:headEnd len="sm" w="sm" type="none"/>
+                      <a:tailEnd len="sm" w="sm" type="none"/>
+                    </a:lnR>
+                    <a:lnT cap="flat" cmpd="sng" w="12700">
+                      <a:solidFill>
+                        <a:schemeClr val="dk1"/>
+                      </a:solidFill>
+                      <a:prstDash val="solid"/>
+                      <a:round/>
+                      <a:headEnd len="sm" w="sm" type="none"/>
+                      <a:tailEnd len="sm" w="sm" type="none"/>
+                    </a:lnT>
+                    <a:lnB cap="flat" cmpd="sng" w="12700">
+                      <a:solidFill>
+                        <a:schemeClr val="dk1"/>
+                      </a:solidFill>
+                      <a:prstDash val="solid"/>
+                      <a:round/>
+                      <a:headEnd len="sm" w="sm" type="none"/>
+                      <a:tailEnd len="sm" w="sm" type="none"/>
+                    </a:lnB>
+                  </a:tcPr>
+                </a:tc>
+                <a:tc>
+                  <a:txBody>
+                    <a:bodyPr/>
+                    <a:lstStyle/>
+                    <a:p>
+                      <a:pPr indent="0" lvl="0" marL="0" marR="0" rtl="0" algn="ctr">
+                        <a:lnSpc>
+                          <a:spcPct val="100000"/>
+                        </a:lnSpc>
+                        <a:spcBef>
+                          <a:spcPts val="0"/>
+                        </a:spcBef>
+                        <a:spcAft>
+                          <a:spcPts val="0"/>
+                        </a:spcAft>
+                        <a:buClr>
+                          <a:srgbClr val="000000"/>
+                        </a:buClr>
+                        <a:buSzPts val="1800"/>
+                        <a:buFont typeface="Arial"/>
+                        <a:buNone/>
+                      </a:pPr>
+                      <a:r>
+                        <a:rPr lang="es-VE" sz="1800"/>
+                        <a:t>Corregir errores 4º Sprint</a:t>
+                      </a:r>
+                      <a:endParaRPr sz="1800" u="none" cap="none" strike="noStrike"/>
+                    </a:p>
+                  </a:txBody>
+                  <a:tcPr marT="45725" marB="45725" marR="91450" marL="91450" anchor="ctr">
+                    <a:lnL cap="flat" cmpd="sng" w="12700">
+                      <a:solidFill>
+                        <a:schemeClr val="dk1"/>
+                      </a:solidFill>
+                      <a:prstDash val="solid"/>
+                      <a:round/>
+                      <a:headEnd len="sm" w="sm" type="none"/>
+                      <a:tailEnd len="sm" w="sm" type="none"/>
+                    </a:lnL>
+                    <a:lnR cap="flat" cmpd="sng" w="12700">
+                      <a:solidFill>
+                        <a:schemeClr val="dk1"/>
+                      </a:solidFill>
+                      <a:prstDash val="solid"/>
+                      <a:round/>
+                      <a:headEnd len="sm" w="sm" type="none"/>
+                      <a:tailEnd len="sm" w="sm" type="none"/>
+                    </a:lnR>
+                    <a:lnT cap="flat" cmpd="sng" w="12700">
+                      <a:solidFill>
+                        <a:schemeClr val="dk1"/>
+                      </a:solidFill>
+                      <a:prstDash val="solid"/>
+                      <a:round/>
+                      <a:headEnd len="sm" w="sm" type="none"/>
+                      <a:tailEnd len="sm" w="sm" type="none"/>
+                    </a:lnT>
+                    <a:lnB cap="flat" cmpd="sng" w="12700">
+                      <a:solidFill>
+                        <a:schemeClr val="dk1"/>
+                      </a:solidFill>
+                      <a:prstDash val="solid"/>
+                      <a:round/>
+                      <a:headEnd len="sm" w="sm" type="none"/>
+                      <a:tailEnd len="sm" w="sm" type="none"/>
+                    </a:lnB>
+                  </a:tcPr>
+                </a:tc>
+                <a:tc>
+                  <a:txBody>
+                    <a:bodyPr/>
+                    <a:lstStyle/>
+                    <a:p>
+                      <a:pPr indent="0" lvl="0" marL="0" marR="0" rtl="0" algn="l">
+                        <a:lnSpc>
+                          <a:spcPct val="100000"/>
+                        </a:lnSpc>
+                        <a:spcBef>
+                          <a:spcPts val="0"/>
+                        </a:spcBef>
+                        <a:spcAft>
+                          <a:spcPts val="0"/>
+                        </a:spcAft>
+                        <a:buClr>
+                          <a:srgbClr val="000000"/>
+                        </a:buClr>
+                        <a:buSzPts val="1800"/>
+                        <a:buFont typeface="Arial"/>
+                        <a:buNone/>
+                      </a:pPr>
+                      <a:r>
+                        <a:t/>
+                      </a:r>
+                      <a:endParaRPr sz="1800" u="none" cap="none" strike="noStrike"/>
+                    </a:p>
+                  </a:txBody>
+                  <a:tcPr marT="45725" marB="45725" marR="91450" marL="91450">
+                    <a:lnL cap="flat" cmpd="sng" w="12700">
+                      <a:solidFill>
+                        <a:schemeClr val="dk1"/>
+                      </a:solidFill>
+                      <a:prstDash val="solid"/>
+                      <a:round/>
+                      <a:headEnd len="sm" w="sm" type="none"/>
+                      <a:tailEnd len="sm" w="sm" type="none"/>
+                    </a:lnL>
+                    <a:lnT cap="flat" cmpd="sng" w="12700">
+                      <a:solidFill>
+                        <a:schemeClr val="dk1"/>
+                      </a:solidFill>
+                      <a:prstDash val="solid"/>
+                      <a:round/>
+                      <a:headEnd len="sm" w="sm" type="none"/>
+                      <a:tailEnd len="sm" w="sm" type="none"/>
+                    </a:lnT>
+                    <a:lnB cap="flat" cmpd="sng" w="12700">
+                      <a:solidFill>
+                        <a:schemeClr val="dk1"/>
+                      </a:solidFill>
+                      <a:prstDash val="solid"/>
+                      <a:round/>
+                      <a:headEnd len="sm" w="sm" type="none"/>
+                      <a:tailEnd len="sm" w="sm" type="none"/>
+                    </a:lnB>
+                  </a:tcPr>
+                </a:tc>
+                <a:tc>
+                  <a:txBody>
+                    <a:bodyPr/>
+                    <a:lstStyle/>
+                    <a:p>
+                      <a:pPr indent="0" lvl="0" marL="0" marR="0" rtl="0" algn="l">
+                        <a:lnSpc>
+                          <a:spcPct val="100000"/>
+                        </a:lnSpc>
+                        <a:spcBef>
+                          <a:spcPts val="0"/>
+                        </a:spcBef>
+                        <a:spcAft>
+                          <a:spcPts val="0"/>
+                        </a:spcAft>
+                        <a:buClr>
+                          <a:srgbClr val="000000"/>
+                        </a:buClr>
+                        <a:buSzPts val="1800"/>
+                        <a:buFont typeface="Arial"/>
+                        <a:buNone/>
+                      </a:pPr>
+                      <a:r>
+                        <a:t/>
+                      </a:r>
+                      <a:endParaRPr sz="1800" u="none" cap="none" strike="noStrike"/>
+                    </a:p>
+                  </a:txBody>
+                  <a:tcPr marT="45725" marB="45725" marR="91450" marL="91450">
+                    <a:lnT cap="flat" cmpd="sng" w="12700">
+                      <a:solidFill>
+                        <a:schemeClr val="dk1"/>
+                      </a:solidFill>
+                      <a:prstDash val="solid"/>
+                      <a:round/>
+                      <a:headEnd len="sm" w="sm" type="none"/>
+                      <a:tailEnd len="sm" w="sm" type="none"/>
+                    </a:lnT>
+                    <a:lnB cap="flat" cmpd="sng" w="12700">
+                      <a:solidFill>
+                        <a:schemeClr val="dk1"/>
+                      </a:solidFill>
+                      <a:prstDash val="solid"/>
+                      <a:round/>
+                      <a:headEnd len="sm" w="sm" type="none"/>
+                      <a:tailEnd len="sm" w="sm" type="none"/>
+                    </a:lnB>
+                  </a:tcPr>
+                </a:tc>
+                <a:tc>
+                  <a:txBody>
+                    <a:bodyPr/>
+                    <a:lstStyle/>
+                    <a:p>
+                      <a:pPr indent="0" lvl="0" marL="0" marR="0" rtl="0" algn="l">
+                        <a:lnSpc>
+                          <a:spcPct val="100000"/>
+                        </a:lnSpc>
+                        <a:spcBef>
+                          <a:spcPts val="0"/>
+                        </a:spcBef>
+                        <a:spcAft>
+                          <a:spcPts val="0"/>
+                        </a:spcAft>
+                        <a:buClr>
+                          <a:srgbClr val="000000"/>
+                        </a:buClr>
+                        <a:buSzPts val="1800"/>
+                        <a:buFont typeface="Arial"/>
+                        <a:buNone/>
+                      </a:pPr>
+                      <a:r>
+                        <a:t/>
+                      </a:r>
+                      <a:endParaRPr sz="1800" u="none" cap="none" strike="noStrike"/>
+                    </a:p>
+                  </a:txBody>
+                  <a:tcPr marT="45725" marB="45725" marR="91450" marL="91450">
+                    <a:lnT cap="flat" cmpd="sng" w="12700">
+                      <a:solidFill>
+                        <a:schemeClr val="dk1"/>
+                      </a:solidFill>
+                      <a:prstDash val="solid"/>
+                      <a:round/>
+                      <a:headEnd len="sm" w="sm" type="none"/>
+                      <a:tailEnd len="sm" w="sm" type="none"/>
+                    </a:lnT>
+                    <a:lnB cap="flat" cmpd="sng" w="12700">
+                      <a:solidFill>
+                        <a:schemeClr val="dk1"/>
+                      </a:solidFill>
+                      <a:prstDash val="solid"/>
+                      <a:round/>
+                      <a:headEnd len="sm" w="sm" type="none"/>
+                      <a:tailEnd len="sm" w="sm" type="none"/>
+                    </a:lnB>
+                  </a:tcPr>
+                </a:tc>
+                <a:tc>
+                  <a:txBody>
+                    <a:bodyPr/>
+                    <a:lstStyle/>
+                    <a:p>
+                      <a:pPr indent="0" lvl="0" marL="0" marR="0" rtl="0" algn="l">
+                        <a:lnSpc>
+                          <a:spcPct val="100000"/>
+                        </a:lnSpc>
+                        <a:spcBef>
+                          <a:spcPts val="0"/>
+                        </a:spcBef>
+                        <a:spcAft>
+                          <a:spcPts val="0"/>
+                        </a:spcAft>
+                        <a:buClr>
+                          <a:srgbClr val="000000"/>
+                        </a:buClr>
+                        <a:buSzPts val="1800"/>
+                        <a:buFont typeface="Arial"/>
+                        <a:buNone/>
+                      </a:pPr>
+                      <a:r>
+                        <a:t/>
+                      </a:r>
+                      <a:endParaRPr sz="1800" u="none" cap="none" strike="noStrike"/>
+                    </a:p>
+                  </a:txBody>
+                  <a:tcPr marT="45725" marB="45725" marR="91450" marL="91450">
+                    <a:lnR cap="flat" cmpd="sng" w="12700">
+                      <a:solidFill>
+                        <a:schemeClr val="dk1"/>
+                      </a:solidFill>
+                      <a:prstDash val="solid"/>
+                      <a:round/>
+                      <a:headEnd len="sm" w="sm" type="none"/>
+                      <a:tailEnd len="sm" w="sm" type="none"/>
+                    </a:lnR>
+                    <a:lnT cap="flat" cmpd="sng" w="12700">
+                      <a:solidFill>
+                        <a:schemeClr val="dk1"/>
+                      </a:solidFill>
+                      <a:prstDash val="solid"/>
+                      <a:round/>
+                      <a:headEnd len="sm" w="sm" type="none"/>
+                      <a:tailEnd len="sm" w="sm" type="none"/>
+                    </a:lnT>
+                    <a:lnB cap="flat" cmpd="sng" w="12700">
+                      <a:solidFill>
+                        <a:schemeClr val="dk1"/>
+                      </a:solidFill>
+                      <a:prstDash val="solid"/>
+                      <a:round/>
+                      <a:headEnd len="sm" w="sm" type="none"/>
+                      <a:tailEnd len="sm" w="sm" type="none"/>
+                    </a:lnB>
+                  </a:tcPr>
+                </a:tc>
+              </a:tr>
+              <a:tr h="3067475">
+                <a:tc>
+                  <a:txBody>
+                    <a:bodyPr/>
+                    <a:lstStyle/>
+                    <a:p>
+                      <a:pPr indent="0" lvl="0" marL="0" marR="0" rtl="0" algn="ctr">
+                        <a:lnSpc>
+                          <a:spcPct val="100000"/>
+                        </a:lnSpc>
+                        <a:spcBef>
+                          <a:spcPts val="0"/>
+                        </a:spcBef>
+                        <a:spcAft>
+                          <a:spcPts val="0"/>
+                        </a:spcAft>
+                        <a:buClr>
+                          <a:srgbClr val="000000"/>
+                        </a:buClr>
+                        <a:buSzPts val="1800"/>
+                        <a:buFont typeface="Arial"/>
+                        <a:buNone/>
+                      </a:pPr>
+                      <a:r>
+                        <a:rPr lang="es-VE" sz="1800" u="none" cap="none" strike="noStrike"/>
+                        <a:t>&lt;Sprint </a:t>
+                      </a:r>
+                      <a:r>
+                        <a:rPr lang="es-VE" sz="1800"/>
+                        <a:t>6</a:t>
+                      </a:r>
+                      <a:r>
+                        <a:rPr lang="es-VE" sz="1800" u="none" cap="none" strike="noStrike"/>
+                        <a:t>&gt;</a:t>
+                      </a:r>
+                      <a:endParaRPr sz="1800" u="none" cap="none" strike="noStrike"/>
+                    </a:p>
+                  </a:txBody>
+                  <a:tcPr marT="45725" marB="45725" marR="91450" marL="91450" anchor="ctr">
+                    <a:lnL cap="flat" cmpd="sng" w="12700">
+                      <a:solidFill>
+                        <a:schemeClr val="dk1"/>
+                      </a:solidFill>
+                      <a:prstDash val="solid"/>
+                      <a:round/>
+                      <a:headEnd len="sm" w="sm" type="none"/>
+                      <a:tailEnd len="sm" w="sm" type="none"/>
+                    </a:lnL>
+                    <a:lnR cap="flat" cmpd="sng" w="12700">
+                      <a:solidFill>
+                        <a:schemeClr val="dk1"/>
+                      </a:solidFill>
+                      <a:prstDash val="solid"/>
+                      <a:round/>
+                      <a:headEnd len="sm" w="sm" type="none"/>
+                      <a:tailEnd len="sm" w="sm" type="none"/>
+                    </a:lnR>
+                    <a:lnT cap="flat" cmpd="sng" w="12700">
+                      <a:solidFill>
+                        <a:schemeClr val="dk1"/>
+                      </a:solidFill>
+                      <a:prstDash val="solid"/>
+                      <a:round/>
+                      <a:headEnd len="sm" w="sm" type="none"/>
+                      <a:tailEnd len="sm" w="sm" type="none"/>
+                    </a:lnT>
+                    <a:lnB cap="flat" cmpd="sng" w="12700">
+                      <a:solidFill>
+                        <a:schemeClr val="dk1"/>
+                      </a:solidFill>
+                      <a:prstDash val="solid"/>
+                      <a:round/>
+                      <a:headEnd len="sm" w="sm" type="none"/>
+                      <a:tailEnd len="sm" w="sm" type="none"/>
+                    </a:lnB>
+                  </a:tcPr>
+                </a:tc>
+                <a:tc>
+                  <a:txBody>
+                    <a:bodyPr/>
+                    <a:lstStyle/>
+                    <a:p>
+                      <a:pPr indent="0" lvl="0" marL="0" marR="0" rtl="0" algn="ctr">
+                        <a:lnSpc>
+                          <a:spcPct val="100000"/>
+                        </a:lnSpc>
+                        <a:spcBef>
+                          <a:spcPts val="0"/>
+                        </a:spcBef>
+                        <a:spcAft>
+                          <a:spcPts val="0"/>
+                        </a:spcAft>
+                        <a:buClr>
+                          <a:srgbClr val="000000"/>
+                        </a:buClr>
+                        <a:buSzPts val="1800"/>
+                        <a:buFont typeface="Arial"/>
+                        <a:buNone/>
+                      </a:pPr>
+                      <a:r>
+                        <a:t/>
+                      </a:r>
+                      <a:endParaRPr sz="1800" u="none" cap="none" strike="noStrike">
+                        <a:solidFill>
+                          <a:schemeClr val="dk1"/>
+                        </a:solidFill>
+                        <a:latin typeface="Corbel"/>
+                        <a:ea typeface="Corbel"/>
+                        <a:cs typeface="Corbel"/>
+                        <a:sym typeface="Corbel"/>
+                      </a:endParaRPr>
+                    </a:p>
+                  </a:txBody>
+                  <a:tcPr marT="45725" marB="45725" marR="91450" marL="91450" anchor="ctr">
+                    <a:lnL cap="flat" cmpd="sng" w="12700">
+                      <a:solidFill>
+                        <a:schemeClr val="dk1"/>
+                      </a:solidFill>
+                      <a:prstDash val="solid"/>
+                      <a:round/>
+                      <a:headEnd len="sm" w="sm" type="none"/>
+                      <a:tailEnd len="sm" w="sm" type="none"/>
+                    </a:lnL>
+                    <a:lnR cap="flat" cmpd="sng" w="12700">
+                      <a:solidFill>
+                        <a:schemeClr val="dk1"/>
+                      </a:solidFill>
+                      <a:prstDash val="solid"/>
+                      <a:round/>
+                      <a:headEnd len="sm" w="sm" type="none"/>
+                      <a:tailEnd len="sm" w="sm" type="none"/>
+                    </a:lnR>
+                    <a:lnT cap="flat" cmpd="sng" w="12700">
+                      <a:solidFill>
+                        <a:schemeClr val="dk1"/>
+                      </a:solidFill>
+                      <a:prstDash val="solid"/>
+                      <a:round/>
+                      <a:headEnd len="sm" w="sm" type="none"/>
+                      <a:tailEnd len="sm" w="sm" type="none"/>
+                    </a:lnT>
+                    <a:lnB cap="flat" cmpd="sng" w="12700">
+                      <a:solidFill>
+                        <a:schemeClr val="dk1"/>
+                      </a:solidFill>
+                      <a:prstDash val="solid"/>
+                      <a:round/>
+                      <a:headEnd len="sm" w="sm" type="none"/>
+                      <a:tailEnd len="sm" w="sm" type="none"/>
+                    </a:lnB>
+                  </a:tcPr>
+                </a:tc>
+                <a:tc>
+                  <a:txBody>
+                    <a:bodyPr/>
+                    <a:lstStyle/>
+                    <a:p>
+                      <a:pPr indent="0" lvl="0" marL="0" marR="0" rtl="0" algn="l">
+                        <a:lnSpc>
+                          <a:spcPct val="100000"/>
+                        </a:lnSpc>
+                        <a:spcBef>
+                          <a:spcPts val="0"/>
+                        </a:spcBef>
+                        <a:spcAft>
+                          <a:spcPts val="0"/>
+                        </a:spcAft>
+                        <a:buClr>
+                          <a:srgbClr val="000000"/>
+                        </a:buClr>
+                        <a:buSzPts val="1800"/>
+                        <a:buFont typeface="Arial"/>
+                        <a:buNone/>
+                      </a:pPr>
+                      <a:r>
+                        <a:t/>
+                      </a:r>
+                      <a:endParaRPr sz="1800" u="none" cap="none" strike="noStrike">
+                        <a:solidFill>
+                          <a:schemeClr val="dk1"/>
+                        </a:solidFill>
+                        <a:latin typeface="Corbel"/>
+                        <a:ea typeface="Corbel"/>
+                        <a:cs typeface="Corbel"/>
+                        <a:sym typeface="Corbel"/>
+                      </a:endParaRPr>
+                    </a:p>
+                  </a:txBody>
+                  <a:tcPr marT="45725" marB="45725" marR="91450" marL="91450">
+                    <a:lnL cap="flat" cmpd="sng" w="12700">
+                      <a:solidFill>
+                        <a:schemeClr val="dk1"/>
+                      </a:solidFill>
+                      <a:prstDash val="solid"/>
+                      <a:round/>
+                      <a:headEnd len="sm" w="sm" type="none"/>
+                      <a:tailEnd len="sm" w="sm" type="none"/>
+                    </a:lnL>
+                    <a:lnT cap="flat" cmpd="sng" w="12700">
+                      <a:solidFill>
+                        <a:schemeClr val="dk1"/>
+                      </a:solidFill>
+                      <a:prstDash val="solid"/>
+                      <a:round/>
+                      <a:headEnd len="sm" w="sm" type="none"/>
+                      <a:tailEnd len="sm" w="sm" type="none"/>
+                    </a:lnT>
+                    <a:lnB cap="flat" cmpd="sng" w="12700">
+                      <a:solidFill>
+                        <a:schemeClr val="dk1"/>
+                      </a:solidFill>
+                      <a:prstDash val="solid"/>
+                      <a:round/>
+                      <a:headEnd len="sm" w="sm" type="none"/>
+                      <a:tailEnd len="sm" w="sm" type="none"/>
+                    </a:lnB>
+                  </a:tcPr>
+                </a:tc>
+                <a:tc>
+                  <a:txBody>
+                    <a:bodyPr/>
+                    <a:lstStyle/>
+                    <a:p>
+                      <a:pPr indent="0" lvl="0" marL="0" marR="0" rtl="0" algn="l">
+                        <a:lnSpc>
+                          <a:spcPct val="100000"/>
+                        </a:lnSpc>
+                        <a:spcBef>
+                          <a:spcPts val="0"/>
+                        </a:spcBef>
+                        <a:spcAft>
+                          <a:spcPts val="0"/>
+                        </a:spcAft>
+                        <a:buClr>
+                          <a:srgbClr val="000000"/>
+                        </a:buClr>
+                        <a:buSzPts val="1800"/>
+                        <a:buFont typeface="Arial"/>
+                        <a:buNone/>
+                      </a:pPr>
+                      <a:r>
+                        <a:t/>
+                      </a:r>
+                      <a:endParaRPr sz="1800" u="none" cap="none" strike="noStrike">
+                        <a:solidFill>
+                          <a:schemeClr val="dk1"/>
+                        </a:solidFill>
+                        <a:latin typeface="Corbel"/>
+                        <a:ea typeface="Corbel"/>
+                        <a:cs typeface="Corbel"/>
+                        <a:sym typeface="Corbel"/>
+                      </a:endParaRPr>
+                    </a:p>
+                  </a:txBody>
+                  <a:tcPr marT="45725" marB="45725" marR="91450" marL="91450">
+                    <a:lnT cap="flat" cmpd="sng" w="12700">
+                      <a:solidFill>
+                        <a:schemeClr val="dk1"/>
+                      </a:solidFill>
+                      <a:prstDash val="solid"/>
+                      <a:round/>
+                      <a:headEnd len="sm" w="sm" type="none"/>
+                      <a:tailEnd len="sm" w="sm" type="none"/>
+                    </a:lnT>
+                    <a:lnB cap="flat" cmpd="sng" w="12700">
+                      <a:solidFill>
+                        <a:schemeClr val="dk1"/>
+                      </a:solidFill>
+                      <a:prstDash val="solid"/>
+                      <a:round/>
+                      <a:headEnd len="sm" w="sm" type="none"/>
+                      <a:tailEnd len="sm" w="sm" type="none"/>
+                    </a:lnB>
+                  </a:tcPr>
+                </a:tc>
+                <a:tc>
+                  <a:txBody>
+                    <a:bodyPr/>
+                    <a:lstStyle/>
+                    <a:p>
+                      <a:pPr indent="0" lvl="0" marL="0" marR="0" rtl="0" algn="l">
+                        <a:lnSpc>
+                          <a:spcPct val="100000"/>
+                        </a:lnSpc>
+                        <a:spcBef>
+                          <a:spcPts val="0"/>
+                        </a:spcBef>
+                        <a:spcAft>
+                          <a:spcPts val="0"/>
+                        </a:spcAft>
+                        <a:buClr>
+                          <a:srgbClr val="000000"/>
+                        </a:buClr>
+                        <a:buSzPts val="1800"/>
+                        <a:buFont typeface="Arial"/>
+                        <a:buNone/>
+                      </a:pPr>
+                      <a:r>
+                        <a:t/>
+                      </a:r>
+                      <a:endParaRPr sz="1800" u="none" cap="none" strike="noStrike">
+                        <a:solidFill>
+                          <a:schemeClr val="dk1"/>
+                        </a:solidFill>
+                        <a:latin typeface="Corbel"/>
+                        <a:ea typeface="Corbel"/>
+                        <a:cs typeface="Corbel"/>
+                        <a:sym typeface="Corbel"/>
+                      </a:endParaRPr>
+                    </a:p>
+                  </a:txBody>
+                  <a:tcPr marT="45725" marB="45725" marR="91450" marL="91450">
+                    <a:lnT cap="flat" cmpd="sng" w="12700">
+                      <a:solidFill>
+                        <a:schemeClr val="dk1"/>
+                      </a:solidFill>
+                      <a:prstDash val="solid"/>
+                      <a:round/>
+                      <a:headEnd len="sm" w="sm" type="none"/>
+                      <a:tailEnd len="sm" w="sm" type="none"/>
+                    </a:lnT>
+                    <a:lnB cap="flat" cmpd="sng" w="12700">
+                      <a:solidFill>
+                        <a:schemeClr val="dk1"/>
+                      </a:solidFill>
+                      <a:prstDash val="solid"/>
+                      <a:round/>
+                      <a:headEnd len="sm" w="sm" type="none"/>
+                      <a:tailEnd len="sm" w="sm" type="none"/>
+                    </a:lnB>
+                  </a:tcPr>
+                </a:tc>
+                <a:tc>
+                  <a:txBody>
+                    <a:bodyPr/>
+                    <a:lstStyle/>
+                    <a:p>
+                      <a:pPr indent="0" lvl="0" marL="0" marR="0" rtl="0" algn="l">
+                        <a:lnSpc>
+                          <a:spcPct val="100000"/>
+                        </a:lnSpc>
+                        <a:spcBef>
+                          <a:spcPts val="0"/>
+                        </a:spcBef>
+                        <a:spcAft>
+                          <a:spcPts val="0"/>
+                        </a:spcAft>
+                        <a:buClr>
+                          <a:srgbClr val="000000"/>
+                        </a:buClr>
+                        <a:buSzPts val="1800"/>
+                        <a:buFont typeface="Arial"/>
+                        <a:buNone/>
+                      </a:pPr>
+                      <a:r>
+                        <a:t/>
+                      </a:r>
+                      <a:endParaRPr sz="1800" u="none" cap="none" strike="noStrike">
+                        <a:solidFill>
+                          <a:schemeClr val="dk1"/>
+                        </a:solidFill>
+                        <a:latin typeface="Corbel"/>
+                        <a:ea typeface="Corbel"/>
+                        <a:cs typeface="Corbel"/>
+                        <a:sym typeface="Corbel"/>
+                      </a:endParaRPr>
+                    </a:p>
+                  </a:txBody>
+                  <a:tcPr marT="45725" marB="45725" marR="91450" marL="91450">
+                    <a:lnR cap="flat" cmpd="sng" w="12700">
+                      <a:solidFill>
+                        <a:schemeClr val="dk1"/>
+                      </a:solidFill>
+                      <a:prstDash val="solid"/>
+                      <a:round/>
+                      <a:headEnd len="sm" w="sm" type="none"/>
+                      <a:tailEnd len="sm" w="sm" type="none"/>
+                    </a:lnR>
+                    <a:lnT cap="flat" cmpd="sng" w="12700">
+                      <a:solidFill>
+                        <a:schemeClr val="dk1"/>
+                      </a:solidFill>
+                      <a:prstDash val="solid"/>
+                      <a:round/>
+                      <a:headEnd len="sm" w="sm" type="none"/>
+                      <a:tailEnd len="sm" w="sm" type="none"/>
+                    </a:lnT>
+                    <a:lnB cap="flat" cmpd="sng" w="12700">
+                      <a:solidFill>
+                        <a:schemeClr val="dk1"/>
+                      </a:solidFill>
+                      <a:prstDash val="solid"/>
+                      <a:round/>
+                      <a:headEnd len="sm" w="sm" type="none"/>
+                      <a:tailEnd len="sm" w="sm" type="none"/>
+                    </a:lnB>
+                  </a:tcPr>
+                </a:tc>
+              </a:tr>
+            </a:tbl>
+          </a:graphicData>
+        </a:graphic>
+      </p:graphicFrame>
+      <p:sp>
+        <p:nvSpPr>
+          <p:cNvPr id="145" name="Google Shape;145;g8801683ef4_0_0"/>
+          <p:cNvSpPr/>
+          <p:nvPr/>
+        </p:nvSpPr>
+        <p:spPr>
+          <a:xfrm>
+            <a:off x="2478800" y="2562850"/>
+            <a:ext cx="2247000" cy="1514400"/>
+          </a:xfrm>
+          <a:prstGeom prst="homePlate">
+            <a:avLst>
+              <a:gd fmla="val 50000" name="adj"/>
+            </a:avLst>
+          </a:prstGeom>
+          <a:solidFill>
+            <a:srgbClr val="F1C232"/>
+          </a:solidFill>
+          <a:ln cap="flat" cmpd="sng" w="12700">
+            <a:solidFill>
+              <a:srgbClr val="F1C232"/>
+            </a:solidFill>
+            <a:prstDash val="solid"/>
+            <a:miter lim="800000"/>
+            <a:headEnd len="sm" w="sm" type="none"/>
+            <a:tailEnd len="sm" w="sm" type="none"/>
+          </a:ln>
+        </p:spPr>
+        <p:txBody>
+          <a:bodyPr anchorCtr="0" anchor="ctr" bIns="45700" lIns="91425" spcFirstLastPara="1" rIns="91425" wrap="square" tIns="45700">
+            <a:noAutofit/>
+          </a:bodyPr>
+          <a:lstStyle/>
+          <a:p>
+            <a:pPr indent="0" lvl="0" marL="0" marR="0" rtl="0" algn="ctr">
+              <a:lnSpc>
+                <a:spcPct val="100000"/>
+              </a:lnSpc>
+              <a:spcBef>
+                <a:spcPts val="0"/>
+              </a:spcBef>
+              <a:spcAft>
+                <a:spcPts val="0"/>
+              </a:spcAft>
+              <a:buClr>
+                <a:srgbClr val="000000"/>
+              </a:buClr>
+              <a:buSzPts val="1600"/>
+              <a:buFont typeface="Arial"/>
+              <a:buNone/>
+            </a:pPr>
+            <a:r>
+              <a:rPr lang="es-VE" sz="1600">
+                <a:latin typeface="Corbel"/>
+                <a:ea typeface="Corbel"/>
+                <a:cs typeface="Corbel"/>
+                <a:sym typeface="Corbel"/>
+              </a:rPr>
+              <a:t>Dar funcionalidad al login del usuario y dar acceso al perfil y reuniones</a:t>
+            </a:r>
+            <a:endParaRPr b="0" i="0" sz="1600" u="none" cap="none" strike="noStrike">
+              <a:latin typeface="Corbel"/>
+              <a:ea typeface="Corbel"/>
+              <a:cs typeface="Corbel"/>
+              <a:sym typeface="Corbel"/>
+            </a:endParaRPr>
+          </a:p>
+        </p:txBody>
+      </p:sp>
+      <p:sp>
+        <p:nvSpPr>
+          <p:cNvPr id="146" name="Google Shape;146;g8801683ef4_0_0"/>
+          <p:cNvSpPr/>
+          <p:nvPr/>
+        </p:nvSpPr>
+        <p:spPr>
+          <a:xfrm>
+            <a:off x="2478800" y="6659700"/>
+            <a:ext cx="2351400" cy="1130400"/>
+          </a:xfrm>
+          <a:prstGeom prst="homePlate">
+            <a:avLst>
+              <a:gd fmla="val 50000" name="adj"/>
+            </a:avLst>
+          </a:prstGeom>
+          <a:solidFill>
+            <a:srgbClr val="CCCCCC"/>
+          </a:solidFill>
+          <a:ln cap="flat" cmpd="sng" w="12700">
+            <a:solidFill>
+              <a:srgbClr val="666666"/>
+            </a:solidFill>
+            <a:prstDash val="solid"/>
+            <a:miter lim="800000"/>
+            <a:headEnd len="sm" w="sm" type="none"/>
+            <a:tailEnd len="sm" w="sm" type="none"/>
+          </a:ln>
+        </p:spPr>
+        <p:txBody>
+          <a:bodyPr anchorCtr="0" anchor="ctr" bIns="45700" lIns="91425" spcFirstLastPara="1" rIns="91425" wrap="square" tIns="45700">
+            <a:noAutofit/>
+          </a:bodyPr>
+          <a:lstStyle/>
+          <a:p>
+            <a:pPr indent="0" lvl="0" marL="0" marR="0" rtl="0" algn="ctr">
+              <a:lnSpc>
+                <a:spcPct val="100000"/>
+              </a:lnSpc>
+              <a:spcBef>
+                <a:spcPts val="0"/>
+              </a:spcBef>
+              <a:spcAft>
+                <a:spcPts val="0"/>
+              </a:spcAft>
+              <a:buClr>
+                <a:srgbClr val="000000"/>
+              </a:buClr>
+              <a:buSzPts val="1600"/>
+              <a:buFont typeface="Arial"/>
+              <a:buNone/>
+            </a:pPr>
+            <a:r>
+              <a:t/>
+            </a:r>
+            <a:endParaRPr b="0" i="0" sz="1600" u="none" cap="none" strike="noStrike">
+              <a:solidFill>
+                <a:schemeClr val="dk1"/>
+              </a:solidFill>
+              <a:latin typeface="Corbel"/>
+              <a:ea typeface="Corbel"/>
+              <a:cs typeface="Corbel"/>
+              <a:sym typeface="Corbel"/>
+            </a:endParaRPr>
+          </a:p>
+        </p:txBody>
+      </p:sp>
+      <p:sp>
+        <p:nvSpPr>
+          <p:cNvPr id="147" name="Google Shape;147;g8801683ef4_0_0"/>
+          <p:cNvSpPr/>
+          <p:nvPr/>
+        </p:nvSpPr>
+        <p:spPr>
+          <a:xfrm>
+            <a:off x="5146713" y="743650"/>
+            <a:ext cx="2147700" cy="1514400"/>
+          </a:xfrm>
+          <a:prstGeom prst="homePlate">
+            <a:avLst>
+              <a:gd fmla="val 50000" name="adj"/>
+            </a:avLst>
+          </a:prstGeom>
+          <a:solidFill>
+            <a:srgbClr val="F1C232"/>
+          </a:solidFill>
+          <a:ln cap="flat" cmpd="sng" w="12700">
+            <a:solidFill>
+              <a:srgbClr val="F1C232"/>
+            </a:solidFill>
+            <a:prstDash val="solid"/>
+            <a:miter lim="800000"/>
+            <a:headEnd len="sm" w="sm" type="none"/>
+            <a:tailEnd len="sm" w="sm" type="none"/>
+          </a:ln>
+        </p:spPr>
+        <p:txBody>
+          <a:bodyPr anchorCtr="0" anchor="ctr" bIns="45700" lIns="91425" spcFirstLastPara="1" rIns="91425" wrap="square" tIns="45700">
+            <a:noAutofit/>
+          </a:bodyPr>
+          <a:lstStyle/>
+          <a:p>
+            <a:pPr indent="0" lvl="0" marL="0" marR="0" rtl="0" algn="ctr">
+              <a:lnSpc>
+                <a:spcPct val="100000"/>
+              </a:lnSpc>
+              <a:spcBef>
+                <a:spcPts val="0"/>
+              </a:spcBef>
+              <a:spcAft>
+                <a:spcPts val="0"/>
+              </a:spcAft>
+              <a:buClr>
+                <a:srgbClr val="000000"/>
+              </a:buClr>
+              <a:buSzPts val="1600"/>
+              <a:buFont typeface="Arial"/>
+              <a:buNone/>
+            </a:pPr>
+            <a:r>
+              <a:rPr lang="es-VE" sz="1600">
+                <a:latin typeface="Corbel"/>
+                <a:ea typeface="Corbel"/>
+                <a:cs typeface="Corbel"/>
+                <a:sym typeface="Corbel"/>
+              </a:rPr>
+              <a:t>Solicitar una reunión al pulsar una asignatura</a:t>
+            </a:r>
+            <a:endParaRPr b="0" i="0" sz="1600" u="none" cap="none" strike="noStrike">
+              <a:latin typeface="Corbel"/>
+              <a:ea typeface="Corbel"/>
+              <a:cs typeface="Corbel"/>
+              <a:sym typeface="Corbel"/>
+            </a:endParaRPr>
+          </a:p>
+        </p:txBody>
+      </p:sp>
+      <p:sp>
+        <p:nvSpPr>
+          <p:cNvPr id="148" name="Google Shape;148;g8801683ef4_0_0"/>
+          <p:cNvSpPr/>
+          <p:nvPr/>
+        </p:nvSpPr>
+        <p:spPr>
+          <a:xfrm>
+            <a:off x="5173338" y="2562850"/>
+            <a:ext cx="2147700" cy="1514400"/>
+          </a:xfrm>
+          <a:prstGeom prst="homePlate">
+            <a:avLst>
+              <a:gd fmla="val 50000" name="adj"/>
+            </a:avLst>
+          </a:prstGeom>
+          <a:solidFill>
+            <a:srgbClr val="F1C232"/>
+          </a:solidFill>
+          <a:ln cap="flat" cmpd="sng" w="12700">
+            <a:solidFill>
+              <a:srgbClr val="F1C232"/>
+            </a:solidFill>
+            <a:prstDash val="solid"/>
+            <a:miter lim="800000"/>
+            <a:headEnd len="sm" w="sm" type="none"/>
+            <a:tailEnd len="sm" w="sm" type="none"/>
+          </a:ln>
+        </p:spPr>
+        <p:txBody>
+          <a:bodyPr anchorCtr="0" anchor="ctr" bIns="45700" lIns="91425" spcFirstLastPara="1" rIns="91425" wrap="square" tIns="45700">
+            <a:noAutofit/>
+          </a:bodyPr>
+          <a:lstStyle/>
+          <a:p>
+            <a:pPr indent="0" lvl="0" marL="0" marR="0" rtl="0" algn="ctr">
+              <a:lnSpc>
+                <a:spcPct val="100000"/>
+              </a:lnSpc>
+              <a:spcBef>
+                <a:spcPts val="0"/>
+              </a:spcBef>
+              <a:spcAft>
+                <a:spcPts val="0"/>
+              </a:spcAft>
+              <a:buClr>
+                <a:srgbClr val="000000"/>
+              </a:buClr>
+              <a:buSzPts val="1600"/>
+              <a:buFont typeface="Arial"/>
+              <a:buNone/>
+            </a:pPr>
+            <a:r>
+              <a:rPr lang="es-VE" sz="1600">
+                <a:latin typeface="Corbel"/>
+                <a:ea typeface="Corbel"/>
+                <a:cs typeface="Corbel"/>
+                <a:sym typeface="Corbel"/>
+              </a:rPr>
+              <a:t>Poner en verde la asignatura confirmada para </a:t>
+            </a:r>
+            <a:r>
+              <a:rPr lang="es-VE" sz="1600">
+                <a:latin typeface="Corbel"/>
+                <a:ea typeface="Corbel"/>
+                <a:cs typeface="Corbel"/>
+                <a:sym typeface="Corbel"/>
+              </a:rPr>
+              <a:t>reunión</a:t>
+            </a:r>
+            <a:endParaRPr b="0" i="0" sz="1600" u="none" cap="none" strike="noStrike">
+              <a:latin typeface="Corbel"/>
+              <a:ea typeface="Corbel"/>
+              <a:cs typeface="Corbel"/>
+              <a:sym typeface="Corbel"/>
+            </a:endParaRPr>
+          </a:p>
+        </p:txBody>
+      </p:sp>
+      <p:sp>
+        <p:nvSpPr>
+          <p:cNvPr id="149" name="Google Shape;149;g8801683ef4_0_0"/>
+          <p:cNvSpPr/>
+          <p:nvPr/>
+        </p:nvSpPr>
+        <p:spPr>
+          <a:xfrm>
+            <a:off x="7715475" y="2562850"/>
+            <a:ext cx="2147700" cy="1514400"/>
+          </a:xfrm>
+          <a:prstGeom prst="homePlate">
+            <a:avLst>
+              <a:gd fmla="val 50000" name="adj"/>
+            </a:avLst>
+          </a:prstGeom>
+          <a:solidFill>
+            <a:srgbClr val="F1C232"/>
+          </a:solidFill>
+          <a:ln cap="flat" cmpd="sng" w="12700">
+            <a:solidFill>
+              <a:srgbClr val="F1C232"/>
+            </a:solidFill>
+            <a:prstDash val="solid"/>
+            <a:miter lim="800000"/>
+            <a:headEnd len="sm" w="sm" type="none"/>
+            <a:tailEnd len="sm" w="sm" type="none"/>
+          </a:ln>
+        </p:spPr>
+        <p:txBody>
+          <a:bodyPr anchorCtr="0" anchor="ctr" bIns="45700" lIns="91425" spcFirstLastPara="1" rIns="91425" wrap="square" tIns="45700">
+            <a:noAutofit/>
+          </a:bodyPr>
+          <a:lstStyle/>
+          <a:p>
+            <a:pPr indent="0" lvl="0" marL="0" marR="0" rtl="0" algn="ctr">
+              <a:lnSpc>
+                <a:spcPct val="100000"/>
+              </a:lnSpc>
+              <a:spcBef>
+                <a:spcPts val="0"/>
+              </a:spcBef>
+              <a:spcAft>
+                <a:spcPts val="0"/>
+              </a:spcAft>
+              <a:buClr>
+                <a:srgbClr val="000000"/>
+              </a:buClr>
+              <a:buSzPts val="1600"/>
+              <a:buFont typeface="Arial"/>
+              <a:buNone/>
+            </a:pPr>
+            <a:r>
+              <a:rPr lang="es-VE" sz="1600">
+                <a:latin typeface="Corbel"/>
+                <a:ea typeface="Corbel"/>
+                <a:cs typeface="Corbel"/>
+                <a:sym typeface="Corbel"/>
+              </a:rPr>
+              <a:t>Dar funcionalidad para permitir cancelar reuniones</a:t>
+            </a:r>
+            <a:endParaRPr b="0" i="0" sz="1600" u="none" cap="none" strike="noStrike">
+              <a:latin typeface="Corbel"/>
+              <a:ea typeface="Corbel"/>
+              <a:cs typeface="Corbel"/>
+              <a:sym typeface="Corbel"/>
+            </a:endParaRPr>
+          </a:p>
+        </p:txBody>
+      </p:sp>
+      <p:sp>
+        <p:nvSpPr>
+          <p:cNvPr id="150" name="Google Shape;150;g8801683ef4_0_0"/>
+          <p:cNvSpPr/>
+          <p:nvPr/>
+        </p:nvSpPr>
+        <p:spPr>
+          <a:xfrm>
+            <a:off x="7715475" y="743650"/>
+            <a:ext cx="2147700" cy="1514400"/>
+          </a:xfrm>
+          <a:prstGeom prst="homePlate">
+            <a:avLst>
+              <a:gd fmla="val 50000" name="adj"/>
+            </a:avLst>
+          </a:prstGeom>
+          <a:solidFill>
+            <a:srgbClr val="F1C232"/>
+          </a:solidFill>
+          <a:ln cap="flat" cmpd="sng" w="12700">
+            <a:solidFill>
+              <a:srgbClr val="F1C232"/>
+            </a:solidFill>
+            <a:prstDash val="solid"/>
+            <a:miter lim="800000"/>
+            <a:headEnd len="sm" w="sm" type="none"/>
+            <a:tailEnd len="sm" w="sm" type="none"/>
+          </a:ln>
+        </p:spPr>
+        <p:txBody>
+          <a:bodyPr anchorCtr="0" anchor="ctr" bIns="45700" lIns="91425" spcFirstLastPara="1" rIns="91425" wrap="square" tIns="45700">
+            <a:noAutofit/>
+          </a:bodyPr>
+          <a:lstStyle/>
+          <a:p>
+            <a:pPr indent="0" lvl="0" marL="0" marR="0" rtl="0" algn="ctr">
+              <a:lnSpc>
+                <a:spcPct val="100000"/>
+              </a:lnSpc>
+              <a:spcBef>
+                <a:spcPts val="0"/>
+              </a:spcBef>
+              <a:spcAft>
+                <a:spcPts val="0"/>
+              </a:spcAft>
+              <a:buClr>
+                <a:srgbClr val="000000"/>
+              </a:buClr>
+              <a:buSzPts val="1600"/>
+              <a:buFont typeface="Arial"/>
+              <a:buNone/>
+            </a:pPr>
+            <a:r>
+              <a:rPr lang="es-VE" sz="1600">
+                <a:latin typeface="Corbel"/>
+                <a:ea typeface="Corbel"/>
+                <a:cs typeface="Corbel"/>
+                <a:sym typeface="Corbel"/>
+              </a:rPr>
+              <a:t>Dar funcionalidad para que no se sobreescriban las reuniones solicitadas</a:t>
+            </a:r>
+            <a:endParaRPr b="0" i="0" sz="1600" u="none" cap="none" strike="noStrike">
+              <a:latin typeface="Corbel"/>
+              <a:ea typeface="Corbel"/>
+              <a:cs typeface="Corbel"/>
+              <a:sym typeface="Corbel"/>
+            </a:endParaRPr>
+          </a:p>
+        </p:txBody>
+      </p:sp>
+      <p:sp>
+        <p:nvSpPr>
+          <p:cNvPr id="151" name="Google Shape;151;g8801683ef4_0_0"/>
+          <p:cNvSpPr/>
+          <p:nvPr/>
+        </p:nvSpPr>
+        <p:spPr>
+          <a:xfrm>
+            <a:off x="10044325" y="2562850"/>
+            <a:ext cx="2147700" cy="1514400"/>
+          </a:xfrm>
+          <a:prstGeom prst="homePlate">
+            <a:avLst>
+              <a:gd fmla="val 50000" name="adj"/>
+            </a:avLst>
+          </a:prstGeom>
+          <a:solidFill>
+            <a:srgbClr val="F1C232"/>
+          </a:solidFill>
+          <a:ln cap="flat" cmpd="sng" w="12700">
+            <a:solidFill>
+              <a:srgbClr val="F1C232"/>
+            </a:solidFill>
+            <a:prstDash val="solid"/>
+            <a:miter lim="800000"/>
+            <a:headEnd len="sm" w="sm" type="none"/>
+            <a:tailEnd len="sm" w="sm" type="none"/>
+          </a:ln>
+        </p:spPr>
+        <p:txBody>
+          <a:bodyPr anchorCtr="0" anchor="ctr" bIns="45700" lIns="91425" spcFirstLastPara="1" rIns="91425" wrap="square" tIns="45700">
+            <a:noAutofit/>
+          </a:bodyPr>
+          <a:lstStyle/>
+          <a:p>
+            <a:pPr indent="0" lvl="0" marL="0" marR="0" rtl="0" algn="ctr">
+              <a:lnSpc>
+                <a:spcPct val="100000"/>
+              </a:lnSpc>
+              <a:spcBef>
+                <a:spcPts val="0"/>
+              </a:spcBef>
+              <a:spcAft>
+                <a:spcPts val="0"/>
+              </a:spcAft>
+              <a:buClr>
+                <a:srgbClr val="000000"/>
+              </a:buClr>
+              <a:buSzPts val="1600"/>
+              <a:buFont typeface="Arial"/>
+              <a:buNone/>
+            </a:pPr>
+            <a:r>
+              <a:rPr lang="es-VE" sz="1600">
+                <a:latin typeface="Corbel"/>
+                <a:ea typeface="Corbel"/>
+                <a:cs typeface="Corbel"/>
+                <a:sym typeface="Corbel"/>
+              </a:rPr>
+              <a:t>Comprimir codigo, revisar documentación y subir todo a Git</a:t>
+            </a:r>
+            <a:endParaRPr b="0" i="0" sz="1600" u="none" cap="none" strike="noStrike">
+              <a:latin typeface="Corbel"/>
+              <a:ea typeface="Corbel"/>
+              <a:cs typeface="Corbel"/>
+              <a:sym typeface="Corbel"/>
+            </a:endParaRPr>
+          </a:p>
+        </p:txBody>
+      </p:sp>
+      <p:sp>
+        <p:nvSpPr>
+          <p:cNvPr id="152" name="Google Shape;152;g8801683ef4_0_0"/>
+          <p:cNvSpPr/>
+          <p:nvPr/>
+        </p:nvSpPr>
+        <p:spPr>
+          <a:xfrm>
+            <a:off x="2478800" y="4382050"/>
+            <a:ext cx="2247000" cy="1514400"/>
+          </a:xfrm>
+          <a:prstGeom prst="homePlate">
+            <a:avLst>
+              <a:gd fmla="val 50000" name="adj"/>
+            </a:avLst>
+          </a:prstGeom>
+          <a:solidFill>
+            <a:srgbClr val="F1C232"/>
+          </a:solidFill>
+          <a:ln cap="flat" cmpd="sng" w="12700">
+            <a:solidFill>
+              <a:srgbClr val="F1C232"/>
+            </a:solidFill>
+            <a:prstDash val="solid"/>
+            <a:miter lim="800000"/>
+            <a:headEnd len="sm" w="sm" type="none"/>
+            <a:tailEnd len="sm" w="sm" type="none"/>
+          </a:ln>
+        </p:spPr>
+        <p:txBody>
+          <a:bodyPr anchorCtr="0" anchor="ctr" bIns="45700" lIns="91425" spcFirstLastPara="1" rIns="91425" wrap="square" tIns="45700">
+            <a:noAutofit/>
+          </a:bodyPr>
+          <a:lstStyle/>
+          <a:p>
+            <a:pPr indent="0" lvl="0" marL="0" marR="0" rtl="0" algn="ctr">
+              <a:lnSpc>
+                <a:spcPct val="100000"/>
+              </a:lnSpc>
+              <a:spcBef>
+                <a:spcPts val="0"/>
+              </a:spcBef>
+              <a:spcAft>
+                <a:spcPts val="0"/>
+              </a:spcAft>
+              <a:buClr>
+                <a:srgbClr val="000000"/>
+              </a:buClr>
+              <a:buSzPts val="1600"/>
+              <a:buFont typeface="Arial"/>
+              <a:buNone/>
+            </a:pPr>
+            <a:r>
+              <a:rPr lang="es-VE" sz="1600">
+                <a:latin typeface="Corbel"/>
+                <a:ea typeface="Corbel"/>
+                <a:cs typeface="Corbel"/>
+                <a:sym typeface="Corbel"/>
+              </a:rPr>
+              <a:t>Crear lista de asignaturas matriculadas del usuario al pulsar </a:t>
+            </a:r>
+            <a:r>
+              <a:rPr lang="es-VE" sz="1600">
+                <a:latin typeface="Corbel"/>
+                <a:ea typeface="Corbel"/>
+                <a:cs typeface="Corbel"/>
+                <a:sym typeface="Corbel"/>
+              </a:rPr>
+              <a:t>botón</a:t>
+            </a:r>
+            <a:r>
+              <a:rPr lang="es-VE" sz="1600">
+                <a:latin typeface="Corbel"/>
+                <a:ea typeface="Corbel"/>
+                <a:cs typeface="Corbel"/>
+                <a:sym typeface="Corbel"/>
+              </a:rPr>
+              <a:t> Reuniones</a:t>
+            </a:r>
+            <a:endParaRPr b="0" i="0" sz="1600" u="none" cap="none" strike="noStrike">
+              <a:latin typeface="Corbel"/>
+              <a:ea typeface="Corbel"/>
+              <a:cs typeface="Corbel"/>
+              <a:sym typeface="Corbel"/>
+            </a:endParaRPr>
+          </a:p>
+        </p:txBody>
+      </p:sp>
+      <p:sp>
+        <p:nvSpPr>
+          <p:cNvPr id="153" name="Google Shape;153;g8801683ef4_0_0"/>
+          <p:cNvSpPr/>
+          <p:nvPr/>
+        </p:nvSpPr>
+        <p:spPr>
+          <a:xfrm>
+            <a:off x="5173350" y="4382050"/>
+            <a:ext cx="2147700" cy="1514400"/>
+          </a:xfrm>
+          <a:prstGeom prst="homePlate">
+            <a:avLst>
+              <a:gd fmla="val 50000" name="adj"/>
+            </a:avLst>
+          </a:prstGeom>
+          <a:solidFill>
+            <a:srgbClr val="F1C232"/>
+          </a:solidFill>
+          <a:ln cap="flat" cmpd="sng" w="12700">
+            <a:solidFill>
+              <a:srgbClr val="F1C232"/>
+            </a:solidFill>
+            <a:prstDash val="solid"/>
+            <a:miter lim="800000"/>
+            <a:headEnd len="sm" w="sm" type="none"/>
+            <a:tailEnd len="sm" w="sm" type="none"/>
+          </a:ln>
+        </p:spPr>
+        <p:txBody>
+          <a:bodyPr anchorCtr="0" anchor="ctr" bIns="45700" lIns="91425" spcFirstLastPara="1" rIns="91425" wrap="square" tIns="45700">
+            <a:noAutofit/>
+          </a:bodyPr>
+          <a:lstStyle/>
+          <a:p>
+            <a:pPr indent="0" lvl="0" marL="0" rtl="0" algn="ctr">
+              <a:spcBef>
+                <a:spcPts val="0"/>
+              </a:spcBef>
+              <a:spcAft>
+                <a:spcPts val="0"/>
+              </a:spcAft>
+              <a:buClr>
+                <a:srgbClr val="000000"/>
+              </a:buClr>
+              <a:buSzPts val="1600"/>
+              <a:buFont typeface="Arial"/>
+              <a:buNone/>
+            </a:pPr>
+            <a:r>
+              <a:rPr lang="es-VE" sz="1600">
+                <a:latin typeface="Corbel"/>
+                <a:ea typeface="Corbel"/>
+                <a:cs typeface="Corbel"/>
+                <a:sym typeface="Corbel"/>
+              </a:rPr>
+              <a:t>Poner en verde las asignaturas solicitadas por algún miembro del grupo</a:t>
+            </a:r>
+            <a:endParaRPr b="0" i="0" sz="1600" u="none" cap="none" strike="noStrike">
+              <a:latin typeface="Corbel"/>
+              <a:ea typeface="Corbel"/>
+              <a:cs typeface="Corbel"/>
+              <a:sym typeface="Corbel"/>
+            </a:endParaRPr>
+          </a:p>
+        </p:txBody>
+      </p:sp>
+      <p:sp>
+        <p:nvSpPr>
+          <p:cNvPr id="154" name="Google Shape;154;g8801683ef4_0_0"/>
+          <p:cNvSpPr/>
+          <p:nvPr/>
+        </p:nvSpPr>
+        <p:spPr>
+          <a:xfrm>
+            <a:off x="7715475" y="4382050"/>
+            <a:ext cx="2147700" cy="1514400"/>
+          </a:xfrm>
+          <a:prstGeom prst="homePlate">
+            <a:avLst>
+              <a:gd fmla="val 50000" name="adj"/>
+            </a:avLst>
+          </a:prstGeom>
+          <a:solidFill>
+            <a:srgbClr val="F1C232"/>
+          </a:solidFill>
+          <a:ln cap="flat" cmpd="sng" w="12700">
+            <a:solidFill>
+              <a:srgbClr val="F1C232"/>
+            </a:solidFill>
+            <a:prstDash val="solid"/>
+            <a:miter lim="800000"/>
+            <a:headEnd len="sm" w="sm" type="none"/>
+            <a:tailEnd len="sm" w="sm" type="none"/>
+          </a:ln>
+        </p:spPr>
+        <p:txBody>
+          <a:bodyPr anchorCtr="0" anchor="ctr" bIns="45700" lIns="91425" spcFirstLastPara="1" rIns="91425" wrap="square" tIns="45700">
+            <a:noAutofit/>
+          </a:bodyPr>
+          <a:lstStyle/>
+          <a:p>
+            <a:pPr indent="0" lvl="0" marL="0" marR="0" rtl="0" algn="ctr">
+              <a:lnSpc>
+                <a:spcPct val="100000"/>
+              </a:lnSpc>
+              <a:spcBef>
+                <a:spcPts val="0"/>
+              </a:spcBef>
+              <a:spcAft>
+                <a:spcPts val="0"/>
+              </a:spcAft>
+              <a:buClr>
+                <a:srgbClr val="000000"/>
+              </a:buClr>
+              <a:buSzPts val="1600"/>
+              <a:buFont typeface="Arial"/>
+              <a:buNone/>
+            </a:pPr>
+            <a:r>
+              <a:rPr lang="es-VE" sz="1600">
+                <a:latin typeface="Corbel"/>
+                <a:ea typeface="Corbel"/>
+                <a:cs typeface="Corbel"/>
+                <a:sym typeface="Corbel"/>
+              </a:rPr>
+              <a:t>Crear un popup para confirmar o no, la </a:t>
+            </a:r>
+            <a:r>
+              <a:rPr lang="es-VE" sz="1600">
+                <a:latin typeface="Corbel"/>
+                <a:ea typeface="Corbel"/>
+                <a:cs typeface="Corbel"/>
+                <a:sym typeface="Corbel"/>
+              </a:rPr>
+              <a:t>cancelación</a:t>
+            </a:r>
+            <a:r>
+              <a:rPr lang="es-VE" sz="1600">
+                <a:latin typeface="Corbel"/>
+                <a:ea typeface="Corbel"/>
+                <a:cs typeface="Corbel"/>
+                <a:sym typeface="Corbel"/>
+              </a:rPr>
+              <a:t> de la </a:t>
+            </a:r>
+            <a:r>
+              <a:rPr lang="es-VE" sz="1600">
+                <a:latin typeface="Corbel"/>
+                <a:ea typeface="Corbel"/>
+                <a:cs typeface="Corbel"/>
+                <a:sym typeface="Corbel"/>
+              </a:rPr>
+              <a:t>reunión</a:t>
+            </a:r>
+            <a:endParaRPr b="0" i="0" sz="1600" u="none" cap="none" strike="noStrike">
+              <a:latin typeface="Corbel"/>
+              <a:ea typeface="Corbel"/>
+              <a:cs typeface="Corbel"/>
+              <a:sym typeface="Corbel"/>
+            </a:endParaRPr>
+          </a:p>
+        </p:txBody>
+      </p:sp>
+      <p:sp>
+        <p:nvSpPr>
+          <p:cNvPr id="155" name="Google Shape;155;g8801683ef4_0_0"/>
+          <p:cNvSpPr/>
+          <p:nvPr/>
+        </p:nvSpPr>
+        <p:spPr>
+          <a:xfrm>
+            <a:off x="2478800" y="743650"/>
+            <a:ext cx="2247000" cy="1514400"/>
+          </a:xfrm>
+          <a:prstGeom prst="homePlate">
+            <a:avLst>
+              <a:gd fmla="val 50000" name="adj"/>
+            </a:avLst>
+          </a:prstGeom>
+          <a:solidFill>
+            <a:srgbClr val="F1C232"/>
+          </a:solidFill>
+          <a:ln cap="flat" cmpd="sng" w="12700">
+            <a:solidFill>
+              <a:srgbClr val="F1C232"/>
+            </a:solidFill>
+            <a:prstDash val="solid"/>
+            <a:miter lim="800000"/>
+            <a:headEnd len="sm" w="sm" type="none"/>
+            <a:tailEnd len="sm" w="sm" type="none"/>
+          </a:ln>
+        </p:spPr>
+        <p:txBody>
+          <a:bodyPr anchorCtr="0" anchor="ctr" bIns="45700" lIns="91425" spcFirstLastPara="1" rIns="91425" wrap="square" tIns="45700">
+            <a:noAutofit/>
+          </a:bodyPr>
+          <a:lstStyle/>
+          <a:p>
+            <a:pPr indent="0" lvl="0" marL="0" marR="0" rtl="0" algn="ctr">
+              <a:lnSpc>
+                <a:spcPct val="100000"/>
+              </a:lnSpc>
+              <a:spcBef>
+                <a:spcPts val="0"/>
+              </a:spcBef>
+              <a:spcAft>
+                <a:spcPts val="0"/>
+              </a:spcAft>
+              <a:buClr>
+                <a:srgbClr val="000000"/>
+              </a:buClr>
+              <a:buSzPts val="1600"/>
+              <a:buFont typeface="Arial"/>
+              <a:buNone/>
+            </a:pPr>
+            <a:r>
+              <a:rPr lang="es-VE" sz="1600">
+                <a:latin typeface="Corbel"/>
+                <a:ea typeface="Corbel"/>
+                <a:cs typeface="Corbel"/>
+                <a:sym typeface="Corbel"/>
+              </a:rPr>
+              <a:t>Crear un usuario tipo Alumno y otro tipo Profesor con el email mariomarugan10</a:t>
+            </a:r>
+            <a:endParaRPr b="0" i="0" sz="1600" u="none" cap="none" strike="noStrike">
               <a:latin typeface="Corbel"/>
               <a:ea typeface="Corbel"/>
               <a:cs typeface="Corbel"/>

--- a/SCRUM/Hoja de ruta del producto.pptx
+++ b/SCRUM/Hoja de ruta del producto.pptx
@@ -11,16 +11,18 @@
     <p:sldId id="256" r:id="rId6"/>
     <p:sldId id="257" r:id="rId7"/>
     <p:sldId id="258" r:id="rId8"/>
+    <p:sldId id="259" r:id="rId9"/>
+    <p:sldId id="260" r:id="rId10"/>
   </p:sldIdLst>
   <p:sldSz cy="6858000" cx="12192000"/>
   <p:notesSz cx="6858000" cy="9144000"/>
   <p:embeddedFontLst>
     <p:embeddedFont>
       <p:font typeface="Corbel"/>
-      <p:regular r:id="rId9"/>
-      <p:bold r:id="rId10"/>
-      <p:italic r:id="rId11"/>
-      <p:boldItalic r:id="rId12"/>
+      <p:regular r:id="rId11"/>
+      <p:bold r:id="rId12"/>
+      <p:italic r:id="rId13"/>
+      <p:boldItalic r:id="rId14"/>
     </p:embeddedFont>
   </p:embeddedFontLst>
   <p:defaultTextStyle>
@@ -254,7 +256,7 @@
   </p:defaultTextStyle>
   <p:extLst>
     <p:ext uri="http://customooxmlschemas.google.com/">
-      <go:slidesCustomData xmlns:go="http://customooxmlschemas.google.com/" r:id="rId13" roundtripDataSignature="AMtx7mihuBIjRk5dcoziY9S7FjSTYnMylw=="/>
+      <go:slidesCustomData xmlns:go="http://customooxmlschemas.google.com/" r:id="rId15" roundtripDataSignature="AMtx7miBAFQB8mhjLYEssrOdO5PDxC7jLQ=="/>
     </p:ext>
   </p:extLst>
 </p:presentation>
@@ -1824,7 +1826,7 @@
       </p:grpSpPr>
       <p:sp>
         <p:nvSpPr>
-          <p:cNvPr id="109" name="Google Shape;109;p2:notes"/>
+          <p:cNvPr id="109" name="Google Shape;109;g88698e8101_0_15:notes"/>
           <p:cNvSpPr txBox="1"/>
           <p:nvPr>
             <p:ph idx="1" type="body"/>
@@ -1833,7 +1835,7 @@
         <p:spPr>
           <a:xfrm>
             <a:off x="685800" y="4400550"/>
-            <a:ext cx="5486400" cy="3600450"/>
+            <a:ext cx="5486400" cy="3600600"/>
           </a:xfrm>
           <a:prstGeom prst="rect">
             <a:avLst/>
@@ -1871,7 +1873,7 @@
       </p:sp>
       <p:sp>
         <p:nvSpPr>
-          <p:cNvPr id="110" name="Google Shape;110;p2:notes"/>
+          <p:cNvPr id="110" name="Google Shape;110;g88698e8101_0_15:notes"/>
           <p:cNvSpPr/>
           <p:nvPr>
             <p:ph idx="2" type="sldImg"/>
@@ -1927,7 +1929,7 @@
   <p:cSld>
     <p:spTree>
       <p:nvGrpSpPr>
-        <p:cNvPr id="140" name="Shape 140"/>
+        <p:cNvPr id="129" name="Shape 129"/>
         <p:cNvGrpSpPr/>
         <p:nvPr/>
       </p:nvGrpSpPr>
@@ -1941,7 +1943,124 @@
       </p:grpSpPr>
       <p:sp>
         <p:nvSpPr>
-          <p:cNvPr id="141" name="Google Shape;141;g8801683ef4_0_0:notes"/>
+          <p:cNvPr id="130" name="Google Shape;130;p2:notes"/>
+          <p:cNvSpPr txBox="1"/>
+          <p:nvPr>
+            <p:ph idx="1" type="body"/>
+          </p:nvPr>
+        </p:nvSpPr>
+        <p:spPr>
+          <a:xfrm>
+            <a:off x="685800" y="4400550"/>
+            <a:ext cx="5486400" cy="3600450"/>
+          </a:xfrm>
+          <a:prstGeom prst="rect">
+            <a:avLst/>
+          </a:prstGeom>
+          <a:noFill/>
+          <a:ln>
+            <a:noFill/>
+          </a:ln>
+        </p:spPr>
+        <p:txBody>
+          <a:bodyPr anchorCtr="0" anchor="t" bIns="45700" lIns="91425" spcFirstLastPara="1" rIns="91425" wrap="square" tIns="45700">
+            <a:noAutofit/>
+          </a:bodyPr>
+          <a:lstStyle/>
+          <a:p>
+            <a:pPr indent="0" lvl="0" marL="0" rtl="0" algn="l">
+              <a:lnSpc>
+                <a:spcPct val="100000"/>
+              </a:lnSpc>
+              <a:spcBef>
+                <a:spcPts val="0"/>
+              </a:spcBef>
+              <a:spcAft>
+                <a:spcPts val="0"/>
+              </a:spcAft>
+              <a:buSzPts val="1400"/>
+              <a:buNone/>
+            </a:pPr>
+            <a:r>
+              <a:t/>
+            </a:r>
+            <a:endParaRPr/>
+          </a:p>
+        </p:txBody>
+      </p:sp>
+      <p:sp>
+        <p:nvSpPr>
+          <p:cNvPr id="131" name="Google Shape;131;p2:notes"/>
+          <p:cNvSpPr/>
+          <p:nvPr>
+            <p:ph idx="2" type="sldImg"/>
+          </p:nvPr>
+        </p:nvSpPr>
+        <p:spPr>
+          <a:xfrm>
+            <a:off x="685800" y="1143000"/>
+            <a:ext cx="5486400" cy="3086100"/>
+          </a:xfrm>
+          <a:custGeom>
+            <a:rect b="b" l="l" r="r" t="t"/>
+            <a:pathLst>
+              <a:path extrusionOk="0" h="120000" w="120000">
+                <a:moveTo>
+                  <a:pt x="0" y="0"/>
+                </a:moveTo>
+                <a:lnTo>
+                  <a:pt x="120000" y="0"/>
+                </a:lnTo>
+                <a:lnTo>
+                  <a:pt x="120000" y="120000"/>
+                </a:lnTo>
+                <a:lnTo>
+                  <a:pt x="0" y="120000"/>
+                </a:lnTo>
+                <a:close/>
+              </a:path>
+            </a:pathLst>
+          </a:custGeom>
+          <a:noFill/>
+          <a:ln cap="flat" cmpd="sng" w="12700">
+            <a:solidFill>
+              <a:srgbClr val="000000"/>
+            </a:solidFill>
+            <a:prstDash val="solid"/>
+            <a:round/>
+            <a:headEnd len="sm" w="sm" type="none"/>
+            <a:tailEnd len="sm" w="sm" type="none"/>
+          </a:ln>
+        </p:spPr>
+      </p:sp>
+    </p:spTree>
+  </p:cSld>
+  <p:clrMapOvr>
+    <a:masterClrMapping/>
+  </p:clrMapOvr>
+</p:notes>
+</file>
+
+<file path=ppt/notesSlides/notesSlide4.xml><?xml version="1.0" encoding="utf-8"?>
+<p:notes xmlns:a="http://schemas.openxmlformats.org/drawingml/2006/main" xmlns:r="http://schemas.openxmlformats.org/officeDocument/2006/relationships" xmlns:mc="http://schemas.openxmlformats.org/markup-compatibility/2006" xmlns:mv="urn:schemas-microsoft-com:mac:vml" xmlns:p="http://schemas.openxmlformats.org/presentationml/2006/main" xmlns:c="http://schemas.openxmlformats.org/drawingml/2006/chart" xmlns:dgm="http://schemas.openxmlformats.org/drawingml/2006/diagram" xmlns:o="urn:schemas-microsoft-com:office:office" xmlns:v="urn:schemas-microsoft-com:vml" xmlns:pvml="urn:schemas-microsoft-com:office:powerpoint" xmlns:com="http://schemas.openxmlformats.org/drawingml/2006/compatibility" xmlns:p14="http://schemas.microsoft.com/office/powerpoint/2010/main" xmlns:p15="http://schemas.microsoft.com/office/powerpoint/2012/main" showMasterPhAnim="0" showMasterSp="0">
+  <p:cSld>
+    <p:spTree>
+      <p:nvGrpSpPr>
+        <p:cNvPr id="145" name="Shape 145"/>
+        <p:cNvGrpSpPr/>
+        <p:nvPr/>
+      </p:nvGrpSpPr>
+      <p:grpSpPr>
+        <a:xfrm>
+          <a:off x="0" y="0"/>
+          <a:ext cx="0" cy="0"/>
+          <a:chOff x="0" y="0"/>
+          <a:chExt cx="0" cy="0"/>
+        </a:xfrm>
+      </p:grpSpPr>
+      <p:sp>
+        <p:nvSpPr>
+          <p:cNvPr id="146" name="Google Shape;146;g8801683ef4_0_0:notes"/>
           <p:cNvSpPr txBox="1"/>
           <p:nvPr>
             <p:ph idx="1" type="body"/>
@@ -1988,7 +2107,124 @@
       </p:sp>
       <p:sp>
         <p:nvSpPr>
-          <p:cNvPr id="142" name="Google Shape;142;g8801683ef4_0_0:notes"/>
+          <p:cNvPr id="147" name="Google Shape;147;g8801683ef4_0_0:notes"/>
+          <p:cNvSpPr/>
+          <p:nvPr>
+            <p:ph idx="2" type="sldImg"/>
+          </p:nvPr>
+        </p:nvSpPr>
+        <p:spPr>
+          <a:xfrm>
+            <a:off x="685800" y="1143000"/>
+            <a:ext cx="5486400" cy="3086100"/>
+          </a:xfrm>
+          <a:custGeom>
+            <a:rect b="b" l="l" r="r" t="t"/>
+            <a:pathLst>
+              <a:path extrusionOk="0" h="120000" w="120000">
+                <a:moveTo>
+                  <a:pt x="0" y="0"/>
+                </a:moveTo>
+                <a:lnTo>
+                  <a:pt x="120000" y="0"/>
+                </a:lnTo>
+                <a:lnTo>
+                  <a:pt x="120000" y="120000"/>
+                </a:lnTo>
+                <a:lnTo>
+                  <a:pt x="0" y="120000"/>
+                </a:lnTo>
+                <a:close/>
+              </a:path>
+            </a:pathLst>
+          </a:custGeom>
+          <a:noFill/>
+          <a:ln cap="flat" cmpd="sng" w="12700">
+            <a:solidFill>
+              <a:srgbClr val="000000"/>
+            </a:solidFill>
+            <a:prstDash val="solid"/>
+            <a:round/>
+            <a:headEnd len="sm" w="sm" type="none"/>
+            <a:tailEnd len="sm" w="sm" type="none"/>
+          </a:ln>
+        </p:spPr>
+      </p:sp>
+    </p:spTree>
+  </p:cSld>
+  <p:clrMapOvr>
+    <a:masterClrMapping/>
+  </p:clrMapOvr>
+</p:notes>
+</file>
+
+<file path=ppt/notesSlides/notesSlide5.xml><?xml version="1.0" encoding="utf-8"?>
+<p:notes xmlns:a="http://schemas.openxmlformats.org/drawingml/2006/main" xmlns:r="http://schemas.openxmlformats.org/officeDocument/2006/relationships" xmlns:mc="http://schemas.openxmlformats.org/markup-compatibility/2006" xmlns:mv="urn:schemas-microsoft-com:mac:vml" xmlns:p="http://schemas.openxmlformats.org/presentationml/2006/main" xmlns:c="http://schemas.openxmlformats.org/drawingml/2006/chart" xmlns:dgm="http://schemas.openxmlformats.org/drawingml/2006/diagram" xmlns:o="urn:schemas-microsoft-com:office:office" xmlns:v="urn:schemas-microsoft-com:vml" xmlns:pvml="urn:schemas-microsoft-com:office:powerpoint" xmlns:com="http://schemas.openxmlformats.org/drawingml/2006/compatibility" xmlns:p14="http://schemas.microsoft.com/office/powerpoint/2010/main" xmlns:p15="http://schemas.microsoft.com/office/powerpoint/2012/main" showMasterPhAnim="0" showMasterSp="0">
+  <p:cSld>
+    <p:spTree>
+      <p:nvGrpSpPr>
+        <p:cNvPr id="160" name="Shape 160"/>
+        <p:cNvGrpSpPr/>
+        <p:nvPr/>
+      </p:nvGrpSpPr>
+      <p:grpSpPr>
+        <a:xfrm>
+          <a:off x="0" y="0"/>
+          <a:ext cx="0" cy="0"/>
+          <a:chOff x="0" y="0"/>
+          <a:chExt cx="0" cy="0"/>
+        </a:xfrm>
+      </p:grpSpPr>
+      <p:sp>
+        <p:nvSpPr>
+          <p:cNvPr id="161" name="Google Shape;161;g88698e8101_0_0:notes"/>
+          <p:cNvSpPr txBox="1"/>
+          <p:nvPr>
+            <p:ph idx="1" type="body"/>
+          </p:nvPr>
+        </p:nvSpPr>
+        <p:spPr>
+          <a:xfrm>
+            <a:off x="685800" y="4400550"/>
+            <a:ext cx="5486400" cy="3600600"/>
+          </a:xfrm>
+          <a:prstGeom prst="rect">
+            <a:avLst/>
+          </a:prstGeom>
+          <a:noFill/>
+          <a:ln>
+            <a:noFill/>
+          </a:ln>
+        </p:spPr>
+        <p:txBody>
+          <a:bodyPr anchorCtr="0" anchor="t" bIns="45700" lIns="91425" spcFirstLastPara="1" rIns="91425" wrap="square" tIns="45700">
+            <a:noAutofit/>
+          </a:bodyPr>
+          <a:lstStyle/>
+          <a:p>
+            <a:pPr indent="0" lvl="0" marL="0" rtl="0" algn="l">
+              <a:lnSpc>
+                <a:spcPct val="100000"/>
+              </a:lnSpc>
+              <a:spcBef>
+                <a:spcPts val="0"/>
+              </a:spcBef>
+              <a:spcAft>
+                <a:spcPts val="0"/>
+              </a:spcAft>
+              <a:buSzPts val="1400"/>
+              <a:buNone/>
+            </a:pPr>
+            <a:r>
+              <a:t/>
+            </a:r>
+            <a:endParaRPr/>
+          </a:p>
+        </p:txBody>
+      </p:sp>
+      <p:sp>
+        <p:nvSpPr>
+          <p:cNvPr id="162" name="Google Shape;162;g88698e8101_0_0:notes"/>
           <p:cNvSpPr/>
           <p:nvPr>
             <p:ph idx="2" type="sldImg"/>
@@ -17491,7 +17727,7 @@
                   <a:srgbClr val="00B050"/>
                 </a:solidFill>
               </a:rPr>
-              <a:t>[Aplicación Android (FCT)]</a:t>
+              <a:t>[Proyecto Incremental (FCT)]</a:t>
             </a:r>
             <a:endParaRPr sz="4400"/>
           </a:p>
@@ -17671,7 +17907,7 @@
                   <a:srgbClr val="00B050"/>
                 </a:solidFill>
               </a:rPr>
-              <a:t>[Agustín Basilio]</a:t>
+              <a:t>[Fabricio Cruz]</a:t>
             </a:r>
             <a:endParaRPr b="1"/>
           </a:p>
@@ -17716,7 +17952,7 @@
       </p:grpSpPr>
       <p:graphicFrame>
         <p:nvGraphicFramePr>
-          <p:cNvPr id="112" name="Google Shape;112;p2"/>
+          <p:cNvPr id="112" name="Google Shape;112;g88698e8101_0_15"/>
           <p:cNvGraphicFramePr/>
           <p:nvPr/>
         </p:nvGraphicFramePr>
@@ -17729,7 +17965,7 @@
             <a:tbl>
               <a:tblPr bandRow="1" firstRow="1">
                 <a:noFill/>
-                <a:tableStyleId>{05418A6B-839D-4CCF-AACE-2B3B945521EE}</a:tableStyleId>
+                <a:tableStyleId>{B461DF01-0F82-4AD3-86FF-040AAAFCDF7B}</a:tableStyleId>
               </a:tblPr>
               <a:tblGrid>
                 <a:gridCol w="1296150"/>
@@ -18934,7 +19170,7 @@
                   </a:tcPr>
                 </a:tc>
               </a:tr>
-              <a:tr h="5418000">
+              <a:tr h="5236225">
                 <a:tc>
                   <a:txBody>
                     <a:bodyPr/>
@@ -19282,6 +19518,1771 @@
                       <a:headEnd len="sm" w="sm" type="none"/>
                       <a:tailEnd len="sm" w="sm" type="none"/>
                     </a:lnB>
+                  </a:tcPr>
+                </a:tc>
+              </a:tr>
+            </a:tbl>
+          </a:graphicData>
+        </a:graphic>
+      </p:graphicFrame>
+      <p:sp>
+        <p:nvSpPr>
+          <p:cNvPr id="113" name="Google Shape;113;g88698e8101_0_15"/>
+          <p:cNvSpPr/>
+          <p:nvPr/>
+        </p:nvSpPr>
+        <p:spPr>
+          <a:xfrm>
+            <a:off x="2814562" y="978807"/>
+            <a:ext cx="1944300" cy="1130400"/>
+          </a:xfrm>
+          <a:prstGeom prst="homePlate">
+            <a:avLst>
+              <a:gd fmla="val 50000" name="adj"/>
+            </a:avLst>
+          </a:prstGeom>
+          <a:solidFill>
+            <a:schemeClr val="accent1"/>
+          </a:solidFill>
+          <a:ln cap="flat" cmpd="sng" w="12700">
+            <a:solidFill>
+              <a:srgbClr val="568130"/>
+            </a:solidFill>
+            <a:prstDash val="solid"/>
+            <a:miter lim="800000"/>
+            <a:headEnd len="sm" w="sm" type="none"/>
+            <a:tailEnd len="sm" w="sm" type="none"/>
+          </a:ln>
+        </p:spPr>
+        <p:txBody>
+          <a:bodyPr anchorCtr="0" anchor="ctr" bIns="45700" lIns="91425" spcFirstLastPara="1" rIns="91425" wrap="square" tIns="45700">
+            <a:noAutofit/>
+          </a:bodyPr>
+          <a:lstStyle/>
+          <a:p>
+            <a:pPr indent="0" lvl="0" marL="0" marR="0" rtl="0" algn="ctr">
+              <a:lnSpc>
+                <a:spcPct val="100000"/>
+              </a:lnSpc>
+              <a:spcBef>
+                <a:spcPts val="0"/>
+              </a:spcBef>
+              <a:spcAft>
+                <a:spcPts val="0"/>
+              </a:spcAft>
+              <a:buClr>
+                <a:srgbClr val="000000"/>
+              </a:buClr>
+              <a:buSzPts val="1600"/>
+              <a:buFont typeface="Arial"/>
+              <a:buNone/>
+            </a:pPr>
+            <a:r>
+              <a:rPr b="0" i="0" lang="es-VE" sz="1600" u="none" cap="none" strike="noStrike">
+                <a:solidFill>
+                  <a:schemeClr val="lt1"/>
+                </a:solidFill>
+                <a:latin typeface="Corbel"/>
+                <a:ea typeface="Corbel"/>
+                <a:cs typeface="Corbel"/>
+                <a:sym typeface="Corbel"/>
+              </a:rPr>
+              <a:t>Crear conexión BBDD y crear Login</a:t>
+            </a:r>
+            <a:endParaRPr b="0" i="0" sz="1600" u="none" cap="none" strike="noStrike">
+              <a:solidFill>
+                <a:schemeClr val="lt1"/>
+              </a:solidFill>
+              <a:latin typeface="Corbel"/>
+              <a:ea typeface="Corbel"/>
+              <a:cs typeface="Corbel"/>
+              <a:sym typeface="Corbel"/>
+            </a:endParaRPr>
+          </a:p>
+        </p:txBody>
+      </p:sp>
+      <p:sp>
+        <p:nvSpPr>
+          <p:cNvPr id="114" name="Google Shape;114;g88698e8101_0_15"/>
+          <p:cNvSpPr/>
+          <p:nvPr/>
+        </p:nvSpPr>
+        <p:spPr>
+          <a:xfrm>
+            <a:off x="5138308" y="978782"/>
+            <a:ext cx="2088300" cy="1130400"/>
+          </a:xfrm>
+          <a:prstGeom prst="homePlate">
+            <a:avLst>
+              <a:gd fmla="val 50000" name="adj"/>
+            </a:avLst>
+          </a:prstGeom>
+          <a:solidFill>
+            <a:schemeClr val="accent1"/>
+          </a:solidFill>
+          <a:ln cap="flat" cmpd="sng" w="12700">
+            <a:solidFill>
+              <a:srgbClr val="568130"/>
+            </a:solidFill>
+            <a:prstDash val="solid"/>
+            <a:miter lim="800000"/>
+            <a:headEnd len="sm" w="sm" type="none"/>
+            <a:tailEnd len="sm" w="sm" type="none"/>
+          </a:ln>
+        </p:spPr>
+        <p:txBody>
+          <a:bodyPr anchorCtr="0" anchor="ctr" bIns="45700" lIns="91425" spcFirstLastPara="1" rIns="91425" wrap="square" tIns="45700">
+            <a:noAutofit/>
+          </a:bodyPr>
+          <a:lstStyle/>
+          <a:p>
+            <a:pPr indent="0" lvl="0" marL="0" marR="0" rtl="0" algn="ctr">
+              <a:lnSpc>
+                <a:spcPct val="100000"/>
+              </a:lnSpc>
+              <a:spcBef>
+                <a:spcPts val="0"/>
+              </a:spcBef>
+              <a:spcAft>
+                <a:spcPts val="0"/>
+              </a:spcAft>
+              <a:buClr>
+                <a:srgbClr val="000000"/>
+              </a:buClr>
+              <a:buSzPts val="1600"/>
+              <a:buFont typeface="Arial"/>
+              <a:buNone/>
+            </a:pPr>
+            <a:r>
+              <a:rPr b="0" i="0" lang="es-VE" sz="1600" u="none" cap="none" strike="noStrike">
+                <a:solidFill>
+                  <a:schemeClr val="lt1"/>
+                </a:solidFill>
+                <a:latin typeface="Corbel"/>
+                <a:ea typeface="Corbel"/>
+                <a:cs typeface="Corbel"/>
+                <a:sym typeface="Corbel"/>
+              </a:rPr>
+              <a:t>Crear Registro e implementar opción “olvidar contraseña”</a:t>
+            </a:r>
+            <a:endParaRPr b="0" i="0" sz="1600" u="none" cap="none" strike="noStrike">
+              <a:solidFill>
+                <a:schemeClr val="lt1"/>
+              </a:solidFill>
+              <a:latin typeface="Corbel"/>
+              <a:ea typeface="Corbel"/>
+              <a:cs typeface="Corbel"/>
+              <a:sym typeface="Corbel"/>
+            </a:endParaRPr>
+          </a:p>
+        </p:txBody>
+      </p:sp>
+      <p:sp>
+        <p:nvSpPr>
+          <p:cNvPr id="115" name="Google Shape;115;g88698e8101_0_15"/>
+          <p:cNvSpPr/>
+          <p:nvPr/>
+        </p:nvSpPr>
+        <p:spPr>
+          <a:xfrm>
+            <a:off x="7668444" y="978794"/>
+            <a:ext cx="2167200" cy="1130400"/>
+          </a:xfrm>
+          <a:prstGeom prst="homePlate">
+            <a:avLst>
+              <a:gd fmla="val 50000" name="adj"/>
+            </a:avLst>
+          </a:prstGeom>
+          <a:solidFill>
+            <a:schemeClr val="accent1"/>
+          </a:solidFill>
+          <a:ln cap="flat" cmpd="sng" w="12700">
+            <a:solidFill>
+              <a:srgbClr val="568130"/>
+            </a:solidFill>
+            <a:prstDash val="solid"/>
+            <a:miter lim="800000"/>
+            <a:headEnd len="sm" w="sm" type="none"/>
+            <a:tailEnd len="sm" w="sm" type="none"/>
+          </a:ln>
+        </p:spPr>
+        <p:txBody>
+          <a:bodyPr anchorCtr="0" anchor="ctr" bIns="45700" lIns="91425" spcFirstLastPara="1" rIns="91425" wrap="square" tIns="45700">
+            <a:noAutofit/>
+          </a:bodyPr>
+          <a:lstStyle/>
+          <a:p>
+            <a:pPr indent="0" lvl="0" marL="0" marR="0" rtl="0" algn="ctr">
+              <a:lnSpc>
+                <a:spcPct val="100000"/>
+              </a:lnSpc>
+              <a:spcBef>
+                <a:spcPts val="0"/>
+              </a:spcBef>
+              <a:spcAft>
+                <a:spcPts val="0"/>
+              </a:spcAft>
+              <a:buClr>
+                <a:srgbClr val="000000"/>
+              </a:buClr>
+              <a:buSzPts val="1600"/>
+              <a:buFont typeface="Arial"/>
+              <a:buNone/>
+            </a:pPr>
+            <a:r>
+              <a:rPr b="0" i="0" lang="es-VE" sz="1600" u="none" cap="none" strike="noStrike">
+                <a:solidFill>
+                  <a:schemeClr val="lt1"/>
+                </a:solidFill>
+                <a:latin typeface="Corbel"/>
+                <a:ea typeface="Corbel"/>
+                <a:cs typeface="Corbel"/>
+                <a:sym typeface="Corbel"/>
+              </a:rPr>
+              <a:t>Crear SplashScreen</a:t>
+            </a:r>
+            <a:endParaRPr b="0" i="0" sz="1600" u="none" cap="none" strike="noStrike">
+              <a:solidFill>
+                <a:schemeClr val="lt1"/>
+              </a:solidFill>
+              <a:latin typeface="Corbel"/>
+              <a:ea typeface="Corbel"/>
+              <a:cs typeface="Corbel"/>
+              <a:sym typeface="Corbel"/>
+            </a:endParaRPr>
+          </a:p>
+        </p:txBody>
+      </p:sp>
+      <p:sp>
+        <p:nvSpPr>
+          <p:cNvPr id="116" name="Google Shape;116;g88698e8101_0_15"/>
+          <p:cNvSpPr/>
+          <p:nvPr/>
+        </p:nvSpPr>
+        <p:spPr>
+          <a:xfrm>
+            <a:off x="5151638" y="2429225"/>
+            <a:ext cx="2160300" cy="1130400"/>
+          </a:xfrm>
+          <a:prstGeom prst="homePlate">
+            <a:avLst>
+              <a:gd fmla="val 50000" name="adj"/>
+            </a:avLst>
+          </a:prstGeom>
+          <a:solidFill>
+            <a:srgbClr val="DF8A87"/>
+          </a:solidFill>
+          <a:ln cap="flat" cmpd="sng" w="12700">
+            <a:solidFill>
+              <a:srgbClr val="DF8A87"/>
+            </a:solidFill>
+            <a:prstDash val="solid"/>
+            <a:miter lim="800000"/>
+            <a:headEnd len="sm" w="sm" type="none"/>
+            <a:tailEnd len="sm" w="sm" type="none"/>
+          </a:ln>
+        </p:spPr>
+        <p:txBody>
+          <a:bodyPr anchorCtr="0" anchor="ctr" bIns="45700" lIns="91425" spcFirstLastPara="1" rIns="91425" wrap="square" tIns="45700">
+            <a:noAutofit/>
+          </a:bodyPr>
+          <a:lstStyle/>
+          <a:p>
+            <a:pPr indent="0" lvl="0" marL="0" marR="0" rtl="0" algn="ctr">
+              <a:lnSpc>
+                <a:spcPct val="100000"/>
+              </a:lnSpc>
+              <a:spcBef>
+                <a:spcPts val="0"/>
+              </a:spcBef>
+              <a:spcAft>
+                <a:spcPts val="0"/>
+              </a:spcAft>
+              <a:buClr>
+                <a:srgbClr val="000000"/>
+              </a:buClr>
+              <a:buSzPts val="1600"/>
+              <a:buFont typeface="Arial"/>
+              <a:buNone/>
+            </a:pPr>
+            <a:r>
+              <a:rPr b="0" i="0" lang="es-VE" sz="1600" u="none" cap="none" strike="noStrike">
+                <a:solidFill>
+                  <a:schemeClr val="dk1"/>
+                </a:solidFill>
+                <a:latin typeface="Corbel"/>
+                <a:ea typeface="Corbel"/>
+                <a:cs typeface="Corbel"/>
+                <a:sym typeface="Corbel"/>
+              </a:rPr>
+              <a:t>Crear y dar acceso a tres fragments desde el ActivityGestionar</a:t>
+            </a:r>
+            <a:endParaRPr b="0" i="0" sz="1600" u="none" cap="none" strike="noStrike">
+              <a:solidFill>
+                <a:schemeClr val="dk1"/>
+              </a:solidFill>
+              <a:latin typeface="Corbel"/>
+              <a:ea typeface="Corbel"/>
+              <a:cs typeface="Corbel"/>
+              <a:sym typeface="Corbel"/>
+            </a:endParaRPr>
+          </a:p>
+        </p:txBody>
+      </p:sp>
+      <p:sp>
+        <p:nvSpPr>
+          <p:cNvPr id="117" name="Google Shape;117;g88698e8101_0_15"/>
+          <p:cNvSpPr/>
+          <p:nvPr/>
+        </p:nvSpPr>
+        <p:spPr>
+          <a:xfrm>
+            <a:off x="7501200" y="2429225"/>
+            <a:ext cx="2501700" cy="1130400"/>
+          </a:xfrm>
+          <a:prstGeom prst="homePlate">
+            <a:avLst>
+              <a:gd fmla="val 50000" name="adj"/>
+            </a:avLst>
+          </a:prstGeom>
+          <a:solidFill>
+            <a:srgbClr val="DF8A87"/>
+          </a:solidFill>
+          <a:ln cap="flat" cmpd="sng" w="12700">
+            <a:solidFill>
+              <a:srgbClr val="DF8A87"/>
+            </a:solidFill>
+            <a:prstDash val="solid"/>
+            <a:miter lim="800000"/>
+            <a:headEnd len="sm" w="sm" type="none"/>
+            <a:tailEnd len="sm" w="sm" type="none"/>
+          </a:ln>
+        </p:spPr>
+        <p:txBody>
+          <a:bodyPr anchorCtr="0" anchor="ctr" bIns="45700" lIns="91425" spcFirstLastPara="1" rIns="91425" wrap="square" tIns="45700">
+            <a:noAutofit/>
+          </a:bodyPr>
+          <a:lstStyle/>
+          <a:p>
+            <a:pPr indent="0" lvl="0" marL="0" marR="0" rtl="0" algn="ctr">
+              <a:lnSpc>
+                <a:spcPct val="100000"/>
+              </a:lnSpc>
+              <a:spcBef>
+                <a:spcPts val="0"/>
+              </a:spcBef>
+              <a:spcAft>
+                <a:spcPts val="0"/>
+              </a:spcAft>
+              <a:buClr>
+                <a:srgbClr val="000000"/>
+              </a:buClr>
+              <a:buSzPts val="1600"/>
+              <a:buFont typeface="Arial"/>
+              <a:buNone/>
+            </a:pPr>
+            <a:r>
+              <a:rPr b="0" i="0" lang="es-VE" sz="1600" u="none" cap="none" strike="noStrike">
+                <a:solidFill>
+                  <a:schemeClr val="dk1"/>
+                </a:solidFill>
+                <a:latin typeface="Corbel"/>
+                <a:ea typeface="Corbel"/>
+                <a:cs typeface="Corbel"/>
+                <a:sym typeface="Corbel"/>
+              </a:rPr>
+              <a:t>Crear ReunionesActivity y modificar los datos del Usuario al acceder a un Activity</a:t>
+            </a:r>
+            <a:endParaRPr b="0" i="0" sz="1600" u="none" cap="none" strike="noStrike">
+              <a:solidFill>
+                <a:schemeClr val="dk1"/>
+              </a:solidFill>
+              <a:latin typeface="Corbel"/>
+              <a:ea typeface="Corbel"/>
+              <a:cs typeface="Corbel"/>
+              <a:sym typeface="Corbel"/>
+            </a:endParaRPr>
+          </a:p>
+        </p:txBody>
+      </p:sp>
+      <p:sp>
+        <p:nvSpPr>
+          <p:cNvPr id="118" name="Google Shape;118;g88698e8101_0_15"/>
+          <p:cNvSpPr/>
+          <p:nvPr/>
+        </p:nvSpPr>
+        <p:spPr>
+          <a:xfrm>
+            <a:off x="2469100" y="3903500"/>
+            <a:ext cx="2635200" cy="1361400"/>
+          </a:xfrm>
+          <a:prstGeom prst="homePlate">
+            <a:avLst>
+              <a:gd fmla="val 50000" name="adj"/>
+            </a:avLst>
+          </a:prstGeom>
+          <a:solidFill>
+            <a:srgbClr val="3FAFFF"/>
+          </a:solidFill>
+          <a:ln cap="flat" cmpd="sng" w="12700">
+            <a:solidFill>
+              <a:srgbClr val="3FAFFF"/>
+            </a:solidFill>
+            <a:prstDash val="solid"/>
+            <a:miter lim="800000"/>
+            <a:headEnd len="sm" w="sm" type="none"/>
+            <a:tailEnd len="sm" w="sm" type="none"/>
+          </a:ln>
+        </p:spPr>
+        <p:txBody>
+          <a:bodyPr anchorCtr="0" anchor="ctr" bIns="45700" lIns="91425" spcFirstLastPara="1" rIns="91425" wrap="square" tIns="45700">
+            <a:noAutofit/>
+          </a:bodyPr>
+          <a:lstStyle/>
+          <a:p>
+            <a:pPr indent="0" lvl="0" marL="0" marR="0" rtl="0" algn="ctr">
+              <a:lnSpc>
+                <a:spcPct val="100000"/>
+              </a:lnSpc>
+              <a:spcBef>
+                <a:spcPts val="0"/>
+              </a:spcBef>
+              <a:spcAft>
+                <a:spcPts val="0"/>
+              </a:spcAft>
+              <a:buClr>
+                <a:srgbClr val="000000"/>
+              </a:buClr>
+              <a:buSzPts val="1600"/>
+              <a:buFont typeface="Arial"/>
+              <a:buNone/>
+            </a:pPr>
+            <a:r>
+              <a:rPr b="0" i="0" lang="es-VE" sz="1600" u="none" cap="none" strike="noStrike">
+                <a:solidFill>
+                  <a:schemeClr val="dk1"/>
+                </a:solidFill>
+                <a:latin typeface="Corbel"/>
+                <a:ea typeface="Corbel"/>
+                <a:cs typeface="Corbel"/>
+                <a:sym typeface="Corbel"/>
+              </a:rPr>
+              <a:t>Poner atributos y campos obligatorios para crear asignaturas y que aparezca en una lista</a:t>
+            </a:r>
+            <a:endParaRPr b="0" i="0" sz="2000" u="none" cap="none" strike="noStrike">
+              <a:solidFill>
+                <a:srgbClr val="000000"/>
+              </a:solidFill>
+              <a:latin typeface="Arial"/>
+              <a:ea typeface="Arial"/>
+              <a:cs typeface="Arial"/>
+              <a:sym typeface="Arial"/>
+            </a:endParaRPr>
+          </a:p>
+        </p:txBody>
+      </p:sp>
+      <p:sp>
+        <p:nvSpPr>
+          <p:cNvPr id="119" name="Google Shape;119;g88698e8101_0_15"/>
+          <p:cNvSpPr/>
+          <p:nvPr/>
+        </p:nvSpPr>
+        <p:spPr>
+          <a:xfrm>
+            <a:off x="2469100" y="5608775"/>
+            <a:ext cx="2635200" cy="1463400"/>
+          </a:xfrm>
+          <a:prstGeom prst="homePlate">
+            <a:avLst>
+              <a:gd fmla="val 50000" name="adj"/>
+            </a:avLst>
+          </a:prstGeom>
+          <a:solidFill>
+            <a:srgbClr val="3FAFFF"/>
+          </a:solidFill>
+          <a:ln cap="flat" cmpd="sng" w="12700">
+            <a:solidFill>
+              <a:srgbClr val="3FAFFF"/>
+            </a:solidFill>
+            <a:prstDash val="solid"/>
+            <a:miter lim="800000"/>
+            <a:headEnd len="sm" w="sm" type="none"/>
+            <a:tailEnd len="sm" w="sm" type="none"/>
+          </a:ln>
+        </p:spPr>
+        <p:txBody>
+          <a:bodyPr anchorCtr="0" anchor="ctr" bIns="45700" lIns="91425" spcFirstLastPara="1" rIns="91425" wrap="square" tIns="45700">
+            <a:noAutofit/>
+          </a:bodyPr>
+          <a:lstStyle/>
+          <a:p>
+            <a:pPr indent="0" lvl="0" marL="0" marR="0" rtl="0" algn="ctr">
+              <a:lnSpc>
+                <a:spcPct val="100000"/>
+              </a:lnSpc>
+              <a:spcBef>
+                <a:spcPts val="0"/>
+              </a:spcBef>
+              <a:spcAft>
+                <a:spcPts val="0"/>
+              </a:spcAft>
+              <a:buClr>
+                <a:srgbClr val="000000"/>
+              </a:buClr>
+              <a:buSzPts val="1600"/>
+              <a:buFont typeface="Arial"/>
+              <a:buNone/>
+            </a:pPr>
+            <a:r>
+              <a:rPr b="0" i="0" lang="es-VE" sz="1600" u="none" cap="none" strike="noStrike">
+                <a:solidFill>
+                  <a:schemeClr val="dk1"/>
+                </a:solidFill>
+                <a:latin typeface="Corbel"/>
+                <a:ea typeface="Corbel"/>
+                <a:cs typeface="Corbel"/>
+                <a:sym typeface="Corbel"/>
+              </a:rPr>
+              <a:t>Poner atributos y campos obligatorios para crear grupos y que aparezca en una lista </a:t>
+            </a:r>
+            <a:endParaRPr b="0" i="0" sz="1600" u="none" cap="none" strike="noStrike">
+              <a:solidFill>
+                <a:schemeClr val="dk1"/>
+              </a:solidFill>
+              <a:latin typeface="Corbel"/>
+              <a:ea typeface="Corbel"/>
+              <a:cs typeface="Corbel"/>
+              <a:sym typeface="Corbel"/>
+            </a:endParaRPr>
+          </a:p>
+        </p:txBody>
+      </p:sp>
+      <p:sp>
+        <p:nvSpPr>
+          <p:cNvPr id="120" name="Google Shape;120;g88698e8101_0_15"/>
+          <p:cNvSpPr/>
+          <p:nvPr/>
+        </p:nvSpPr>
+        <p:spPr>
+          <a:xfrm>
+            <a:off x="5170200" y="4494700"/>
+            <a:ext cx="2501700" cy="1652700"/>
+          </a:xfrm>
+          <a:prstGeom prst="homePlate">
+            <a:avLst>
+              <a:gd fmla="val 50000" name="adj"/>
+            </a:avLst>
+          </a:prstGeom>
+          <a:solidFill>
+            <a:srgbClr val="3FAFFF"/>
+          </a:solidFill>
+          <a:ln cap="flat" cmpd="sng" w="12700">
+            <a:solidFill>
+              <a:srgbClr val="3FAFFF"/>
+            </a:solidFill>
+            <a:prstDash val="solid"/>
+            <a:miter lim="800000"/>
+            <a:headEnd len="sm" w="sm" type="none"/>
+            <a:tailEnd len="sm" w="sm" type="none"/>
+          </a:ln>
+        </p:spPr>
+        <p:txBody>
+          <a:bodyPr anchorCtr="0" anchor="ctr" bIns="45700" lIns="91425" spcFirstLastPara="1" rIns="91425" wrap="square" tIns="45700">
+            <a:noAutofit/>
+          </a:bodyPr>
+          <a:lstStyle/>
+          <a:p>
+            <a:pPr indent="0" lvl="0" marL="0" marR="0" rtl="0" algn="ctr">
+              <a:lnSpc>
+                <a:spcPct val="100000"/>
+              </a:lnSpc>
+              <a:spcBef>
+                <a:spcPts val="0"/>
+              </a:spcBef>
+              <a:spcAft>
+                <a:spcPts val="0"/>
+              </a:spcAft>
+              <a:buClr>
+                <a:srgbClr val="000000"/>
+              </a:buClr>
+              <a:buSzPts val="1600"/>
+              <a:buFont typeface="Arial"/>
+              <a:buNone/>
+            </a:pPr>
+            <a:r>
+              <a:rPr b="0" i="0" lang="es-VE" sz="1600" u="none" cap="none" strike="noStrike">
+                <a:solidFill>
+                  <a:schemeClr val="dk1"/>
+                </a:solidFill>
+                <a:latin typeface="Corbel"/>
+                <a:ea typeface="Corbel"/>
+                <a:cs typeface="Corbel"/>
+                <a:sym typeface="Corbel"/>
+              </a:rPr>
+              <a:t>Crear botón flotante en las dos listas y crear dos Activity para añadir nuevos grupos y asignaturas</a:t>
+            </a:r>
+            <a:endParaRPr b="0" i="0" sz="1600" u="none" cap="none" strike="noStrike">
+              <a:solidFill>
+                <a:schemeClr val="dk1"/>
+              </a:solidFill>
+              <a:latin typeface="Corbel"/>
+              <a:ea typeface="Corbel"/>
+              <a:cs typeface="Corbel"/>
+              <a:sym typeface="Corbel"/>
+            </a:endParaRPr>
+          </a:p>
+        </p:txBody>
+      </p:sp>
+      <p:sp>
+        <p:nvSpPr>
+          <p:cNvPr id="121" name="Google Shape;121;g88698e8101_0_15"/>
+          <p:cNvSpPr/>
+          <p:nvPr/>
+        </p:nvSpPr>
+        <p:spPr>
+          <a:xfrm>
+            <a:off x="10066500" y="2429225"/>
+            <a:ext cx="2070900" cy="1130400"/>
+          </a:xfrm>
+          <a:prstGeom prst="homePlate">
+            <a:avLst>
+              <a:gd fmla="val 50000" name="adj"/>
+            </a:avLst>
+          </a:prstGeom>
+          <a:solidFill>
+            <a:srgbClr val="DF8A87"/>
+          </a:solidFill>
+          <a:ln cap="flat" cmpd="sng" w="12700">
+            <a:solidFill>
+              <a:srgbClr val="DF8A87"/>
+            </a:solidFill>
+            <a:prstDash val="solid"/>
+            <a:miter lim="800000"/>
+            <a:headEnd len="sm" w="sm" type="none"/>
+            <a:tailEnd len="sm" w="sm" type="none"/>
+          </a:ln>
+        </p:spPr>
+        <p:txBody>
+          <a:bodyPr anchorCtr="0" anchor="ctr" bIns="45700" lIns="91425" spcFirstLastPara="1" rIns="91425" wrap="square" tIns="45700">
+            <a:noAutofit/>
+          </a:bodyPr>
+          <a:lstStyle/>
+          <a:p>
+            <a:pPr indent="0" lvl="0" marL="0" marR="0" rtl="0" algn="ctr">
+              <a:lnSpc>
+                <a:spcPct val="100000"/>
+              </a:lnSpc>
+              <a:spcBef>
+                <a:spcPts val="0"/>
+              </a:spcBef>
+              <a:spcAft>
+                <a:spcPts val="0"/>
+              </a:spcAft>
+              <a:buClr>
+                <a:srgbClr val="000000"/>
+              </a:buClr>
+              <a:buSzPts val="1600"/>
+              <a:buFont typeface="Arial"/>
+              <a:buNone/>
+            </a:pPr>
+            <a:r>
+              <a:rPr b="0" i="0" lang="es-VE" sz="1600" u="none" cap="none" strike="noStrike">
+                <a:solidFill>
+                  <a:schemeClr val="dk1"/>
+                </a:solidFill>
+                <a:latin typeface="Corbel"/>
+                <a:ea typeface="Corbel"/>
+                <a:cs typeface="Corbel"/>
+                <a:sym typeface="Corbel"/>
+              </a:rPr>
+              <a:t>Implementar cierre de sesión y verificar lo subido a Git</a:t>
+            </a:r>
+            <a:endParaRPr b="0" i="0" sz="1600" u="none" cap="none" strike="noStrike">
+              <a:solidFill>
+                <a:schemeClr val="dk1"/>
+              </a:solidFill>
+              <a:latin typeface="Corbel"/>
+              <a:ea typeface="Corbel"/>
+              <a:cs typeface="Corbel"/>
+              <a:sym typeface="Corbel"/>
+            </a:endParaRPr>
+          </a:p>
+        </p:txBody>
+      </p:sp>
+      <p:sp>
+        <p:nvSpPr>
+          <p:cNvPr id="122" name="Google Shape;122;g88698e8101_0_15"/>
+          <p:cNvSpPr/>
+          <p:nvPr/>
+        </p:nvSpPr>
+        <p:spPr>
+          <a:xfrm>
+            <a:off x="10312918" y="978782"/>
+            <a:ext cx="1782300" cy="1130400"/>
+          </a:xfrm>
+          <a:prstGeom prst="homePlate">
+            <a:avLst>
+              <a:gd fmla="val 50000" name="adj"/>
+            </a:avLst>
+          </a:prstGeom>
+          <a:solidFill>
+            <a:schemeClr val="accent1"/>
+          </a:solidFill>
+          <a:ln cap="flat" cmpd="sng" w="12700">
+            <a:solidFill>
+              <a:srgbClr val="568130"/>
+            </a:solidFill>
+            <a:prstDash val="solid"/>
+            <a:miter lim="800000"/>
+            <a:headEnd len="sm" w="sm" type="none"/>
+            <a:tailEnd len="sm" w="sm" type="none"/>
+          </a:ln>
+        </p:spPr>
+        <p:txBody>
+          <a:bodyPr anchorCtr="0" anchor="ctr" bIns="45700" lIns="91425" spcFirstLastPara="1" rIns="91425" wrap="square" tIns="45700">
+            <a:noAutofit/>
+          </a:bodyPr>
+          <a:lstStyle/>
+          <a:p>
+            <a:pPr indent="0" lvl="0" marL="0" marR="0" rtl="0" algn="ctr">
+              <a:lnSpc>
+                <a:spcPct val="100000"/>
+              </a:lnSpc>
+              <a:spcBef>
+                <a:spcPts val="0"/>
+              </a:spcBef>
+              <a:spcAft>
+                <a:spcPts val="0"/>
+              </a:spcAft>
+              <a:buClr>
+                <a:srgbClr val="000000"/>
+              </a:buClr>
+              <a:buSzPts val="1600"/>
+              <a:buFont typeface="Arial"/>
+              <a:buNone/>
+            </a:pPr>
+            <a:r>
+              <a:rPr b="0" i="0" lang="es-VE" sz="1600" u="none" cap="none" strike="noStrike">
+                <a:solidFill>
+                  <a:schemeClr val="lt1"/>
+                </a:solidFill>
+                <a:latin typeface="Corbel"/>
+                <a:ea typeface="Corbel"/>
+                <a:cs typeface="Corbel"/>
+                <a:sym typeface="Corbel"/>
+              </a:rPr>
+              <a:t>Control de campos vacíos y verificar lo subido a Git</a:t>
+            </a:r>
+            <a:endParaRPr b="0" i="0" sz="1600" u="none" cap="none" strike="noStrike">
+              <a:solidFill>
+                <a:schemeClr val="lt1"/>
+              </a:solidFill>
+              <a:latin typeface="Corbel"/>
+              <a:ea typeface="Corbel"/>
+              <a:cs typeface="Corbel"/>
+              <a:sym typeface="Corbel"/>
+            </a:endParaRPr>
+          </a:p>
+        </p:txBody>
+      </p:sp>
+      <p:sp>
+        <p:nvSpPr>
+          <p:cNvPr id="123" name="Google Shape;123;g88698e8101_0_15"/>
+          <p:cNvSpPr/>
+          <p:nvPr/>
+        </p:nvSpPr>
+        <p:spPr>
+          <a:xfrm>
+            <a:off x="2611000" y="2429225"/>
+            <a:ext cx="2351400" cy="1130400"/>
+          </a:xfrm>
+          <a:prstGeom prst="homePlate">
+            <a:avLst>
+              <a:gd fmla="val 50000" name="adj"/>
+            </a:avLst>
+          </a:prstGeom>
+          <a:solidFill>
+            <a:srgbClr val="DF8A87"/>
+          </a:solidFill>
+          <a:ln cap="flat" cmpd="sng" w="12700">
+            <a:solidFill>
+              <a:srgbClr val="DF8A87"/>
+            </a:solidFill>
+            <a:prstDash val="solid"/>
+            <a:miter lim="800000"/>
+            <a:headEnd len="sm" w="sm" type="none"/>
+            <a:tailEnd len="sm" w="sm" type="none"/>
+          </a:ln>
+        </p:spPr>
+        <p:txBody>
+          <a:bodyPr anchorCtr="0" anchor="ctr" bIns="45700" lIns="91425" spcFirstLastPara="1" rIns="91425" wrap="square" tIns="45700">
+            <a:noAutofit/>
+          </a:bodyPr>
+          <a:lstStyle/>
+          <a:p>
+            <a:pPr indent="0" lvl="0" marL="0" marR="0" rtl="0" algn="ctr">
+              <a:lnSpc>
+                <a:spcPct val="100000"/>
+              </a:lnSpc>
+              <a:spcBef>
+                <a:spcPts val="0"/>
+              </a:spcBef>
+              <a:spcAft>
+                <a:spcPts val="0"/>
+              </a:spcAft>
+              <a:buClr>
+                <a:srgbClr val="000000"/>
+              </a:buClr>
+              <a:buSzPts val="1600"/>
+              <a:buFont typeface="Arial"/>
+              <a:buNone/>
+            </a:pPr>
+            <a:r>
+              <a:rPr b="0" i="0" lang="es-VE" sz="1600" u="none" cap="none" strike="noStrike">
+                <a:solidFill>
+                  <a:schemeClr val="dk1"/>
+                </a:solidFill>
+                <a:latin typeface="Corbel"/>
+                <a:ea typeface="Corbel"/>
+                <a:cs typeface="Corbel"/>
+                <a:sym typeface="Corbel"/>
+              </a:rPr>
+              <a:t>Implementar SharedPreferences y corregir SplashScreen (Sprint 1)</a:t>
+            </a:r>
+            <a:endParaRPr b="0" i="0" sz="1600" u="none" cap="none" strike="noStrike">
+              <a:solidFill>
+                <a:schemeClr val="dk1"/>
+              </a:solidFill>
+              <a:latin typeface="Corbel"/>
+              <a:ea typeface="Corbel"/>
+              <a:cs typeface="Corbel"/>
+              <a:sym typeface="Corbel"/>
+            </a:endParaRPr>
+          </a:p>
+        </p:txBody>
+      </p:sp>
+      <p:sp>
+        <p:nvSpPr>
+          <p:cNvPr id="124" name="Google Shape;124;g88698e8101_0_15"/>
+          <p:cNvSpPr/>
+          <p:nvPr/>
+        </p:nvSpPr>
+        <p:spPr>
+          <a:xfrm>
+            <a:off x="5134975" y="6643175"/>
+            <a:ext cx="2501700" cy="1463400"/>
+          </a:xfrm>
+          <a:prstGeom prst="homePlate">
+            <a:avLst>
+              <a:gd fmla="val 50000" name="adj"/>
+            </a:avLst>
+          </a:prstGeom>
+          <a:solidFill>
+            <a:srgbClr val="3FAFFF"/>
+          </a:solidFill>
+          <a:ln cap="flat" cmpd="sng" w="12700">
+            <a:solidFill>
+              <a:srgbClr val="3FAFFF"/>
+            </a:solidFill>
+            <a:prstDash val="solid"/>
+            <a:miter lim="800000"/>
+            <a:headEnd len="sm" w="sm" type="none"/>
+            <a:tailEnd len="sm" w="sm" type="none"/>
+          </a:ln>
+        </p:spPr>
+        <p:txBody>
+          <a:bodyPr anchorCtr="0" anchor="ctr" bIns="45700" lIns="91425" spcFirstLastPara="1" rIns="91425" wrap="square" tIns="45700">
+            <a:noAutofit/>
+          </a:bodyPr>
+          <a:lstStyle/>
+          <a:p>
+            <a:pPr indent="0" lvl="0" marL="0" marR="0" rtl="0" algn="ctr">
+              <a:lnSpc>
+                <a:spcPct val="100000"/>
+              </a:lnSpc>
+              <a:spcBef>
+                <a:spcPts val="0"/>
+              </a:spcBef>
+              <a:spcAft>
+                <a:spcPts val="0"/>
+              </a:spcAft>
+              <a:buClr>
+                <a:srgbClr val="000000"/>
+              </a:buClr>
+              <a:buSzPts val="1600"/>
+              <a:buFont typeface="Arial"/>
+              <a:buNone/>
+            </a:pPr>
+            <a:r>
+              <a:rPr b="0" i="0" lang="es-VE" sz="1600" u="none" cap="none" strike="noStrike">
+                <a:solidFill>
+                  <a:schemeClr val="dk1"/>
+                </a:solidFill>
+                <a:latin typeface="Corbel"/>
+                <a:ea typeface="Corbel"/>
+                <a:cs typeface="Corbel"/>
+                <a:sym typeface="Corbel"/>
+              </a:rPr>
+              <a:t>Crear menú para indicar si se quiere eliminar o editar en grupos y en asignaturas</a:t>
+            </a:r>
+            <a:endParaRPr b="0" i="0" sz="1600" u="none" cap="none" strike="noStrike">
+              <a:solidFill>
+                <a:schemeClr val="dk1"/>
+              </a:solidFill>
+              <a:latin typeface="Corbel"/>
+              <a:ea typeface="Corbel"/>
+              <a:cs typeface="Corbel"/>
+              <a:sym typeface="Corbel"/>
+            </a:endParaRPr>
+          </a:p>
+        </p:txBody>
+      </p:sp>
+      <p:sp>
+        <p:nvSpPr>
+          <p:cNvPr id="125" name="Google Shape;125;g88698e8101_0_15"/>
+          <p:cNvSpPr/>
+          <p:nvPr/>
+        </p:nvSpPr>
+        <p:spPr>
+          <a:xfrm>
+            <a:off x="7842600" y="3954488"/>
+            <a:ext cx="2160300" cy="1361400"/>
+          </a:xfrm>
+          <a:prstGeom prst="homePlate">
+            <a:avLst>
+              <a:gd fmla="val 50000" name="adj"/>
+            </a:avLst>
+          </a:prstGeom>
+          <a:solidFill>
+            <a:srgbClr val="3FAFFF"/>
+          </a:solidFill>
+          <a:ln cap="flat" cmpd="sng" w="12700">
+            <a:solidFill>
+              <a:srgbClr val="3FAFFF"/>
+            </a:solidFill>
+            <a:prstDash val="solid"/>
+            <a:miter lim="800000"/>
+            <a:headEnd len="sm" w="sm" type="none"/>
+            <a:tailEnd len="sm" w="sm" type="none"/>
+          </a:ln>
+        </p:spPr>
+        <p:txBody>
+          <a:bodyPr anchorCtr="0" anchor="ctr" bIns="45700" lIns="91425" spcFirstLastPara="1" rIns="91425" wrap="square" tIns="45700">
+            <a:noAutofit/>
+          </a:bodyPr>
+          <a:lstStyle/>
+          <a:p>
+            <a:pPr indent="0" lvl="0" marL="0" marR="0" rtl="0" algn="ctr">
+              <a:lnSpc>
+                <a:spcPct val="100000"/>
+              </a:lnSpc>
+              <a:spcBef>
+                <a:spcPts val="0"/>
+              </a:spcBef>
+              <a:spcAft>
+                <a:spcPts val="0"/>
+              </a:spcAft>
+              <a:buClr>
+                <a:srgbClr val="000000"/>
+              </a:buClr>
+              <a:buSzPts val="1600"/>
+              <a:buFont typeface="Arial"/>
+              <a:buNone/>
+            </a:pPr>
+            <a:r>
+              <a:rPr b="0" i="0" lang="es-VE" sz="1600" u="none" cap="none" strike="noStrike">
+                <a:solidFill>
+                  <a:schemeClr val="dk1"/>
+                </a:solidFill>
+                <a:latin typeface="Corbel"/>
+                <a:ea typeface="Corbel"/>
+                <a:cs typeface="Corbel"/>
+                <a:sym typeface="Corbel"/>
+              </a:rPr>
+              <a:t>Crear mensaje de advertencia cuando se pulse en “eliminar”</a:t>
+            </a:r>
+            <a:endParaRPr b="0" i="0" sz="1600" u="none" cap="none" strike="noStrike">
+              <a:solidFill>
+                <a:schemeClr val="dk1"/>
+              </a:solidFill>
+              <a:latin typeface="Corbel"/>
+              <a:ea typeface="Corbel"/>
+              <a:cs typeface="Corbel"/>
+              <a:sym typeface="Corbel"/>
+            </a:endParaRPr>
+          </a:p>
+        </p:txBody>
+      </p:sp>
+      <p:sp>
+        <p:nvSpPr>
+          <p:cNvPr id="126" name="Google Shape;126;g88698e8101_0_15"/>
+          <p:cNvSpPr/>
+          <p:nvPr/>
+        </p:nvSpPr>
+        <p:spPr>
+          <a:xfrm>
+            <a:off x="7809250" y="5710775"/>
+            <a:ext cx="2160300" cy="1361400"/>
+          </a:xfrm>
+          <a:prstGeom prst="homePlate">
+            <a:avLst>
+              <a:gd fmla="val 50000" name="adj"/>
+            </a:avLst>
+          </a:prstGeom>
+          <a:solidFill>
+            <a:srgbClr val="3FAFFF"/>
+          </a:solidFill>
+          <a:ln cap="flat" cmpd="sng" w="12700">
+            <a:solidFill>
+              <a:srgbClr val="3FAFFF"/>
+            </a:solidFill>
+            <a:prstDash val="solid"/>
+            <a:miter lim="800000"/>
+            <a:headEnd len="sm" w="sm" type="none"/>
+            <a:tailEnd len="sm" w="sm" type="none"/>
+          </a:ln>
+        </p:spPr>
+        <p:txBody>
+          <a:bodyPr anchorCtr="0" anchor="ctr" bIns="45700" lIns="91425" spcFirstLastPara="1" rIns="91425" wrap="square" tIns="45700">
+            <a:noAutofit/>
+          </a:bodyPr>
+          <a:lstStyle/>
+          <a:p>
+            <a:pPr indent="0" lvl="0" marL="0" marR="0" rtl="0" algn="ctr">
+              <a:lnSpc>
+                <a:spcPct val="100000"/>
+              </a:lnSpc>
+              <a:spcBef>
+                <a:spcPts val="0"/>
+              </a:spcBef>
+              <a:spcAft>
+                <a:spcPts val="0"/>
+              </a:spcAft>
+              <a:buClr>
+                <a:srgbClr val="000000"/>
+              </a:buClr>
+              <a:buSzPts val="1600"/>
+              <a:buFont typeface="Arial"/>
+              <a:buNone/>
+            </a:pPr>
+            <a:r>
+              <a:rPr b="0" i="0" lang="es-VE" sz="1600" u="none" cap="none" strike="noStrike">
+                <a:solidFill>
+                  <a:schemeClr val="dk1"/>
+                </a:solidFill>
+                <a:latin typeface="Corbel"/>
+                <a:ea typeface="Corbel"/>
+                <a:cs typeface="Corbel"/>
+                <a:sym typeface="Corbel"/>
+              </a:rPr>
+              <a:t>Crear Activity añadir, cargando los datos</a:t>
+            </a:r>
+            <a:endParaRPr b="0" i="0" sz="1600" u="none" cap="none" strike="noStrike">
+              <a:solidFill>
+                <a:schemeClr val="dk1"/>
+              </a:solidFill>
+              <a:latin typeface="Corbel"/>
+              <a:ea typeface="Corbel"/>
+              <a:cs typeface="Corbel"/>
+              <a:sym typeface="Corbel"/>
+            </a:endParaRPr>
+          </a:p>
+        </p:txBody>
+      </p:sp>
+      <p:sp>
+        <p:nvSpPr>
+          <p:cNvPr id="127" name="Google Shape;127;g88698e8101_0_15"/>
+          <p:cNvSpPr/>
+          <p:nvPr/>
+        </p:nvSpPr>
+        <p:spPr>
+          <a:xfrm>
+            <a:off x="7809250" y="7443775"/>
+            <a:ext cx="2160300" cy="1361400"/>
+          </a:xfrm>
+          <a:prstGeom prst="homePlate">
+            <a:avLst>
+              <a:gd fmla="val 50000" name="adj"/>
+            </a:avLst>
+          </a:prstGeom>
+          <a:solidFill>
+            <a:srgbClr val="3FAFFF"/>
+          </a:solidFill>
+          <a:ln cap="flat" cmpd="sng" w="12700">
+            <a:solidFill>
+              <a:srgbClr val="3FAFFF"/>
+            </a:solidFill>
+            <a:prstDash val="solid"/>
+            <a:miter lim="800000"/>
+            <a:headEnd len="sm" w="sm" type="none"/>
+            <a:tailEnd len="sm" w="sm" type="none"/>
+          </a:ln>
+        </p:spPr>
+        <p:txBody>
+          <a:bodyPr anchorCtr="0" anchor="ctr" bIns="45700" lIns="91425" spcFirstLastPara="1" rIns="91425" wrap="square" tIns="45700">
+            <a:noAutofit/>
+          </a:bodyPr>
+          <a:lstStyle/>
+          <a:p>
+            <a:pPr indent="0" lvl="0" marL="0" marR="0" rtl="0" algn="ctr">
+              <a:lnSpc>
+                <a:spcPct val="100000"/>
+              </a:lnSpc>
+              <a:spcBef>
+                <a:spcPts val="0"/>
+              </a:spcBef>
+              <a:spcAft>
+                <a:spcPts val="0"/>
+              </a:spcAft>
+              <a:buClr>
+                <a:srgbClr val="000000"/>
+              </a:buClr>
+              <a:buSzPts val="1600"/>
+              <a:buFont typeface="Arial"/>
+              <a:buNone/>
+            </a:pPr>
+            <a:r>
+              <a:rPr b="0" i="0" lang="es-VE" sz="1600" u="none" cap="none" strike="noStrike">
+                <a:solidFill>
+                  <a:schemeClr val="dk1"/>
+                </a:solidFill>
+                <a:latin typeface="Corbel"/>
+                <a:ea typeface="Corbel"/>
+                <a:cs typeface="Corbel"/>
+                <a:sym typeface="Corbel"/>
+              </a:rPr>
+              <a:t>Implementar un buscador en el toolbar</a:t>
+            </a:r>
+            <a:endParaRPr b="0" i="0" sz="1600" u="none" cap="none" strike="noStrike">
+              <a:solidFill>
+                <a:schemeClr val="dk1"/>
+              </a:solidFill>
+              <a:latin typeface="Corbel"/>
+              <a:ea typeface="Corbel"/>
+              <a:cs typeface="Corbel"/>
+              <a:sym typeface="Corbel"/>
+            </a:endParaRPr>
+          </a:p>
+        </p:txBody>
+      </p:sp>
+      <p:sp>
+        <p:nvSpPr>
+          <p:cNvPr id="128" name="Google Shape;128;g88698e8101_0_15"/>
+          <p:cNvSpPr/>
+          <p:nvPr/>
+        </p:nvSpPr>
+        <p:spPr>
+          <a:xfrm>
+            <a:off x="10210800" y="5775275"/>
+            <a:ext cx="1782300" cy="1130400"/>
+          </a:xfrm>
+          <a:prstGeom prst="homePlate">
+            <a:avLst>
+              <a:gd fmla="val 50000" name="adj"/>
+            </a:avLst>
+          </a:prstGeom>
+          <a:solidFill>
+            <a:srgbClr val="3FAFFF"/>
+          </a:solidFill>
+          <a:ln cap="flat" cmpd="sng" w="12700">
+            <a:solidFill>
+              <a:srgbClr val="3FAFFF"/>
+            </a:solidFill>
+            <a:prstDash val="solid"/>
+            <a:miter lim="800000"/>
+            <a:headEnd len="sm" w="sm" type="none"/>
+            <a:tailEnd len="sm" w="sm" type="none"/>
+          </a:ln>
+        </p:spPr>
+        <p:txBody>
+          <a:bodyPr anchorCtr="0" anchor="ctr" bIns="45700" lIns="91425" spcFirstLastPara="1" rIns="91425" wrap="square" tIns="45700">
+            <a:noAutofit/>
+          </a:bodyPr>
+          <a:lstStyle/>
+          <a:p>
+            <a:pPr indent="0" lvl="0" marL="0" marR="0" rtl="0" algn="ctr">
+              <a:lnSpc>
+                <a:spcPct val="100000"/>
+              </a:lnSpc>
+              <a:spcBef>
+                <a:spcPts val="0"/>
+              </a:spcBef>
+              <a:spcAft>
+                <a:spcPts val="0"/>
+              </a:spcAft>
+              <a:buClr>
+                <a:srgbClr val="000000"/>
+              </a:buClr>
+              <a:buSzPts val="1600"/>
+              <a:buFont typeface="Arial"/>
+              <a:buNone/>
+            </a:pPr>
+            <a:r>
+              <a:rPr b="0" i="0" lang="es-VE" sz="1600" u="none" cap="none" strike="noStrike">
+                <a:solidFill>
+                  <a:schemeClr val="dk1"/>
+                </a:solidFill>
+                <a:latin typeface="Corbel"/>
+                <a:ea typeface="Corbel"/>
+                <a:cs typeface="Corbel"/>
+                <a:sym typeface="Corbel"/>
+              </a:rPr>
+              <a:t>Verificar lo subido a Git</a:t>
+            </a:r>
+            <a:endParaRPr b="0" i="0" sz="1600" u="none" cap="none" strike="noStrike">
+              <a:solidFill>
+                <a:schemeClr val="dk1"/>
+              </a:solidFill>
+              <a:latin typeface="Corbel"/>
+              <a:ea typeface="Corbel"/>
+              <a:cs typeface="Corbel"/>
+              <a:sym typeface="Corbel"/>
+            </a:endParaRPr>
+          </a:p>
+          <a:p>
+            <a:pPr indent="0" lvl="0" marL="0" marR="0" rtl="0" algn="ctr">
+              <a:lnSpc>
+                <a:spcPct val="100000"/>
+              </a:lnSpc>
+              <a:spcBef>
+                <a:spcPts val="0"/>
+              </a:spcBef>
+              <a:spcAft>
+                <a:spcPts val="0"/>
+              </a:spcAft>
+              <a:buClr>
+                <a:srgbClr val="000000"/>
+              </a:buClr>
+              <a:buSzPts val="1600"/>
+              <a:buFont typeface="Arial"/>
+              <a:buNone/>
+            </a:pPr>
+            <a:r>
+              <a:t/>
+            </a:r>
+            <a:endParaRPr b="0" i="0" sz="1600" u="none" cap="none" strike="noStrike">
+              <a:solidFill>
+                <a:schemeClr val="dk1"/>
+              </a:solidFill>
+              <a:latin typeface="Corbel"/>
+              <a:ea typeface="Corbel"/>
+              <a:cs typeface="Corbel"/>
+              <a:sym typeface="Corbel"/>
+            </a:endParaRPr>
+          </a:p>
+        </p:txBody>
+      </p:sp>
+    </p:spTree>
+  </p:cSld>
+  <p:clrMapOvr>
+    <a:masterClrMapping/>
+  </p:clrMapOvr>
+  <mc:AlternateContent>
+    <mc:Choice Requires="p14">
+      <p:transition spd="slow" p14:dur="700">
+        <p:fade/>
+      </p:transition>
+    </mc:Choice>
+    <mc:Fallback>
+      <p:transition spd="slow">
+        <p:fade/>
+      </p:transition>
+    </mc:Fallback>
+  </mc:AlternateContent>
+</p:sld>
+</file>
+
+<file path=ppt/slides/slide3.xml><?xml version="1.0" encoding="utf-8"?>
+<p:sld xmlns:a="http://schemas.openxmlformats.org/drawingml/2006/main" xmlns:r="http://schemas.openxmlformats.org/officeDocument/2006/relationships" xmlns:mc="http://schemas.openxmlformats.org/markup-compatibility/2006" xmlns:mv="urn:schemas-microsoft-com:mac:vml" xmlns:p="http://schemas.openxmlformats.org/presentationml/2006/main" xmlns:c="http://schemas.openxmlformats.org/drawingml/2006/chart" xmlns:dgm="http://schemas.openxmlformats.org/drawingml/2006/diagram" xmlns:o="urn:schemas-microsoft-com:office:office" xmlns:v="urn:schemas-microsoft-com:vml" xmlns:pvml="urn:schemas-microsoft-com:office:powerpoint" xmlns:com="http://schemas.openxmlformats.org/drawingml/2006/compatibility" xmlns:p14="http://schemas.microsoft.com/office/powerpoint/2010/main" xmlns:p15="http://schemas.microsoft.com/office/powerpoint/2012/main">
+  <p:cSld>
+    <p:spTree>
+      <p:nvGrpSpPr>
+        <p:cNvPr id="132" name="Shape 132"/>
+        <p:cNvGrpSpPr/>
+        <p:nvPr/>
+      </p:nvGrpSpPr>
+      <p:grpSpPr>
+        <a:xfrm>
+          <a:off x="0" y="0"/>
+          <a:ext cx="0" cy="0"/>
+          <a:chOff x="0" y="0"/>
+          <a:chExt cx="0" cy="0"/>
+        </a:xfrm>
+      </p:grpSpPr>
+      <p:graphicFrame>
+        <p:nvGraphicFramePr>
+          <p:cNvPr id="133" name="Google Shape;133;p2"/>
+          <p:cNvGraphicFramePr/>
+          <p:nvPr/>
+        </p:nvGraphicFramePr>
+        <p:xfrm>
+          <a:off x="0" y="0"/>
+          <a:ext cx="3000000" cy="3000000"/>
+        </p:xfrm>
+        <a:graphic>
+          <a:graphicData uri="http://schemas.openxmlformats.org/drawingml/2006/table">
+            <a:tbl>
+              <a:tblPr bandRow="1" firstRow="1">
+                <a:noFill/>
+                <a:tableStyleId>{B461DF01-0F82-4AD3-86FF-040AAAFCDF7B}</a:tableStyleId>
+              </a:tblPr>
+              <a:tblGrid>
+                <a:gridCol w="1296150"/>
+                <a:gridCol w="1031050"/>
+                <a:gridCol w="2811100"/>
+                <a:gridCol w="2533600"/>
+                <a:gridCol w="2538900"/>
+                <a:gridCol w="1981225"/>
+              </a:tblGrid>
+              <a:tr h="759850">
+                <a:tc>
+                  <a:txBody>
+                    <a:bodyPr/>
+                    <a:lstStyle/>
+                    <a:p>
+                      <a:pPr indent="0" lvl="0" marL="0" marR="0" rtl="0" algn="ctr">
+                        <a:lnSpc>
+                          <a:spcPct val="100000"/>
+                        </a:lnSpc>
+                        <a:spcBef>
+                          <a:spcPts val="0"/>
+                        </a:spcBef>
+                        <a:spcAft>
+                          <a:spcPts val="0"/>
+                        </a:spcAft>
+                        <a:buClr>
+                          <a:srgbClr val="000000"/>
+                        </a:buClr>
+                        <a:buSzPts val="1800"/>
+                        <a:buFont typeface="Arial"/>
+                        <a:buNone/>
+                      </a:pPr>
+                      <a:r>
+                        <a:rPr lang="es-VE" sz="1800" u="none" cap="none" strike="noStrike"/>
+                        <a:t>&lt;IFP&gt;</a:t>
+                      </a:r>
+                      <a:endParaRPr sz="1800" u="none" cap="none" strike="noStrike"/>
+                    </a:p>
+                  </a:txBody>
+                  <a:tcPr marT="45725" marB="45725" marR="91450" marL="91450" anchor="ctr">
+                    <a:lnL cap="flat" cmpd="sng" w="12700">
+                      <a:solidFill>
+                        <a:schemeClr val="dk1"/>
+                      </a:solidFill>
+                      <a:prstDash val="solid"/>
+                      <a:round/>
+                      <a:headEnd len="sm" w="sm" type="none"/>
+                      <a:tailEnd len="sm" w="sm" type="none"/>
+                    </a:lnL>
+                    <a:lnR cap="flat" cmpd="sng" w="12700">
+                      <a:solidFill>
+                        <a:schemeClr val="dk1"/>
+                      </a:solidFill>
+                      <a:prstDash val="solid"/>
+                      <a:round/>
+                      <a:headEnd len="sm" w="sm" type="none"/>
+                      <a:tailEnd len="sm" w="sm" type="none"/>
+                    </a:lnR>
+                    <a:lnT cap="flat" cmpd="sng" w="12700">
+                      <a:solidFill>
+                        <a:schemeClr val="dk1"/>
+                      </a:solidFill>
+                      <a:prstDash val="solid"/>
+                      <a:round/>
+                      <a:headEnd len="sm" w="sm" type="none"/>
+                      <a:tailEnd len="sm" w="sm" type="none"/>
+                    </a:lnT>
+                    <a:lnB cap="flat" cmpd="sng" w="12700">
+                      <a:solidFill>
+                        <a:schemeClr val="dk1"/>
+                      </a:solidFill>
+                      <a:prstDash val="solid"/>
+                      <a:round/>
+                      <a:headEnd len="sm" w="sm" type="none"/>
+                      <a:tailEnd len="sm" w="sm" type="none"/>
+                    </a:lnB>
+                    <a:solidFill>
+                      <a:srgbClr val="003760"/>
+                    </a:solidFill>
+                  </a:tcPr>
+                </a:tc>
+                <a:tc>
+                  <a:txBody>
+                    <a:bodyPr/>
+                    <a:lstStyle/>
+                    <a:p>
+                      <a:pPr indent="0" lvl="0" marL="0" marR="0" rtl="0" algn="ctr">
+                        <a:lnSpc>
+                          <a:spcPct val="100000"/>
+                        </a:lnSpc>
+                        <a:spcBef>
+                          <a:spcPts val="0"/>
+                        </a:spcBef>
+                        <a:spcAft>
+                          <a:spcPts val="0"/>
+                        </a:spcAft>
+                        <a:buClr>
+                          <a:srgbClr val="000000"/>
+                        </a:buClr>
+                        <a:buSzPts val="1800"/>
+                        <a:buFont typeface="Arial"/>
+                        <a:buNone/>
+                      </a:pPr>
+                      <a:r>
+                        <a:rPr lang="es-VE" sz="1800" u="none" cap="none" strike="noStrike"/>
+                        <a:t>1er.</a:t>
+                      </a:r>
+                      <a:endParaRPr sz="1800" u="none" cap="none" strike="noStrike"/>
+                    </a:p>
+                    <a:p>
+                      <a:pPr indent="0" lvl="0" marL="0" marR="0" rtl="0" algn="ctr">
+                        <a:lnSpc>
+                          <a:spcPct val="100000"/>
+                        </a:lnSpc>
+                        <a:spcBef>
+                          <a:spcPts val="0"/>
+                        </a:spcBef>
+                        <a:spcAft>
+                          <a:spcPts val="0"/>
+                        </a:spcAft>
+                        <a:buClr>
+                          <a:srgbClr val="000000"/>
+                        </a:buClr>
+                        <a:buSzPts val="1800"/>
+                        <a:buFont typeface="Arial"/>
+                        <a:buNone/>
+                      </a:pPr>
+                      <a:r>
+                        <a:rPr lang="es-VE" sz="1800" u="none" cap="none" strike="noStrike"/>
+                        <a:t>Día</a:t>
+                      </a:r>
+                      <a:endParaRPr sz="1800" u="none" cap="none" strike="noStrike"/>
+                    </a:p>
+                  </a:txBody>
+                  <a:tcPr marT="45725" marB="45725" marR="91450" marL="91450" anchor="ctr">
+                    <a:lnL cap="flat" cmpd="sng" w="12700">
+                      <a:solidFill>
+                        <a:schemeClr val="dk1"/>
+                      </a:solidFill>
+                      <a:prstDash val="solid"/>
+                      <a:round/>
+                      <a:headEnd len="sm" w="sm" type="none"/>
+                      <a:tailEnd len="sm" w="sm" type="none"/>
+                    </a:lnL>
+                    <a:lnR cap="flat" cmpd="sng" w="12700">
+                      <a:solidFill>
+                        <a:schemeClr val="dk1"/>
+                      </a:solidFill>
+                      <a:prstDash val="solid"/>
+                      <a:round/>
+                      <a:headEnd len="sm" w="sm" type="none"/>
+                      <a:tailEnd len="sm" w="sm" type="none"/>
+                    </a:lnR>
+                    <a:lnT cap="flat" cmpd="sng" w="12700">
+                      <a:solidFill>
+                        <a:schemeClr val="dk1"/>
+                      </a:solidFill>
+                      <a:prstDash val="solid"/>
+                      <a:round/>
+                      <a:headEnd len="sm" w="sm" type="none"/>
+                      <a:tailEnd len="sm" w="sm" type="none"/>
+                    </a:lnT>
+                    <a:lnB cap="flat" cmpd="sng" w="12700">
+                      <a:solidFill>
+                        <a:schemeClr val="dk1"/>
+                      </a:solidFill>
+                      <a:prstDash val="solid"/>
+                      <a:round/>
+                      <a:headEnd len="sm" w="sm" type="none"/>
+                      <a:tailEnd len="sm" w="sm" type="none"/>
+                    </a:lnB>
+                    <a:solidFill>
+                      <a:srgbClr val="003760"/>
+                    </a:solidFill>
+                  </a:tcPr>
+                </a:tc>
+                <a:tc>
+                  <a:txBody>
+                    <a:bodyPr/>
+                    <a:lstStyle/>
+                    <a:p>
+                      <a:pPr indent="0" lvl="0" marL="0" marR="0" rtl="0" algn="ctr">
+                        <a:lnSpc>
+                          <a:spcPct val="100000"/>
+                        </a:lnSpc>
+                        <a:spcBef>
+                          <a:spcPts val="0"/>
+                        </a:spcBef>
+                        <a:spcAft>
+                          <a:spcPts val="0"/>
+                        </a:spcAft>
+                        <a:buClr>
+                          <a:srgbClr val="000000"/>
+                        </a:buClr>
+                        <a:buSzPts val="1800"/>
+                        <a:buFont typeface="Arial"/>
+                        <a:buNone/>
+                      </a:pPr>
+                      <a:r>
+                        <a:rPr lang="es-VE" sz="1800" u="none" cap="none" strike="noStrike"/>
+                        <a:t>2º. Día</a:t>
+                      </a:r>
+                      <a:endParaRPr sz="1800" u="none" cap="none" strike="noStrike"/>
+                    </a:p>
+                  </a:txBody>
+                  <a:tcPr marT="45725" marB="45725" marR="91450" marL="91450" anchor="ctr">
+                    <a:lnL cap="flat" cmpd="sng" w="12700">
+                      <a:solidFill>
+                        <a:schemeClr val="dk1"/>
+                      </a:solidFill>
+                      <a:prstDash val="solid"/>
+                      <a:round/>
+                      <a:headEnd len="sm" w="sm" type="none"/>
+                      <a:tailEnd len="sm" w="sm" type="none"/>
+                    </a:lnL>
+                    <a:lnR cap="flat" cmpd="sng" w="12700">
+                      <a:solidFill>
+                        <a:schemeClr val="dk1"/>
+                      </a:solidFill>
+                      <a:prstDash val="solid"/>
+                      <a:round/>
+                      <a:headEnd len="sm" w="sm" type="none"/>
+                      <a:tailEnd len="sm" w="sm" type="none"/>
+                    </a:lnR>
+                    <a:lnT cap="flat" cmpd="sng" w="12700">
+                      <a:solidFill>
+                        <a:schemeClr val="dk1"/>
+                      </a:solidFill>
+                      <a:prstDash val="solid"/>
+                      <a:round/>
+                      <a:headEnd len="sm" w="sm" type="none"/>
+                      <a:tailEnd len="sm" w="sm" type="none"/>
+                    </a:lnT>
+                    <a:lnB cap="flat" cmpd="sng" w="12700">
+                      <a:solidFill>
+                        <a:schemeClr val="dk1"/>
+                      </a:solidFill>
+                      <a:prstDash val="solid"/>
+                      <a:round/>
+                      <a:headEnd len="sm" w="sm" type="none"/>
+                      <a:tailEnd len="sm" w="sm" type="none"/>
+                    </a:lnB>
+                    <a:solidFill>
+                      <a:srgbClr val="003760"/>
+                    </a:solidFill>
+                  </a:tcPr>
+                </a:tc>
+                <a:tc>
+                  <a:txBody>
+                    <a:bodyPr/>
+                    <a:lstStyle/>
+                    <a:p>
+                      <a:pPr indent="0" lvl="0" marL="0" marR="0" rtl="0" algn="ctr">
+                        <a:lnSpc>
+                          <a:spcPct val="100000"/>
+                        </a:lnSpc>
+                        <a:spcBef>
+                          <a:spcPts val="0"/>
+                        </a:spcBef>
+                        <a:spcAft>
+                          <a:spcPts val="0"/>
+                        </a:spcAft>
+                        <a:buClr>
+                          <a:srgbClr val="000000"/>
+                        </a:buClr>
+                        <a:buSzPts val="1800"/>
+                        <a:buFont typeface="Arial"/>
+                        <a:buNone/>
+                      </a:pPr>
+                      <a:r>
+                        <a:rPr lang="es-VE" sz="1800" u="none" cap="none" strike="noStrike"/>
+                        <a:t>3er. Día</a:t>
+                      </a:r>
+                      <a:endParaRPr sz="1800" u="none" cap="none" strike="noStrike"/>
+                    </a:p>
+                  </a:txBody>
+                  <a:tcPr marT="45725" marB="45725" marR="91450" marL="91450" anchor="ctr">
+                    <a:lnL cap="flat" cmpd="sng" w="12700">
+                      <a:solidFill>
+                        <a:schemeClr val="dk1"/>
+                      </a:solidFill>
+                      <a:prstDash val="solid"/>
+                      <a:round/>
+                      <a:headEnd len="sm" w="sm" type="none"/>
+                      <a:tailEnd len="sm" w="sm" type="none"/>
+                    </a:lnL>
+                    <a:lnR cap="flat" cmpd="sng" w="12700">
+                      <a:solidFill>
+                        <a:schemeClr val="dk1"/>
+                      </a:solidFill>
+                      <a:prstDash val="solid"/>
+                      <a:round/>
+                      <a:headEnd len="sm" w="sm" type="none"/>
+                      <a:tailEnd len="sm" w="sm" type="none"/>
+                    </a:lnR>
+                    <a:lnT cap="flat" cmpd="sng" w="12700">
+                      <a:solidFill>
+                        <a:schemeClr val="dk1"/>
+                      </a:solidFill>
+                      <a:prstDash val="solid"/>
+                      <a:round/>
+                      <a:headEnd len="sm" w="sm" type="none"/>
+                      <a:tailEnd len="sm" w="sm" type="none"/>
+                    </a:lnT>
+                    <a:lnB cap="flat" cmpd="sng" w="12700">
+                      <a:solidFill>
+                        <a:schemeClr val="dk1"/>
+                      </a:solidFill>
+                      <a:prstDash val="solid"/>
+                      <a:round/>
+                      <a:headEnd len="sm" w="sm" type="none"/>
+                      <a:tailEnd len="sm" w="sm" type="none"/>
+                    </a:lnB>
+                    <a:solidFill>
+                      <a:srgbClr val="003760"/>
+                    </a:solidFill>
+                  </a:tcPr>
+                </a:tc>
+                <a:tc>
+                  <a:txBody>
+                    <a:bodyPr/>
+                    <a:lstStyle/>
+                    <a:p>
+                      <a:pPr indent="0" lvl="0" marL="0" marR="0" rtl="0" algn="ctr">
+                        <a:lnSpc>
+                          <a:spcPct val="100000"/>
+                        </a:lnSpc>
+                        <a:spcBef>
+                          <a:spcPts val="0"/>
+                        </a:spcBef>
+                        <a:spcAft>
+                          <a:spcPts val="0"/>
+                        </a:spcAft>
+                        <a:buClr>
+                          <a:srgbClr val="000000"/>
+                        </a:buClr>
+                        <a:buSzPts val="1800"/>
+                        <a:buFont typeface="Arial"/>
+                        <a:buNone/>
+                      </a:pPr>
+                      <a:r>
+                        <a:rPr lang="es-VE" sz="1800" u="none" cap="none" strike="noStrike"/>
+                        <a:t>4º. Día</a:t>
+                      </a:r>
+                      <a:endParaRPr sz="1800" u="none" cap="none" strike="noStrike"/>
+                    </a:p>
+                  </a:txBody>
+                  <a:tcPr marT="45725" marB="45725" marR="91450" marL="91450" anchor="ctr">
+                    <a:lnL cap="flat" cmpd="sng" w="12700">
+                      <a:solidFill>
+                        <a:schemeClr val="dk1"/>
+                      </a:solidFill>
+                      <a:prstDash val="solid"/>
+                      <a:round/>
+                      <a:headEnd len="sm" w="sm" type="none"/>
+                      <a:tailEnd len="sm" w="sm" type="none"/>
+                    </a:lnL>
+                    <a:lnR cap="flat" cmpd="sng" w="12700">
+                      <a:solidFill>
+                        <a:schemeClr val="dk1"/>
+                      </a:solidFill>
+                      <a:prstDash val="solid"/>
+                      <a:round/>
+                      <a:headEnd len="sm" w="sm" type="none"/>
+                      <a:tailEnd len="sm" w="sm" type="none"/>
+                    </a:lnR>
+                    <a:lnT cap="flat" cmpd="sng" w="12700">
+                      <a:solidFill>
+                        <a:schemeClr val="dk1"/>
+                      </a:solidFill>
+                      <a:prstDash val="solid"/>
+                      <a:round/>
+                      <a:headEnd len="sm" w="sm" type="none"/>
+                      <a:tailEnd len="sm" w="sm" type="none"/>
+                    </a:lnT>
+                    <a:lnB cap="flat" cmpd="sng" w="12700">
+                      <a:solidFill>
+                        <a:schemeClr val="dk1"/>
+                      </a:solidFill>
+                      <a:prstDash val="solid"/>
+                      <a:round/>
+                      <a:headEnd len="sm" w="sm" type="none"/>
+                      <a:tailEnd len="sm" w="sm" type="none"/>
+                    </a:lnB>
+                    <a:solidFill>
+                      <a:srgbClr val="003760"/>
+                    </a:solidFill>
+                  </a:tcPr>
+                </a:tc>
+                <a:tc>
+                  <a:txBody>
+                    <a:bodyPr/>
+                    <a:lstStyle/>
+                    <a:p>
+                      <a:pPr indent="0" lvl="0" marL="0" marR="0" rtl="0" algn="ctr">
+                        <a:lnSpc>
+                          <a:spcPct val="100000"/>
+                        </a:lnSpc>
+                        <a:spcBef>
+                          <a:spcPts val="0"/>
+                        </a:spcBef>
+                        <a:spcAft>
+                          <a:spcPts val="0"/>
+                        </a:spcAft>
+                        <a:buClr>
+                          <a:srgbClr val="000000"/>
+                        </a:buClr>
+                        <a:buSzPts val="1800"/>
+                        <a:buFont typeface="Arial"/>
+                        <a:buNone/>
+                      </a:pPr>
+                      <a:r>
+                        <a:rPr lang="es-VE" sz="1800" u="none" cap="none" strike="noStrike"/>
+                        <a:t>5º. Día</a:t>
+                      </a:r>
+                      <a:endParaRPr sz="1800" u="none" cap="none" strike="noStrike"/>
+                    </a:p>
+                  </a:txBody>
+                  <a:tcPr marT="45725" marB="45725" marR="91450" marL="91450" anchor="ctr">
+                    <a:lnL cap="flat" cmpd="sng" w="12700">
+                      <a:solidFill>
+                        <a:schemeClr val="dk1"/>
+                      </a:solidFill>
+                      <a:prstDash val="solid"/>
+                      <a:round/>
+                      <a:headEnd len="sm" w="sm" type="none"/>
+                      <a:tailEnd len="sm" w="sm" type="none"/>
+                    </a:lnL>
+                    <a:lnR cap="flat" cmpd="sng" w="12700">
+                      <a:solidFill>
+                        <a:schemeClr val="dk1"/>
+                      </a:solidFill>
+                      <a:prstDash val="solid"/>
+                      <a:round/>
+                      <a:headEnd len="sm" w="sm" type="none"/>
+                      <a:tailEnd len="sm" w="sm" type="none"/>
+                    </a:lnR>
+                    <a:lnT cap="flat" cmpd="sng" w="12700">
+                      <a:solidFill>
+                        <a:schemeClr val="dk1"/>
+                      </a:solidFill>
+                      <a:prstDash val="solid"/>
+                      <a:round/>
+                      <a:headEnd len="sm" w="sm" type="none"/>
+                      <a:tailEnd len="sm" w="sm" type="none"/>
+                    </a:lnT>
+                    <a:lnB cap="flat" cmpd="sng" w="12700">
+                      <a:solidFill>
+                        <a:schemeClr val="dk1"/>
+                      </a:solidFill>
+                      <a:prstDash val="solid"/>
+                      <a:round/>
+                      <a:headEnd len="sm" w="sm" type="none"/>
+                      <a:tailEnd len="sm" w="sm" type="none"/>
+                    </a:lnB>
+                    <a:solidFill>
+                      <a:srgbClr val="003760"/>
+                    </a:solidFill>
                   </a:tcPr>
                 </a:tc>
               </a:tr>
@@ -21069,622 +23070,14 @@
       </p:graphicFrame>
       <p:sp>
         <p:nvSpPr>
-          <p:cNvPr id="113" name="Google Shape;113;p2"/>
+          <p:cNvPr id="134" name="Google Shape;134;p2"/>
           <p:cNvSpPr/>
           <p:nvPr/>
         </p:nvSpPr>
         <p:spPr>
           <a:xfrm>
-            <a:off x="2814562" y="978807"/>
-            <a:ext cx="1944300" cy="1130400"/>
-          </a:xfrm>
-          <a:prstGeom prst="homePlate">
-            <a:avLst>
-              <a:gd fmla="val 50000" name="adj"/>
-            </a:avLst>
-          </a:prstGeom>
-          <a:solidFill>
-            <a:schemeClr val="accent1"/>
-          </a:solidFill>
-          <a:ln cap="flat" cmpd="sng" w="12700">
-            <a:solidFill>
-              <a:srgbClr val="568130"/>
-            </a:solidFill>
-            <a:prstDash val="solid"/>
-            <a:miter lim="800000"/>
-            <a:headEnd len="sm" w="sm" type="none"/>
-            <a:tailEnd len="sm" w="sm" type="none"/>
-          </a:ln>
-        </p:spPr>
-        <p:txBody>
-          <a:bodyPr anchorCtr="0" anchor="ctr" bIns="45700" lIns="91425" spcFirstLastPara="1" rIns="91425" wrap="square" tIns="45700">
-            <a:noAutofit/>
-          </a:bodyPr>
-          <a:lstStyle/>
-          <a:p>
-            <a:pPr indent="0" lvl="0" marL="0" marR="0" rtl="0" algn="ctr">
-              <a:lnSpc>
-                <a:spcPct val="100000"/>
-              </a:lnSpc>
-              <a:spcBef>
-                <a:spcPts val="0"/>
-              </a:spcBef>
-              <a:spcAft>
-                <a:spcPts val="0"/>
-              </a:spcAft>
-              <a:buClr>
-                <a:srgbClr val="000000"/>
-              </a:buClr>
-              <a:buSzPts val="1600"/>
-              <a:buFont typeface="Arial"/>
-              <a:buNone/>
-            </a:pPr>
-            <a:r>
-              <a:rPr b="0" i="0" lang="es-VE" sz="1600" u="none" cap="none" strike="noStrike">
-                <a:solidFill>
-                  <a:schemeClr val="lt1"/>
-                </a:solidFill>
-                <a:latin typeface="Corbel"/>
-                <a:ea typeface="Corbel"/>
-                <a:cs typeface="Corbel"/>
-                <a:sym typeface="Corbel"/>
-              </a:rPr>
-              <a:t>Crear conexión BBDD y crear Login</a:t>
-            </a:r>
-            <a:endParaRPr b="0" i="0" sz="1600" u="none" cap="none" strike="noStrike">
-              <a:solidFill>
-                <a:schemeClr val="lt1"/>
-              </a:solidFill>
-              <a:latin typeface="Corbel"/>
-              <a:ea typeface="Corbel"/>
-              <a:cs typeface="Corbel"/>
-              <a:sym typeface="Corbel"/>
-            </a:endParaRPr>
-          </a:p>
-        </p:txBody>
-      </p:sp>
-      <p:sp>
-        <p:nvSpPr>
-          <p:cNvPr id="114" name="Google Shape;114;p2"/>
-          <p:cNvSpPr/>
-          <p:nvPr/>
-        </p:nvSpPr>
-        <p:spPr>
-          <a:xfrm>
-            <a:off x="5138308" y="978782"/>
-            <a:ext cx="2088300" cy="1130400"/>
-          </a:xfrm>
-          <a:prstGeom prst="homePlate">
-            <a:avLst>
-              <a:gd fmla="val 50000" name="adj"/>
-            </a:avLst>
-          </a:prstGeom>
-          <a:solidFill>
-            <a:schemeClr val="accent1"/>
-          </a:solidFill>
-          <a:ln cap="flat" cmpd="sng" w="12700">
-            <a:solidFill>
-              <a:srgbClr val="568130"/>
-            </a:solidFill>
-            <a:prstDash val="solid"/>
-            <a:miter lim="800000"/>
-            <a:headEnd len="sm" w="sm" type="none"/>
-            <a:tailEnd len="sm" w="sm" type="none"/>
-          </a:ln>
-        </p:spPr>
-        <p:txBody>
-          <a:bodyPr anchorCtr="0" anchor="ctr" bIns="45700" lIns="91425" spcFirstLastPara="1" rIns="91425" wrap="square" tIns="45700">
-            <a:noAutofit/>
-          </a:bodyPr>
-          <a:lstStyle/>
-          <a:p>
-            <a:pPr indent="0" lvl="0" marL="0" marR="0" rtl="0" algn="ctr">
-              <a:lnSpc>
-                <a:spcPct val="100000"/>
-              </a:lnSpc>
-              <a:spcBef>
-                <a:spcPts val="0"/>
-              </a:spcBef>
-              <a:spcAft>
-                <a:spcPts val="0"/>
-              </a:spcAft>
-              <a:buClr>
-                <a:srgbClr val="000000"/>
-              </a:buClr>
-              <a:buSzPts val="1600"/>
-              <a:buFont typeface="Arial"/>
-              <a:buNone/>
-            </a:pPr>
-            <a:r>
-              <a:rPr b="0" i="0" lang="es-VE" sz="1600" u="none" cap="none" strike="noStrike">
-                <a:solidFill>
-                  <a:schemeClr val="lt1"/>
-                </a:solidFill>
-                <a:latin typeface="Corbel"/>
-                <a:ea typeface="Corbel"/>
-                <a:cs typeface="Corbel"/>
-                <a:sym typeface="Corbel"/>
-              </a:rPr>
-              <a:t>Crear Registro e implementar opción “olvidar contraseña”</a:t>
-            </a:r>
-            <a:endParaRPr b="0" i="0" sz="1600" u="none" cap="none" strike="noStrike">
-              <a:solidFill>
-                <a:schemeClr val="lt1"/>
-              </a:solidFill>
-              <a:latin typeface="Corbel"/>
-              <a:ea typeface="Corbel"/>
-              <a:cs typeface="Corbel"/>
-              <a:sym typeface="Corbel"/>
-            </a:endParaRPr>
-          </a:p>
-        </p:txBody>
-      </p:sp>
-      <p:sp>
-        <p:nvSpPr>
-          <p:cNvPr id="115" name="Google Shape;115;p2"/>
-          <p:cNvSpPr/>
-          <p:nvPr/>
-        </p:nvSpPr>
-        <p:spPr>
-          <a:xfrm>
-            <a:off x="7668444" y="978794"/>
-            <a:ext cx="2167200" cy="1130400"/>
-          </a:xfrm>
-          <a:prstGeom prst="homePlate">
-            <a:avLst>
-              <a:gd fmla="val 50000" name="adj"/>
-            </a:avLst>
-          </a:prstGeom>
-          <a:solidFill>
-            <a:schemeClr val="accent1"/>
-          </a:solidFill>
-          <a:ln cap="flat" cmpd="sng" w="12700">
-            <a:solidFill>
-              <a:srgbClr val="568130"/>
-            </a:solidFill>
-            <a:prstDash val="solid"/>
-            <a:miter lim="800000"/>
-            <a:headEnd len="sm" w="sm" type="none"/>
-            <a:tailEnd len="sm" w="sm" type="none"/>
-          </a:ln>
-        </p:spPr>
-        <p:txBody>
-          <a:bodyPr anchorCtr="0" anchor="ctr" bIns="45700" lIns="91425" spcFirstLastPara="1" rIns="91425" wrap="square" tIns="45700">
-            <a:noAutofit/>
-          </a:bodyPr>
-          <a:lstStyle/>
-          <a:p>
-            <a:pPr indent="0" lvl="0" marL="0" marR="0" rtl="0" algn="ctr">
-              <a:lnSpc>
-                <a:spcPct val="100000"/>
-              </a:lnSpc>
-              <a:spcBef>
-                <a:spcPts val="0"/>
-              </a:spcBef>
-              <a:spcAft>
-                <a:spcPts val="0"/>
-              </a:spcAft>
-              <a:buClr>
-                <a:srgbClr val="000000"/>
-              </a:buClr>
-              <a:buSzPts val="1600"/>
-              <a:buFont typeface="Arial"/>
-              <a:buNone/>
-            </a:pPr>
-            <a:r>
-              <a:rPr b="0" i="0" lang="es-VE" sz="1600" u="none" cap="none" strike="noStrike">
-                <a:solidFill>
-                  <a:schemeClr val="lt1"/>
-                </a:solidFill>
-                <a:latin typeface="Corbel"/>
-                <a:ea typeface="Corbel"/>
-                <a:cs typeface="Corbel"/>
-                <a:sym typeface="Corbel"/>
-              </a:rPr>
-              <a:t>Crear SplashScreen</a:t>
-            </a:r>
-            <a:endParaRPr b="0" i="0" sz="1600" u="none" cap="none" strike="noStrike">
-              <a:solidFill>
-                <a:schemeClr val="lt1"/>
-              </a:solidFill>
-              <a:latin typeface="Corbel"/>
-              <a:ea typeface="Corbel"/>
-              <a:cs typeface="Corbel"/>
-              <a:sym typeface="Corbel"/>
-            </a:endParaRPr>
-          </a:p>
-        </p:txBody>
-      </p:sp>
-      <p:sp>
-        <p:nvSpPr>
-          <p:cNvPr id="116" name="Google Shape;116;p2"/>
-          <p:cNvSpPr/>
-          <p:nvPr/>
-        </p:nvSpPr>
-        <p:spPr>
-          <a:xfrm>
-            <a:off x="5151638" y="2429225"/>
-            <a:ext cx="2160300" cy="1130400"/>
-          </a:xfrm>
-          <a:prstGeom prst="homePlate">
-            <a:avLst>
-              <a:gd fmla="val 50000" name="adj"/>
-            </a:avLst>
-          </a:prstGeom>
-          <a:solidFill>
-            <a:srgbClr val="DF8A87"/>
-          </a:solidFill>
-          <a:ln cap="flat" cmpd="sng" w="12700">
-            <a:solidFill>
-              <a:srgbClr val="DF8A87"/>
-            </a:solidFill>
-            <a:prstDash val="solid"/>
-            <a:miter lim="800000"/>
-            <a:headEnd len="sm" w="sm" type="none"/>
-            <a:tailEnd len="sm" w="sm" type="none"/>
-          </a:ln>
-        </p:spPr>
-        <p:txBody>
-          <a:bodyPr anchorCtr="0" anchor="ctr" bIns="45700" lIns="91425" spcFirstLastPara="1" rIns="91425" wrap="square" tIns="45700">
-            <a:noAutofit/>
-          </a:bodyPr>
-          <a:lstStyle/>
-          <a:p>
-            <a:pPr indent="0" lvl="0" marL="0" marR="0" rtl="0" algn="ctr">
-              <a:lnSpc>
-                <a:spcPct val="100000"/>
-              </a:lnSpc>
-              <a:spcBef>
-                <a:spcPts val="0"/>
-              </a:spcBef>
-              <a:spcAft>
-                <a:spcPts val="0"/>
-              </a:spcAft>
-              <a:buClr>
-                <a:srgbClr val="000000"/>
-              </a:buClr>
-              <a:buSzPts val="1600"/>
-              <a:buFont typeface="Arial"/>
-              <a:buNone/>
-            </a:pPr>
-            <a:r>
-              <a:rPr b="0" i="0" lang="es-VE" sz="1600" u="none" cap="none" strike="noStrike">
-                <a:solidFill>
-                  <a:schemeClr val="dk1"/>
-                </a:solidFill>
-                <a:latin typeface="Corbel"/>
-                <a:ea typeface="Corbel"/>
-                <a:cs typeface="Corbel"/>
-                <a:sym typeface="Corbel"/>
-              </a:rPr>
-              <a:t>Crear y dar acceso a tres fragments desde el ActivityGestionar</a:t>
-            </a:r>
-            <a:endParaRPr b="0" i="0" sz="1600" u="none" cap="none" strike="noStrike">
-              <a:solidFill>
-                <a:schemeClr val="dk1"/>
-              </a:solidFill>
-              <a:latin typeface="Corbel"/>
-              <a:ea typeface="Corbel"/>
-              <a:cs typeface="Corbel"/>
-              <a:sym typeface="Corbel"/>
-            </a:endParaRPr>
-          </a:p>
-        </p:txBody>
-      </p:sp>
-      <p:sp>
-        <p:nvSpPr>
-          <p:cNvPr id="117" name="Google Shape;117;p2"/>
-          <p:cNvSpPr/>
-          <p:nvPr/>
-        </p:nvSpPr>
-        <p:spPr>
-          <a:xfrm>
-            <a:off x="7501200" y="2429225"/>
-            <a:ext cx="2501700" cy="1130400"/>
-          </a:xfrm>
-          <a:prstGeom prst="homePlate">
-            <a:avLst>
-              <a:gd fmla="val 50000" name="adj"/>
-            </a:avLst>
-          </a:prstGeom>
-          <a:solidFill>
-            <a:srgbClr val="DF8A87"/>
-          </a:solidFill>
-          <a:ln cap="flat" cmpd="sng" w="12700">
-            <a:solidFill>
-              <a:srgbClr val="DF8A87"/>
-            </a:solidFill>
-            <a:prstDash val="solid"/>
-            <a:miter lim="800000"/>
-            <a:headEnd len="sm" w="sm" type="none"/>
-            <a:tailEnd len="sm" w="sm" type="none"/>
-          </a:ln>
-        </p:spPr>
-        <p:txBody>
-          <a:bodyPr anchorCtr="0" anchor="ctr" bIns="45700" lIns="91425" spcFirstLastPara="1" rIns="91425" wrap="square" tIns="45700">
-            <a:noAutofit/>
-          </a:bodyPr>
-          <a:lstStyle/>
-          <a:p>
-            <a:pPr indent="0" lvl="0" marL="0" marR="0" rtl="0" algn="ctr">
-              <a:lnSpc>
-                <a:spcPct val="100000"/>
-              </a:lnSpc>
-              <a:spcBef>
-                <a:spcPts val="0"/>
-              </a:spcBef>
-              <a:spcAft>
-                <a:spcPts val="0"/>
-              </a:spcAft>
-              <a:buClr>
-                <a:srgbClr val="000000"/>
-              </a:buClr>
-              <a:buSzPts val="1600"/>
-              <a:buFont typeface="Arial"/>
-              <a:buNone/>
-            </a:pPr>
-            <a:r>
-              <a:rPr b="0" i="0" lang="es-VE" sz="1600" u="none" cap="none" strike="noStrike">
-                <a:solidFill>
-                  <a:schemeClr val="dk1"/>
-                </a:solidFill>
-                <a:latin typeface="Corbel"/>
-                <a:ea typeface="Corbel"/>
-                <a:cs typeface="Corbel"/>
-                <a:sym typeface="Corbel"/>
-              </a:rPr>
-              <a:t>Crear ReunionesActivity y modificar los datos del Usuario al acceder a un Activity</a:t>
-            </a:r>
-            <a:endParaRPr b="0" i="0" sz="1600" u="none" cap="none" strike="noStrike">
-              <a:solidFill>
-                <a:schemeClr val="dk1"/>
-              </a:solidFill>
-              <a:latin typeface="Corbel"/>
-              <a:ea typeface="Corbel"/>
-              <a:cs typeface="Corbel"/>
-              <a:sym typeface="Corbel"/>
-            </a:endParaRPr>
-          </a:p>
-        </p:txBody>
-      </p:sp>
-      <p:sp>
-        <p:nvSpPr>
-          <p:cNvPr id="118" name="Google Shape;118;p2"/>
-          <p:cNvSpPr/>
-          <p:nvPr/>
-        </p:nvSpPr>
-        <p:spPr>
-          <a:xfrm>
-            <a:off x="2327200" y="3954500"/>
-            <a:ext cx="2635200" cy="1361400"/>
-          </a:xfrm>
-          <a:prstGeom prst="homePlate">
-            <a:avLst>
-              <a:gd fmla="val 50000" name="adj"/>
-            </a:avLst>
-          </a:prstGeom>
-          <a:solidFill>
-            <a:srgbClr val="3FAFFF"/>
-          </a:solidFill>
-          <a:ln cap="flat" cmpd="sng" w="12700">
-            <a:solidFill>
-              <a:srgbClr val="3FAFFF"/>
-            </a:solidFill>
-            <a:prstDash val="solid"/>
-            <a:miter lim="800000"/>
-            <a:headEnd len="sm" w="sm" type="none"/>
-            <a:tailEnd len="sm" w="sm" type="none"/>
-          </a:ln>
-        </p:spPr>
-        <p:txBody>
-          <a:bodyPr anchorCtr="0" anchor="ctr" bIns="45700" lIns="91425" spcFirstLastPara="1" rIns="91425" wrap="square" tIns="45700">
-            <a:noAutofit/>
-          </a:bodyPr>
-          <a:lstStyle/>
-          <a:p>
-            <a:pPr indent="0" lvl="0" marL="0" marR="0" rtl="0" algn="ctr">
-              <a:lnSpc>
-                <a:spcPct val="100000"/>
-              </a:lnSpc>
-              <a:spcBef>
-                <a:spcPts val="0"/>
-              </a:spcBef>
-              <a:spcAft>
-                <a:spcPts val="0"/>
-              </a:spcAft>
-              <a:buClr>
-                <a:srgbClr val="000000"/>
-              </a:buClr>
-              <a:buSzPts val="1600"/>
-              <a:buFont typeface="Arial"/>
-              <a:buNone/>
-            </a:pPr>
-            <a:r>
-              <a:rPr b="0" i="0" lang="es-VE" sz="1600" u="none" cap="none" strike="noStrike">
-                <a:solidFill>
-                  <a:schemeClr val="dk1"/>
-                </a:solidFill>
-                <a:latin typeface="Corbel"/>
-                <a:ea typeface="Corbel"/>
-                <a:cs typeface="Corbel"/>
-                <a:sym typeface="Corbel"/>
-              </a:rPr>
-              <a:t>Poner atributos y campos obligatorios para crear asignaturas y que aparezca en una lista</a:t>
-            </a:r>
-            <a:endParaRPr b="0" i="0" sz="2000" u="none" cap="none" strike="noStrike">
-              <a:solidFill>
-                <a:srgbClr val="000000"/>
-              </a:solidFill>
-              <a:latin typeface="Arial"/>
-              <a:ea typeface="Arial"/>
-              <a:cs typeface="Arial"/>
-              <a:sym typeface="Arial"/>
-            </a:endParaRPr>
-          </a:p>
-        </p:txBody>
-      </p:sp>
-      <p:sp>
-        <p:nvSpPr>
-          <p:cNvPr id="119" name="Google Shape;119;p2"/>
-          <p:cNvSpPr/>
-          <p:nvPr/>
-        </p:nvSpPr>
-        <p:spPr>
-          <a:xfrm>
-            <a:off x="2327200" y="5608775"/>
-            <a:ext cx="2635200" cy="1463400"/>
-          </a:xfrm>
-          <a:prstGeom prst="homePlate">
-            <a:avLst>
-              <a:gd fmla="val 50000" name="adj"/>
-            </a:avLst>
-          </a:prstGeom>
-          <a:solidFill>
-            <a:srgbClr val="3FAFFF"/>
-          </a:solidFill>
-          <a:ln cap="flat" cmpd="sng" w="12700">
-            <a:solidFill>
-              <a:srgbClr val="3FAFFF"/>
-            </a:solidFill>
-            <a:prstDash val="solid"/>
-            <a:miter lim="800000"/>
-            <a:headEnd len="sm" w="sm" type="none"/>
-            <a:tailEnd len="sm" w="sm" type="none"/>
-          </a:ln>
-        </p:spPr>
-        <p:txBody>
-          <a:bodyPr anchorCtr="0" anchor="ctr" bIns="45700" lIns="91425" spcFirstLastPara="1" rIns="91425" wrap="square" tIns="45700">
-            <a:noAutofit/>
-          </a:bodyPr>
-          <a:lstStyle/>
-          <a:p>
-            <a:pPr indent="0" lvl="0" marL="0" marR="0" rtl="0" algn="ctr">
-              <a:lnSpc>
-                <a:spcPct val="100000"/>
-              </a:lnSpc>
-              <a:spcBef>
-                <a:spcPts val="0"/>
-              </a:spcBef>
-              <a:spcAft>
-                <a:spcPts val="0"/>
-              </a:spcAft>
-              <a:buClr>
-                <a:srgbClr val="000000"/>
-              </a:buClr>
-              <a:buSzPts val="1600"/>
-              <a:buFont typeface="Arial"/>
-              <a:buNone/>
-            </a:pPr>
-            <a:r>
-              <a:rPr b="0" i="0" lang="es-VE" sz="1600" u="none" cap="none" strike="noStrike">
-                <a:solidFill>
-                  <a:schemeClr val="dk1"/>
-                </a:solidFill>
-                <a:latin typeface="Corbel"/>
-                <a:ea typeface="Corbel"/>
-                <a:cs typeface="Corbel"/>
-                <a:sym typeface="Corbel"/>
-              </a:rPr>
-              <a:t>Poner atributos y campos obligatorios para crear grupos y que aparezca en una lista </a:t>
-            </a:r>
-            <a:endParaRPr b="0" i="0" sz="1600" u="none" cap="none" strike="noStrike">
-              <a:solidFill>
-                <a:schemeClr val="dk1"/>
-              </a:solidFill>
-              <a:latin typeface="Corbel"/>
-              <a:ea typeface="Corbel"/>
-              <a:cs typeface="Corbel"/>
-              <a:sym typeface="Corbel"/>
-            </a:endParaRPr>
-          </a:p>
-        </p:txBody>
-      </p:sp>
-      <p:sp>
-        <p:nvSpPr>
-          <p:cNvPr id="120" name="Google Shape;120;p2"/>
-          <p:cNvSpPr/>
-          <p:nvPr/>
-        </p:nvSpPr>
-        <p:spPr>
-          <a:xfrm>
-            <a:off x="5170200" y="4494700"/>
-            <a:ext cx="2501700" cy="1652700"/>
-          </a:xfrm>
-          <a:prstGeom prst="homePlate">
-            <a:avLst>
-              <a:gd fmla="val 50000" name="adj"/>
-            </a:avLst>
-          </a:prstGeom>
-          <a:solidFill>
-            <a:srgbClr val="3FAFFF"/>
-          </a:solidFill>
-          <a:ln cap="flat" cmpd="sng" w="12700">
-            <a:solidFill>
-              <a:srgbClr val="3FAFFF"/>
-            </a:solidFill>
-            <a:prstDash val="solid"/>
-            <a:miter lim="800000"/>
-            <a:headEnd len="sm" w="sm" type="none"/>
-            <a:tailEnd len="sm" w="sm" type="none"/>
-          </a:ln>
-        </p:spPr>
-        <p:txBody>
-          <a:bodyPr anchorCtr="0" anchor="ctr" bIns="45700" lIns="91425" spcFirstLastPara="1" rIns="91425" wrap="square" tIns="45700">
-            <a:noAutofit/>
-          </a:bodyPr>
-          <a:lstStyle/>
-          <a:p>
-            <a:pPr indent="0" lvl="0" marL="0" marR="0" rtl="0" algn="ctr">
-              <a:lnSpc>
-                <a:spcPct val="100000"/>
-              </a:lnSpc>
-              <a:spcBef>
-                <a:spcPts val="0"/>
-              </a:spcBef>
-              <a:spcAft>
-                <a:spcPts val="0"/>
-              </a:spcAft>
-              <a:buClr>
-                <a:srgbClr val="000000"/>
-              </a:buClr>
-              <a:buSzPts val="1600"/>
-              <a:buFont typeface="Arial"/>
-              <a:buNone/>
-            </a:pPr>
-            <a:r>
-              <a:rPr b="0" i="0" lang="es-VE" sz="1600" u="none" cap="none" strike="noStrike">
-                <a:solidFill>
-                  <a:schemeClr val="dk1"/>
-                </a:solidFill>
-                <a:latin typeface="Corbel"/>
-                <a:ea typeface="Corbel"/>
-                <a:cs typeface="Corbel"/>
-                <a:sym typeface="Corbel"/>
-              </a:rPr>
-              <a:t>Crear botón flotante en las dos listas y crear dos Activity para añadir nuevos grupos y asignaturas</a:t>
-            </a:r>
-            <a:endParaRPr b="0" i="0" sz="1600" u="none" cap="none" strike="noStrike">
-              <a:solidFill>
-                <a:schemeClr val="dk1"/>
-              </a:solidFill>
-              <a:latin typeface="Corbel"/>
-              <a:ea typeface="Corbel"/>
-              <a:cs typeface="Corbel"/>
-              <a:sym typeface="Corbel"/>
-            </a:endParaRPr>
-          </a:p>
-        </p:txBody>
-      </p:sp>
-      <p:sp>
-        <p:nvSpPr>
-          <p:cNvPr id="121" name="Google Shape;121;p2"/>
-          <p:cNvSpPr/>
-          <p:nvPr/>
-        </p:nvSpPr>
-        <p:spPr>
-          <a:xfrm>
-            <a:off x="2414350" y="10054100"/>
-            <a:ext cx="2744700" cy="1463400"/>
+            <a:off x="2396175" y="1494000"/>
+            <a:ext cx="2777400" cy="1463400"/>
           </a:xfrm>
           <a:prstGeom prst="homePlate">
             <a:avLst>
@@ -21753,14 +23146,14 @@
       </p:sp>
       <p:sp>
         <p:nvSpPr>
-          <p:cNvPr id="122" name="Google Shape;122;p2"/>
+          <p:cNvPr id="135" name="Google Shape;135;p2"/>
           <p:cNvSpPr/>
           <p:nvPr/>
         </p:nvSpPr>
         <p:spPr>
           <a:xfrm>
-            <a:off x="2414350" y="13739275"/>
-            <a:ext cx="2744700" cy="1652700"/>
+            <a:off x="2396175" y="5179175"/>
+            <a:ext cx="2777400" cy="1652700"/>
           </a:xfrm>
           <a:prstGeom prst="homePlate">
             <a:avLst>
@@ -21829,653 +23222,14 @@
       </p:sp>
       <p:sp>
         <p:nvSpPr>
-          <p:cNvPr id="123" name="Google Shape;123;p2"/>
+          <p:cNvPr id="136" name="Google Shape;136;p2"/>
           <p:cNvSpPr/>
           <p:nvPr/>
         </p:nvSpPr>
         <p:spPr>
           <a:xfrm>
-            <a:off x="10066500" y="2429225"/>
-            <a:ext cx="2070900" cy="1130400"/>
-          </a:xfrm>
-          <a:prstGeom prst="homePlate">
-            <a:avLst>
-              <a:gd fmla="val 50000" name="adj"/>
-            </a:avLst>
-          </a:prstGeom>
-          <a:solidFill>
-            <a:srgbClr val="DF8A87"/>
-          </a:solidFill>
-          <a:ln cap="flat" cmpd="sng" w="12700">
-            <a:solidFill>
-              <a:srgbClr val="DF8A87"/>
-            </a:solidFill>
-            <a:prstDash val="solid"/>
-            <a:miter lim="800000"/>
-            <a:headEnd len="sm" w="sm" type="none"/>
-            <a:tailEnd len="sm" w="sm" type="none"/>
-          </a:ln>
-        </p:spPr>
-        <p:txBody>
-          <a:bodyPr anchorCtr="0" anchor="ctr" bIns="45700" lIns="91425" spcFirstLastPara="1" rIns="91425" wrap="square" tIns="45700">
-            <a:noAutofit/>
-          </a:bodyPr>
-          <a:lstStyle/>
-          <a:p>
-            <a:pPr indent="0" lvl="0" marL="0" marR="0" rtl="0" algn="ctr">
-              <a:lnSpc>
-                <a:spcPct val="100000"/>
-              </a:lnSpc>
-              <a:spcBef>
-                <a:spcPts val="0"/>
-              </a:spcBef>
-              <a:spcAft>
-                <a:spcPts val="0"/>
-              </a:spcAft>
-              <a:buClr>
-                <a:srgbClr val="000000"/>
-              </a:buClr>
-              <a:buSzPts val="1600"/>
-              <a:buFont typeface="Arial"/>
-              <a:buNone/>
-            </a:pPr>
-            <a:r>
-              <a:rPr b="0" i="0" lang="es-VE" sz="1600" u="none" cap="none" strike="noStrike">
-                <a:solidFill>
-                  <a:schemeClr val="dk1"/>
-                </a:solidFill>
-                <a:latin typeface="Corbel"/>
-                <a:ea typeface="Corbel"/>
-                <a:cs typeface="Corbel"/>
-                <a:sym typeface="Corbel"/>
-              </a:rPr>
-              <a:t>Implementar cierre de sesión y verificar lo subido a Git</a:t>
-            </a:r>
-            <a:endParaRPr b="0" i="0" sz="1600" u="none" cap="none" strike="noStrike">
-              <a:solidFill>
-                <a:schemeClr val="dk1"/>
-              </a:solidFill>
-              <a:latin typeface="Corbel"/>
-              <a:ea typeface="Corbel"/>
-              <a:cs typeface="Corbel"/>
-              <a:sym typeface="Corbel"/>
-            </a:endParaRPr>
-          </a:p>
-        </p:txBody>
-      </p:sp>
-      <p:sp>
-        <p:nvSpPr>
-          <p:cNvPr id="124" name="Google Shape;124;p2"/>
-          <p:cNvSpPr/>
-          <p:nvPr/>
-        </p:nvSpPr>
-        <p:spPr>
-          <a:xfrm>
-            <a:off x="10312918" y="978782"/>
-            <a:ext cx="1782300" cy="1130400"/>
-          </a:xfrm>
-          <a:prstGeom prst="homePlate">
-            <a:avLst>
-              <a:gd fmla="val 50000" name="adj"/>
-            </a:avLst>
-          </a:prstGeom>
-          <a:solidFill>
-            <a:schemeClr val="accent1"/>
-          </a:solidFill>
-          <a:ln cap="flat" cmpd="sng" w="12700">
-            <a:solidFill>
-              <a:srgbClr val="568130"/>
-            </a:solidFill>
-            <a:prstDash val="solid"/>
-            <a:miter lim="800000"/>
-            <a:headEnd len="sm" w="sm" type="none"/>
-            <a:tailEnd len="sm" w="sm" type="none"/>
-          </a:ln>
-        </p:spPr>
-        <p:txBody>
-          <a:bodyPr anchorCtr="0" anchor="ctr" bIns="45700" lIns="91425" spcFirstLastPara="1" rIns="91425" wrap="square" tIns="45700">
-            <a:noAutofit/>
-          </a:bodyPr>
-          <a:lstStyle/>
-          <a:p>
-            <a:pPr indent="0" lvl="0" marL="0" marR="0" rtl="0" algn="ctr">
-              <a:lnSpc>
-                <a:spcPct val="100000"/>
-              </a:lnSpc>
-              <a:spcBef>
-                <a:spcPts val="0"/>
-              </a:spcBef>
-              <a:spcAft>
-                <a:spcPts val="0"/>
-              </a:spcAft>
-              <a:buClr>
-                <a:srgbClr val="000000"/>
-              </a:buClr>
-              <a:buSzPts val="1600"/>
-              <a:buFont typeface="Arial"/>
-              <a:buNone/>
-            </a:pPr>
-            <a:r>
-              <a:rPr b="0" i="0" lang="es-VE" sz="1600" u="none" cap="none" strike="noStrike">
-                <a:solidFill>
-                  <a:schemeClr val="lt1"/>
-                </a:solidFill>
-                <a:latin typeface="Corbel"/>
-                <a:ea typeface="Corbel"/>
-                <a:cs typeface="Corbel"/>
-                <a:sym typeface="Corbel"/>
-              </a:rPr>
-              <a:t>Control de campos vacíos y verificar lo subido a Git</a:t>
-            </a:r>
-            <a:endParaRPr b="0" i="0" sz="1600" u="none" cap="none" strike="noStrike">
-              <a:solidFill>
-                <a:schemeClr val="lt1"/>
-              </a:solidFill>
-              <a:latin typeface="Corbel"/>
-              <a:ea typeface="Corbel"/>
-              <a:cs typeface="Corbel"/>
-              <a:sym typeface="Corbel"/>
-            </a:endParaRPr>
-          </a:p>
-        </p:txBody>
-      </p:sp>
-      <p:sp>
-        <p:nvSpPr>
-          <p:cNvPr id="125" name="Google Shape;125;p2"/>
-          <p:cNvSpPr/>
-          <p:nvPr/>
-        </p:nvSpPr>
-        <p:spPr>
-          <a:xfrm>
-            <a:off x="2611000" y="2429225"/>
-            <a:ext cx="2351400" cy="1130400"/>
-          </a:xfrm>
-          <a:prstGeom prst="homePlate">
-            <a:avLst>
-              <a:gd fmla="val 50000" name="adj"/>
-            </a:avLst>
-          </a:prstGeom>
-          <a:solidFill>
-            <a:srgbClr val="DF8A87"/>
-          </a:solidFill>
-          <a:ln cap="flat" cmpd="sng" w="12700">
-            <a:solidFill>
-              <a:srgbClr val="DF8A87"/>
-            </a:solidFill>
-            <a:prstDash val="solid"/>
-            <a:miter lim="800000"/>
-            <a:headEnd len="sm" w="sm" type="none"/>
-            <a:tailEnd len="sm" w="sm" type="none"/>
-          </a:ln>
-        </p:spPr>
-        <p:txBody>
-          <a:bodyPr anchorCtr="0" anchor="ctr" bIns="45700" lIns="91425" spcFirstLastPara="1" rIns="91425" wrap="square" tIns="45700">
-            <a:noAutofit/>
-          </a:bodyPr>
-          <a:lstStyle/>
-          <a:p>
-            <a:pPr indent="0" lvl="0" marL="0" marR="0" rtl="0" algn="ctr">
-              <a:lnSpc>
-                <a:spcPct val="100000"/>
-              </a:lnSpc>
-              <a:spcBef>
-                <a:spcPts val="0"/>
-              </a:spcBef>
-              <a:spcAft>
-                <a:spcPts val="0"/>
-              </a:spcAft>
-              <a:buClr>
-                <a:srgbClr val="000000"/>
-              </a:buClr>
-              <a:buSzPts val="1600"/>
-              <a:buFont typeface="Arial"/>
-              <a:buNone/>
-            </a:pPr>
-            <a:r>
-              <a:rPr b="0" i="0" lang="es-VE" sz="1600" u="none" cap="none" strike="noStrike">
-                <a:solidFill>
-                  <a:schemeClr val="dk1"/>
-                </a:solidFill>
-                <a:latin typeface="Corbel"/>
-                <a:ea typeface="Corbel"/>
-                <a:cs typeface="Corbel"/>
-                <a:sym typeface="Corbel"/>
-              </a:rPr>
-              <a:t>Implementar SharedPreferences y corregir SplashScreen (Sprint 1)</a:t>
-            </a:r>
-            <a:endParaRPr b="0" i="0" sz="1600" u="none" cap="none" strike="noStrike">
-              <a:solidFill>
-                <a:schemeClr val="dk1"/>
-              </a:solidFill>
-              <a:latin typeface="Corbel"/>
-              <a:ea typeface="Corbel"/>
-              <a:cs typeface="Corbel"/>
-              <a:sym typeface="Corbel"/>
-            </a:endParaRPr>
-          </a:p>
-        </p:txBody>
-      </p:sp>
-      <p:sp>
-        <p:nvSpPr>
-          <p:cNvPr id="126" name="Google Shape;126;p2"/>
-          <p:cNvSpPr/>
-          <p:nvPr/>
-        </p:nvSpPr>
-        <p:spPr>
-          <a:xfrm>
-            <a:off x="5134975" y="6643175"/>
-            <a:ext cx="2501700" cy="1463400"/>
-          </a:xfrm>
-          <a:prstGeom prst="homePlate">
-            <a:avLst>
-              <a:gd fmla="val 50000" name="adj"/>
-            </a:avLst>
-          </a:prstGeom>
-          <a:solidFill>
-            <a:srgbClr val="3FAFFF"/>
-          </a:solidFill>
-          <a:ln cap="flat" cmpd="sng" w="12700">
-            <a:solidFill>
-              <a:srgbClr val="3FAFFF"/>
-            </a:solidFill>
-            <a:prstDash val="solid"/>
-            <a:miter lim="800000"/>
-            <a:headEnd len="sm" w="sm" type="none"/>
-            <a:tailEnd len="sm" w="sm" type="none"/>
-          </a:ln>
-        </p:spPr>
-        <p:txBody>
-          <a:bodyPr anchorCtr="0" anchor="ctr" bIns="45700" lIns="91425" spcFirstLastPara="1" rIns="91425" wrap="square" tIns="45700">
-            <a:noAutofit/>
-          </a:bodyPr>
-          <a:lstStyle/>
-          <a:p>
-            <a:pPr indent="0" lvl="0" marL="0" marR="0" rtl="0" algn="ctr">
-              <a:lnSpc>
-                <a:spcPct val="100000"/>
-              </a:lnSpc>
-              <a:spcBef>
-                <a:spcPts val="0"/>
-              </a:spcBef>
-              <a:spcAft>
-                <a:spcPts val="0"/>
-              </a:spcAft>
-              <a:buClr>
-                <a:srgbClr val="000000"/>
-              </a:buClr>
-              <a:buSzPts val="1600"/>
-              <a:buFont typeface="Arial"/>
-              <a:buNone/>
-            </a:pPr>
-            <a:r>
-              <a:rPr b="0" i="0" lang="es-VE" sz="1600" u="none" cap="none" strike="noStrike">
-                <a:solidFill>
-                  <a:schemeClr val="dk1"/>
-                </a:solidFill>
-                <a:latin typeface="Corbel"/>
-                <a:ea typeface="Corbel"/>
-                <a:cs typeface="Corbel"/>
-                <a:sym typeface="Corbel"/>
-              </a:rPr>
-              <a:t>Crear menú para indicar si se quiere eliminar o editar en grupos y en asignaturas</a:t>
-            </a:r>
-            <a:endParaRPr b="0" i="0" sz="1600" u="none" cap="none" strike="noStrike">
-              <a:solidFill>
-                <a:schemeClr val="dk1"/>
-              </a:solidFill>
-              <a:latin typeface="Corbel"/>
-              <a:ea typeface="Corbel"/>
-              <a:cs typeface="Corbel"/>
-              <a:sym typeface="Corbel"/>
-            </a:endParaRPr>
-          </a:p>
-        </p:txBody>
-      </p:sp>
-      <p:sp>
-        <p:nvSpPr>
-          <p:cNvPr id="127" name="Google Shape;127;p2"/>
-          <p:cNvSpPr/>
-          <p:nvPr/>
-        </p:nvSpPr>
-        <p:spPr>
-          <a:xfrm>
-            <a:off x="7842600" y="3954488"/>
-            <a:ext cx="2160300" cy="1361400"/>
-          </a:xfrm>
-          <a:prstGeom prst="homePlate">
-            <a:avLst>
-              <a:gd fmla="val 50000" name="adj"/>
-            </a:avLst>
-          </a:prstGeom>
-          <a:solidFill>
-            <a:srgbClr val="3FAFFF"/>
-          </a:solidFill>
-          <a:ln cap="flat" cmpd="sng" w="12700">
-            <a:solidFill>
-              <a:srgbClr val="3FAFFF"/>
-            </a:solidFill>
-            <a:prstDash val="solid"/>
-            <a:miter lim="800000"/>
-            <a:headEnd len="sm" w="sm" type="none"/>
-            <a:tailEnd len="sm" w="sm" type="none"/>
-          </a:ln>
-        </p:spPr>
-        <p:txBody>
-          <a:bodyPr anchorCtr="0" anchor="ctr" bIns="45700" lIns="91425" spcFirstLastPara="1" rIns="91425" wrap="square" tIns="45700">
-            <a:noAutofit/>
-          </a:bodyPr>
-          <a:lstStyle/>
-          <a:p>
-            <a:pPr indent="0" lvl="0" marL="0" marR="0" rtl="0" algn="ctr">
-              <a:lnSpc>
-                <a:spcPct val="100000"/>
-              </a:lnSpc>
-              <a:spcBef>
-                <a:spcPts val="0"/>
-              </a:spcBef>
-              <a:spcAft>
-                <a:spcPts val="0"/>
-              </a:spcAft>
-              <a:buClr>
-                <a:srgbClr val="000000"/>
-              </a:buClr>
-              <a:buSzPts val="1600"/>
-              <a:buFont typeface="Arial"/>
-              <a:buNone/>
-            </a:pPr>
-            <a:r>
-              <a:rPr b="0" i="0" lang="es-VE" sz="1600" u="none" cap="none" strike="noStrike">
-                <a:solidFill>
-                  <a:schemeClr val="dk1"/>
-                </a:solidFill>
-                <a:latin typeface="Corbel"/>
-                <a:ea typeface="Corbel"/>
-                <a:cs typeface="Corbel"/>
-                <a:sym typeface="Corbel"/>
-              </a:rPr>
-              <a:t>Crear mensaje de advertencia cuando se pulse en “eliminar”</a:t>
-            </a:r>
-            <a:endParaRPr b="0" i="0" sz="1600" u="none" cap="none" strike="noStrike">
-              <a:solidFill>
-                <a:schemeClr val="dk1"/>
-              </a:solidFill>
-              <a:latin typeface="Corbel"/>
-              <a:ea typeface="Corbel"/>
-              <a:cs typeface="Corbel"/>
-              <a:sym typeface="Corbel"/>
-            </a:endParaRPr>
-          </a:p>
-        </p:txBody>
-      </p:sp>
-      <p:sp>
-        <p:nvSpPr>
-          <p:cNvPr id="128" name="Google Shape;128;p2"/>
-          <p:cNvSpPr/>
-          <p:nvPr/>
-        </p:nvSpPr>
-        <p:spPr>
-          <a:xfrm>
-            <a:off x="7809250" y="5710775"/>
-            <a:ext cx="2160300" cy="1361400"/>
-          </a:xfrm>
-          <a:prstGeom prst="homePlate">
-            <a:avLst>
-              <a:gd fmla="val 50000" name="adj"/>
-            </a:avLst>
-          </a:prstGeom>
-          <a:solidFill>
-            <a:srgbClr val="3FAFFF"/>
-          </a:solidFill>
-          <a:ln cap="flat" cmpd="sng" w="12700">
-            <a:solidFill>
-              <a:srgbClr val="3FAFFF"/>
-            </a:solidFill>
-            <a:prstDash val="solid"/>
-            <a:miter lim="800000"/>
-            <a:headEnd len="sm" w="sm" type="none"/>
-            <a:tailEnd len="sm" w="sm" type="none"/>
-          </a:ln>
-        </p:spPr>
-        <p:txBody>
-          <a:bodyPr anchorCtr="0" anchor="ctr" bIns="45700" lIns="91425" spcFirstLastPara="1" rIns="91425" wrap="square" tIns="45700">
-            <a:noAutofit/>
-          </a:bodyPr>
-          <a:lstStyle/>
-          <a:p>
-            <a:pPr indent="0" lvl="0" marL="0" marR="0" rtl="0" algn="ctr">
-              <a:lnSpc>
-                <a:spcPct val="100000"/>
-              </a:lnSpc>
-              <a:spcBef>
-                <a:spcPts val="0"/>
-              </a:spcBef>
-              <a:spcAft>
-                <a:spcPts val="0"/>
-              </a:spcAft>
-              <a:buClr>
-                <a:srgbClr val="000000"/>
-              </a:buClr>
-              <a:buSzPts val="1600"/>
-              <a:buFont typeface="Arial"/>
-              <a:buNone/>
-            </a:pPr>
-            <a:r>
-              <a:rPr b="0" i="0" lang="es-VE" sz="1600" u="none" cap="none" strike="noStrike">
-                <a:solidFill>
-                  <a:schemeClr val="dk1"/>
-                </a:solidFill>
-                <a:latin typeface="Corbel"/>
-                <a:ea typeface="Corbel"/>
-                <a:cs typeface="Corbel"/>
-                <a:sym typeface="Corbel"/>
-              </a:rPr>
-              <a:t>Crear Activity añadir, cargando los datos</a:t>
-            </a:r>
-            <a:endParaRPr b="0" i="0" sz="1600" u="none" cap="none" strike="noStrike">
-              <a:solidFill>
-                <a:schemeClr val="dk1"/>
-              </a:solidFill>
-              <a:latin typeface="Corbel"/>
-              <a:ea typeface="Corbel"/>
-              <a:cs typeface="Corbel"/>
-              <a:sym typeface="Corbel"/>
-            </a:endParaRPr>
-          </a:p>
-        </p:txBody>
-      </p:sp>
-      <p:sp>
-        <p:nvSpPr>
-          <p:cNvPr id="129" name="Google Shape;129;p2"/>
-          <p:cNvSpPr/>
-          <p:nvPr/>
-        </p:nvSpPr>
-        <p:spPr>
-          <a:xfrm>
-            <a:off x="7809250" y="7443775"/>
-            <a:ext cx="2160300" cy="1361400"/>
-          </a:xfrm>
-          <a:prstGeom prst="homePlate">
-            <a:avLst>
-              <a:gd fmla="val 50000" name="adj"/>
-            </a:avLst>
-          </a:prstGeom>
-          <a:solidFill>
-            <a:srgbClr val="3FAFFF"/>
-          </a:solidFill>
-          <a:ln cap="flat" cmpd="sng" w="12700">
-            <a:solidFill>
-              <a:srgbClr val="3FAFFF"/>
-            </a:solidFill>
-            <a:prstDash val="solid"/>
-            <a:miter lim="800000"/>
-            <a:headEnd len="sm" w="sm" type="none"/>
-            <a:tailEnd len="sm" w="sm" type="none"/>
-          </a:ln>
-        </p:spPr>
-        <p:txBody>
-          <a:bodyPr anchorCtr="0" anchor="ctr" bIns="45700" lIns="91425" spcFirstLastPara="1" rIns="91425" wrap="square" tIns="45700">
-            <a:noAutofit/>
-          </a:bodyPr>
-          <a:lstStyle/>
-          <a:p>
-            <a:pPr indent="0" lvl="0" marL="0" marR="0" rtl="0" algn="ctr">
-              <a:lnSpc>
-                <a:spcPct val="100000"/>
-              </a:lnSpc>
-              <a:spcBef>
-                <a:spcPts val="0"/>
-              </a:spcBef>
-              <a:spcAft>
-                <a:spcPts val="0"/>
-              </a:spcAft>
-              <a:buClr>
-                <a:srgbClr val="000000"/>
-              </a:buClr>
-              <a:buSzPts val="1600"/>
-              <a:buFont typeface="Arial"/>
-              <a:buNone/>
-            </a:pPr>
-            <a:r>
-              <a:rPr b="0" i="0" lang="es-VE" sz="1600" u="none" cap="none" strike="noStrike">
-                <a:solidFill>
-                  <a:schemeClr val="dk1"/>
-                </a:solidFill>
-                <a:latin typeface="Corbel"/>
-                <a:ea typeface="Corbel"/>
-                <a:cs typeface="Corbel"/>
-                <a:sym typeface="Corbel"/>
-              </a:rPr>
-              <a:t>Implementar un buscador en el toolbar</a:t>
-            </a:r>
-            <a:endParaRPr b="0" i="0" sz="1600" u="none" cap="none" strike="noStrike">
-              <a:solidFill>
-                <a:schemeClr val="dk1"/>
-              </a:solidFill>
-              <a:latin typeface="Corbel"/>
-              <a:ea typeface="Corbel"/>
-              <a:cs typeface="Corbel"/>
-              <a:sym typeface="Corbel"/>
-            </a:endParaRPr>
-          </a:p>
-        </p:txBody>
-      </p:sp>
-      <p:sp>
-        <p:nvSpPr>
-          <p:cNvPr id="130" name="Google Shape;130;p2"/>
-          <p:cNvSpPr/>
-          <p:nvPr/>
-        </p:nvSpPr>
-        <p:spPr>
-          <a:xfrm>
-            <a:off x="10210800" y="5775275"/>
-            <a:ext cx="1782300" cy="1130400"/>
-          </a:xfrm>
-          <a:prstGeom prst="homePlate">
-            <a:avLst>
-              <a:gd fmla="val 50000" name="adj"/>
-            </a:avLst>
-          </a:prstGeom>
-          <a:solidFill>
-            <a:srgbClr val="3FAFFF"/>
-          </a:solidFill>
-          <a:ln cap="flat" cmpd="sng" w="12700">
-            <a:solidFill>
-              <a:srgbClr val="3FAFFF"/>
-            </a:solidFill>
-            <a:prstDash val="solid"/>
-            <a:miter lim="800000"/>
-            <a:headEnd len="sm" w="sm" type="none"/>
-            <a:tailEnd len="sm" w="sm" type="none"/>
-          </a:ln>
-        </p:spPr>
-        <p:txBody>
-          <a:bodyPr anchorCtr="0" anchor="ctr" bIns="45700" lIns="91425" spcFirstLastPara="1" rIns="91425" wrap="square" tIns="45700">
-            <a:noAutofit/>
-          </a:bodyPr>
-          <a:lstStyle/>
-          <a:p>
-            <a:pPr indent="0" lvl="0" marL="0" marR="0" rtl="0" algn="ctr">
-              <a:lnSpc>
-                <a:spcPct val="100000"/>
-              </a:lnSpc>
-              <a:spcBef>
-                <a:spcPts val="0"/>
-              </a:spcBef>
-              <a:spcAft>
-                <a:spcPts val="0"/>
-              </a:spcAft>
-              <a:buClr>
-                <a:srgbClr val="000000"/>
-              </a:buClr>
-              <a:buSzPts val="1600"/>
-              <a:buFont typeface="Arial"/>
-              <a:buNone/>
-            </a:pPr>
-            <a:r>
-              <a:rPr b="0" i="0" lang="es-VE" sz="1600" u="none" cap="none" strike="noStrike">
-                <a:solidFill>
-                  <a:schemeClr val="dk1"/>
-                </a:solidFill>
-                <a:latin typeface="Corbel"/>
-                <a:ea typeface="Corbel"/>
-                <a:cs typeface="Corbel"/>
-                <a:sym typeface="Corbel"/>
-              </a:rPr>
-              <a:t>Verificar lo subido a Git</a:t>
-            </a:r>
-            <a:endParaRPr b="0" i="0" sz="1600" u="none" cap="none" strike="noStrike">
-              <a:solidFill>
-                <a:schemeClr val="dk1"/>
-              </a:solidFill>
-              <a:latin typeface="Corbel"/>
-              <a:ea typeface="Corbel"/>
-              <a:cs typeface="Corbel"/>
-              <a:sym typeface="Corbel"/>
-            </a:endParaRPr>
-          </a:p>
-          <a:p>
-            <a:pPr indent="0" lvl="0" marL="0" marR="0" rtl="0" algn="ctr">
-              <a:lnSpc>
-                <a:spcPct val="100000"/>
-              </a:lnSpc>
-              <a:spcBef>
-                <a:spcPts val="0"/>
-              </a:spcBef>
-              <a:spcAft>
-                <a:spcPts val="0"/>
-              </a:spcAft>
-              <a:buClr>
-                <a:srgbClr val="000000"/>
-              </a:buClr>
-              <a:buSzPts val="1600"/>
-              <a:buFont typeface="Arial"/>
-              <a:buNone/>
-            </a:pPr>
-            <a:r>
-              <a:t/>
-            </a:r>
-            <a:endParaRPr b="0" i="0" sz="1600" u="none" cap="none" strike="noStrike">
-              <a:solidFill>
-                <a:schemeClr val="dk1"/>
-              </a:solidFill>
-              <a:latin typeface="Corbel"/>
-              <a:ea typeface="Corbel"/>
-              <a:cs typeface="Corbel"/>
-              <a:sym typeface="Corbel"/>
-            </a:endParaRPr>
-          </a:p>
-        </p:txBody>
-      </p:sp>
-      <p:sp>
-        <p:nvSpPr>
-          <p:cNvPr id="131" name="Google Shape;131;p2"/>
-          <p:cNvSpPr/>
-          <p:nvPr/>
-        </p:nvSpPr>
-        <p:spPr>
-          <a:xfrm>
-            <a:off x="2414350" y="12024675"/>
-            <a:ext cx="2744700" cy="1463400"/>
+            <a:off x="2396175" y="3464575"/>
+            <a:ext cx="2777400" cy="1463400"/>
           </a:xfrm>
           <a:prstGeom prst="homePlate">
             <a:avLst>
@@ -22544,14 +23298,14 @@
       </p:sp>
       <p:sp>
         <p:nvSpPr>
-          <p:cNvPr id="132" name="Google Shape;132;p2"/>
+          <p:cNvPr id="137" name="Google Shape;137;p2"/>
           <p:cNvSpPr/>
           <p:nvPr/>
         </p:nvSpPr>
         <p:spPr>
           <a:xfrm>
-            <a:off x="5568788" y="10136775"/>
-            <a:ext cx="2167200" cy="1463400"/>
+            <a:off x="5588074" y="1576675"/>
+            <a:ext cx="2193000" cy="1463400"/>
           </a:xfrm>
           <a:prstGeom prst="homePlate">
             <a:avLst>
@@ -22620,14 +23374,14 @@
       </p:sp>
       <p:sp>
         <p:nvSpPr>
-          <p:cNvPr id="133" name="Google Shape;133;p2"/>
+          <p:cNvPr id="138" name="Google Shape;138;p2"/>
           <p:cNvSpPr/>
           <p:nvPr/>
         </p:nvSpPr>
         <p:spPr>
           <a:xfrm>
-            <a:off x="8145725" y="9390950"/>
-            <a:ext cx="1944300" cy="1463400"/>
+            <a:off x="8195614" y="830850"/>
+            <a:ext cx="1967400" cy="1463400"/>
           </a:xfrm>
           <a:prstGeom prst="homePlate">
             <a:avLst>
@@ -22696,14 +23450,14 @@
       </p:sp>
       <p:sp>
         <p:nvSpPr>
-          <p:cNvPr id="134" name="Google Shape;134;p2"/>
+          <p:cNvPr id="139" name="Google Shape;139;p2"/>
           <p:cNvSpPr/>
           <p:nvPr/>
         </p:nvSpPr>
         <p:spPr>
           <a:xfrm>
-            <a:off x="5568775" y="14118175"/>
-            <a:ext cx="2167200" cy="1463400"/>
+            <a:off x="5588061" y="5558075"/>
+            <a:ext cx="2193000" cy="1463400"/>
           </a:xfrm>
           <a:prstGeom prst="homePlate">
             <a:avLst>
@@ -22772,14 +23526,14 @@
       </p:sp>
       <p:sp>
         <p:nvSpPr>
-          <p:cNvPr id="135" name="Google Shape;135;p2"/>
+          <p:cNvPr id="140" name="Google Shape;140;p2"/>
           <p:cNvSpPr/>
           <p:nvPr/>
         </p:nvSpPr>
         <p:spPr>
           <a:xfrm>
-            <a:off x="5568788" y="12127475"/>
-            <a:ext cx="2167200" cy="1463400"/>
+            <a:off x="5588074" y="3567375"/>
+            <a:ext cx="2193000" cy="1463400"/>
           </a:xfrm>
           <a:prstGeom prst="homePlate">
             <a:avLst>
@@ -22848,14 +23602,14 @@
       </p:sp>
       <p:sp>
         <p:nvSpPr>
-          <p:cNvPr id="136" name="Google Shape;136;p2"/>
+          <p:cNvPr id="141" name="Google Shape;141;p2"/>
           <p:cNvSpPr/>
           <p:nvPr/>
         </p:nvSpPr>
         <p:spPr>
           <a:xfrm>
-            <a:off x="8145725" y="11139300"/>
-            <a:ext cx="1944300" cy="1463400"/>
+            <a:off x="8195614" y="2579200"/>
+            <a:ext cx="1967400" cy="1463400"/>
           </a:xfrm>
           <a:prstGeom prst="homePlate">
             <a:avLst>
@@ -22924,14 +23678,14 @@
       </p:sp>
       <p:sp>
         <p:nvSpPr>
-          <p:cNvPr id="137" name="Google Shape;137;p2"/>
+          <p:cNvPr id="142" name="Google Shape;142;p2"/>
           <p:cNvSpPr/>
           <p:nvPr/>
         </p:nvSpPr>
         <p:spPr>
           <a:xfrm>
-            <a:off x="8145725" y="12887650"/>
-            <a:ext cx="1944300" cy="1463400"/>
+            <a:off x="8195614" y="4327550"/>
+            <a:ext cx="1967400" cy="1463400"/>
           </a:xfrm>
           <a:prstGeom prst="homePlate">
             <a:avLst>
@@ -23000,14 +23754,14 @@
       </p:sp>
       <p:sp>
         <p:nvSpPr>
-          <p:cNvPr id="138" name="Google Shape;138;p2"/>
+          <p:cNvPr id="143" name="Google Shape;143;p2"/>
           <p:cNvSpPr/>
           <p:nvPr/>
         </p:nvSpPr>
         <p:spPr>
           <a:xfrm>
-            <a:off x="8145725" y="14636000"/>
-            <a:ext cx="1944300" cy="1463400"/>
+            <a:off x="8195614" y="6075900"/>
+            <a:ext cx="1967400" cy="1463400"/>
           </a:xfrm>
           <a:prstGeom prst="homePlate">
             <a:avLst>
@@ -23076,14 +23830,14 @@
       </p:sp>
       <p:sp>
         <p:nvSpPr>
-          <p:cNvPr id="139" name="Google Shape;139;p2"/>
+          <p:cNvPr id="144" name="Google Shape;144;p2"/>
           <p:cNvSpPr/>
           <p:nvPr/>
         </p:nvSpPr>
         <p:spPr>
           <a:xfrm>
-            <a:off x="10312925" y="12024675"/>
-            <a:ext cx="1782300" cy="1463400"/>
+            <a:off x="10388551" y="3464575"/>
+            <a:ext cx="1803600" cy="1463400"/>
           </a:xfrm>
           <a:prstGeom prst="homePlate">
             <a:avLst>
@@ -23170,12 +23924,12 @@
 </p:sld>
 </file>
 
-<file path=ppt/slides/slide3.xml><?xml version="1.0" encoding="utf-8"?>
+<file path=ppt/slides/slide4.xml><?xml version="1.0" encoding="utf-8"?>
 <p:sld xmlns:a="http://schemas.openxmlformats.org/drawingml/2006/main" xmlns:r="http://schemas.openxmlformats.org/officeDocument/2006/relationships" xmlns:mc="http://schemas.openxmlformats.org/markup-compatibility/2006" xmlns:mv="urn:schemas-microsoft-com:mac:vml" xmlns:p="http://schemas.openxmlformats.org/presentationml/2006/main" xmlns:c="http://schemas.openxmlformats.org/drawingml/2006/chart" xmlns:dgm="http://schemas.openxmlformats.org/drawingml/2006/diagram" xmlns:o="urn:schemas-microsoft-com:office:office" xmlns:v="urn:schemas-microsoft-com:vml" xmlns:pvml="urn:schemas-microsoft-com:office:powerpoint" xmlns:com="http://schemas.openxmlformats.org/drawingml/2006/compatibility" xmlns:p14="http://schemas.microsoft.com/office/powerpoint/2010/main" xmlns:p15="http://schemas.microsoft.com/office/powerpoint/2012/main">
   <p:cSld>
     <p:spTree>
       <p:nvGrpSpPr>
-        <p:cNvPr id="143" name="Shape 143"/>
+        <p:cNvPr id="148" name="Shape 148"/>
         <p:cNvGrpSpPr/>
         <p:nvPr/>
       </p:nvGrpSpPr>
@@ -23189,7 +23943,7 @@
       </p:grpSpPr>
       <p:graphicFrame>
         <p:nvGraphicFramePr>
-          <p:cNvPr id="144" name="Google Shape;144;g8801683ef4_0_0"/>
+          <p:cNvPr id="149" name="Google Shape;149;g8801683ef4_0_0"/>
           <p:cNvGraphicFramePr/>
           <p:nvPr/>
         </p:nvGraphicFramePr>
@@ -23202,7 +23956,7 @@
             <a:tbl>
               <a:tblPr bandRow="1" firstRow="1">
                 <a:noFill/>
-                <a:tableStyleId>{05418A6B-839D-4CCF-AACE-2B3B945521EE}</a:tableStyleId>
+                <a:tableStyleId>{B461DF01-0F82-4AD3-86FF-040AAAFCDF7B}</a:tableStyleId>
               </a:tblPr>
               <a:tblGrid>
                 <a:gridCol w="1230050"/>
@@ -23211,6 +23965,1636 @@
                 <a:gridCol w="2546825"/>
                 <a:gridCol w="2585300"/>
                 <a:gridCol w="2229700"/>
+              </a:tblGrid>
+              <a:tr h="722200">
+                <a:tc>
+                  <a:txBody>
+                    <a:bodyPr/>
+                    <a:lstStyle/>
+                    <a:p>
+                      <a:pPr indent="0" lvl="0" marL="0" marR="0" rtl="0" algn="ctr">
+                        <a:lnSpc>
+                          <a:spcPct val="100000"/>
+                        </a:lnSpc>
+                        <a:spcBef>
+                          <a:spcPts val="0"/>
+                        </a:spcBef>
+                        <a:spcAft>
+                          <a:spcPts val="0"/>
+                        </a:spcAft>
+                        <a:buClr>
+                          <a:srgbClr val="000000"/>
+                        </a:buClr>
+                        <a:buSzPts val="1800"/>
+                        <a:buFont typeface="Arial"/>
+                        <a:buNone/>
+                      </a:pPr>
+                      <a:r>
+                        <a:rPr lang="es-VE" sz="1800" u="none" cap="none" strike="noStrike"/>
+                        <a:t>&lt;IFP&gt;</a:t>
+                      </a:r>
+                      <a:endParaRPr sz="1800" u="none" cap="none" strike="noStrike"/>
+                    </a:p>
+                  </a:txBody>
+                  <a:tcPr marT="45725" marB="45725" marR="91450" marL="91450" anchor="ctr">
+                    <a:lnL cap="flat" cmpd="sng" w="12700">
+                      <a:solidFill>
+                        <a:schemeClr val="dk1"/>
+                      </a:solidFill>
+                      <a:prstDash val="solid"/>
+                      <a:round/>
+                      <a:headEnd len="sm" w="sm" type="none"/>
+                      <a:tailEnd len="sm" w="sm" type="none"/>
+                    </a:lnL>
+                    <a:lnR cap="flat" cmpd="sng" w="12700">
+                      <a:solidFill>
+                        <a:schemeClr val="dk1"/>
+                      </a:solidFill>
+                      <a:prstDash val="solid"/>
+                      <a:round/>
+                      <a:headEnd len="sm" w="sm" type="none"/>
+                      <a:tailEnd len="sm" w="sm" type="none"/>
+                    </a:lnR>
+                    <a:lnT cap="flat" cmpd="sng" w="12700">
+                      <a:solidFill>
+                        <a:schemeClr val="dk1"/>
+                      </a:solidFill>
+                      <a:prstDash val="solid"/>
+                      <a:round/>
+                      <a:headEnd len="sm" w="sm" type="none"/>
+                      <a:tailEnd len="sm" w="sm" type="none"/>
+                    </a:lnT>
+                    <a:lnB cap="flat" cmpd="sng" w="12700">
+                      <a:solidFill>
+                        <a:schemeClr val="dk1"/>
+                      </a:solidFill>
+                      <a:prstDash val="solid"/>
+                      <a:round/>
+                      <a:headEnd len="sm" w="sm" type="none"/>
+                      <a:tailEnd len="sm" w="sm" type="none"/>
+                    </a:lnB>
+                    <a:solidFill>
+                      <a:srgbClr val="003760"/>
+                    </a:solidFill>
+                  </a:tcPr>
+                </a:tc>
+                <a:tc>
+                  <a:txBody>
+                    <a:bodyPr/>
+                    <a:lstStyle/>
+                    <a:p>
+                      <a:pPr indent="0" lvl="0" marL="0" marR="0" rtl="0" algn="ctr">
+                        <a:lnSpc>
+                          <a:spcPct val="100000"/>
+                        </a:lnSpc>
+                        <a:spcBef>
+                          <a:spcPts val="0"/>
+                        </a:spcBef>
+                        <a:spcAft>
+                          <a:spcPts val="0"/>
+                        </a:spcAft>
+                        <a:buClr>
+                          <a:srgbClr val="000000"/>
+                        </a:buClr>
+                        <a:buSzPts val="1800"/>
+                        <a:buFont typeface="Arial"/>
+                        <a:buNone/>
+                      </a:pPr>
+                      <a:r>
+                        <a:rPr lang="es-VE" sz="1800" u="none" cap="none" strike="noStrike"/>
+                        <a:t>1er.</a:t>
+                      </a:r>
+                      <a:endParaRPr sz="1800" u="none" cap="none" strike="noStrike"/>
+                    </a:p>
+                    <a:p>
+                      <a:pPr indent="0" lvl="0" marL="0" marR="0" rtl="0" algn="ctr">
+                        <a:lnSpc>
+                          <a:spcPct val="100000"/>
+                        </a:lnSpc>
+                        <a:spcBef>
+                          <a:spcPts val="0"/>
+                        </a:spcBef>
+                        <a:spcAft>
+                          <a:spcPts val="0"/>
+                        </a:spcAft>
+                        <a:buClr>
+                          <a:srgbClr val="000000"/>
+                        </a:buClr>
+                        <a:buSzPts val="1800"/>
+                        <a:buFont typeface="Arial"/>
+                        <a:buNone/>
+                      </a:pPr>
+                      <a:r>
+                        <a:rPr lang="es-VE" sz="1800" u="none" cap="none" strike="noStrike"/>
+                        <a:t>Día</a:t>
+                      </a:r>
+                      <a:endParaRPr sz="1800" u="none" cap="none" strike="noStrike"/>
+                    </a:p>
+                  </a:txBody>
+                  <a:tcPr marT="45725" marB="45725" marR="91450" marL="91450" anchor="ctr">
+                    <a:lnL cap="flat" cmpd="sng" w="12700">
+                      <a:solidFill>
+                        <a:schemeClr val="dk1"/>
+                      </a:solidFill>
+                      <a:prstDash val="solid"/>
+                      <a:round/>
+                      <a:headEnd len="sm" w="sm" type="none"/>
+                      <a:tailEnd len="sm" w="sm" type="none"/>
+                    </a:lnL>
+                    <a:lnR cap="flat" cmpd="sng" w="12700">
+                      <a:solidFill>
+                        <a:schemeClr val="dk1"/>
+                      </a:solidFill>
+                      <a:prstDash val="solid"/>
+                      <a:round/>
+                      <a:headEnd len="sm" w="sm" type="none"/>
+                      <a:tailEnd len="sm" w="sm" type="none"/>
+                    </a:lnR>
+                    <a:lnT cap="flat" cmpd="sng" w="12700">
+                      <a:solidFill>
+                        <a:schemeClr val="dk1"/>
+                      </a:solidFill>
+                      <a:prstDash val="solid"/>
+                      <a:round/>
+                      <a:headEnd len="sm" w="sm" type="none"/>
+                      <a:tailEnd len="sm" w="sm" type="none"/>
+                    </a:lnT>
+                    <a:lnB cap="flat" cmpd="sng" w="12700">
+                      <a:solidFill>
+                        <a:schemeClr val="dk1"/>
+                      </a:solidFill>
+                      <a:prstDash val="solid"/>
+                      <a:round/>
+                      <a:headEnd len="sm" w="sm" type="none"/>
+                      <a:tailEnd len="sm" w="sm" type="none"/>
+                    </a:lnB>
+                    <a:solidFill>
+                      <a:srgbClr val="003760"/>
+                    </a:solidFill>
+                  </a:tcPr>
+                </a:tc>
+                <a:tc>
+                  <a:txBody>
+                    <a:bodyPr/>
+                    <a:lstStyle/>
+                    <a:p>
+                      <a:pPr indent="0" lvl="0" marL="0" marR="0" rtl="0" algn="ctr">
+                        <a:lnSpc>
+                          <a:spcPct val="100000"/>
+                        </a:lnSpc>
+                        <a:spcBef>
+                          <a:spcPts val="0"/>
+                        </a:spcBef>
+                        <a:spcAft>
+                          <a:spcPts val="0"/>
+                        </a:spcAft>
+                        <a:buClr>
+                          <a:srgbClr val="000000"/>
+                        </a:buClr>
+                        <a:buSzPts val="1800"/>
+                        <a:buFont typeface="Arial"/>
+                        <a:buNone/>
+                      </a:pPr>
+                      <a:r>
+                        <a:rPr lang="es-VE" sz="1800" u="none" cap="none" strike="noStrike"/>
+                        <a:t>2º. Día</a:t>
+                      </a:r>
+                      <a:endParaRPr sz="1800" u="none" cap="none" strike="noStrike"/>
+                    </a:p>
+                  </a:txBody>
+                  <a:tcPr marT="45725" marB="45725" marR="91450" marL="91450" anchor="ctr">
+                    <a:lnL cap="flat" cmpd="sng" w="12700">
+                      <a:solidFill>
+                        <a:schemeClr val="dk1"/>
+                      </a:solidFill>
+                      <a:prstDash val="solid"/>
+                      <a:round/>
+                      <a:headEnd len="sm" w="sm" type="none"/>
+                      <a:tailEnd len="sm" w="sm" type="none"/>
+                    </a:lnL>
+                    <a:lnR cap="flat" cmpd="sng" w="12700">
+                      <a:solidFill>
+                        <a:schemeClr val="dk1"/>
+                      </a:solidFill>
+                      <a:prstDash val="solid"/>
+                      <a:round/>
+                      <a:headEnd len="sm" w="sm" type="none"/>
+                      <a:tailEnd len="sm" w="sm" type="none"/>
+                    </a:lnR>
+                    <a:lnT cap="flat" cmpd="sng" w="12700">
+                      <a:solidFill>
+                        <a:schemeClr val="dk1"/>
+                      </a:solidFill>
+                      <a:prstDash val="solid"/>
+                      <a:round/>
+                      <a:headEnd len="sm" w="sm" type="none"/>
+                      <a:tailEnd len="sm" w="sm" type="none"/>
+                    </a:lnT>
+                    <a:lnB cap="flat" cmpd="sng" w="12700">
+                      <a:solidFill>
+                        <a:schemeClr val="dk1"/>
+                      </a:solidFill>
+                      <a:prstDash val="solid"/>
+                      <a:round/>
+                      <a:headEnd len="sm" w="sm" type="none"/>
+                      <a:tailEnd len="sm" w="sm" type="none"/>
+                    </a:lnB>
+                    <a:solidFill>
+                      <a:srgbClr val="003760"/>
+                    </a:solidFill>
+                  </a:tcPr>
+                </a:tc>
+                <a:tc>
+                  <a:txBody>
+                    <a:bodyPr/>
+                    <a:lstStyle/>
+                    <a:p>
+                      <a:pPr indent="0" lvl="0" marL="0" marR="0" rtl="0" algn="ctr">
+                        <a:lnSpc>
+                          <a:spcPct val="100000"/>
+                        </a:lnSpc>
+                        <a:spcBef>
+                          <a:spcPts val="0"/>
+                        </a:spcBef>
+                        <a:spcAft>
+                          <a:spcPts val="0"/>
+                        </a:spcAft>
+                        <a:buClr>
+                          <a:srgbClr val="000000"/>
+                        </a:buClr>
+                        <a:buSzPts val="1800"/>
+                        <a:buFont typeface="Arial"/>
+                        <a:buNone/>
+                      </a:pPr>
+                      <a:r>
+                        <a:rPr lang="es-VE" sz="1800" u="none" cap="none" strike="noStrike"/>
+                        <a:t>3er. Día</a:t>
+                      </a:r>
+                      <a:endParaRPr sz="1800" u="none" cap="none" strike="noStrike"/>
+                    </a:p>
+                  </a:txBody>
+                  <a:tcPr marT="45725" marB="45725" marR="91450" marL="91450" anchor="ctr">
+                    <a:lnL cap="flat" cmpd="sng" w="12700">
+                      <a:solidFill>
+                        <a:schemeClr val="dk1"/>
+                      </a:solidFill>
+                      <a:prstDash val="solid"/>
+                      <a:round/>
+                      <a:headEnd len="sm" w="sm" type="none"/>
+                      <a:tailEnd len="sm" w="sm" type="none"/>
+                    </a:lnL>
+                    <a:lnR cap="flat" cmpd="sng" w="12700">
+                      <a:solidFill>
+                        <a:schemeClr val="dk1"/>
+                      </a:solidFill>
+                      <a:prstDash val="solid"/>
+                      <a:round/>
+                      <a:headEnd len="sm" w="sm" type="none"/>
+                      <a:tailEnd len="sm" w="sm" type="none"/>
+                    </a:lnR>
+                    <a:lnT cap="flat" cmpd="sng" w="12700">
+                      <a:solidFill>
+                        <a:schemeClr val="dk1"/>
+                      </a:solidFill>
+                      <a:prstDash val="solid"/>
+                      <a:round/>
+                      <a:headEnd len="sm" w="sm" type="none"/>
+                      <a:tailEnd len="sm" w="sm" type="none"/>
+                    </a:lnT>
+                    <a:lnB cap="flat" cmpd="sng" w="12700">
+                      <a:solidFill>
+                        <a:schemeClr val="dk1"/>
+                      </a:solidFill>
+                      <a:prstDash val="solid"/>
+                      <a:round/>
+                      <a:headEnd len="sm" w="sm" type="none"/>
+                      <a:tailEnd len="sm" w="sm" type="none"/>
+                    </a:lnB>
+                    <a:solidFill>
+                      <a:srgbClr val="003760"/>
+                    </a:solidFill>
+                  </a:tcPr>
+                </a:tc>
+                <a:tc>
+                  <a:txBody>
+                    <a:bodyPr/>
+                    <a:lstStyle/>
+                    <a:p>
+                      <a:pPr indent="0" lvl="0" marL="0" marR="0" rtl="0" algn="ctr">
+                        <a:lnSpc>
+                          <a:spcPct val="100000"/>
+                        </a:lnSpc>
+                        <a:spcBef>
+                          <a:spcPts val="0"/>
+                        </a:spcBef>
+                        <a:spcAft>
+                          <a:spcPts val="0"/>
+                        </a:spcAft>
+                        <a:buClr>
+                          <a:srgbClr val="000000"/>
+                        </a:buClr>
+                        <a:buSzPts val="1800"/>
+                        <a:buFont typeface="Arial"/>
+                        <a:buNone/>
+                      </a:pPr>
+                      <a:r>
+                        <a:rPr lang="es-VE" sz="1800" u="none" cap="none" strike="noStrike"/>
+                        <a:t>4º. Día</a:t>
+                      </a:r>
+                      <a:endParaRPr sz="1800" u="none" cap="none" strike="noStrike"/>
+                    </a:p>
+                  </a:txBody>
+                  <a:tcPr marT="45725" marB="45725" marR="91450" marL="91450" anchor="ctr">
+                    <a:lnL cap="flat" cmpd="sng" w="12700">
+                      <a:solidFill>
+                        <a:schemeClr val="dk1"/>
+                      </a:solidFill>
+                      <a:prstDash val="solid"/>
+                      <a:round/>
+                      <a:headEnd len="sm" w="sm" type="none"/>
+                      <a:tailEnd len="sm" w="sm" type="none"/>
+                    </a:lnL>
+                    <a:lnR cap="flat" cmpd="sng" w="12700">
+                      <a:solidFill>
+                        <a:schemeClr val="dk1"/>
+                      </a:solidFill>
+                      <a:prstDash val="solid"/>
+                      <a:round/>
+                      <a:headEnd len="sm" w="sm" type="none"/>
+                      <a:tailEnd len="sm" w="sm" type="none"/>
+                    </a:lnR>
+                    <a:lnT cap="flat" cmpd="sng" w="12700">
+                      <a:solidFill>
+                        <a:schemeClr val="dk1"/>
+                      </a:solidFill>
+                      <a:prstDash val="solid"/>
+                      <a:round/>
+                      <a:headEnd len="sm" w="sm" type="none"/>
+                      <a:tailEnd len="sm" w="sm" type="none"/>
+                    </a:lnT>
+                    <a:lnB cap="flat" cmpd="sng" w="12700">
+                      <a:solidFill>
+                        <a:schemeClr val="dk1"/>
+                      </a:solidFill>
+                      <a:prstDash val="solid"/>
+                      <a:round/>
+                      <a:headEnd len="sm" w="sm" type="none"/>
+                      <a:tailEnd len="sm" w="sm" type="none"/>
+                    </a:lnB>
+                    <a:solidFill>
+                      <a:srgbClr val="003760"/>
+                    </a:solidFill>
+                  </a:tcPr>
+                </a:tc>
+                <a:tc>
+                  <a:txBody>
+                    <a:bodyPr/>
+                    <a:lstStyle/>
+                    <a:p>
+                      <a:pPr indent="0" lvl="0" marL="0" marR="0" rtl="0" algn="ctr">
+                        <a:lnSpc>
+                          <a:spcPct val="100000"/>
+                        </a:lnSpc>
+                        <a:spcBef>
+                          <a:spcPts val="0"/>
+                        </a:spcBef>
+                        <a:spcAft>
+                          <a:spcPts val="0"/>
+                        </a:spcAft>
+                        <a:buClr>
+                          <a:srgbClr val="000000"/>
+                        </a:buClr>
+                        <a:buSzPts val="1800"/>
+                        <a:buFont typeface="Arial"/>
+                        <a:buNone/>
+                      </a:pPr>
+                      <a:r>
+                        <a:rPr lang="es-VE" sz="1800" u="none" cap="none" strike="noStrike"/>
+                        <a:t>5º. Día</a:t>
+                      </a:r>
+                      <a:endParaRPr sz="1800" u="none" cap="none" strike="noStrike"/>
+                    </a:p>
+                  </a:txBody>
+                  <a:tcPr marT="45725" marB="45725" marR="91450" marL="91450" anchor="ctr">
+                    <a:lnL cap="flat" cmpd="sng" w="12700">
+                      <a:solidFill>
+                        <a:schemeClr val="dk1"/>
+                      </a:solidFill>
+                      <a:prstDash val="solid"/>
+                      <a:round/>
+                      <a:headEnd len="sm" w="sm" type="none"/>
+                      <a:tailEnd len="sm" w="sm" type="none"/>
+                    </a:lnL>
+                    <a:lnR cap="flat" cmpd="sng" w="12700">
+                      <a:solidFill>
+                        <a:schemeClr val="dk1"/>
+                      </a:solidFill>
+                      <a:prstDash val="solid"/>
+                      <a:round/>
+                      <a:headEnd len="sm" w="sm" type="none"/>
+                      <a:tailEnd len="sm" w="sm" type="none"/>
+                    </a:lnR>
+                    <a:lnT cap="flat" cmpd="sng" w="12700">
+                      <a:solidFill>
+                        <a:schemeClr val="dk1"/>
+                      </a:solidFill>
+                      <a:prstDash val="solid"/>
+                      <a:round/>
+                      <a:headEnd len="sm" w="sm" type="none"/>
+                      <a:tailEnd len="sm" w="sm" type="none"/>
+                    </a:lnT>
+                    <a:lnB cap="flat" cmpd="sng" w="12700">
+                      <a:solidFill>
+                        <a:schemeClr val="dk1"/>
+                      </a:solidFill>
+                      <a:prstDash val="solid"/>
+                      <a:round/>
+                      <a:headEnd len="sm" w="sm" type="none"/>
+                      <a:tailEnd len="sm" w="sm" type="none"/>
+                    </a:lnB>
+                    <a:solidFill>
+                      <a:srgbClr val="003760"/>
+                    </a:solidFill>
+                  </a:tcPr>
+                </a:tc>
+              </a:tr>
+              <a:tr h="6135800">
+                <a:tc>
+                  <a:txBody>
+                    <a:bodyPr/>
+                    <a:lstStyle/>
+                    <a:p>
+                      <a:pPr indent="0" lvl="0" marL="0" marR="0" rtl="0" algn="ctr">
+                        <a:lnSpc>
+                          <a:spcPct val="100000"/>
+                        </a:lnSpc>
+                        <a:spcBef>
+                          <a:spcPts val="0"/>
+                        </a:spcBef>
+                        <a:spcAft>
+                          <a:spcPts val="0"/>
+                        </a:spcAft>
+                        <a:buClr>
+                          <a:srgbClr val="000000"/>
+                        </a:buClr>
+                        <a:buSzPts val="1800"/>
+                        <a:buFont typeface="Arial"/>
+                        <a:buNone/>
+                      </a:pPr>
+                      <a:r>
+                        <a:rPr lang="es-VE" sz="1800" u="none" cap="none" strike="noStrike"/>
+                        <a:t>&lt;Sprint 5&gt;</a:t>
+                      </a:r>
+                      <a:endParaRPr sz="1800" u="none" cap="none" strike="noStrike"/>
+                    </a:p>
+                  </a:txBody>
+                  <a:tcPr marT="45725" marB="45725" marR="91450" marL="91450" anchor="ctr">
+                    <a:lnL cap="flat" cmpd="sng" w="12700">
+                      <a:solidFill>
+                        <a:schemeClr val="dk1"/>
+                      </a:solidFill>
+                      <a:prstDash val="solid"/>
+                      <a:round/>
+                      <a:headEnd len="sm" w="sm" type="none"/>
+                      <a:tailEnd len="sm" w="sm" type="none"/>
+                    </a:lnL>
+                    <a:lnR cap="flat" cmpd="sng" w="12700">
+                      <a:solidFill>
+                        <a:schemeClr val="dk1"/>
+                      </a:solidFill>
+                      <a:prstDash val="solid"/>
+                      <a:round/>
+                      <a:headEnd len="sm" w="sm" type="none"/>
+                      <a:tailEnd len="sm" w="sm" type="none"/>
+                    </a:lnR>
+                    <a:lnT cap="flat" cmpd="sng" w="12700">
+                      <a:solidFill>
+                        <a:schemeClr val="dk1"/>
+                      </a:solidFill>
+                      <a:prstDash val="solid"/>
+                      <a:round/>
+                      <a:headEnd len="sm" w="sm" type="none"/>
+                      <a:tailEnd len="sm" w="sm" type="none"/>
+                    </a:lnT>
+                    <a:lnB cap="flat" cmpd="sng" w="12700">
+                      <a:solidFill>
+                        <a:schemeClr val="dk1"/>
+                      </a:solidFill>
+                      <a:prstDash val="solid"/>
+                      <a:round/>
+                      <a:headEnd len="sm" w="sm" type="none"/>
+                      <a:tailEnd len="sm" w="sm" type="none"/>
+                    </a:lnB>
+                  </a:tcPr>
+                </a:tc>
+                <a:tc>
+                  <a:txBody>
+                    <a:bodyPr/>
+                    <a:lstStyle/>
+                    <a:p>
+                      <a:pPr indent="0" lvl="0" marL="0" marR="0" rtl="0" algn="ctr">
+                        <a:lnSpc>
+                          <a:spcPct val="100000"/>
+                        </a:lnSpc>
+                        <a:spcBef>
+                          <a:spcPts val="0"/>
+                        </a:spcBef>
+                        <a:spcAft>
+                          <a:spcPts val="0"/>
+                        </a:spcAft>
+                        <a:buClr>
+                          <a:srgbClr val="000000"/>
+                        </a:buClr>
+                        <a:buSzPts val="1800"/>
+                        <a:buFont typeface="Arial"/>
+                        <a:buNone/>
+                      </a:pPr>
+                      <a:r>
+                        <a:rPr lang="es-VE" sz="1800" u="none" cap="none" strike="noStrike"/>
+                        <a:t>Corregir errores 4º Sprint</a:t>
+                      </a:r>
+                      <a:endParaRPr sz="1800" u="none" cap="none" strike="noStrike"/>
+                    </a:p>
+                  </a:txBody>
+                  <a:tcPr marT="45725" marB="45725" marR="91450" marL="91450" anchor="ctr">
+                    <a:lnL cap="flat" cmpd="sng" w="12700">
+                      <a:solidFill>
+                        <a:schemeClr val="dk1"/>
+                      </a:solidFill>
+                      <a:prstDash val="solid"/>
+                      <a:round/>
+                      <a:headEnd len="sm" w="sm" type="none"/>
+                      <a:tailEnd len="sm" w="sm" type="none"/>
+                    </a:lnL>
+                    <a:lnR cap="flat" cmpd="sng" w="12700">
+                      <a:solidFill>
+                        <a:schemeClr val="dk1"/>
+                      </a:solidFill>
+                      <a:prstDash val="solid"/>
+                      <a:round/>
+                      <a:headEnd len="sm" w="sm" type="none"/>
+                      <a:tailEnd len="sm" w="sm" type="none"/>
+                    </a:lnR>
+                    <a:lnT cap="flat" cmpd="sng" w="12700">
+                      <a:solidFill>
+                        <a:schemeClr val="dk1"/>
+                      </a:solidFill>
+                      <a:prstDash val="solid"/>
+                      <a:round/>
+                      <a:headEnd len="sm" w="sm" type="none"/>
+                      <a:tailEnd len="sm" w="sm" type="none"/>
+                    </a:lnT>
+                    <a:lnB cap="flat" cmpd="sng" w="12700">
+                      <a:solidFill>
+                        <a:schemeClr val="dk1"/>
+                      </a:solidFill>
+                      <a:prstDash val="solid"/>
+                      <a:round/>
+                      <a:headEnd len="sm" w="sm" type="none"/>
+                      <a:tailEnd len="sm" w="sm" type="none"/>
+                    </a:lnB>
+                  </a:tcPr>
+                </a:tc>
+                <a:tc>
+                  <a:txBody>
+                    <a:bodyPr/>
+                    <a:lstStyle/>
+                    <a:p>
+                      <a:pPr indent="0" lvl="0" marL="0" marR="0" rtl="0" algn="l">
+                        <a:lnSpc>
+                          <a:spcPct val="100000"/>
+                        </a:lnSpc>
+                        <a:spcBef>
+                          <a:spcPts val="0"/>
+                        </a:spcBef>
+                        <a:spcAft>
+                          <a:spcPts val="0"/>
+                        </a:spcAft>
+                        <a:buClr>
+                          <a:srgbClr val="000000"/>
+                        </a:buClr>
+                        <a:buSzPts val="1800"/>
+                        <a:buFont typeface="Arial"/>
+                        <a:buNone/>
+                      </a:pPr>
+                      <a:r>
+                        <a:t/>
+                      </a:r>
+                      <a:endParaRPr sz="1800" u="none" cap="none" strike="noStrike"/>
+                    </a:p>
+                  </a:txBody>
+                  <a:tcPr marT="45725" marB="45725" marR="91450" marL="91450">
+                    <a:lnL cap="flat" cmpd="sng" w="12700">
+                      <a:solidFill>
+                        <a:schemeClr val="dk1"/>
+                      </a:solidFill>
+                      <a:prstDash val="solid"/>
+                      <a:round/>
+                      <a:headEnd len="sm" w="sm" type="none"/>
+                      <a:tailEnd len="sm" w="sm" type="none"/>
+                    </a:lnL>
+                    <a:lnT cap="flat" cmpd="sng" w="12700">
+                      <a:solidFill>
+                        <a:schemeClr val="dk1"/>
+                      </a:solidFill>
+                      <a:prstDash val="solid"/>
+                      <a:round/>
+                      <a:headEnd len="sm" w="sm" type="none"/>
+                      <a:tailEnd len="sm" w="sm" type="none"/>
+                    </a:lnT>
+                    <a:lnB cap="flat" cmpd="sng" w="12700">
+                      <a:solidFill>
+                        <a:schemeClr val="dk1"/>
+                      </a:solidFill>
+                      <a:prstDash val="solid"/>
+                      <a:round/>
+                      <a:headEnd len="sm" w="sm" type="none"/>
+                      <a:tailEnd len="sm" w="sm" type="none"/>
+                    </a:lnB>
+                  </a:tcPr>
+                </a:tc>
+                <a:tc>
+                  <a:txBody>
+                    <a:bodyPr/>
+                    <a:lstStyle/>
+                    <a:p>
+                      <a:pPr indent="0" lvl="0" marL="0" marR="0" rtl="0" algn="l">
+                        <a:lnSpc>
+                          <a:spcPct val="100000"/>
+                        </a:lnSpc>
+                        <a:spcBef>
+                          <a:spcPts val="0"/>
+                        </a:spcBef>
+                        <a:spcAft>
+                          <a:spcPts val="0"/>
+                        </a:spcAft>
+                        <a:buClr>
+                          <a:srgbClr val="000000"/>
+                        </a:buClr>
+                        <a:buSzPts val="1800"/>
+                        <a:buFont typeface="Arial"/>
+                        <a:buNone/>
+                      </a:pPr>
+                      <a:r>
+                        <a:t/>
+                      </a:r>
+                      <a:endParaRPr sz="1800" u="none" cap="none" strike="noStrike"/>
+                    </a:p>
+                  </a:txBody>
+                  <a:tcPr marT="45725" marB="45725" marR="91450" marL="91450">
+                    <a:lnT cap="flat" cmpd="sng" w="12700">
+                      <a:solidFill>
+                        <a:schemeClr val="dk1"/>
+                      </a:solidFill>
+                      <a:prstDash val="solid"/>
+                      <a:round/>
+                      <a:headEnd len="sm" w="sm" type="none"/>
+                      <a:tailEnd len="sm" w="sm" type="none"/>
+                    </a:lnT>
+                    <a:lnB cap="flat" cmpd="sng" w="12700">
+                      <a:solidFill>
+                        <a:schemeClr val="dk1"/>
+                      </a:solidFill>
+                      <a:prstDash val="solid"/>
+                      <a:round/>
+                      <a:headEnd len="sm" w="sm" type="none"/>
+                      <a:tailEnd len="sm" w="sm" type="none"/>
+                    </a:lnB>
+                  </a:tcPr>
+                </a:tc>
+                <a:tc>
+                  <a:txBody>
+                    <a:bodyPr/>
+                    <a:lstStyle/>
+                    <a:p>
+                      <a:pPr indent="0" lvl="0" marL="0" marR="0" rtl="0" algn="l">
+                        <a:lnSpc>
+                          <a:spcPct val="100000"/>
+                        </a:lnSpc>
+                        <a:spcBef>
+                          <a:spcPts val="0"/>
+                        </a:spcBef>
+                        <a:spcAft>
+                          <a:spcPts val="0"/>
+                        </a:spcAft>
+                        <a:buClr>
+                          <a:srgbClr val="000000"/>
+                        </a:buClr>
+                        <a:buSzPts val="1800"/>
+                        <a:buFont typeface="Arial"/>
+                        <a:buNone/>
+                      </a:pPr>
+                      <a:r>
+                        <a:t/>
+                      </a:r>
+                      <a:endParaRPr sz="1800" u="none" cap="none" strike="noStrike"/>
+                    </a:p>
+                  </a:txBody>
+                  <a:tcPr marT="45725" marB="45725" marR="91450" marL="91450">
+                    <a:lnT cap="flat" cmpd="sng" w="12700">
+                      <a:solidFill>
+                        <a:schemeClr val="dk1"/>
+                      </a:solidFill>
+                      <a:prstDash val="solid"/>
+                      <a:round/>
+                      <a:headEnd len="sm" w="sm" type="none"/>
+                      <a:tailEnd len="sm" w="sm" type="none"/>
+                    </a:lnT>
+                    <a:lnB cap="flat" cmpd="sng" w="12700">
+                      <a:solidFill>
+                        <a:schemeClr val="dk1"/>
+                      </a:solidFill>
+                      <a:prstDash val="solid"/>
+                      <a:round/>
+                      <a:headEnd len="sm" w="sm" type="none"/>
+                      <a:tailEnd len="sm" w="sm" type="none"/>
+                    </a:lnB>
+                  </a:tcPr>
+                </a:tc>
+                <a:tc>
+                  <a:txBody>
+                    <a:bodyPr/>
+                    <a:lstStyle/>
+                    <a:p>
+                      <a:pPr indent="0" lvl="0" marL="0" marR="0" rtl="0" algn="l">
+                        <a:lnSpc>
+                          <a:spcPct val="100000"/>
+                        </a:lnSpc>
+                        <a:spcBef>
+                          <a:spcPts val="0"/>
+                        </a:spcBef>
+                        <a:spcAft>
+                          <a:spcPts val="0"/>
+                        </a:spcAft>
+                        <a:buClr>
+                          <a:srgbClr val="000000"/>
+                        </a:buClr>
+                        <a:buSzPts val="1800"/>
+                        <a:buFont typeface="Arial"/>
+                        <a:buNone/>
+                      </a:pPr>
+                      <a:r>
+                        <a:t/>
+                      </a:r>
+                      <a:endParaRPr sz="1800" u="none" cap="none" strike="noStrike"/>
+                    </a:p>
+                  </a:txBody>
+                  <a:tcPr marT="45725" marB="45725" marR="91450" marL="91450">
+                    <a:lnR cap="flat" cmpd="sng" w="12700">
+                      <a:solidFill>
+                        <a:schemeClr val="dk1"/>
+                      </a:solidFill>
+                      <a:prstDash val="solid"/>
+                      <a:round/>
+                      <a:headEnd len="sm" w="sm" type="none"/>
+                      <a:tailEnd len="sm" w="sm" type="none"/>
+                    </a:lnR>
+                    <a:lnT cap="flat" cmpd="sng" w="12700">
+                      <a:solidFill>
+                        <a:schemeClr val="dk1"/>
+                      </a:solidFill>
+                      <a:prstDash val="solid"/>
+                      <a:round/>
+                      <a:headEnd len="sm" w="sm" type="none"/>
+                      <a:tailEnd len="sm" w="sm" type="none"/>
+                    </a:lnT>
+                    <a:lnB cap="flat" cmpd="sng" w="12700">
+                      <a:solidFill>
+                        <a:schemeClr val="dk1"/>
+                      </a:solidFill>
+                      <a:prstDash val="solid"/>
+                      <a:round/>
+                      <a:headEnd len="sm" w="sm" type="none"/>
+                      <a:tailEnd len="sm" w="sm" type="none"/>
+                    </a:lnB>
+                  </a:tcPr>
+                </a:tc>
+              </a:tr>
+            </a:tbl>
+          </a:graphicData>
+        </a:graphic>
+      </p:graphicFrame>
+      <p:sp>
+        <p:nvSpPr>
+          <p:cNvPr id="150" name="Google Shape;150;g8801683ef4_0_0"/>
+          <p:cNvSpPr/>
+          <p:nvPr/>
+        </p:nvSpPr>
+        <p:spPr>
+          <a:xfrm>
+            <a:off x="2478800" y="2562850"/>
+            <a:ext cx="2247000" cy="1514400"/>
+          </a:xfrm>
+          <a:prstGeom prst="homePlate">
+            <a:avLst>
+              <a:gd fmla="val 50000" name="adj"/>
+            </a:avLst>
+          </a:prstGeom>
+          <a:solidFill>
+            <a:srgbClr val="F1C232"/>
+          </a:solidFill>
+          <a:ln cap="flat" cmpd="sng" w="12700">
+            <a:solidFill>
+              <a:srgbClr val="F1C232"/>
+            </a:solidFill>
+            <a:prstDash val="solid"/>
+            <a:miter lim="800000"/>
+            <a:headEnd len="sm" w="sm" type="none"/>
+            <a:tailEnd len="sm" w="sm" type="none"/>
+          </a:ln>
+        </p:spPr>
+        <p:txBody>
+          <a:bodyPr anchorCtr="0" anchor="ctr" bIns="45700" lIns="91425" spcFirstLastPara="1" rIns="91425" wrap="square" tIns="45700">
+            <a:noAutofit/>
+          </a:bodyPr>
+          <a:lstStyle/>
+          <a:p>
+            <a:pPr indent="0" lvl="0" marL="0" marR="0" rtl="0" algn="ctr">
+              <a:lnSpc>
+                <a:spcPct val="100000"/>
+              </a:lnSpc>
+              <a:spcBef>
+                <a:spcPts val="0"/>
+              </a:spcBef>
+              <a:spcAft>
+                <a:spcPts val="0"/>
+              </a:spcAft>
+              <a:buClr>
+                <a:srgbClr val="000000"/>
+              </a:buClr>
+              <a:buSzPts val="1600"/>
+              <a:buFont typeface="Arial"/>
+              <a:buNone/>
+            </a:pPr>
+            <a:r>
+              <a:rPr b="0" i="0" lang="es-VE" sz="1600" u="none" cap="none" strike="noStrike">
+                <a:solidFill>
+                  <a:srgbClr val="000000"/>
+                </a:solidFill>
+                <a:latin typeface="Corbel"/>
+                <a:ea typeface="Corbel"/>
+                <a:cs typeface="Corbel"/>
+                <a:sym typeface="Corbel"/>
+              </a:rPr>
+              <a:t>Dar funcionalidad al login del usuario y dar acceso al perfil y reuniones</a:t>
+            </a:r>
+            <a:endParaRPr b="0" i="0" sz="1600" u="none" cap="none" strike="noStrike">
+              <a:solidFill>
+                <a:srgbClr val="000000"/>
+              </a:solidFill>
+              <a:latin typeface="Corbel"/>
+              <a:ea typeface="Corbel"/>
+              <a:cs typeface="Corbel"/>
+              <a:sym typeface="Corbel"/>
+            </a:endParaRPr>
+          </a:p>
+        </p:txBody>
+      </p:sp>
+      <p:sp>
+        <p:nvSpPr>
+          <p:cNvPr id="151" name="Google Shape;151;g8801683ef4_0_0"/>
+          <p:cNvSpPr/>
+          <p:nvPr/>
+        </p:nvSpPr>
+        <p:spPr>
+          <a:xfrm>
+            <a:off x="5146713" y="743650"/>
+            <a:ext cx="2147700" cy="1514400"/>
+          </a:xfrm>
+          <a:prstGeom prst="homePlate">
+            <a:avLst>
+              <a:gd fmla="val 50000" name="adj"/>
+            </a:avLst>
+          </a:prstGeom>
+          <a:solidFill>
+            <a:srgbClr val="F1C232"/>
+          </a:solidFill>
+          <a:ln cap="flat" cmpd="sng" w="12700">
+            <a:solidFill>
+              <a:srgbClr val="F1C232"/>
+            </a:solidFill>
+            <a:prstDash val="solid"/>
+            <a:miter lim="800000"/>
+            <a:headEnd len="sm" w="sm" type="none"/>
+            <a:tailEnd len="sm" w="sm" type="none"/>
+          </a:ln>
+        </p:spPr>
+        <p:txBody>
+          <a:bodyPr anchorCtr="0" anchor="ctr" bIns="45700" lIns="91425" spcFirstLastPara="1" rIns="91425" wrap="square" tIns="45700">
+            <a:noAutofit/>
+          </a:bodyPr>
+          <a:lstStyle/>
+          <a:p>
+            <a:pPr indent="0" lvl="0" marL="0" marR="0" rtl="0" algn="ctr">
+              <a:lnSpc>
+                <a:spcPct val="100000"/>
+              </a:lnSpc>
+              <a:spcBef>
+                <a:spcPts val="0"/>
+              </a:spcBef>
+              <a:spcAft>
+                <a:spcPts val="0"/>
+              </a:spcAft>
+              <a:buClr>
+                <a:srgbClr val="000000"/>
+              </a:buClr>
+              <a:buSzPts val="1600"/>
+              <a:buFont typeface="Arial"/>
+              <a:buNone/>
+            </a:pPr>
+            <a:r>
+              <a:rPr b="0" i="0" lang="es-VE" sz="1600" u="none" cap="none" strike="noStrike">
+                <a:solidFill>
+                  <a:srgbClr val="000000"/>
+                </a:solidFill>
+                <a:latin typeface="Corbel"/>
+                <a:ea typeface="Corbel"/>
+                <a:cs typeface="Corbel"/>
+                <a:sym typeface="Corbel"/>
+              </a:rPr>
+              <a:t>Solicitar una reunión al pulsar una asignatura</a:t>
+            </a:r>
+            <a:endParaRPr b="0" i="0" sz="1600" u="none" cap="none" strike="noStrike">
+              <a:solidFill>
+                <a:srgbClr val="000000"/>
+              </a:solidFill>
+              <a:latin typeface="Corbel"/>
+              <a:ea typeface="Corbel"/>
+              <a:cs typeface="Corbel"/>
+              <a:sym typeface="Corbel"/>
+            </a:endParaRPr>
+          </a:p>
+        </p:txBody>
+      </p:sp>
+      <p:sp>
+        <p:nvSpPr>
+          <p:cNvPr id="152" name="Google Shape;152;g8801683ef4_0_0"/>
+          <p:cNvSpPr/>
+          <p:nvPr/>
+        </p:nvSpPr>
+        <p:spPr>
+          <a:xfrm>
+            <a:off x="5173338" y="2562850"/>
+            <a:ext cx="2147700" cy="1514400"/>
+          </a:xfrm>
+          <a:prstGeom prst="homePlate">
+            <a:avLst>
+              <a:gd fmla="val 50000" name="adj"/>
+            </a:avLst>
+          </a:prstGeom>
+          <a:solidFill>
+            <a:srgbClr val="F1C232"/>
+          </a:solidFill>
+          <a:ln cap="flat" cmpd="sng" w="12700">
+            <a:solidFill>
+              <a:srgbClr val="F1C232"/>
+            </a:solidFill>
+            <a:prstDash val="solid"/>
+            <a:miter lim="800000"/>
+            <a:headEnd len="sm" w="sm" type="none"/>
+            <a:tailEnd len="sm" w="sm" type="none"/>
+          </a:ln>
+        </p:spPr>
+        <p:txBody>
+          <a:bodyPr anchorCtr="0" anchor="ctr" bIns="45700" lIns="91425" spcFirstLastPara="1" rIns="91425" wrap="square" tIns="45700">
+            <a:noAutofit/>
+          </a:bodyPr>
+          <a:lstStyle/>
+          <a:p>
+            <a:pPr indent="0" lvl="0" marL="0" marR="0" rtl="0" algn="ctr">
+              <a:lnSpc>
+                <a:spcPct val="100000"/>
+              </a:lnSpc>
+              <a:spcBef>
+                <a:spcPts val="0"/>
+              </a:spcBef>
+              <a:spcAft>
+                <a:spcPts val="0"/>
+              </a:spcAft>
+              <a:buClr>
+                <a:srgbClr val="000000"/>
+              </a:buClr>
+              <a:buSzPts val="1600"/>
+              <a:buFont typeface="Arial"/>
+              <a:buNone/>
+            </a:pPr>
+            <a:r>
+              <a:rPr b="0" i="0" lang="es-VE" sz="1600" u="none" cap="none" strike="noStrike">
+                <a:solidFill>
+                  <a:srgbClr val="000000"/>
+                </a:solidFill>
+                <a:latin typeface="Corbel"/>
+                <a:ea typeface="Corbel"/>
+                <a:cs typeface="Corbel"/>
+                <a:sym typeface="Corbel"/>
+              </a:rPr>
+              <a:t>Poner en verde la asignatura confirmada para reunión</a:t>
+            </a:r>
+            <a:endParaRPr b="0" i="0" sz="1600" u="none" cap="none" strike="noStrike">
+              <a:solidFill>
+                <a:srgbClr val="000000"/>
+              </a:solidFill>
+              <a:latin typeface="Corbel"/>
+              <a:ea typeface="Corbel"/>
+              <a:cs typeface="Corbel"/>
+              <a:sym typeface="Corbel"/>
+            </a:endParaRPr>
+          </a:p>
+        </p:txBody>
+      </p:sp>
+      <p:sp>
+        <p:nvSpPr>
+          <p:cNvPr id="153" name="Google Shape;153;g8801683ef4_0_0"/>
+          <p:cNvSpPr/>
+          <p:nvPr/>
+        </p:nvSpPr>
+        <p:spPr>
+          <a:xfrm>
+            <a:off x="7715475" y="2562850"/>
+            <a:ext cx="2147700" cy="1514400"/>
+          </a:xfrm>
+          <a:prstGeom prst="homePlate">
+            <a:avLst>
+              <a:gd fmla="val 50000" name="adj"/>
+            </a:avLst>
+          </a:prstGeom>
+          <a:solidFill>
+            <a:srgbClr val="F1C232"/>
+          </a:solidFill>
+          <a:ln cap="flat" cmpd="sng" w="12700">
+            <a:solidFill>
+              <a:srgbClr val="F1C232"/>
+            </a:solidFill>
+            <a:prstDash val="solid"/>
+            <a:miter lim="800000"/>
+            <a:headEnd len="sm" w="sm" type="none"/>
+            <a:tailEnd len="sm" w="sm" type="none"/>
+          </a:ln>
+        </p:spPr>
+        <p:txBody>
+          <a:bodyPr anchorCtr="0" anchor="ctr" bIns="45700" lIns="91425" spcFirstLastPara="1" rIns="91425" wrap="square" tIns="45700">
+            <a:noAutofit/>
+          </a:bodyPr>
+          <a:lstStyle/>
+          <a:p>
+            <a:pPr indent="0" lvl="0" marL="0" marR="0" rtl="0" algn="ctr">
+              <a:lnSpc>
+                <a:spcPct val="100000"/>
+              </a:lnSpc>
+              <a:spcBef>
+                <a:spcPts val="0"/>
+              </a:spcBef>
+              <a:spcAft>
+                <a:spcPts val="0"/>
+              </a:spcAft>
+              <a:buClr>
+                <a:srgbClr val="000000"/>
+              </a:buClr>
+              <a:buSzPts val="1600"/>
+              <a:buFont typeface="Arial"/>
+              <a:buNone/>
+            </a:pPr>
+            <a:r>
+              <a:rPr b="0" i="0" lang="es-VE" sz="1600" u="none" cap="none" strike="noStrike">
+                <a:solidFill>
+                  <a:srgbClr val="000000"/>
+                </a:solidFill>
+                <a:latin typeface="Corbel"/>
+                <a:ea typeface="Corbel"/>
+                <a:cs typeface="Corbel"/>
+                <a:sym typeface="Corbel"/>
+              </a:rPr>
+              <a:t>Dar funcionalidad para permitir cancelar reuniones</a:t>
+            </a:r>
+            <a:endParaRPr b="0" i="0" sz="1600" u="none" cap="none" strike="noStrike">
+              <a:solidFill>
+                <a:srgbClr val="000000"/>
+              </a:solidFill>
+              <a:latin typeface="Corbel"/>
+              <a:ea typeface="Corbel"/>
+              <a:cs typeface="Corbel"/>
+              <a:sym typeface="Corbel"/>
+            </a:endParaRPr>
+          </a:p>
+        </p:txBody>
+      </p:sp>
+      <p:sp>
+        <p:nvSpPr>
+          <p:cNvPr id="154" name="Google Shape;154;g8801683ef4_0_0"/>
+          <p:cNvSpPr/>
+          <p:nvPr/>
+        </p:nvSpPr>
+        <p:spPr>
+          <a:xfrm>
+            <a:off x="7715475" y="743650"/>
+            <a:ext cx="2147700" cy="1514400"/>
+          </a:xfrm>
+          <a:prstGeom prst="homePlate">
+            <a:avLst>
+              <a:gd fmla="val 50000" name="adj"/>
+            </a:avLst>
+          </a:prstGeom>
+          <a:solidFill>
+            <a:srgbClr val="F1C232"/>
+          </a:solidFill>
+          <a:ln cap="flat" cmpd="sng" w="12700">
+            <a:solidFill>
+              <a:srgbClr val="F1C232"/>
+            </a:solidFill>
+            <a:prstDash val="solid"/>
+            <a:miter lim="800000"/>
+            <a:headEnd len="sm" w="sm" type="none"/>
+            <a:tailEnd len="sm" w="sm" type="none"/>
+          </a:ln>
+        </p:spPr>
+        <p:txBody>
+          <a:bodyPr anchorCtr="0" anchor="ctr" bIns="45700" lIns="91425" spcFirstLastPara="1" rIns="91425" wrap="square" tIns="45700">
+            <a:noAutofit/>
+          </a:bodyPr>
+          <a:lstStyle/>
+          <a:p>
+            <a:pPr indent="0" lvl="0" marL="0" marR="0" rtl="0" algn="ctr">
+              <a:lnSpc>
+                <a:spcPct val="100000"/>
+              </a:lnSpc>
+              <a:spcBef>
+                <a:spcPts val="0"/>
+              </a:spcBef>
+              <a:spcAft>
+                <a:spcPts val="0"/>
+              </a:spcAft>
+              <a:buClr>
+                <a:srgbClr val="000000"/>
+              </a:buClr>
+              <a:buSzPts val="1600"/>
+              <a:buFont typeface="Arial"/>
+              <a:buNone/>
+            </a:pPr>
+            <a:r>
+              <a:rPr b="0" i="0" lang="es-VE" sz="1600" u="none" cap="none" strike="noStrike">
+                <a:solidFill>
+                  <a:srgbClr val="000000"/>
+                </a:solidFill>
+                <a:latin typeface="Corbel"/>
+                <a:ea typeface="Corbel"/>
+                <a:cs typeface="Corbel"/>
+                <a:sym typeface="Corbel"/>
+              </a:rPr>
+              <a:t>Dar funcionalidad para que no se sobreescriban las reuniones solicitadas</a:t>
+            </a:r>
+            <a:endParaRPr b="0" i="0" sz="1600" u="none" cap="none" strike="noStrike">
+              <a:solidFill>
+                <a:srgbClr val="000000"/>
+              </a:solidFill>
+              <a:latin typeface="Corbel"/>
+              <a:ea typeface="Corbel"/>
+              <a:cs typeface="Corbel"/>
+              <a:sym typeface="Corbel"/>
+            </a:endParaRPr>
+          </a:p>
+        </p:txBody>
+      </p:sp>
+      <p:sp>
+        <p:nvSpPr>
+          <p:cNvPr id="155" name="Google Shape;155;g8801683ef4_0_0"/>
+          <p:cNvSpPr/>
+          <p:nvPr/>
+        </p:nvSpPr>
+        <p:spPr>
+          <a:xfrm>
+            <a:off x="10044325" y="2562850"/>
+            <a:ext cx="2147700" cy="1514400"/>
+          </a:xfrm>
+          <a:prstGeom prst="homePlate">
+            <a:avLst>
+              <a:gd fmla="val 50000" name="adj"/>
+            </a:avLst>
+          </a:prstGeom>
+          <a:solidFill>
+            <a:srgbClr val="F1C232"/>
+          </a:solidFill>
+          <a:ln cap="flat" cmpd="sng" w="12700">
+            <a:solidFill>
+              <a:srgbClr val="F1C232"/>
+            </a:solidFill>
+            <a:prstDash val="solid"/>
+            <a:miter lim="800000"/>
+            <a:headEnd len="sm" w="sm" type="none"/>
+            <a:tailEnd len="sm" w="sm" type="none"/>
+          </a:ln>
+        </p:spPr>
+        <p:txBody>
+          <a:bodyPr anchorCtr="0" anchor="ctr" bIns="45700" lIns="91425" spcFirstLastPara="1" rIns="91425" wrap="square" tIns="45700">
+            <a:noAutofit/>
+          </a:bodyPr>
+          <a:lstStyle/>
+          <a:p>
+            <a:pPr indent="0" lvl="0" marL="0" marR="0" rtl="0" algn="ctr">
+              <a:lnSpc>
+                <a:spcPct val="100000"/>
+              </a:lnSpc>
+              <a:spcBef>
+                <a:spcPts val="0"/>
+              </a:spcBef>
+              <a:spcAft>
+                <a:spcPts val="0"/>
+              </a:spcAft>
+              <a:buClr>
+                <a:srgbClr val="000000"/>
+              </a:buClr>
+              <a:buSzPts val="1600"/>
+              <a:buFont typeface="Arial"/>
+              <a:buNone/>
+            </a:pPr>
+            <a:r>
+              <a:rPr b="0" i="0" lang="es-VE" sz="1600" u="none" cap="none" strike="noStrike">
+                <a:solidFill>
+                  <a:srgbClr val="000000"/>
+                </a:solidFill>
+                <a:latin typeface="Corbel"/>
+                <a:ea typeface="Corbel"/>
+                <a:cs typeface="Corbel"/>
+                <a:sym typeface="Corbel"/>
+              </a:rPr>
+              <a:t>Comprimir codigo, revisar documentación y subir todo a Git</a:t>
+            </a:r>
+            <a:endParaRPr b="0" i="0" sz="1600" u="none" cap="none" strike="noStrike">
+              <a:solidFill>
+                <a:srgbClr val="000000"/>
+              </a:solidFill>
+              <a:latin typeface="Corbel"/>
+              <a:ea typeface="Corbel"/>
+              <a:cs typeface="Corbel"/>
+              <a:sym typeface="Corbel"/>
+            </a:endParaRPr>
+          </a:p>
+        </p:txBody>
+      </p:sp>
+      <p:sp>
+        <p:nvSpPr>
+          <p:cNvPr id="156" name="Google Shape;156;g8801683ef4_0_0"/>
+          <p:cNvSpPr/>
+          <p:nvPr/>
+        </p:nvSpPr>
+        <p:spPr>
+          <a:xfrm>
+            <a:off x="2478800" y="4382050"/>
+            <a:ext cx="2247000" cy="1514400"/>
+          </a:xfrm>
+          <a:prstGeom prst="homePlate">
+            <a:avLst>
+              <a:gd fmla="val 50000" name="adj"/>
+            </a:avLst>
+          </a:prstGeom>
+          <a:solidFill>
+            <a:srgbClr val="F1C232"/>
+          </a:solidFill>
+          <a:ln cap="flat" cmpd="sng" w="12700">
+            <a:solidFill>
+              <a:srgbClr val="F1C232"/>
+            </a:solidFill>
+            <a:prstDash val="solid"/>
+            <a:miter lim="800000"/>
+            <a:headEnd len="sm" w="sm" type="none"/>
+            <a:tailEnd len="sm" w="sm" type="none"/>
+          </a:ln>
+        </p:spPr>
+        <p:txBody>
+          <a:bodyPr anchorCtr="0" anchor="ctr" bIns="45700" lIns="91425" spcFirstLastPara="1" rIns="91425" wrap="square" tIns="45700">
+            <a:noAutofit/>
+          </a:bodyPr>
+          <a:lstStyle/>
+          <a:p>
+            <a:pPr indent="0" lvl="0" marL="0" marR="0" rtl="0" algn="ctr">
+              <a:lnSpc>
+                <a:spcPct val="100000"/>
+              </a:lnSpc>
+              <a:spcBef>
+                <a:spcPts val="0"/>
+              </a:spcBef>
+              <a:spcAft>
+                <a:spcPts val="0"/>
+              </a:spcAft>
+              <a:buClr>
+                <a:srgbClr val="000000"/>
+              </a:buClr>
+              <a:buSzPts val="1600"/>
+              <a:buFont typeface="Arial"/>
+              <a:buNone/>
+            </a:pPr>
+            <a:r>
+              <a:rPr b="0" i="0" lang="es-VE" sz="1600" u="none" cap="none" strike="noStrike">
+                <a:solidFill>
+                  <a:srgbClr val="000000"/>
+                </a:solidFill>
+                <a:latin typeface="Corbel"/>
+                <a:ea typeface="Corbel"/>
+                <a:cs typeface="Corbel"/>
+                <a:sym typeface="Corbel"/>
+              </a:rPr>
+              <a:t>Crear lista de asignaturas matriculadas del usuario al pulsar botón Reuniones</a:t>
+            </a:r>
+            <a:endParaRPr b="0" i="0" sz="1600" u="none" cap="none" strike="noStrike">
+              <a:solidFill>
+                <a:srgbClr val="000000"/>
+              </a:solidFill>
+              <a:latin typeface="Corbel"/>
+              <a:ea typeface="Corbel"/>
+              <a:cs typeface="Corbel"/>
+              <a:sym typeface="Corbel"/>
+            </a:endParaRPr>
+          </a:p>
+        </p:txBody>
+      </p:sp>
+      <p:sp>
+        <p:nvSpPr>
+          <p:cNvPr id="157" name="Google Shape;157;g8801683ef4_0_0"/>
+          <p:cNvSpPr/>
+          <p:nvPr/>
+        </p:nvSpPr>
+        <p:spPr>
+          <a:xfrm>
+            <a:off x="5173350" y="4382050"/>
+            <a:ext cx="2147700" cy="1514400"/>
+          </a:xfrm>
+          <a:prstGeom prst="homePlate">
+            <a:avLst>
+              <a:gd fmla="val 50000" name="adj"/>
+            </a:avLst>
+          </a:prstGeom>
+          <a:solidFill>
+            <a:srgbClr val="F1C232"/>
+          </a:solidFill>
+          <a:ln cap="flat" cmpd="sng" w="12700">
+            <a:solidFill>
+              <a:srgbClr val="F1C232"/>
+            </a:solidFill>
+            <a:prstDash val="solid"/>
+            <a:miter lim="800000"/>
+            <a:headEnd len="sm" w="sm" type="none"/>
+            <a:tailEnd len="sm" w="sm" type="none"/>
+          </a:ln>
+        </p:spPr>
+        <p:txBody>
+          <a:bodyPr anchorCtr="0" anchor="ctr" bIns="45700" lIns="91425" spcFirstLastPara="1" rIns="91425" wrap="square" tIns="45700">
+            <a:noAutofit/>
+          </a:bodyPr>
+          <a:lstStyle/>
+          <a:p>
+            <a:pPr indent="0" lvl="0" marL="0" marR="0" rtl="0" algn="ctr">
+              <a:lnSpc>
+                <a:spcPct val="100000"/>
+              </a:lnSpc>
+              <a:spcBef>
+                <a:spcPts val="0"/>
+              </a:spcBef>
+              <a:spcAft>
+                <a:spcPts val="0"/>
+              </a:spcAft>
+              <a:buClr>
+                <a:srgbClr val="000000"/>
+              </a:buClr>
+              <a:buSzPts val="1600"/>
+              <a:buFont typeface="Arial"/>
+              <a:buNone/>
+            </a:pPr>
+            <a:r>
+              <a:rPr b="0" i="0" lang="es-VE" sz="1600" u="none" cap="none" strike="noStrike">
+                <a:solidFill>
+                  <a:srgbClr val="000000"/>
+                </a:solidFill>
+                <a:latin typeface="Corbel"/>
+                <a:ea typeface="Corbel"/>
+                <a:cs typeface="Corbel"/>
+                <a:sym typeface="Corbel"/>
+              </a:rPr>
+              <a:t>Poner en verde las asignaturas solicitadas por algún miembro del grupo</a:t>
+            </a:r>
+            <a:endParaRPr b="0" i="0" sz="1600" u="none" cap="none" strike="noStrike">
+              <a:solidFill>
+                <a:srgbClr val="000000"/>
+              </a:solidFill>
+              <a:latin typeface="Corbel"/>
+              <a:ea typeface="Corbel"/>
+              <a:cs typeface="Corbel"/>
+              <a:sym typeface="Corbel"/>
+            </a:endParaRPr>
+          </a:p>
+        </p:txBody>
+      </p:sp>
+      <p:sp>
+        <p:nvSpPr>
+          <p:cNvPr id="158" name="Google Shape;158;g8801683ef4_0_0"/>
+          <p:cNvSpPr/>
+          <p:nvPr/>
+        </p:nvSpPr>
+        <p:spPr>
+          <a:xfrm>
+            <a:off x="7715475" y="4382050"/>
+            <a:ext cx="2147700" cy="1514400"/>
+          </a:xfrm>
+          <a:prstGeom prst="homePlate">
+            <a:avLst>
+              <a:gd fmla="val 50000" name="adj"/>
+            </a:avLst>
+          </a:prstGeom>
+          <a:solidFill>
+            <a:srgbClr val="F1C232"/>
+          </a:solidFill>
+          <a:ln cap="flat" cmpd="sng" w="12700">
+            <a:solidFill>
+              <a:srgbClr val="F1C232"/>
+            </a:solidFill>
+            <a:prstDash val="solid"/>
+            <a:miter lim="800000"/>
+            <a:headEnd len="sm" w="sm" type="none"/>
+            <a:tailEnd len="sm" w="sm" type="none"/>
+          </a:ln>
+        </p:spPr>
+        <p:txBody>
+          <a:bodyPr anchorCtr="0" anchor="ctr" bIns="45700" lIns="91425" spcFirstLastPara="1" rIns="91425" wrap="square" tIns="45700">
+            <a:noAutofit/>
+          </a:bodyPr>
+          <a:lstStyle/>
+          <a:p>
+            <a:pPr indent="0" lvl="0" marL="0" marR="0" rtl="0" algn="ctr">
+              <a:lnSpc>
+                <a:spcPct val="100000"/>
+              </a:lnSpc>
+              <a:spcBef>
+                <a:spcPts val="0"/>
+              </a:spcBef>
+              <a:spcAft>
+                <a:spcPts val="0"/>
+              </a:spcAft>
+              <a:buClr>
+                <a:srgbClr val="000000"/>
+              </a:buClr>
+              <a:buSzPts val="1600"/>
+              <a:buFont typeface="Arial"/>
+              <a:buNone/>
+            </a:pPr>
+            <a:r>
+              <a:rPr b="0" i="0" lang="es-VE" sz="1600" u="none" cap="none" strike="noStrike">
+                <a:solidFill>
+                  <a:srgbClr val="000000"/>
+                </a:solidFill>
+                <a:latin typeface="Corbel"/>
+                <a:ea typeface="Corbel"/>
+                <a:cs typeface="Corbel"/>
+                <a:sym typeface="Corbel"/>
+              </a:rPr>
+              <a:t>Crear un popup para confirmar o no, la cancelación de la reunión</a:t>
+            </a:r>
+            <a:endParaRPr b="0" i="0" sz="1600" u="none" cap="none" strike="noStrike">
+              <a:solidFill>
+                <a:srgbClr val="000000"/>
+              </a:solidFill>
+              <a:latin typeface="Corbel"/>
+              <a:ea typeface="Corbel"/>
+              <a:cs typeface="Corbel"/>
+              <a:sym typeface="Corbel"/>
+            </a:endParaRPr>
+          </a:p>
+        </p:txBody>
+      </p:sp>
+      <p:sp>
+        <p:nvSpPr>
+          <p:cNvPr id="159" name="Google Shape;159;g8801683ef4_0_0"/>
+          <p:cNvSpPr/>
+          <p:nvPr/>
+        </p:nvSpPr>
+        <p:spPr>
+          <a:xfrm>
+            <a:off x="2478800" y="743650"/>
+            <a:ext cx="2247000" cy="1514400"/>
+          </a:xfrm>
+          <a:prstGeom prst="homePlate">
+            <a:avLst>
+              <a:gd fmla="val 50000" name="adj"/>
+            </a:avLst>
+          </a:prstGeom>
+          <a:solidFill>
+            <a:srgbClr val="F1C232"/>
+          </a:solidFill>
+          <a:ln cap="flat" cmpd="sng" w="12700">
+            <a:solidFill>
+              <a:srgbClr val="F1C232"/>
+            </a:solidFill>
+            <a:prstDash val="solid"/>
+            <a:miter lim="800000"/>
+            <a:headEnd len="sm" w="sm" type="none"/>
+            <a:tailEnd len="sm" w="sm" type="none"/>
+          </a:ln>
+        </p:spPr>
+        <p:txBody>
+          <a:bodyPr anchorCtr="0" anchor="ctr" bIns="45700" lIns="91425" spcFirstLastPara="1" rIns="91425" wrap="square" tIns="45700">
+            <a:noAutofit/>
+          </a:bodyPr>
+          <a:lstStyle/>
+          <a:p>
+            <a:pPr indent="0" lvl="0" marL="0" marR="0" rtl="0" algn="ctr">
+              <a:lnSpc>
+                <a:spcPct val="100000"/>
+              </a:lnSpc>
+              <a:spcBef>
+                <a:spcPts val="0"/>
+              </a:spcBef>
+              <a:spcAft>
+                <a:spcPts val="0"/>
+              </a:spcAft>
+              <a:buClr>
+                <a:srgbClr val="000000"/>
+              </a:buClr>
+              <a:buSzPts val="1600"/>
+              <a:buFont typeface="Arial"/>
+              <a:buNone/>
+            </a:pPr>
+            <a:r>
+              <a:rPr b="0" i="0" lang="es-VE" sz="1600" u="none" cap="none" strike="noStrike">
+                <a:solidFill>
+                  <a:srgbClr val="000000"/>
+                </a:solidFill>
+                <a:latin typeface="Corbel"/>
+                <a:ea typeface="Corbel"/>
+                <a:cs typeface="Corbel"/>
+                <a:sym typeface="Corbel"/>
+              </a:rPr>
+              <a:t>Crear un usuario tipo Alumno y otro tipo Profesor con el email mariomarugan10</a:t>
+            </a:r>
+            <a:endParaRPr b="0" i="0" sz="1600" u="none" cap="none" strike="noStrike">
+              <a:solidFill>
+                <a:srgbClr val="000000"/>
+              </a:solidFill>
+              <a:latin typeface="Corbel"/>
+              <a:ea typeface="Corbel"/>
+              <a:cs typeface="Corbel"/>
+              <a:sym typeface="Corbel"/>
+            </a:endParaRPr>
+          </a:p>
+        </p:txBody>
+      </p:sp>
+    </p:spTree>
+  </p:cSld>
+  <p:clrMapOvr>
+    <a:masterClrMapping/>
+  </p:clrMapOvr>
+  <mc:AlternateContent>
+    <mc:Choice Requires="p14">
+      <p:transition spd="slow" p14:dur="700">
+        <p:fade/>
+      </p:transition>
+    </mc:Choice>
+    <mc:Fallback>
+      <p:transition spd="slow">
+        <p:fade/>
+      </p:transition>
+    </mc:Fallback>
+  </mc:AlternateContent>
+</p:sld>
+</file>
+
+<file path=ppt/slides/slide5.xml><?xml version="1.0" encoding="utf-8"?>
+<p:sld xmlns:a="http://schemas.openxmlformats.org/drawingml/2006/main" xmlns:r="http://schemas.openxmlformats.org/officeDocument/2006/relationships" xmlns:mc="http://schemas.openxmlformats.org/markup-compatibility/2006" xmlns:mv="urn:schemas-microsoft-com:mac:vml" xmlns:p="http://schemas.openxmlformats.org/presentationml/2006/main" xmlns:c="http://schemas.openxmlformats.org/drawingml/2006/chart" xmlns:dgm="http://schemas.openxmlformats.org/drawingml/2006/diagram" xmlns:o="urn:schemas-microsoft-com:office:office" xmlns:v="urn:schemas-microsoft-com:vml" xmlns:pvml="urn:schemas-microsoft-com:office:powerpoint" xmlns:com="http://schemas.openxmlformats.org/drawingml/2006/compatibility" xmlns:p14="http://schemas.microsoft.com/office/powerpoint/2010/main" xmlns:p15="http://schemas.microsoft.com/office/powerpoint/2012/main">
+  <p:cSld>
+    <p:spTree>
+      <p:nvGrpSpPr>
+        <p:cNvPr id="163" name="Shape 163"/>
+        <p:cNvGrpSpPr/>
+        <p:nvPr/>
+      </p:nvGrpSpPr>
+      <p:grpSpPr>
+        <a:xfrm>
+          <a:off x="0" y="0"/>
+          <a:ext cx="0" cy="0"/>
+          <a:chOff x="0" y="0"/>
+          <a:chExt cx="0" cy="0"/>
+        </a:xfrm>
+      </p:grpSpPr>
+      <p:graphicFrame>
+        <p:nvGraphicFramePr>
+          <p:cNvPr id="164" name="Google Shape;164;g88698e8101_0_0"/>
+          <p:cNvGraphicFramePr/>
+          <p:nvPr/>
+        </p:nvGraphicFramePr>
+        <p:xfrm>
+          <a:off x="0" y="0"/>
+          <a:ext cx="3000000" cy="3000000"/>
+        </p:xfrm>
+        <a:graphic>
+          <a:graphicData uri="http://schemas.openxmlformats.org/drawingml/2006/table">
+            <a:tbl>
+              <a:tblPr bandRow="1" firstRow="1">
+                <a:noFill/>
+                <a:tableStyleId>{B461DF01-0F82-4AD3-86FF-040AAAFCDF7B}</a:tableStyleId>
+              </a:tblPr>
+              <a:tblGrid>
+                <a:gridCol w="1230050"/>
+                <a:gridCol w="1460700"/>
+                <a:gridCol w="2139450"/>
+                <a:gridCol w="2546825"/>
+                <a:gridCol w="2486150"/>
+                <a:gridCol w="2328850"/>
               </a:tblGrid>
               <a:tr h="511700">
                 <a:tc>
@@ -23664,7 +26048,7 @@
                   </a:tcPr>
                 </a:tc>
               </a:tr>
-              <a:tr h="5470475">
+              <a:tr h="6214100">
                 <a:tc>
                   <a:txBody>
                     <a:bodyPr/>
@@ -23689,7 +26073,7 @@
                       </a:pPr>
                       <a:r>
                         <a:rPr lang="es-VE" sz="1800" u="none" cap="none" strike="noStrike"/>
-                        <a:t>&lt;Sprint 5&gt;</a:t>
+                        <a:t>&lt;Sprint 6&gt;</a:t>
                       </a:r>
                       <a:endParaRPr sz="1800" u="none" cap="none" strike="noStrike"/>
                     </a:p>
@@ -23757,366 +26141,7 @@
                       </a:pPr>
                       <a:r>
                         <a:rPr lang="es-VE" sz="1800"/>
-                        <a:t>Corregir errores 4º Sprint</a:t>
-                      </a:r>
-                      <a:endParaRPr sz="1800" u="none" cap="none" strike="noStrike"/>
-                    </a:p>
-                  </a:txBody>
-                  <a:tcPr marT="45725" marB="45725" marR="91450" marL="91450" anchor="ctr">
-                    <a:lnL cap="flat" cmpd="sng" w="12700">
-                      <a:solidFill>
-                        <a:schemeClr val="dk1"/>
-                      </a:solidFill>
-                      <a:prstDash val="solid"/>
-                      <a:round/>
-                      <a:headEnd len="sm" w="sm" type="none"/>
-                      <a:tailEnd len="sm" w="sm" type="none"/>
-                    </a:lnL>
-                    <a:lnR cap="flat" cmpd="sng" w="12700">
-                      <a:solidFill>
-                        <a:schemeClr val="dk1"/>
-                      </a:solidFill>
-                      <a:prstDash val="solid"/>
-                      <a:round/>
-                      <a:headEnd len="sm" w="sm" type="none"/>
-                      <a:tailEnd len="sm" w="sm" type="none"/>
-                    </a:lnR>
-                    <a:lnT cap="flat" cmpd="sng" w="12700">
-                      <a:solidFill>
-                        <a:schemeClr val="dk1"/>
-                      </a:solidFill>
-                      <a:prstDash val="solid"/>
-                      <a:round/>
-                      <a:headEnd len="sm" w="sm" type="none"/>
-                      <a:tailEnd len="sm" w="sm" type="none"/>
-                    </a:lnT>
-                    <a:lnB cap="flat" cmpd="sng" w="12700">
-                      <a:solidFill>
-                        <a:schemeClr val="dk1"/>
-                      </a:solidFill>
-                      <a:prstDash val="solid"/>
-                      <a:round/>
-                      <a:headEnd len="sm" w="sm" type="none"/>
-                      <a:tailEnd len="sm" w="sm" type="none"/>
-                    </a:lnB>
-                  </a:tcPr>
-                </a:tc>
-                <a:tc>
-                  <a:txBody>
-                    <a:bodyPr/>
-                    <a:lstStyle/>
-                    <a:p>
-                      <a:pPr indent="0" lvl="0" marL="0" marR="0" rtl="0" algn="l">
-                        <a:lnSpc>
-                          <a:spcPct val="100000"/>
-                        </a:lnSpc>
-                        <a:spcBef>
-                          <a:spcPts val="0"/>
-                        </a:spcBef>
-                        <a:spcAft>
-                          <a:spcPts val="0"/>
-                        </a:spcAft>
-                        <a:buClr>
-                          <a:srgbClr val="000000"/>
-                        </a:buClr>
-                        <a:buSzPts val="1800"/>
-                        <a:buFont typeface="Arial"/>
-                        <a:buNone/>
-                      </a:pPr>
-                      <a:r>
-                        <a:t/>
-                      </a:r>
-                      <a:endParaRPr sz="1800" u="none" cap="none" strike="noStrike"/>
-                    </a:p>
-                  </a:txBody>
-                  <a:tcPr marT="45725" marB="45725" marR="91450" marL="91450">
-                    <a:lnL cap="flat" cmpd="sng" w="12700">
-                      <a:solidFill>
-                        <a:schemeClr val="dk1"/>
-                      </a:solidFill>
-                      <a:prstDash val="solid"/>
-                      <a:round/>
-                      <a:headEnd len="sm" w="sm" type="none"/>
-                      <a:tailEnd len="sm" w="sm" type="none"/>
-                    </a:lnL>
-                    <a:lnT cap="flat" cmpd="sng" w="12700">
-                      <a:solidFill>
-                        <a:schemeClr val="dk1"/>
-                      </a:solidFill>
-                      <a:prstDash val="solid"/>
-                      <a:round/>
-                      <a:headEnd len="sm" w="sm" type="none"/>
-                      <a:tailEnd len="sm" w="sm" type="none"/>
-                    </a:lnT>
-                    <a:lnB cap="flat" cmpd="sng" w="12700">
-                      <a:solidFill>
-                        <a:schemeClr val="dk1"/>
-                      </a:solidFill>
-                      <a:prstDash val="solid"/>
-                      <a:round/>
-                      <a:headEnd len="sm" w="sm" type="none"/>
-                      <a:tailEnd len="sm" w="sm" type="none"/>
-                    </a:lnB>
-                  </a:tcPr>
-                </a:tc>
-                <a:tc>
-                  <a:txBody>
-                    <a:bodyPr/>
-                    <a:lstStyle/>
-                    <a:p>
-                      <a:pPr indent="0" lvl="0" marL="0" marR="0" rtl="0" algn="l">
-                        <a:lnSpc>
-                          <a:spcPct val="100000"/>
-                        </a:lnSpc>
-                        <a:spcBef>
-                          <a:spcPts val="0"/>
-                        </a:spcBef>
-                        <a:spcAft>
-                          <a:spcPts val="0"/>
-                        </a:spcAft>
-                        <a:buClr>
-                          <a:srgbClr val="000000"/>
-                        </a:buClr>
-                        <a:buSzPts val="1800"/>
-                        <a:buFont typeface="Arial"/>
-                        <a:buNone/>
-                      </a:pPr>
-                      <a:r>
-                        <a:t/>
-                      </a:r>
-                      <a:endParaRPr sz="1800" u="none" cap="none" strike="noStrike"/>
-                    </a:p>
-                  </a:txBody>
-                  <a:tcPr marT="45725" marB="45725" marR="91450" marL="91450">
-                    <a:lnT cap="flat" cmpd="sng" w="12700">
-                      <a:solidFill>
-                        <a:schemeClr val="dk1"/>
-                      </a:solidFill>
-                      <a:prstDash val="solid"/>
-                      <a:round/>
-                      <a:headEnd len="sm" w="sm" type="none"/>
-                      <a:tailEnd len="sm" w="sm" type="none"/>
-                    </a:lnT>
-                    <a:lnB cap="flat" cmpd="sng" w="12700">
-                      <a:solidFill>
-                        <a:schemeClr val="dk1"/>
-                      </a:solidFill>
-                      <a:prstDash val="solid"/>
-                      <a:round/>
-                      <a:headEnd len="sm" w="sm" type="none"/>
-                      <a:tailEnd len="sm" w="sm" type="none"/>
-                    </a:lnB>
-                  </a:tcPr>
-                </a:tc>
-                <a:tc>
-                  <a:txBody>
-                    <a:bodyPr/>
-                    <a:lstStyle/>
-                    <a:p>
-                      <a:pPr indent="0" lvl="0" marL="0" marR="0" rtl="0" algn="l">
-                        <a:lnSpc>
-                          <a:spcPct val="100000"/>
-                        </a:lnSpc>
-                        <a:spcBef>
-                          <a:spcPts val="0"/>
-                        </a:spcBef>
-                        <a:spcAft>
-                          <a:spcPts val="0"/>
-                        </a:spcAft>
-                        <a:buClr>
-                          <a:srgbClr val="000000"/>
-                        </a:buClr>
-                        <a:buSzPts val="1800"/>
-                        <a:buFont typeface="Arial"/>
-                        <a:buNone/>
-                      </a:pPr>
-                      <a:r>
-                        <a:t/>
-                      </a:r>
-                      <a:endParaRPr sz="1800" u="none" cap="none" strike="noStrike"/>
-                    </a:p>
-                  </a:txBody>
-                  <a:tcPr marT="45725" marB="45725" marR="91450" marL="91450">
-                    <a:lnT cap="flat" cmpd="sng" w="12700">
-                      <a:solidFill>
-                        <a:schemeClr val="dk1"/>
-                      </a:solidFill>
-                      <a:prstDash val="solid"/>
-                      <a:round/>
-                      <a:headEnd len="sm" w="sm" type="none"/>
-                      <a:tailEnd len="sm" w="sm" type="none"/>
-                    </a:lnT>
-                    <a:lnB cap="flat" cmpd="sng" w="12700">
-                      <a:solidFill>
-                        <a:schemeClr val="dk1"/>
-                      </a:solidFill>
-                      <a:prstDash val="solid"/>
-                      <a:round/>
-                      <a:headEnd len="sm" w="sm" type="none"/>
-                      <a:tailEnd len="sm" w="sm" type="none"/>
-                    </a:lnB>
-                  </a:tcPr>
-                </a:tc>
-                <a:tc>
-                  <a:txBody>
-                    <a:bodyPr/>
-                    <a:lstStyle/>
-                    <a:p>
-                      <a:pPr indent="0" lvl="0" marL="0" marR="0" rtl="0" algn="l">
-                        <a:lnSpc>
-                          <a:spcPct val="100000"/>
-                        </a:lnSpc>
-                        <a:spcBef>
-                          <a:spcPts val="0"/>
-                        </a:spcBef>
-                        <a:spcAft>
-                          <a:spcPts val="0"/>
-                        </a:spcAft>
-                        <a:buClr>
-                          <a:srgbClr val="000000"/>
-                        </a:buClr>
-                        <a:buSzPts val="1800"/>
-                        <a:buFont typeface="Arial"/>
-                        <a:buNone/>
-                      </a:pPr>
-                      <a:r>
-                        <a:t/>
-                      </a:r>
-                      <a:endParaRPr sz="1800" u="none" cap="none" strike="noStrike"/>
-                    </a:p>
-                  </a:txBody>
-                  <a:tcPr marT="45725" marB="45725" marR="91450" marL="91450">
-                    <a:lnR cap="flat" cmpd="sng" w="12700">
-                      <a:solidFill>
-                        <a:schemeClr val="dk1"/>
-                      </a:solidFill>
-                      <a:prstDash val="solid"/>
-                      <a:round/>
-                      <a:headEnd len="sm" w="sm" type="none"/>
-                      <a:tailEnd len="sm" w="sm" type="none"/>
-                    </a:lnR>
-                    <a:lnT cap="flat" cmpd="sng" w="12700">
-                      <a:solidFill>
-                        <a:schemeClr val="dk1"/>
-                      </a:solidFill>
-                      <a:prstDash val="solid"/>
-                      <a:round/>
-                      <a:headEnd len="sm" w="sm" type="none"/>
-                      <a:tailEnd len="sm" w="sm" type="none"/>
-                    </a:lnT>
-                    <a:lnB cap="flat" cmpd="sng" w="12700">
-                      <a:solidFill>
-                        <a:schemeClr val="dk1"/>
-                      </a:solidFill>
-                      <a:prstDash val="solid"/>
-                      <a:round/>
-                      <a:headEnd len="sm" w="sm" type="none"/>
-                      <a:tailEnd len="sm" w="sm" type="none"/>
-                    </a:lnB>
-                  </a:tcPr>
-                </a:tc>
-              </a:tr>
-              <a:tr h="3067475">
-                <a:tc>
-                  <a:txBody>
-                    <a:bodyPr/>
-                    <a:lstStyle/>
-                    <a:p>
-                      <a:pPr indent="0" lvl="0" marL="0" marR="0" rtl="0" algn="ctr">
-                        <a:lnSpc>
-                          <a:spcPct val="100000"/>
-                        </a:lnSpc>
-                        <a:spcBef>
-                          <a:spcPts val="0"/>
-                        </a:spcBef>
-                        <a:spcAft>
-                          <a:spcPts val="0"/>
-                        </a:spcAft>
-                        <a:buClr>
-                          <a:srgbClr val="000000"/>
-                        </a:buClr>
-                        <a:buSzPts val="1800"/>
-                        <a:buFont typeface="Arial"/>
-                        <a:buNone/>
-                      </a:pPr>
-                      <a:r>
-                        <a:rPr lang="es-VE" sz="1800" u="none" cap="none" strike="noStrike"/>
-                        <a:t>&lt;Sprint </a:t>
-                      </a:r>
-                      <a:r>
-                        <a:rPr lang="es-VE" sz="1800"/>
-                        <a:t>6</a:t>
-                      </a:r>
-                      <a:r>
-                        <a:rPr lang="es-VE" sz="1800" u="none" cap="none" strike="noStrike"/>
-                        <a:t>&gt;</a:t>
-                      </a:r>
-                      <a:endParaRPr sz="1800" u="none" cap="none" strike="noStrike"/>
-                    </a:p>
-                  </a:txBody>
-                  <a:tcPr marT="45725" marB="45725" marR="91450" marL="91450" anchor="ctr">
-                    <a:lnL cap="flat" cmpd="sng" w="12700">
-                      <a:solidFill>
-                        <a:schemeClr val="dk1"/>
-                      </a:solidFill>
-                      <a:prstDash val="solid"/>
-                      <a:round/>
-                      <a:headEnd len="sm" w="sm" type="none"/>
-                      <a:tailEnd len="sm" w="sm" type="none"/>
-                    </a:lnL>
-                    <a:lnR cap="flat" cmpd="sng" w="12700">
-                      <a:solidFill>
-                        <a:schemeClr val="dk1"/>
-                      </a:solidFill>
-                      <a:prstDash val="solid"/>
-                      <a:round/>
-                      <a:headEnd len="sm" w="sm" type="none"/>
-                      <a:tailEnd len="sm" w="sm" type="none"/>
-                    </a:lnR>
-                    <a:lnT cap="flat" cmpd="sng" w="12700">
-                      <a:solidFill>
-                        <a:schemeClr val="dk1"/>
-                      </a:solidFill>
-                      <a:prstDash val="solid"/>
-                      <a:round/>
-                      <a:headEnd len="sm" w="sm" type="none"/>
-                      <a:tailEnd len="sm" w="sm" type="none"/>
-                    </a:lnT>
-                    <a:lnB cap="flat" cmpd="sng" w="12700">
-                      <a:solidFill>
-                        <a:schemeClr val="dk1"/>
-                      </a:solidFill>
-                      <a:prstDash val="solid"/>
-                      <a:round/>
-                      <a:headEnd len="sm" w="sm" type="none"/>
-                      <a:tailEnd len="sm" w="sm" type="none"/>
-                    </a:lnB>
-                  </a:tcPr>
-                </a:tc>
-                <a:tc>
-                  <a:txBody>
-                    <a:bodyPr/>
-                    <a:lstStyle/>
-                    <a:p>
-                      <a:pPr indent="0" lvl="0" marL="0" marR="0" rtl="0" algn="ctr">
-                        <a:lnSpc>
-                          <a:spcPct val="100000"/>
-                        </a:lnSpc>
-                        <a:spcBef>
-                          <a:spcPts val="0"/>
-                        </a:spcBef>
-                        <a:spcAft>
-                          <a:spcPts val="0"/>
-                        </a:spcAft>
-                        <a:buClr>
-                          <a:srgbClr val="000000"/>
-                        </a:buClr>
-                        <a:buSzPts val="1800"/>
-                        <a:buFont typeface="Arial"/>
-                        <a:buNone/>
-                      </a:pPr>
-                      <a:r>
-                        <a:t/>
+                        <a:t>Corregir bugs 5º Sprint</a:t>
                       </a:r>
                       <a:endParaRPr sz="1800" u="none" cap="none" strike="noStrike">
                         <a:solidFill>
@@ -24259,15 +26284,7 @@
                       <a:r>
                         <a:t/>
                       </a:r>
-                      <a:endParaRPr sz="1800" u="none" cap="none" strike="noStrike">
-                        <a:solidFill>
-                          <a:schemeClr val="dk1"/>
-                        </a:solidFill>
-                        <a:latin typeface="Corbel"/>
-                        <a:ea typeface="Corbel"/>
-                        <a:cs typeface="Corbel"/>
-                        <a:sym typeface="Corbel"/>
-                      </a:endParaRPr>
+                      <a:endParaRPr sz="1800"/>
                     </a:p>
                   </a:txBody>
                   <a:tcPr marT="45725" marB="45725" marR="91450" marL="91450">
@@ -24421,14 +26438,14 @@
       </p:graphicFrame>
       <p:sp>
         <p:nvSpPr>
-          <p:cNvPr id="145" name="Google Shape;145;g8801683ef4_0_0"/>
+          <p:cNvPr id="165" name="Google Shape;165;g88698e8101_0_0"/>
           <p:cNvSpPr/>
           <p:nvPr/>
         </p:nvSpPr>
         <p:spPr>
           <a:xfrm>
-            <a:off x="2478800" y="2562850"/>
-            <a:ext cx="2247000" cy="1514400"/>
+            <a:off x="5229325" y="2671800"/>
+            <a:ext cx="2147700" cy="1514400"/>
           </a:xfrm>
           <a:prstGeom prst="homePlate">
             <a:avLst>
@@ -24436,11 +26453,11 @@
             </a:avLst>
           </a:prstGeom>
           <a:solidFill>
-            <a:srgbClr val="F1C232"/>
+            <a:srgbClr val="CCD2D2"/>
           </a:solidFill>
           <a:ln cap="flat" cmpd="sng" w="12700">
             <a:solidFill>
-              <a:srgbClr val="F1C232"/>
+              <a:schemeClr val="dk1"/>
             </a:solidFill>
             <a:prstDash val="solid"/>
             <a:miter lim="800000"/>
@@ -24478,9 +26495,12 @@
                 <a:cs typeface="Corbel"/>
                 <a:sym typeface="Corbel"/>
               </a:rPr>
-              <a:t>Dar funcionalidad al login del usuario y dar acceso al perfil y reuniones</a:t>
+              <a:t>Al pulsar Reuniones, aparece la lista de las asignaturas matriculadas</a:t>
             </a:r>
             <a:endParaRPr b="0" i="0" sz="1600" u="none" cap="none" strike="noStrike">
+              <a:solidFill>
+                <a:srgbClr val="000000"/>
+              </a:solidFill>
               <a:latin typeface="Corbel"/>
               <a:ea typeface="Corbel"/>
               <a:cs typeface="Corbel"/>
@@ -24491,14 +26511,14 @@
       </p:sp>
       <p:sp>
         <p:nvSpPr>
-          <p:cNvPr id="146" name="Google Shape;146;g8801683ef4_0_0"/>
+          <p:cNvPr id="166" name="Google Shape;166;g88698e8101_0_0"/>
           <p:cNvSpPr/>
           <p:nvPr/>
         </p:nvSpPr>
         <p:spPr>
           <a:xfrm>
-            <a:off x="2478800" y="6659700"/>
-            <a:ext cx="2351400" cy="1130400"/>
+            <a:off x="7821200" y="4993475"/>
+            <a:ext cx="4099800" cy="1514400"/>
           </a:xfrm>
           <a:prstGeom prst="homePlate">
             <a:avLst>
@@ -24506,11 +26526,11 @@
             </a:avLst>
           </a:prstGeom>
           <a:solidFill>
-            <a:srgbClr val="CCCCCC"/>
+            <a:srgbClr val="CCD2D2"/>
           </a:solidFill>
           <a:ln cap="flat" cmpd="sng" w="12700">
             <a:solidFill>
-              <a:srgbClr val="666666"/>
+              <a:schemeClr val="dk1"/>
             </a:solidFill>
             <a:prstDash val="solid"/>
             <a:miter lim="800000"/>
@@ -24542,11 +26562,26 @@
               <a:buNone/>
             </a:pPr>
             <a:r>
-              <a:t/>
+              <a:rPr lang="es-VE" sz="1600">
+                <a:latin typeface="Corbel"/>
+                <a:ea typeface="Corbel"/>
+                <a:cs typeface="Corbel"/>
+                <a:sym typeface="Corbel"/>
+              </a:rPr>
+              <a:t>Crear funcionalidad para que el profesor pueda eliminar la solicitud de </a:t>
+            </a:r>
+            <a:r>
+              <a:rPr lang="es-VE" sz="1600">
+                <a:latin typeface="Corbel"/>
+                <a:ea typeface="Corbel"/>
+                <a:cs typeface="Corbel"/>
+                <a:sym typeface="Corbel"/>
+              </a:rPr>
+              <a:t>reunión</a:t>
             </a:r>
             <a:endParaRPr b="0" i="0" sz="1600" u="none" cap="none" strike="noStrike">
               <a:solidFill>
-                <a:schemeClr val="dk1"/>
+                <a:srgbClr val="000000"/>
               </a:solidFill>
               <a:latin typeface="Corbel"/>
               <a:ea typeface="Corbel"/>
@@ -24558,13 +26593,265 @@
       </p:sp>
       <p:sp>
         <p:nvSpPr>
-          <p:cNvPr id="147" name="Google Shape;147;g8801683ef4_0_0"/>
+          <p:cNvPr id="167" name="Google Shape;167;g88698e8101_0_0"/>
           <p:cNvSpPr/>
           <p:nvPr/>
         </p:nvSpPr>
         <p:spPr>
           <a:xfrm>
-            <a:off x="5146713" y="743650"/>
+            <a:off x="10044300" y="3058625"/>
+            <a:ext cx="2147700" cy="1514400"/>
+          </a:xfrm>
+          <a:prstGeom prst="homePlate">
+            <a:avLst>
+              <a:gd fmla="val 50000" name="adj"/>
+            </a:avLst>
+          </a:prstGeom>
+          <a:solidFill>
+            <a:srgbClr val="CCD2D2"/>
+          </a:solidFill>
+          <a:ln cap="flat" cmpd="sng" w="12700">
+            <a:solidFill>
+              <a:schemeClr val="dk1"/>
+            </a:solidFill>
+            <a:prstDash val="solid"/>
+            <a:miter lim="800000"/>
+            <a:headEnd len="sm" w="sm" type="none"/>
+            <a:tailEnd len="sm" w="sm" type="none"/>
+          </a:ln>
+        </p:spPr>
+        <p:txBody>
+          <a:bodyPr anchorCtr="0" anchor="ctr" bIns="45700" lIns="91425" spcFirstLastPara="1" rIns="91425" wrap="square" tIns="45700">
+            <a:noAutofit/>
+          </a:bodyPr>
+          <a:lstStyle/>
+          <a:p>
+            <a:pPr indent="0" lvl="0" marL="0" marR="0" rtl="0" algn="ctr">
+              <a:lnSpc>
+                <a:spcPct val="100000"/>
+              </a:lnSpc>
+              <a:spcBef>
+                <a:spcPts val="0"/>
+              </a:spcBef>
+              <a:spcAft>
+                <a:spcPts val="0"/>
+              </a:spcAft>
+              <a:buClr>
+                <a:srgbClr val="000000"/>
+              </a:buClr>
+              <a:buSzPts val="1600"/>
+              <a:buFont typeface="Arial"/>
+              <a:buNone/>
+            </a:pPr>
+            <a:r>
+              <a:rPr b="0" i="0" lang="es-VE" sz="1600" u="none" cap="none" strike="noStrike">
+                <a:solidFill>
+                  <a:srgbClr val="000000"/>
+                </a:solidFill>
+                <a:latin typeface="Corbel"/>
+                <a:ea typeface="Corbel"/>
+                <a:cs typeface="Corbel"/>
+                <a:sym typeface="Corbel"/>
+              </a:rPr>
+              <a:t>Comprimir codigo, revisar documentación y subir todo a Git</a:t>
+            </a:r>
+            <a:endParaRPr b="0" i="0" sz="1600" u="none" cap="none" strike="noStrike">
+              <a:solidFill>
+                <a:srgbClr val="000000"/>
+              </a:solidFill>
+              <a:latin typeface="Corbel"/>
+              <a:ea typeface="Corbel"/>
+              <a:cs typeface="Corbel"/>
+              <a:sym typeface="Corbel"/>
+            </a:endParaRPr>
+          </a:p>
+        </p:txBody>
+      </p:sp>
+      <p:sp>
+        <p:nvSpPr>
+          <p:cNvPr id="168" name="Google Shape;168;g88698e8101_0_0"/>
+          <p:cNvSpPr/>
+          <p:nvPr/>
+        </p:nvSpPr>
+        <p:spPr>
+          <a:xfrm>
+            <a:off x="7821200" y="1048450"/>
+            <a:ext cx="4099800" cy="1682700"/>
+          </a:xfrm>
+          <a:prstGeom prst="homePlate">
+            <a:avLst>
+              <a:gd fmla="val 50000" name="adj"/>
+            </a:avLst>
+          </a:prstGeom>
+          <a:solidFill>
+            <a:srgbClr val="CCD2D2"/>
+          </a:solidFill>
+          <a:ln cap="flat" cmpd="sng" w="12700">
+            <a:solidFill>
+              <a:schemeClr val="dk1"/>
+            </a:solidFill>
+            <a:prstDash val="solid"/>
+            <a:miter lim="800000"/>
+            <a:headEnd len="sm" w="sm" type="none"/>
+            <a:tailEnd len="sm" w="sm" type="none"/>
+          </a:ln>
+        </p:spPr>
+        <p:txBody>
+          <a:bodyPr anchorCtr="0" anchor="ctr" bIns="45700" lIns="91425" spcFirstLastPara="1" rIns="91425" wrap="square" tIns="45700">
+            <a:noAutofit/>
+          </a:bodyPr>
+          <a:lstStyle/>
+          <a:p>
+            <a:pPr indent="0" lvl="0" marL="0" marR="0" rtl="0" algn="ctr">
+              <a:lnSpc>
+                <a:spcPct val="100000"/>
+              </a:lnSpc>
+              <a:spcBef>
+                <a:spcPts val="0"/>
+              </a:spcBef>
+              <a:spcAft>
+                <a:spcPts val="0"/>
+              </a:spcAft>
+              <a:buClr>
+                <a:srgbClr val="000000"/>
+              </a:buClr>
+              <a:buSzPts val="1600"/>
+              <a:buFont typeface="Arial"/>
+              <a:buNone/>
+            </a:pPr>
+            <a:r>
+              <a:rPr lang="es-VE" sz="1600">
+                <a:latin typeface="Corbel"/>
+                <a:ea typeface="Corbel"/>
+                <a:cs typeface="Corbel"/>
+                <a:sym typeface="Corbel"/>
+              </a:rPr>
+              <a:t>Al pulsar Asignaturas, abrir lista ordenada por fecha y hora de los grupos que han solicitado reunión de la </a:t>
+            </a:r>
+            <a:r>
+              <a:rPr lang="es-VE" sz="1600">
+                <a:latin typeface="Corbel"/>
+                <a:ea typeface="Corbel"/>
+                <a:cs typeface="Corbel"/>
+                <a:sym typeface="Corbel"/>
+              </a:rPr>
+              <a:t>asignatura</a:t>
+            </a:r>
+            <a:r>
+              <a:rPr lang="es-VE" sz="1600">
+                <a:latin typeface="Corbel"/>
+                <a:ea typeface="Corbel"/>
+                <a:cs typeface="Corbel"/>
+                <a:sym typeface="Corbel"/>
+              </a:rPr>
+              <a:t> seleccionada</a:t>
+            </a:r>
+            <a:endParaRPr b="0" i="0" sz="1600" u="none" cap="none" strike="noStrike">
+              <a:solidFill>
+                <a:srgbClr val="000000"/>
+              </a:solidFill>
+              <a:latin typeface="Corbel"/>
+              <a:ea typeface="Corbel"/>
+              <a:cs typeface="Corbel"/>
+              <a:sym typeface="Corbel"/>
+            </a:endParaRPr>
+          </a:p>
+        </p:txBody>
+      </p:sp>
+      <p:sp>
+        <p:nvSpPr>
+          <p:cNvPr id="169" name="Google Shape;169;g88698e8101_0_0"/>
+          <p:cNvSpPr/>
+          <p:nvPr/>
+        </p:nvSpPr>
+        <p:spPr>
+          <a:xfrm>
+            <a:off x="2822975" y="2671800"/>
+            <a:ext cx="2247000" cy="1514400"/>
+          </a:xfrm>
+          <a:prstGeom prst="homePlate">
+            <a:avLst>
+              <a:gd fmla="val 50000" name="adj"/>
+            </a:avLst>
+          </a:prstGeom>
+          <a:solidFill>
+            <a:srgbClr val="CCD2D2"/>
+          </a:solidFill>
+          <a:ln cap="flat" cmpd="sng" w="12700">
+            <a:solidFill>
+              <a:schemeClr val="dk1"/>
+            </a:solidFill>
+            <a:prstDash val="solid"/>
+            <a:miter lim="800000"/>
+            <a:headEnd len="sm" w="sm" type="none"/>
+            <a:tailEnd len="sm" w="sm" type="none"/>
+          </a:ln>
+        </p:spPr>
+        <p:txBody>
+          <a:bodyPr anchorCtr="0" anchor="ctr" bIns="45700" lIns="91425" spcFirstLastPara="1" rIns="91425" wrap="square" tIns="45700">
+            <a:noAutofit/>
+          </a:bodyPr>
+          <a:lstStyle/>
+          <a:p>
+            <a:pPr indent="0" lvl="0" marL="0" marR="0" rtl="0" algn="ctr">
+              <a:lnSpc>
+                <a:spcPct val="100000"/>
+              </a:lnSpc>
+              <a:spcBef>
+                <a:spcPts val="0"/>
+              </a:spcBef>
+              <a:spcAft>
+                <a:spcPts val="0"/>
+              </a:spcAft>
+              <a:buClr>
+                <a:srgbClr val="000000"/>
+              </a:buClr>
+              <a:buSzPts val="1600"/>
+              <a:buFont typeface="Arial"/>
+              <a:buNone/>
+            </a:pPr>
+            <a:r>
+              <a:rPr b="0" i="0" lang="es-VE" sz="1600" u="none" cap="none" strike="noStrike">
+                <a:solidFill>
+                  <a:srgbClr val="000000"/>
+                </a:solidFill>
+                <a:latin typeface="Corbel"/>
+                <a:ea typeface="Corbel"/>
+                <a:cs typeface="Corbel"/>
+                <a:sym typeface="Corbel"/>
+              </a:rPr>
+              <a:t>Crear </a:t>
+            </a:r>
+            <a:r>
+              <a:rPr lang="es-VE" sz="1600">
+                <a:latin typeface="Corbel"/>
+                <a:ea typeface="Corbel"/>
+                <a:cs typeface="Corbel"/>
+                <a:sym typeface="Corbel"/>
+              </a:rPr>
+              <a:t>funcionalidad en Reuniones cuando el usuario es un profesor</a:t>
+            </a:r>
+            <a:endParaRPr b="0" i="0" sz="1600" u="none" cap="none" strike="noStrike">
+              <a:solidFill>
+                <a:srgbClr val="000000"/>
+              </a:solidFill>
+              <a:latin typeface="Corbel"/>
+              <a:ea typeface="Corbel"/>
+              <a:cs typeface="Corbel"/>
+              <a:sym typeface="Corbel"/>
+            </a:endParaRPr>
+          </a:p>
+        </p:txBody>
+      </p:sp>
+      <p:sp>
+        <p:nvSpPr>
+          <p:cNvPr id="170" name="Google Shape;170;g88698e8101_0_0"/>
+          <p:cNvSpPr/>
+          <p:nvPr/>
+        </p:nvSpPr>
+        <p:spPr>
+          <a:xfrm>
+            <a:off x="1454300" y="4894325"/>
             <a:ext cx="2147700" cy="1514400"/>
           </a:xfrm>
           <a:prstGeom prst="homePlate">
@@ -24609,15 +26896,30 @@
               <a:buNone/>
             </a:pPr>
             <a:r>
+              <a:rPr b="0" i="0" lang="es-VE" sz="1600" u="none" cap="none" strike="noStrike">
+                <a:solidFill>
+                  <a:srgbClr val="000000"/>
+                </a:solidFill>
+                <a:latin typeface="Corbel"/>
+                <a:ea typeface="Corbel"/>
+                <a:cs typeface="Corbel"/>
+                <a:sym typeface="Corbel"/>
+              </a:rPr>
+              <a:t>Crear un popup para confirmar o no, la cancelación de la reunión </a:t>
+            </a:r>
+            <a:r>
               <a:rPr lang="es-VE" sz="1600">
                 <a:latin typeface="Corbel"/>
                 <a:ea typeface="Corbel"/>
                 <a:cs typeface="Corbel"/>
                 <a:sym typeface="Corbel"/>
               </a:rPr>
-              <a:t>Solicitar una reunión al pulsar una asignatura</a:t>
+              <a:t>(5º Sprint)</a:t>
             </a:r>
             <a:endParaRPr b="0" i="0" sz="1600" u="none" cap="none" strike="noStrike">
+              <a:solidFill>
+                <a:srgbClr val="000000"/>
+              </a:solidFill>
               <a:latin typeface="Corbel"/>
               <a:ea typeface="Corbel"/>
               <a:cs typeface="Corbel"/>
@@ -24628,13 +26930,13 @@
       </p:sp>
       <p:sp>
         <p:nvSpPr>
-          <p:cNvPr id="148" name="Google Shape;148;g8801683ef4_0_0"/>
+          <p:cNvPr id="171" name="Google Shape;171;g88698e8101_0_0"/>
           <p:cNvSpPr/>
           <p:nvPr/>
         </p:nvSpPr>
         <p:spPr>
           <a:xfrm>
-            <a:off x="5173338" y="2562850"/>
+            <a:off x="1454300" y="877275"/>
             <a:ext cx="2147700" cy="1514400"/>
           </a:xfrm>
           <a:prstGeom prst="homePlate">
@@ -24643,11 +26945,11 @@
             </a:avLst>
           </a:prstGeom>
           <a:solidFill>
-            <a:srgbClr val="F1C232"/>
+            <a:srgbClr val="CCD2D2"/>
           </a:solidFill>
           <a:ln cap="flat" cmpd="sng" w="12700">
             <a:solidFill>
-              <a:srgbClr val="F1C232"/>
+              <a:schemeClr val="dk1"/>
             </a:solidFill>
             <a:prstDash val="solid"/>
             <a:miter lim="800000"/>
@@ -24679,13 +26981,16 @@
               <a:buNone/>
             </a:pPr>
             <a:r>
-              <a:rPr lang="es-VE" sz="1600">
+              <a:rPr b="0" i="0" lang="es-VE" sz="1600" u="none" cap="none" strike="noStrike">
+                <a:solidFill>
+                  <a:srgbClr val="000000"/>
+                </a:solidFill>
                 <a:latin typeface="Corbel"/>
                 <a:ea typeface="Corbel"/>
                 <a:cs typeface="Corbel"/>
                 <a:sym typeface="Corbel"/>
               </a:rPr>
-              <a:t>Poner en verde la asignatura confirmada para </a:t>
+              <a:t>Co</a:t>
             </a:r>
             <a:r>
               <a:rPr lang="es-VE" sz="1600">
@@ -24694,541 +26999,12 @@
                 <a:cs typeface="Corbel"/>
                 <a:sym typeface="Corbel"/>
               </a:rPr>
-              <a:t>reunión</a:t>
+              <a:t>rregir los bugs que han ido surgiendo durante este Sprint</a:t>
             </a:r>
             <a:endParaRPr b="0" i="0" sz="1600" u="none" cap="none" strike="noStrike">
-              <a:latin typeface="Corbel"/>
-              <a:ea typeface="Corbel"/>
-              <a:cs typeface="Corbel"/>
-              <a:sym typeface="Corbel"/>
-            </a:endParaRPr>
-          </a:p>
-        </p:txBody>
-      </p:sp>
-      <p:sp>
-        <p:nvSpPr>
-          <p:cNvPr id="149" name="Google Shape;149;g8801683ef4_0_0"/>
-          <p:cNvSpPr/>
-          <p:nvPr/>
-        </p:nvSpPr>
-        <p:spPr>
-          <a:xfrm>
-            <a:off x="7715475" y="2562850"/>
-            <a:ext cx="2147700" cy="1514400"/>
-          </a:xfrm>
-          <a:prstGeom prst="homePlate">
-            <a:avLst>
-              <a:gd fmla="val 50000" name="adj"/>
-            </a:avLst>
-          </a:prstGeom>
-          <a:solidFill>
-            <a:srgbClr val="F1C232"/>
-          </a:solidFill>
-          <a:ln cap="flat" cmpd="sng" w="12700">
-            <a:solidFill>
-              <a:srgbClr val="F1C232"/>
-            </a:solidFill>
-            <a:prstDash val="solid"/>
-            <a:miter lim="800000"/>
-            <a:headEnd len="sm" w="sm" type="none"/>
-            <a:tailEnd len="sm" w="sm" type="none"/>
-          </a:ln>
-        </p:spPr>
-        <p:txBody>
-          <a:bodyPr anchorCtr="0" anchor="ctr" bIns="45700" lIns="91425" spcFirstLastPara="1" rIns="91425" wrap="square" tIns="45700">
-            <a:noAutofit/>
-          </a:bodyPr>
-          <a:lstStyle/>
-          <a:p>
-            <a:pPr indent="0" lvl="0" marL="0" marR="0" rtl="0" algn="ctr">
-              <a:lnSpc>
-                <a:spcPct val="100000"/>
-              </a:lnSpc>
-              <a:spcBef>
-                <a:spcPts val="0"/>
-              </a:spcBef>
-              <a:spcAft>
-                <a:spcPts val="0"/>
-              </a:spcAft>
-              <a:buClr>
+              <a:solidFill>
                 <a:srgbClr val="000000"/>
-              </a:buClr>
-              <a:buSzPts val="1600"/>
-              <a:buFont typeface="Arial"/>
-              <a:buNone/>
-            </a:pPr>
-            <a:r>
-              <a:rPr lang="es-VE" sz="1600">
-                <a:latin typeface="Corbel"/>
-                <a:ea typeface="Corbel"/>
-                <a:cs typeface="Corbel"/>
-                <a:sym typeface="Corbel"/>
-              </a:rPr>
-              <a:t>Dar funcionalidad para permitir cancelar reuniones</a:t>
-            </a:r>
-            <a:endParaRPr b="0" i="0" sz="1600" u="none" cap="none" strike="noStrike">
-              <a:latin typeface="Corbel"/>
-              <a:ea typeface="Corbel"/>
-              <a:cs typeface="Corbel"/>
-              <a:sym typeface="Corbel"/>
-            </a:endParaRPr>
-          </a:p>
-        </p:txBody>
-      </p:sp>
-      <p:sp>
-        <p:nvSpPr>
-          <p:cNvPr id="150" name="Google Shape;150;g8801683ef4_0_0"/>
-          <p:cNvSpPr/>
-          <p:nvPr/>
-        </p:nvSpPr>
-        <p:spPr>
-          <a:xfrm>
-            <a:off x="7715475" y="743650"/>
-            <a:ext cx="2147700" cy="1514400"/>
-          </a:xfrm>
-          <a:prstGeom prst="homePlate">
-            <a:avLst>
-              <a:gd fmla="val 50000" name="adj"/>
-            </a:avLst>
-          </a:prstGeom>
-          <a:solidFill>
-            <a:srgbClr val="F1C232"/>
-          </a:solidFill>
-          <a:ln cap="flat" cmpd="sng" w="12700">
-            <a:solidFill>
-              <a:srgbClr val="F1C232"/>
-            </a:solidFill>
-            <a:prstDash val="solid"/>
-            <a:miter lim="800000"/>
-            <a:headEnd len="sm" w="sm" type="none"/>
-            <a:tailEnd len="sm" w="sm" type="none"/>
-          </a:ln>
-        </p:spPr>
-        <p:txBody>
-          <a:bodyPr anchorCtr="0" anchor="ctr" bIns="45700" lIns="91425" spcFirstLastPara="1" rIns="91425" wrap="square" tIns="45700">
-            <a:noAutofit/>
-          </a:bodyPr>
-          <a:lstStyle/>
-          <a:p>
-            <a:pPr indent="0" lvl="0" marL="0" marR="0" rtl="0" algn="ctr">
-              <a:lnSpc>
-                <a:spcPct val="100000"/>
-              </a:lnSpc>
-              <a:spcBef>
-                <a:spcPts val="0"/>
-              </a:spcBef>
-              <a:spcAft>
-                <a:spcPts val="0"/>
-              </a:spcAft>
-              <a:buClr>
-                <a:srgbClr val="000000"/>
-              </a:buClr>
-              <a:buSzPts val="1600"/>
-              <a:buFont typeface="Arial"/>
-              <a:buNone/>
-            </a:pPr>
-            <a:r>
-              <a:rPr lang="es-VE" sz="1600">
-                <a:latin typeface="Corbel"/>
-                <a:ea typeface="Corbel"/>
-                <a:cs typeface="Corbel"/>
-                <a:sym typeface="Corbel"/>
-              </a:rPr>
-              <a:t>Dar funcionalidad para que no se sobreescriban las reuniones solicitadas</a:t>
-            </a:r>
-            <a:endParaRPr b="0" i="0" sz="1600" u="none" cap="none" strike="noStrike">
-              <a:latin typeface="Corbel"/>
-              <a:ea typeface="Corbel"/>
-              <a:cs typeface="Corbel"/>
-              <a:sym typeface="Corbel"/>
-            </a:endParaRPr>
-          </a:p>
-        </p:txBody>
-      </p:sp>
-      <p:sp>
-        <p:nvSpPr>
-          <p:cNvPr id="151" name="Google Shape;151;g8801683ef4_0_0"/>
-          <p:cNvSpPr/>
-          <p:nvPr/>
-        </p:nvSpPr>
-        <p:spPr>
-          <a:xfrm>
-            <a:off x="10044325" y="2562850"/>
-            <a:ext cx="2147700" cy="1514400"/>
-          </a:xfrm>
-          <a:prstGeom prst="homePlate">
-            <a:avLst>
-              <a:gd fmla="val 50000" name="adj"/>
-            </a:avLst>
-          </a:prstGeom>
-          <a:solidFill>
-            <a:srgbClr val="F1C232"/>
-          </a:solidFill>
-          <a:ln cap="flat" cmpd="sng" w="12700">
-            <a:solidFill>
-              <a:srgbClr val="F1C232"/>
-            </a:solidFill>
-            <a:prstDash val="solid"/>
-            <a:miter lim="800000"/>
-            <a:headEnd len="sm" w="sm" type="none"/>
-            <a:tailEnd len="sm" w="sm" type="none"/>
-          </a:ln>
-        </p:spPr>
-        <p:txBody>
-          <a:bodyPr anchorCtr="0" anchor="ctr" bIns="45700" lIns="91425" spcFirstLastPara="1" rIns="91425" wrap="square" tIns="45700">
-            <a:noAutofit/>
-          </a:bodyPr>
-          <a:lstStyle/>
-          <a:p>
-            <a:pPr indent="0" lvl="0" marL="0" marR="0" rtl="0" algn="ctr">
-              <a:lnSpc>
-                <a:spcPct val="100000"/>
-              </a:lnSpc>
-              <a:spcBef>
-                <a:spcPts val="0"/>
-              </a:spcBef>
-              <a:spcAft>
-                <a:spcPts val="0"/>
-              </a:spcAft>
-              <a:buClr>
-                <a:srgbClr val="000000"/>
-              </a:buClr>
-              <a:buSzPts val="1600"/>
-              <a:buFont typeface="Arial"/>
-              <a:buNone/>
-            </a:pPr>
-            <a:r>
-              <a:rPr lang="es-VE" sz="1600">
-                <a:latin typeface="Corbel"/>
-                <a:ea typeface="Corbel"/>
-                <a:cs typeface="Corbel"/>
-                <a:sym typeface="Corbel"/>
-              </a:rPr>
-              <a:t>Comprimir codigo, revisar documentación y subir todo a Git</a:t>
-            </a:r>
-            <a:endParaRPr b="0" i="0" sz="1600" u="none" cap="none" strike="noStrike">
-              <a:latin typeface="Corbel"/>
-              <a:ea typeface="Corbel"/>
-              <a:cs typeface="Corbel"/>
-              <a:sym typeface="Corbel"/>
-            </a:endParaRPr>
-          </a:p>
-        </p:txBody>
-      </p:sp>
-      <p:sp>
-        <p:nvSpPr>
-          <p:cNvPr id="152" name="Google Shape;152;g8801683ef4_0_0"/>
-          <p:cNvSpPr/>
-          <p:nvPr/>
-        </p:nvSpPr>
-        <p:spPr>
-          <a:xfrm>
-            <a:off x="2478800" y="4382050"/>
-            <a:ext cx="2247000" cy="1514400"/>
-          </a:xfrm>
-          <a:prstGeom prst="homePlate">
-            <a:avLst>
-              <a:gd fmla="val 50000" name="adj"/>
-            </a:avLst>
-          </a:prstGeom>
-          <a:solidFill>
-            <a:srgbClr val="F1C232"/>
-          </a:solidFill>
-          <a:ln cap="flat" cmpd="sng" w="12700">
-            <a:solidFill>
-              <a:srgbClr val="F1C232"/>
-            </a:solidFill>
-            <a:prstDash val="solid"/>
-            <a:miter lim="800000"/>
-            <a:headEnd len="sm" w="sm" type="none"/>
-            <a:tailEnd len="sm" w="sm" type="none"/>
-          </a:ln>
-        </p:spPr>
-        <p:txBody>
-          <a:bodyPr anchorCtr="0" anchor="ctr" bIns="45700" lIns="91425" spcFirstLastPara="1" rIns="91425" wrap="square" tIns="45700">
-            <a:noAutofit/>
-          </a:bodyPr>
-          <a:lstStyle/>
-          <a:p>
-            <a:pPr indent="0" lvl="0" marL="0" marR="0" rtl="0" algn="ctr">
-              <a:lnSpc>
-                <a:spcPct val="100000"/>
-              </a:lnSpc>
-              <a:spcBef>
-                <a:spcPts val="0"/>
-              </a:spcBef>
-              <a:spcAft>
-                <a:spcPts val="0"/>
-              </a:spcAft>
-              <a:buClr>
-                <a:srgbClr val="000000"/>
-              </a:buClr>
-              <a:buSzPts val="1600"/>
-              <a:buFont typeface="Arial"/>
-              <a:buNone/>
-            </a:pPr>
-            <a:r>
-              <a:rPr lang="es-VE" sz="1600">
-                <a:latin typeface="Corbel"/>
-                <a:ea typeface="Corbel"/>
-                <a:cs typeface="Corbel"/>
-                <a:sym typeface="Corbel"/>
-              </a:rPr>
-              <a:t>Crear lista de asignaturas matriculadas del usuario al pulsar </a:t>
-            </a:r>
-            <a:r>
-              <a:rPr lang="es-VE" sz="1600">
-                <a:latin typeface="Corbel"/>
-                <a:ea typeface="Corbel"/>
-                <a:cs typeface="Corbel"/>
-                <a:sym typeface="Corbel"/>
-              </a:rPr>
-              <a:t>botón</a:t>
-            </a:r>
-            <a:r>
-              <a:rPr lang="es-VE" sz="1600">
-                <a:latin typeface="Corbel"/>
-                <a:ea typeface="Corbel"/>
-                <a:cs typeface="Corbel"/>
-                <a:sym typeface="Corbel"/>
-              </a:rPr>
-              <a:t> Reuniones</a:t>
-            </a:r>
-            <a:endParaRPr b="0" i="0" sz="1600" u="none" cap="none" strike="noStrike">
-              <a:latin typeface="Corbel"/>
-              <a:ea typeface="Corbel"/>
-              <a:cs typeface="Corbel"/>
-              <a:sym typeface="Corbel"/>
-            </a:endParaRPr>
-          </a:p>
-        </p:txBody>
-      </p:sp>
-      <p:sp>
-        <p:nvSpPr>
-          <p:cNvPr id="153" name="Google Shape;153;g8801683ef4_0_0"/>
-          <p:cNvSpPr/>
-          <p:nvPr/>
-        </p:nvSpPr>
-        <p:spPr>
-          <a:xfrm>
-            <a:off x="5173350" y="4382050"/>
-            <a:ext cx="2147700" cy="1514400"/>
-          </a:xfrm>
-          <a:prstGeom prst="homePlate">
-            <a:avLst>
-              <a:gd fmla="val 50000" name="adj"/>
-            </a:avLst>
-          </a:prstGeom>
-          <a:solidFill>
-            <a:srgbClr val="F1C232"/>
-          </a:solidFill>
-          <a:ln cap="flat" cmpd="sng" w="12700">
-            <a:solidFill>
-              <a:srgbClr val="F1C232"/>
-            </a:solidFill>
-            <a:prstDash val="solid"/>
-            <a:miter lim="800000"/>
-            <a:headEnd len="sm" w="sm" type="none"/>
-            <a:tailEnd len="sm" w="sm" type="none"/>
-          </a:ln>
-        </p:spPr>
-        <p:txBody>
-          <a:bodyPr anchorCtr="0" anchor="ctr" bIns="45700" lIns="91425" spcFirstLastPara="1" rIns="91425" wrap="square" tIns="45700">
-            <a:noAutofit/>
-          </a:bodyPr>
-          <a:lstStyle/>
-          <a:p>
-            <a:pPr indent="0" lvl="0" marL="0" rtl="0" algn="ctr">
-              <a:spcBef>
-                <a:spcPts val="0"/>
-              </a:spcBef>
-              <a:spcAft>
-                <a:spcPts val="0"/>
-              </a:spcAft>
-              <a:buClr>
-                <a:srgbClr val="000000"/>
-              </a:buClr>
-              <a:buSzPts val="1600"/>
-              <a:buFont typeface="Arial"/>
-              <a:buNone/>
-            </a:pPr>
-            <a:r>
-              <a:rPr lang="es-VE" sz="1600">
-                <a:latin typeface="Corbel"/>
-                <a:ea typeface="Corbel"/>
-                <a:cs typeface="Corbel"/>
-                <a:sym typeface="Corbel"/>
-              </a:rPr>
-              <a:t>Poner en verde las asignaturas solicitadas por algún miembro del grupo</a:t>
-            </a:r>
-            <a:endParaRPr b="0" i="0" sz="1600" u="none" cap="none" strike="noStrike">
-              <a:latin typeface="Corbel"/>
-              <a:ea typeface="Corbel"/>
-              <a:cs typeface="Corbel"/>
-              <a:sym typeface="Corbel"/>
-            </a:endParaRPr>
-          </a:p>
-        </p:txBody>
-      </p:sp>
-      <p:sp>
-        <p:nvSpPr>
-          <p:cNvPr id="154" name="Google Shape;154;g8801683ef4_0_0"/>
-          <p:cNvSpPr/>
-          <p:nvPr/>
-        </p:nvSpPr>
-        <p:spPr>
-          <a:xfrm>
-            <a:off x="7715475" y="4382050"/>
-            <a:ext cx="2147700" cy="1514400"/>
-          </a:xfrm>
-          <a:prstGeom prst="homePlate">
-            <a:avLst>
-              <a:gd fmla="val 50000" name="adj"/>
-            </a:avLst>
-          </a:prstGeom>
-          <a:solidFill>
-            <a:srgbClr val="F1C232"/>
-          </a:solidFill>
-          <a:ln cap="flat" cmpd="sng" w="12700">
-            <a:solidFill>
-              <a:srgbClr val="F1C232"/>
-            </a:solidFill>
-            <a:prstDash val="solid"/>
-            <a:miter lim="800000"/>
-            <a:headEnd len="sm" w="sm" type="none"/>
-            <a:tailEnd len="sm" w="sm" type="none"/>
-          </a:ln>
-        </p:spPr>
-        <p:txBody>
-          <a:bodyPr anchorCtr="0" anchor="ctr" bIns="45700" lIns="91425" spcFirstLastPara="1" rIns="91425" wrap="square" tIns="45700">
-            <a:noAutofit/>
-          </a:bodyPr>
-          <a:lstStyle/>
-          <a:p>
-            <a:pPr indent="0" lvl="0" marL="0" marR="0" rtl="0" algn="ctr">
-              <a:lnSpc>
-                <a:spcPct val="100000"/>
-              </a:lnSpc>
-              <a:spcBef>
-                <a:spcPts val="0"/>
-              </a:spcBef>
-              <a:spcAft>
-                <a:spcPts val="0"/>
-              </a:spcAft>
-              <a:buClr>
-                <a:srgbClr val="000000"/>
-              </a:buClr>
-              <a:buSzPts val="1600"/>
-              <a:buFont typeface="Arial"/>
-              <a:buNone/>
-            </a:pPr>
-            <a:r>
-              <a:rPr lang="es-VE" sz="1600">
-                <a:latin typeface="Corbel"/>
-                <a:ea typeface="Corbel"/>
-                <a:cs typeface="Corbel"/>
-                <a:sym typeface="Corbel"/>
-              </a:rPr>
-              <a:t>Crear un popup para confirmar o no, la </a:t>
-            </a:r>
-            <a:r>
-              <a:rPr lang="es-VE" sz="1600">
-                <a:latin typeface="Corbel"/>
-                <a:ea typeface="Corbel"/>
-                <a:cs typeface="Corbel"/>
-                <a:sym typeface="Corbel"/>
-              </a:rPr>
-              <a:t>cancelación</a:t>
-            </a:r>
-            <a:r>
-              <a:rPr lang="es-VE" sz="1600">
-                <a:latin typeface="Corbel"/>
-                <a:ea typeface="Corbel"/>
-                <a:cs typeface="Corbel"/>
-                <a:sym typeface="Corbel"/>
-              </a:rPr>
-              <a:t> de la </a:t>
-            </a:r>
-            <a:r>
-              <a:rPr lang="es-VE" sz="1600">
-                <a:latin typeface="Corbel"/>
-                <a:ea typeface="Corbel"/>
-                <a:cs typeface="Corbel"/>
-                <a:sym typeface="Corbel"/>
-              </a:rPr>
-              <a:t>reunión</a:t>
-            </a:r>
-            <a:endParaRPr b="0" i="0" sz="1600" u="none" cap="none" strike="noStrike">
-              <a:latin typeface="Corbel"/>
-              <a:ea typeface="Corbel"/>
-              <a:cs typeface="Corbel"/>
-              <a:sym typeface="Corbel"/>
-            </a:endParaRPr>
-          </a:p>
-        </p:txBody>
-      </p:sp>
-      <p:sp>
-        <p:nvSpPr>
-          <p:cNvPr id="155" name="Google Shape;155;g8801683ef4_0_0"/>
-          <p:cNvSpPr/>
-          <p:nvPr/>
-        </p:nvSpPr>
-        <p:spPr>
-          <a:xfrm>
-            <a:off x="2478800" y="743650"/>
-            <a:ext cx="2247000" cy="1514400"/>
-          </a:xfrm>
-          <a:prstGeom prst="homePlate">
-            <a:avLst>
-              <a:gd fmla="val 50000" name="adj"/>
-            </a:avLst>
-          </a:prstGeom>
-          <a:solidFill>
-            <a:srgbClr val="F1C232"/>
-          </a:solidFill>
-          <a:ln cap="flat" cmpd="sng" w="12700">
-            <a:solidFill>
-              <a:srgbClr val="F1C232"/>
-            </a:solidFill>
-            <a:prstDash val="solid"/>
-            <a:miter lim="800000"/>
-            <a:headEnd len="sm" w="sm" type="none"/>
-            <a:tailEnd len="sm" w="sm" type="none"/>
-          </a:ln>
-        </p:spPr>
-        <p:txBody>
-          <a:bodyPr anchorCtr="0" anchor="ctr" bIns="45700" lIns="91425" spcFirstLastPara="1" rIns="91425" wrap="square" tIns="45700">
-            <a:noAutofit/>
-          </a:bodyPr>
-          <a:lstStyle/>
-          <a:p>
-            <a:pPr indent="0" lvl="0" marL="0" marR="0" rtl="0" algn="ctr">
-              <a:lnSpc>
-                <a:spcPct val="100000"/>
-              </a:lnSpc>
-              <a:spcBef>
-                <a:spcPts val="0"/>
-              </a:spcBef>
-              <a:spcAft>
-                <a:spcPts val="0"/>
-              </a:spcAft>
-              <a:buClr>
-                <a:srgbClr val="000000"/>
-              </a:buClr>
-              <a:buSzPts val="1600"/>
-              <a:buFont typeface="Arial"/>
-              <a:buNone/>
-            </a:pPr>
-            <a:r>
-              <a:rPr lang="es-VE" sz="1600">
-                <a:latin typeface="Corbel"/>
-                <a:ea typeface="Corbel"/>
-                <a:cs typeface="Corbel"/>
-                <a:sym typeface="Corbel"/>
-              </a:rPr>
-              <a:t>Crear un usuario tipo Alumno y otro tipo Profesor con el email mariomarugan10</a:t>
-            </a:r>
-            <a:endParaRPr b="0" i="0" sz="1600" u="none" cap="none" strike="noStrike">
+              </a:solidFill>
               <a:latin typeface="Corbel"/>
               <a:ea typeface="Corbel"/>
               <a:cs typeface="Corbel"/>
@@ -25258,6 +27034,285 @@
 </file>
 
 <file path=ppt/theme/theme1.xml><?xml version="1.0" encoding="utf-8"?>
+<a:theme xmlns:a="http://schemas.openxmlformats.org/drawingml/2006/main" xmlns:r="http://schemas.openxmlformats.org/officeDocument/2006/relationships" name="Tema de Office">
+  <a:themeElements>
+    <a:clrScheme name="Office">
+      <a:dk1>
+        <a:srgbClr val="000000"/>
+      </a:dk1>
+      <a:lt1>
+        <a:srgbClr val="FFFFFF"/>
+      </a:lt1>
+      <a:dk2>
+        <a:srgbClr val="44546A"/>
+      </a:dk2>
+      <a:lt2>
+        <a:srgbClr val="E7E6E6"/>
+      </a:lt2>
+      <a:accent1>
+        <a:srgbClr val="4472C4"/>
+      </a:accent1>
+      <a:accent2>
+        <a:srgbClr val="ED7D31"/>
+      </a:accent2>
+      <a:accent3>
+        <a:srgbClr val="A5A5A5"/>
+      </a:accent3>
+      <a:accent4>
+        <a:srgbClr val="FFC000"/>
+      </a:accent4>
+      <a:accent5>
+        <a:srgbClr val="5B9BD5"/>
+      </a:accent5>
+      <a:accent6>
+        <a:srgbClr val="70AD47"/>
+      </a:accent6>
+      <a:hlink>
+        <a:srgbClr val="0563C1"/>
+      </a:hlink>
+      <a:folHlink>
+        <a:srgbClr val="954F72"/>
+      </a:folHlink>
+    </a:clrScheme>
+    <a:fontScheme name="Office">
+      <a:majorFont>
+        <a:latin typeface="Arial"/>
+        <a:ea typeface=""/>
+        <a:cs typeface=""/>
+        <a:font script="Jpan" typeface="ＭＳ Ｐゴシック"/>
+        <a:font script="Hang" typeface="맑은 고딕"/>
+        <a:font script="Hans" typeface="宋体"/>
+        <a:font script="Hant" typeface="新細明體"/>
+        <a:font script="Arab" typeface="Times New Roman"/>
+        <a:font script="Hebr" typeface="Times New Roman"/>
+        <a:font script="Thai" typeface="Angsana New"/>
+        <a:font script="Ethi" typeface="Nyala"/>
+        <a:font script="Beng" typeface="Vrinda"/>
+        <a:font script="Gujr" typeface="Shruti"/>
+        <a:font script="Khmr" typeface="MoolBoran"/>
+        <a:font script="Knda" typeface="Tunga"/>
+        <a:font script="Guru" typeface="Raavi"/>
+        <a:font script="Cans" typeface="Euphemia"/>
+        <a:font script="Cher" typeface="Plantagenet Cherokee"/>
+        <a:font script="Yiii" typeface="Microsoft Yi Baiti"/>
+        <a:font script="Tibt" typeface="Microsoft Himalaya"/>
+        <a:font script="Thaa" typeface="MV Boli"/>
+        <a:font script="Deva" typeface="Mangal"/>
+        <a:font script="Telu" typeface="Gautami"/>
+        <a:font script="Taml" typeface="Latha"/>
+        <a:font script="Syrc" typeface="Estrangelo Edessa"/>
+        <a:font script="Orya" typeface="Kalinga"/>
+        <a:font script="Mlym" typeface="Kartika"/>
+        <a:font script="Laoo" typeface="DokChampa"/>
+        <a:font script="Sinh" typeface="Iskoola Pota"/>
+        <a:font script="Mong" typeface="Mongolian Baiti"/>
+        <a:font script="Viet" typeface="Times New Roman"/>
+        <a:font script="Uigh" typeface="Microsoft Uighur"/>
+        <a:font script="Geor" typeface="Sylfaen"/>
+      </a:majorFont>
+      <a:minorFont>
+        <a:latin typeface="Arial"/>
+        <a:ea typeface=""/>
+        <a:cs typeface=""/>
+        <a:font script="Jpan" typeface="ＭＳ Ｐゴシック"/>
+        <a:font script="Hang" typeface="맑은 고딕"/>
+        <a:font script="Hans" typeface="宋体"/>
+        <a:font script="Hant" typeface="新細明體"/>
+        <a:font script="Arab" typeface="Arial"/>
+        <a:font script="Hebr" typeface="Arial"/>
+        <a:font script="Thai" typeface="Cordia New"/>
+        <a:font script="Ethi" typeface="Nyala"/>
+        <a:font script="Beng" typeface="Vrinda"/>
+        <a:font script="Gujr" typeface="Shruti"/>
+        <a:font script="Khmr" typeface="DaunPenh"/>
+        <a:font script="Knda" typeface="Tunga"/>
+        <a:font script="Guru" typeface="Raavi"/>
+        <a:font script="Cans" typeface="Euphemia"/>
+        <a:font script="Cher" typeface="Plantagenet Cherokee"/>
+        <a:font script="Yiii" typeface="Microsoft Yi Baiti"/>
+        <a:font script="Tibt" typeface="Microsoft Himalaya"/>
+        <a:font script="Thaa" typeface="MV Boli"/>
+        <a:font script="Deva" typeface="Mangal"/>
+        <a:font script="Telu" typeface="Gautami"/>
+        <a:font script="Taml" typeface="Latha"/>
+        <a:font script="Syrc" typeface="Estrangelo Edessa"/>
+        <a:font script="Orya" typeface="Kalinga"/>
+        <a:font script="Mlym" typeface="Kartika"/>
+        <a:font script="Laoo" typeface="DokChampa"/>
+        <a:font script="Sinh" typeface="Iskoola Pota"/>
+        <a:font script="Mong" typeface="Mongolian Baiti"/>
+        <a:font script="Viet" typeface="Arial"/>
+        <a:font script="Uigh" typeface="Microsoft Uighur"/>
+        <a:font script="Geor" typeface="Sylfaen"/>
+      </a:minorFont>
+    </a:fontScheme>
+    <a:fmtScheme name="Office">
+      <a:fillStyleLst>
+        <a:solidFill>
+          <a:schemeClr val="phClr"/>
+        </a:solidFill>
+        <a:gradFill rotWithShape="1">
+          <a:gsLst>
+            <a:gs pos="0">
+              <a:schemeClr val="phClr">
+                <a:tint val="50000"/>
+                <a:satMod val="300000"/>
+              </a:schemeClr>
+            </a:gs>
+            <a:gs pos="35000">
+              <a:schemeClr val="phClr">
+                <a:tint val="37000"/>
+                <a:satMod val="300000"/>
+              </a:schemeClr>
+            </a:gs>
+            <a:gs pos="100000">
+              <a:schemeClr val="phClr">
+                <a:tint val="15000"/>
+                <a:satMod val="350000"/>
+              </a:schemeClr>
+            </a:gs>
+          </a:gsLst>
+          <a:lin ang="16200000" scaled="1"/>
+        </a:gradFill>
+        <a:gradFill rotWithShape="1">
+          <a:gsLst>
+            <a:gs pos="0">
+              <a:schemeClr val="phClr">
+                <a:tint val="100000"/>
+                <a:shade val="100000"/>
+                <a:satMod val="130000"/>
+              </a:schemeClr>
+            </a:gs>
+            <a:gs pos="100000">
+              <a:schemeClr val="phClr">
+                <a:tint val="50000"/>
+                <a:shade val="100000"/>
+                <a:satMod val="350000"/>
+              </a:schemeClr>
+            </a:gs>
+          </a:gsLst>
+          <a:lin ang="16200000" scaled="0"/>
+        </a:gradFill>
+      </a:fillStyleLst>
+      <a:lnStyleLst>
+        <a:ln w="9525" cap="flat" cmpd="sng" algn="ctr">
+          <a:solidFill>
+            <a:schemeClr val="phClr">
+              <a:shade val="95000"/>
+              <a:satMod val="105000"/>
+            </a:schemeClr>
+          </a:solidFill>
+          <a:prstDash val="solid"/>
+        </a:ln>
+        <a:ln w="25400" cap="flat" cmpd="sng" algn="ctr">
+          <a:solidFill>
+            <a:schemeClr val="phClr"/>
+          </a:solidFill>
+          <a:prstDash val="solid"/>
+        </a:ln>
+        <a:ln w="38100" cap="flat" cmpd="sng" algn="ctr">
+          <a:solidFill>
+            <a:schemeClr val="phClr"/>
+          </a:solidFill>
+          <a:prstDash val="solid"/>
+        </a:ln>
+      </a:lnStyleLst>
+      <a:effectStyleLst>
+        <a:effectStyle>
+          <a:effectLst>
+            <a:outerShdw blurRad="40000" dist="20000" dir="5400000" rotWithShape="0">
+              <a:srgbClr val="000000">
+                <a:alpha val="38000"/>
+              </a:srgbClr>
+            </a:outerShdw>
+          </a:effectLst>
+        </a:effectStyle>
+        <a:effectStyle>
+          <a:effectLst>
+            <a:outerShdw blurRad="40000" dist="23000" dir="5400000" rotWithShape="0">
+              <a:srgbClr val="000000">
+                <a:alpha val="35000"/>
+              </a:srgbClr>
+            </a:outerShdw>
+          </a:effectLst>
+        </a:effectStyle>
+        <a:effectStyle>
+          <a:effectLst>
+            <a:outerShdw blurRad="40000" dist="23000" dir="5400000" rotWithShape="0">
+              <a:srgbClr val="000000">
+                <a:alpha val="35000"/>
+              </a:srgbClr>
+            </a:outerShdw>
+          </a:effectLst>
+          <a:scene3d>
+            <a:camera prst="orthographicFront">
+              <a:rot lat="0" lon="0" rev="0"/>
+            </a:camera>
+            <a:lightRig rig="threePt" dir="t">
+              <a:rot lat="0" lon="0" rev="1200000"/>
+            </a:lightRig>
+          </a:scene3d>
+          <a:sp3d>
+            <a:bevelT w="63500" h="25400"/>
+          </a:sp3d>
+        </a:effectStyle>
+      </a:effectStyleLst>
+      <a:bgFillStyleLst>
+        <a:solidFill>
+          <a:schemeClr val="phClr"/>
+        </a:solidFill>
+        <a:gradFill rotWithShape="1">
+          <a:gsLst>
+            <a:gs pos="0">
+              <a:schemeClr val="phClr">
+                <a:tint val="40000"/>
+                <a:satMod val="350000"/>
+              </a:schemeClr>
+            </a:gs>
+            <a:gs pos="40000">
+              <a:schemeClr val="phClr">
+                <a:tint val="45000"/>
+                <a:shade val="99000"/>
+                <a:satMod val="350000"/>
+              </a:schemeClr>
+            </a:gs>
+            <a:gs pos="100000">
+              <a:schemeClr val="phClr">
+                <a:shade val="20000"/>
+                <a:satMod val="255000"/>
+              </a:schemeClr>
+            </a:gs>
+          </a:gsLst>
+          <a:path path="circle">
+            <a:fillToRect l="50000" t="-80000" r="50000" b="180000"/>
+          </a:path>
+        </a:gradFill>
+        <a:gradFill rotWithShape="1">
+          <a:gsLst>
+            <a:gs pos="0">
+              <a:schemeClr val="phClr">
+                <a:tint val="80000"/>
+                <a:satMod val="300000"/>
+              </a:schemeClr>
+            </a:gs>
+            <a:gs pos="100000">
+              <a:schemeClr val="phClr">
+                <a:shade val="30000"/>
+                <a:satMod val="200000"/>
+              </a:schemeClr>
+            </a:gs>
+          </a:gsLst>
+          <a:path path="circle">
+            <a:fillToRect l="50000" t="50000" r="50000" b="50000"/>
+          </a:path>
+        </a:gradFill>
+      </a:bgFillStyleLst>
+    </a:fmtScheme>
+  </a:themeElements>
+</a:theme>
+</file>
+
+<file path=ppt/theme/theme2.xml><?xml version="1.0" encoding="utf-8"?>
 <a:theme xmlns:a="http://schemas.openxmlformats.org/drawingml/2006/main" xmlns:r="http://schemas.openxmlformats.org/officeDocument/2006/relationships" name="Plantilla Azul Clase">
   <a:themeElements>
     <a:clrScheme name="Banded Design Blue">
@@ -25534,283 +27589,4 @@
     </a:fmtScheme>
   </a:themeElements>
 </a:theme>
-</file>
-
-<file path=ppt/theme/theme2.xml><?xml version="1.0" encoding="utf-8"?>
-<a:theme xmlns:a="http://schemas.openxmlformats.org/drawingml/2006/main" xmlns:r="http://schemas.openxmlformats.org/officeDocument/2006/relationships" name="Tema de Office">
-  <a:themeElements>
-    <a:clrScheme name="Office">
-      <a:dk1>
-        <a:srgbClr val="000000"/>
-      </a:dk1>
-      <a:lt1>
-        <a:srgbClr val="FFFFFF"/>
-      </a:lt1>
-      <a:dk2>
-        <a:srgbClr val="44546A"/>
-      </a:dk2>
-      <a:lt2>
-        <a:srgbClr val="E7E6E6"/>
-      </a:lt2>
-      <a:accent1>
-        <a:srgbClr val="4472C4"/>
-      </a:accent1>
-      <a:accent2>
-        <a:srgbClr val="ED7D31"/>
-      </a:accent2>
-      <a:accent3>
-        <a:srgbClr val="A5A5A5"/>
-      </a:accent3>
-      <a:accent4>
-        <a:srgbClr val="FFC000"/>
-      </a:accent4>
-      <a:accent5>
-        <a:srgbClr val="5B9BD5"/>
-      </a:accent5>
-      <a:accent6>
-        <a:srgbClr val="70AD47"/>
-      </a:accent6>
-      <a:hlink>
-        <a:srgbClr val="0563C1"/>
-      </a:hlink>
-      <a:folHlink>
-        <a:srgbClr val="954F72"/>
-      </a:folHlink>
-    </a:clrScheme>
-    <a:fontScheme name="Office">
-      <a:majorFont>
-        <a:latin typeface="Arial"/>
-        <a:ea typeface=""/>
-        <a:cs typeface=""/>
-        <a:font script="Jpan" typeface="ＭＳ Ｐゴシック"/>
-        <a:font script="Hang" typeface="맑은 고딕"/>
-        <a:font script="Hans" typeface="宋体"/>
-        <a:font script="Hant" typeface="新細明體"/>
-        <a:font script="Arab" typeface="Times New Roman"/>
-        <a:font script="Hebr" typeface="Times New Roman"/>
-        <a:font script="Thai" typeface="Angsana New"/>
-        <a:font script="Ethi" typeface="Nyala"/>
-        <a:font script="Beng" typeface="Vrinda"/>
-        <a:font script="Gujr" typeface="Shruti"/>
-        <a:font script="Khmr" typeface="MoolBoran"/>
-        <a:font script="Knda" typeface="Tunga"/>
-        <a:font script="Guru" typeface="Raavi"/>
-        <a:font script="Cans" typeface="Euphemia"/>
-        <a:font script="Cher" typeface="Plantagenet Cherokee"/>
-        <a:font script="Yiii" typeface="Microsoft Yi Baiti"/>
-        <a:font script="Tibt" typeface="Microsoft Himalaya"/>
-        <a:font script="Thaa" typeface="MV Boli"/>
-        <a:font script="Deva" typeface="Mangal"/>
-        <a:font script="Telu" typeface="Gautami"/>
-        <a:font script="Taml" typeface="Latha"/>
-        <a:font script="Syrc" typeface="Estrangelo Edessa"/>
-        <a:font script="Orya" typeface="Kalinga"/>
-        <a:font script="Mlym" typeface="Kartika"/>
-        <a:font script="Laoo" typeface="DokChampa"/>
-        <a:font script="Sinh" typeface="Iskoola Pota"/>
-        <a:font script="Mong" typeface="Mongolian Baiti"/>
-        <a:font script="Viet" typeface="Times New Roman"/>
-        <a:font script="Uigh" typeface="Microsoft Uighur"/>
-        <a:font script="Geor" typeface="Sylfaen"/>
-      </a:majorFont>
-      <a:minorFont>
-        <a:latin typeface="Arial"/>
-        <a:ea typeface=""/>
-        <a:cs typeface=""/>
-        <a:font script="Jpan" typeface="ＭＳ Ｐゴシック"/>
-        <a:font script="Hang" typeface="맑은 고딕"/>
-        <a:font script="Hans" typeface="宋体"/>
-        <a:font script="Hant" typeface="新細明體"/>
-        <a:font script="Arab" typeface="Arial"/>
-        <a:font script="Hebr" typeface="Arial"/>
-        <a:font script="Thai" typeface="Cordia New"/>
-        <a:font script="Ethi" typeface="Nyala"/>
-        <a:font script="Beng" typeface="Vrinda"/>
-        <a:font script="Gujr" typeface="Shruti"/>
-        <a:font script="Khmr" typeface="DaunPenh"/>
-        <a:font script="Knda" typeface="Tunga"/>
-        <a:font script="Guru" typeface="Raavi"/>
-        <a:font script="Cans" typeface="Euphemia"/>
-        <a:font script="Cher" typeface="Plantagenet Cherokee"/>
-        <a:font script="Yiii" typeface="Microsoft Yi Baiti"/>
-        <a:font script="Tibt" typeface="Microsoft Himalaya"/>
-        <a:font script="Thaa" typeface="MV Boli"/>
-        <a:font script="Deva" typeface="Mangal"/>
-        <a:font script="Telu" typeface="Gautami"/>
-        <a:font script="Taml" typeface="Latha"/>
-        <a:font script="Syrc" typeface="Estrangelo Edessa"/>
-        <a:font script="Orya" typeface="Kalinga"/>
-        <a:font script="Mlym" typeface="Kartika"/>
-        <a:font script="Laoo" typeface="DokChampa"/>
-        <a:font script="Sinh" typeface="Iskoola Pota"/>
-        <a:font script="Mong" typeface="Mongolian Baiti"/>
-        <a:font script="Viet" typeface="Arial"/>
-        <a:font script="Uigh" typeface="Microsoft Uighur"/>
-        <a:font script="Geor" typeface="Sylfaen"/>
-      </a:minorFont>
-    </a:fontScheme>
-    <a:fmtScheme name="Office">
-      <a:fillStyleLst>
-        <a:solidFill>
-          <a:schemeClr val="phClr"/>
-        </a:solidFill>
-        <a:gradFill rotWithShape="1">
-          <a:gsLst>
-            <a:gs pos="0">
-              <a:schemeClr val="phClr">
-                <a:tint val="50000"/>
-                <a:satMod val="300000"/>
-              </a:schemeClr>
-            </a:gs>
-            <a:gs pos="35000">
-              <a:schemeClr val="phClr">
-                <a:tint val="37000"/>
-                <a:satMod val="300000"/>
-              </a:schemeClr>
-            </a:gs>
-            <a:gs pos="100000">
-              <a:schemeClr val="phClr">
-                <a:tint val="15000"/>
-                <a:satMod val="350000"/>
-              </a:schemeClr>
-            </a:gs>
-          </a:gsLst>
-          <a:lin ang="16200000" scaled="1"/>
-        </a:gradFill>
-        <a:gradFill rotWithShape="1">
-          <a:gsLst>
-            <a:gs pos="0">
-              <a:schemeClr val="phClr">
-                <a:tint val="100000"/>
-                <a:shade val="100000"/>
-                <a:satMod val="130000"/>
-              </a:schemeClr>
-            </a:gs>
-            <a:gs pos="100000">
-              <a:schemeClr val="phClr">
-                <a:tint val="50000"/>
-                <a:shade val="100000"/>
-                <a:satMod val="350000"/>
-              </a:schemeClr>
-            </a:gs>
-          </a:gsLst>
-          <a:lin ang="16200000" scaled="0"/>
-        </a:gradFill>
-      </a:fillStyleLst>
-      <a:lnStyleLst>
-        <a:ln w="9525" cap="flat" cmpd="sng" algn="ctr">
-          <a:solidFill>
-            <a:schemeClr val="phClr">
-              <a:shade val="95000"/>
-              <a:satMod val="105000"/>
-            </a:schemeClr>
-          </a:solidFill>
-          <a:prstDash val="solid"/>
-        </a:ln>
-        <a:ln w="25400" cap="flat" cmpd="sng" algn="ctr">
-          <a:solidFill>
-            <a:schemeClr val="phClr"/>
-          </a:solidFill>
-          <a:prstDash val="solid"/>
-        </a:ln>
-        <a:ln w="38100" cap="flat" cmpd="sng" algn="ctr">
-          <a:solidFill>
-            <a:schemeClr val="phClr"/>
-          </a:solidFill>
-          <a:prstDash val="solid"/>
-        </a:ln>
-      </a:lnStyleLst>
-      <a:effectStyleLst>
-        <a:effectStyle>
-          <a:effectLst>
-            <a:outerShdw blurRad="40000" dist="20000" dir="5400000" rotWithShape="0">
-              <a:srgbClr val="000000">
-                <a:alpha val="38000"/>
-              </a:srgbClr>
-            </a:outerShdw>
-          </a:effectLst>
-        </a:effectStyle>
-        <a:effectStyle>
-          <a:effectLst>
-            <a:outerShdw blurRad="40000" dist="23000" dir="5400000" rotWithShape="0">
-              <a:srgbClr val="000000">
-                <a:alpha val="35000"/>
-              </a:srgbClr>
-            </a:outerShdw>
-          </a:effectLst>
-        </a:effectStyle>
-        <a:effectStyle>
-          <a:effectLst>
-            <a:outerShdw blurRad="40000" dist="23000" dir="5400000" rotWithShape="0">
-              <a:srgbClr val="000000">
-                <a:alpha val="35000"/>
-              </a:srgbClr>
-            </a:outerShdw>
-          </a:effectLst>
-          <a:scene3d>
-            <a:camera prst="orthographicFront">
-              <a:rot lat="0" lon="0" rev="0"/>
-            </a:camera>
-            <a:lightRig rig="threePt" dir="t">
-              <a:rot lat="0" lon="0" rev="1200000"/>
-            </a:lightRig>
-          </a:scene3d>
-          <a:sp3d>
-            <a:bevelT w="63500" h="25400"/>
-          </a:sp3d>
-        </a:effectStyle>
-      </a:effectStyleLst>
-      <a:bgFillStyleLst>
-        <a:solidFill>
-          <a:schemeClr val="phClr"/>
-        </a:solidFill>
-        <a:gradFill rotWithShape="1">
-          <a:gsLst>
-            <a:gs pos="0">
-              <a:schemeClr val="phClr">
-                <a:tint val="40000"/>
-                <a:satMod val="350000"/>
-              </a:schemeClr>
-            </a:gs>
-            <a:gs pos="40000">
-              <a:schemeClr val="phClr">
-                <a:tint val="45000"/>
-                <a:shade val="99000"/>
-                <a:satMod val="350000"/>
-              </a:schemeClr>
-            </a:gs>
-            <a:gs pos="100000">
-              <a:schemeClr val="phClr">
-                <a:shade val="20000"/>
-                <a:satMod val="255000"/>
-              </a:schemeClr>
-            </a:gs>
-          </a:gsLst>
-          <a:path path="circle">
-            <a:fillToRect l="50000" t="-80000" r="50000" b="180000"/>
-          </a:path>
-        </a:gradFill>
-        <a:gradFill rotWithShape="1">
-          <a:gsLst>
-            <a:gs pos="0">
-              <a:schemeClr val="phClr">
-                <a:tint val="80000"/>
-                <a:satMod val="300000"/>
-              </a:schemeClr>
-            </a:gs>
-            <a:gs pos="100000">
-              <a:schemeClr val="phClr">
-                <a:shade val="30000"/>
-                <a:satMod val="200000"/>
-              </a:schemeClr>
-            </a:gs>
-          </a:gsLst>
-          <a:path path="circle">
-            <a:fillToRect l="50000" t="50000" r="50000" b="50000"/>
-          </a:path>
-        </a:gradFill>
-      </a:bgFillStyleLst>
-    </a:fmtScheme>
-  </a:themeElements>
-</a:theme>
 </file>